--- a/pySEAFOM_updates.pptx
+++ b/pySEAFOM_updates.pptx
@@ -124,7 +124,7 @@
 <file path=ppt/revisionInfo.xml><?xml version="1.0" encoding="utf-8"?>
 <p1510:revInfo xmlns:a="http://schemas.openxmlformats.org/drawingml/2006/main" xmlns:r="http://schemas.openxmlformats.org/officeDocument/2006/relationships" xmlns:p1510="http://schemas.microsoft.com/office/powerpoint/2015/10/main">
   <p1510:revLst>
-    <p1510:client id="{BB04EFC6-8268-4F75-9FC2-149BB3B3C991}" v="274" dt="2025-11-19T13:54:49.297"/>
+    <p1510:client id="{BB04EFC6-8268-4F75-9FC2-149BB3B3C991}" v="384" dt="2025-11-19T15:19:26.937"/>
   </p1510:revLst>
 </p1510:revInfo>
 </file>
@@ -134,7 +134,7 @@
   <pc:docChgLst>
     <pc:chgData name="Moradi, Peyman" userId="dba91eb0-4a36-42e9-bb56-2c55a234965d" providerId="ADAL" clId="{BB04EFC6-8268-4F75-9FC2-149BB3B3C991}"/>
     <pc:docChg chg="undo custSel addSld modSld sldOrd modMainMaster">
-      <pc:chgData name="Moradi, Peyman" userId="dba91eb0-4a36-42e9-bb56-2c55a234965d" providerId="ADAL" clId="{BB04EFC6-8268-4F75-9FC2-149BB3B3C991}" dt="2025-11-19T13:55:46.655" v="615" actId="6549"/>
+      <pc:chgData name="Moradi, Peyman" userId="dba91eb0-4a36-42e9-bb56-2c55a234965d" providerId="ADAL" clId="{BB04EFC6-8268-4F75-9FC2-149BB3B3C991}" dt="2025-11-19T15:50:15.941" v="803" actId="404"/>
       <pc:docMkLst>
         <pc:docMk/>
       </pc:docMkLst>
@@ -161,12 +161,20 @@
           </ac:picMkLst>
         </pc:picChg>
       </pc:sldChg>
-      <pc:sldChg chg="modSp mod">
-        <pc:chgData name="Moradi, Peyman" userId="dba91eb0-4a36-42e9-bb56-2c55a234965d" providerId="ADAL" clId="{BB04EFC6-8268-4F75-9FC2-149BB3B3C991}" dt="2025-11-19T12:38:59.452" v="369" actId="403"/>
+      <pc:sldChg chg="delSp modSp mod">
+        <pc:chgData name="Moradi, Peyman" userId="dba91eb0-4a36-42e9-bb56-2c55a234965d" providerId="ADAL" clId="{BB04EFC6-8268-4F75-9FC2-149BB3B3C991}" dt="2025-11-19T15:10:36.713" v="616" actId="21"/>
         <pc:sldMkLst>
           <pc:docMk/>
           <pc:sldMk cId="3609631159" sldId="258"/>
         </pc:sldMkLst>
+        <pc:spChg chg="del">
+          <ac:chgData name="Moradi, Peyman" userId="dba91eb0-4a36-42e9-bb56-2c55a234965d" providerId="ADAL" clId="{BB04EFC6-8268-4F75-9FC2-149BB3B3C991}" dt="2025-11-19T15:10:36.713" v="616" actId="21"/>
+          <ac:spMkLst>
+            <pc:docMk/>
+            <pc:sldMk cId="3609631159" sldId="258"/>
+            <ac:spMk id="2" creationId="{218C56B6-D9EB-C32A-C584-FD1B26AE6B6A}"/>
+          </ac:spMkLst>
+        </pc:spChg>
         <pc:graphicFrameChg chg="modGraphic">
           <ac:chgData name="Moradi, Peyman" userId="dba91eb0-4a36-42e9-bb56-2c55a234965d" providerId="ADAL" clId="{BB04EFC6-8268-4F75-9FC2-149BB3B3C991}" dt="2025-11-19T12:38:59.452" v="369" actId="403"/>
           <ac:graphicFrameMkLst>
@@ -177,17 +185,57 @@
         </pc:graphicFrameChg>
       </pc:sldChg>
       <pc:sldChg chg="addSp delSp modSp mod ord">
-        <pc:chgData name="Moradi, Peyman" userId="dba91eb0-4a36-42e9-bb56-2c55a234965d" providerId="ADAL" clId="{BB04EFC6-8268-4F75-9FC2-149BB3B3C991}" dt="2025-11-19T13:55:20.804" v="573" actId="20577"/>
+        <pc:chgData name="Moradi, Peyman" userId="dba91eb0-4a36-42e9-bb56-2c55a234965d" providerId="ADAL" clId="{BB04EFC6-8268-4F75-9FC2-149BB3B3C991}" dt="2025-11-19T15:19:26.935" v="802" actId="207"/>
         <pc:sldMkLst>
           <pc:docMk/>
           <pc:sldMk cId="348206209" sldId="259"/>
         </pc:sldMkLst>
         <pc:spChg chg="add mod">
-          <ac:chgData name="Moradi, Peyman" userId="dba91eb0-4a36-42e9-bb56-2c55a234965d" providerId="ADAL" clId="{BB04EFC6-8268-4F75-9FC2-149BB3B3C991}" dt="2025-11-19T13:55:20.804" v="573" actId="20577"/>
+          <ac:chgData name="Moradi, Peyman" userId="dba91eb0-4a36-42e9-bb56-2c55a234965d" providerId="ADAL" clId="{BB04EFC6-8268-4F75-9FC2-149BB3B3C991}" dt="2025-11-19T15:18:02.567" v="775" actId="1076"/>
           <ac:spMkLst>
             <pc:docMk/>
             <pc:sldMk cId="348206209" sldId="259"/>
             <ac:spMk id="2" creationId="{22D6B876-51A5-CDD2-898A-E4BB297A725F}"/>
+          </ac:spMkLst>
+        </pc:spChg>
+        <pc:spChg chg="add del mod">
+          <ac:chgData name="Moradi, Peyman" userId="dba91eb0-4a36-42e9-bb56-2c55a234965d" providerId="ADAL" clId="{BB04EFC6-8268-4F75-9FC2-149BB3B3C991}" dt="2025-11-19T15:15:39.045" v="705" actId="12084"/>
+          <ac:spMkLst>
+            <pc:docMk/>
+            <pc:sldMk cId="348206209" sldId="259"/>
+            <ac:spMk id="3" creationId="{218C56B6-D9EB-C32A-C584-FD1B26AE6B6A}"/>
+          </ac:spMkLst>
+        </pc:spChg>
+        <pc:spChg chg="add del mod">
+          <ac:chgData name="Moradi, Peyman" userId="dba91eb0-4a36-42e9-bb56-2c55a234965d" providerId="ADAL" clId="{BB04EFC6-8268-4F75-9FC2-149BB3B3C991}" dt="2025-11-19T15:12:23.533" v="672" actId="478"/>
+          <ac:spMkLst>
+            <pc:docMk/>
+            <pc:sldMk cId="348206209" sldId="259"/>
+            <ac:spMk id="5" creationId="{B0D19B97-E0D4-AAB3-87DA-C518F31A89B7}"/>
+          </ac:spMkLst>
+        </pc:spChg>
+        <pc:spChg chg="add">
+          <ac:chgData name="Moradi, Peyman" userId="dba91eb0-4a36-42e9-bb56-2c55a234965d" providerId="ADAL" clId="{BB04EFC6-8268-4F75-9FC2-149BB3B3C991}" dt="2025-11-19T15:13:55.669" v="674"/>
+          <ac:spMkLst>
+            <pc:docMk/>
+            <pc:sldMk cId="348206209" sldId="259"/>
+            <ac:spMk id="6" creationId="{22EDDBEA-25DB-6A90-2140-08424289D9AB}"/>
+          </ac:spMkLst>
+        </pc:spChg>
+        <pc:spChg chg="add">
+          <ac:chgData name="Moradi, Peyman" userId="dba91eb0-4a36-42e9-bb56-2c55a234965d" providerId="ADAL" clId="{BB04EFC6-8268-4F75-9FC2-149BB3B3C991}" dt="2025-11-19T15:14:00.643" v="675"/>
+          <ac:spMkLst>
+            <pc:docMk/>
+            <pc:sldMk cId="348206209" sldId="259"/>
+            <ac:spMk id="7" creationId="{C8A6D4F2-3865-5EEA-85CF-2545873CE7F6}"/>
+          </ac:spMkLst>
+        </pc:spChg>
+        <pc:spChg chg="add">
+          <ac:chgData name="Moradi, Peyman" userId="dba91eb0-4a36-42e9-bb56-2c55a234965d" providerId="ADAL" clId="{BB04EFC6-8268-4F75-9FC2-149BB3B3C991}" dt="2025-11-19T15:15:19.522" v="700"/>
+          <ac:spMkLst>
+            <pc:docMk/>
+            <pc:sldMk cId="348206209" sldId="259"/>
+            <ac:spMk id="8" creationId="{2FA286AE-1DD1-0B0D-FE6A-D69D8E98BFF2}"/>
           </ac:spMkLst>
         </pc:spChg>
         <pc:spChg chg="del">
@@ -198,8 +246,16 @@
             <ac:spMk id="16" creationId="{9889454A-F07F-C0EE-B64E-D2B82809BFB0}"/>
           </ac:spMkLst>
         </pc:spChg>
-        <pc:graphicFrameChg chg="mod">
-          <ac:chgData name="Moradi, Peyman" userId="dba91eb0-4a36-42e9-bb56-2c55a234965d" providerId="ADAL" clId="{BB04EFC6-8268-4F75-9FC2-149BB3B3C991}" dt="2025-11-19T13:53:38.687" v="555" actId="207"/>
+        <pc:graphicFrameChg chg="add mod modGraphic">
+          <ac:chgData name="Moradi, Peyman" userId="dba91eb0-4a36-42e9-bb56-2c55a234965d" providerId="ADAL" clId="{BB04EFC6-8268-4F75-9FC2-149BB3B3C991}" dt="2025-11-19T15:18:28.962" v="780" actId="14100"/>
+          <ac:graphicFrameMkLst>
+            <pc:docMk/>
+            <pc:sldMk cId="348206209" sldId="259"/>
+            <ac:graphicFrameMk id="9" creationId="{AC6D72F3-4A60-50F7-4E1A-41769F30B1FC}"/>
+          </ac:graphicFrameMkLst>
+        </pc:graphicFrameChg>
+        <pc:graphicFrameChg chg="mod modGraphic">
+          <ac:chgData name="Moradi, Peyman" userId="dba91eb0-4a36-42e9-bb56-2c55a234965d" providerId="ADAL" clId="{BB04EFC6-8268-4F75-9FC2-149BB3B3C991}" dt="2025-11-19T15:19:26.935" v="802" actId="207"/>
           <ac:graphicFrameMkLst>
             <pc:docMk/>
             <pc:sldMk cId="348206209" sldId="259"/>
@@ -212,6 +268,22 @@
             <pc:docMk/>
             <pc:sldMk cId="348206209" sldId="259"/>
             <ac:picMk id="24" creationId="{5F67D1E5-CB05-C2C0-B51F-EB3ABD01D627}"/>
+          </ac:picMkLst>
+        </pc:picChg>
+        <pc:picChg chg="add">
+          <ac:chgData name="Moradi, Peyman" userId="dba91eb0-4a36-42e9-bb56-2c55a234965d" providerId="ADAL" clId="{BB04EFC6-8268-4F75-9FC2-149BB3B3C991}" dt="2025-11-19T15:14:07.529" v="676"/>
+          <ac:picMkLst>
+            <pc:docMk/>
+            <pc:sldMk cId="348206209" sldId="259"/>
+            <ac:picMk id="1030" creationId="{E5A6E971-FDAC-388C-DE33-CC3D1B6D4ECD}"/>
+          </ac:picMkLst>
+        </pc:picChg>
+        <pc:picChg chg="add mod">
+          <ac:chgData name="Moradi, Peyman" userId="dba91eb0-4a36-42e9-bb56-2c55a234965d" providerId="ADAL" clId="{BB04EFC6-8268-4F75-9FC2-149BB3B3C991}" dt="2025-11-19T15:19:20.401" v="800" actId="1076"/>
+          <ac:picMkLst>
+            <pc:docMk/>
+            <pc:sldMk cId="348206209" sldId="259"/>
+            <ac:picMk id="1032" creationId="{DD8C88D5-2ECC-586E-F688-6577B864EA43}"/>
           </ac:picMkLst>
         </pc:picChg>
       </pc:sldChg>
@@ -239,7 +311,7 @@
         </pc:picChg>
       </pc:sldChg>
       <pc:sldChg chg="addSp delSp modSp mod">
-        <pc:chgData name="Moradi, Peyman" userId="dba91eb0-4a36-42e9-bb56-2c55a234965d" providerId="ADAL" clId="{BB04EFC6-8268-4F75-9FC2-149BB3B3C991}" dt="2025-11-19T12:36:41.720" v="366" actId="403"/>
+        <pc:chgData name="Moradi, Peyman" userId="dba91eb0-4a36-42e9-bb56-2c55a234965d" providerId="ADAL" clId="{BB04EFC6-8268-4F75-9FC2-149BB3B3C991}" dt="2025-11-19T15:50:15.941" v="803" actId="404"/>
         <pc:sldMkLst>
           <pc:docMk/>
           <pc:sldMk cId="2701834378" sldId="263"/>
@@ -293,7 +365,7 @@
           </ac:grpSpMkLst>
         </pc:grpChg>
         <pc:graphicFrameChg chg="mod modGraphic">
-          <ac:chgData name="Moradi, Peyman" userId="dba91eb0-4a36-42e9-bb56-2c55a234965d" providerId="ADAL" clId="{BB04EFC6-8268-4F75-9FC2-149BB3B3C991}" dt="2025-11-19T12:36:41.720" v="366" actId="403"/>
+          <ac:chgData name="Moradi, Peyman" userId="dba91eb0-4a36-42e9-bb56-2c55a234965d" providerId="ADAL" clId="{BB04EFC6-8268-4F75-9FC2-149BB3B3C991}" dt="2025-11-19T15:50:15.941" v="803" actId="404"/>
           <ac:graphicFrameMkLst>
             <pc:docMk/>
             <pc:sldMk cId="2701834378" sldId="263"/>
@@ -783,15 +855,6 @@
               <ac:spMk id="3" creationId="{B309AB6F-2D50-F760-2936-FCEA6D614876}"/>
             </ac:spMkLst>
           </pc:spChg>
-          <pc:spChg chg="add mod">
-            <ac:chgData name="Moradi, Peyman" userId="dba91eb0-4a36-42e9-bb56-2c55a234965d" providerId="ADAL" clId="{5EE2AE56-8586-43CA-90CA-F979252C708F}" dt="2025-09-21T14:22:52.181" v="232" actId="1076"/>
-            <ac:spMkLst>
-              <pc:docMk/>
-              <pc:sldMasterMk cId="4273989651" sldId="2147483648"/>
-              <pc:sldLayoutMk cId="3198248103" sldId="2147483650"/>
-              <ac:spMk id="8" creationId="{3BE7B532-D608-3BBC-1CE4-2BF51BB263E4}"/>
-            </ac:spMkLst>
-          </pc:spChg>
         </pc:sldLayoutChg>
       </pc:sldMasterChg>
     </pc:docChg>
@@ -3859,6 +3922,813 @@
     <dgm:fillClrLst meth="repeat">
       <a:schemeClr val="accent4">
         <a:tint val="40000"/>
+      </a:schemeClr>
+    </dgm:fillClrLst>
+    <dgm:linClrLst meth="repeat">
+      <a:schemeClr val="lt1"/>
+    </dgm:linClrLst>
+    <dgm:effectClrLst/>
+    <dgm:txLinClrLst/>
+    <dgm:txFillClrLst meth="repeat">
+      <a:schemeClr val="dk1"/>
+    </dgm:txFillClrLst>
+    <dgm:txEffectClrLst/>
+  </dgm:styleLbl>
+  <dgm:styleLbl name="revTx">
+    <dgm:fillClrLst meth="repeat">
+      <a:schemeClr val="lt1">
+        <a:alpha val="0"/>
+      </a:schemeClr>
+    </dgm:fillClrLst>
+    <dgm:linClrLst meth="repeat">
+      <a:schemeClr val="dk1">
+        <a:alpha val="0"/>
+      </a:schemeClr>
+    </dgm:linClrLst>
+    <dgm:effectClrLst/>
+    <dgm:txLinClrLst/>
+    <dgm:txFillClrLst meth="repeat">
+      <a:schemeClr val="tx1"/>
+    </dgm:txFillClrLst>
+    <dgm:txEffectClrLst/>
+  </dgm:styleLbl>
+</dgm:colorsDef>
+</file>
+
+<file path=ppt/diagrams/colors5.xml><?xml version="1.0" encoding="utf-8"?>
+<dgm:colorsDef xmlns:dgm="http://schemas.openxmlformats.org/drawingml/2006/diagram" xmlns:a="http://schemas.openxmlformats.org/drawingml/2006/main" uniqueId="urn:microsoft.com/office/officeart/2005/8/colors/accent3_1">
+  <dgm:title val=""/>
+  <dgm:desc val=""/>
+  <dgm:catLst>
+    <dgm:cat type="accent3" pri="11100"/>
+  </dgm:catLst>
+  <dgm:styleLbl name="node0">
+    <dgm:fillClrLst meth="repeat">
+      <a:schemeClr val="lt1"/>
+    </dgm:fillClrLst>
+    <dgm:linClrLst meth="repeat">
+      <a:schemeClr val="accent3">
+        <a:shade val="80000"/>
+      </a:schemeClr>
+    </dgm:linClrLst>
+    <dgm:effectClrLst/>
+    <dgm:txLinClrLst/>
+    <dgm:txFillClrLst meth="repeat">
+      <a:schemeClr val="dk1"/>
+    </dgm:txFillClrLst>
+    <dgm:txEffectClrLst/>
+  </dgm:styleLbl>
+  <dgm:styleLbl name="node1">
+    <dgm:fillClrLst meth="repeat">
+      <a:schemeClr val="lt1"/>
+    </dgm:fillClrLst>
+    <dgm:linClrLst meth="repeat">
+      <a:schemeClr val="accent3">
+        <a:shade val="80000"/>
+      </a:schemeClr>
+    </dgm:linClrLst>
+    <dgm:effectClrLst/>
+    <dgm:txLinClrLst/>
+    <dgm:txFillClrLst meth="repeat">
+      <a:schemeClr val="dk1"/>
+    </dgm:txFillClrLst>
+    <dgm:txEffectClrLst/>
+  </dgm:styleLbl>
+  <dgm:styleLbl name="alignNode1">
+    <dgm:fillClrLst meth="repeat">
+      <a:schemeClr val="lt1"/>
+    </dgm:fillClrLst>
+    <dgm:linClrLst meth="repeat">
+      <a:schemeClr val="accent3">
+        <a:shade val="80000"/>
+      </a:schemeClr>
+    </dgm:linClrLst>
+    <dgm:effectClrLst/>
+    <dgm:txLinClrLst/>
+    <dgm:txFillClrLst meth="repeat">
+      <a:schemeClr val="dk1"/>
+    </dgm:txFillClrLst>
+    <dgm:txEffectClrLst/>
+  </dgm:styleLbl>
+  <dgm:styleLbl name="lnNode1">
+    <dgm:fillClrLst meth="repeat">
+      <a:schemeClr val="lt1"/>
+    </dgm:fillClrLst>
+    <dgm:linClrLst meth="repeat">
+      <a:schemeClr val="accent3">
+        <a:shade val="80000"/>
+      </a:schemeClr>
+    </dgm:linClrLst>
+    <dgm:effectClrLst/>
+    <dgm:txLinClrLst/>
+    <dgm:txFillClrLst meth="repeat">
+      <a:schemeClr val="dk1"/>
+    </dgm:txFillClrLst>
+    <dgm:txEffectClrLst/>
+  </dgm:styleLbl>
+  <dgm:styleLbl name="vennNode1">
+    <dgm:fillClrLst meth="repeat">
+      <a:schemeClr val="lt1">
+        <a:alpha val="50000"/>
+      </a:schemeClr>
+    </dgm:fillClrLst>
+    <dgm:linClrLst meth="repeat">
+      <a:schemeClr val="accent3">
+        <a:shade val="80000"/>
+      </a:schemeClr>
+    </dgm:linClrLst>
+    <dgm:effectClrLst/>
+    <dgm:txLinClrLst/>
+    <dgm:txFillClrLst/>
+    <dgm:txEffectClrLst/>
+  </dgm:styleLbl>
+  <dgm:styleLbl name="node2">
+    <dgm:fillClrLst meth="repeat">
+      <a:schemeClr val="lt1"/>
+    </dgm:fillClrLst>
+    <dgm:linClrLst meth="repeat">
+      <a:schemeClr val="accent3">
+        <a:shade val="80000"/>
+      </a:schemeClr>
+    </dgm:linClrLst>
+    <dgm:effectClrLst/>
+    <dgm:txLinClrLst/>
+    <dgm:txFillClrLst meth="repeat">
+      <a:schemeClr val="dk1"/>
+    </dgm:txFillClrLst>
+    <dgm:txEffectClrLst/>
+  </dgm:styleLbl>
+  <dgm:styleLbl name="node3">
+    <dgm:fillClrLst meth="repeat">
+      <a:schemeClr val="lt1"/>
+    </dgm:fillClrLst>
+    <dgm:linClrLst meth="repeat">
+      <a:schemeClr val="accent3">
+        <a:shade val="80000"/>
+      </a:schemeClr>
+    </dgm:linClrLst>
+    <dgm:effectClrLst/>
+    <dgm:txLinClrLst/>
+    <dgm:txFillClrLst meth="repeat">
+      <a:schemeClr val="dk1"/>
+    </dgm:txFillClrLst>
+    <dgm:txEffectClrLst/>
+  </dgm:styleLbl>
+  <dgm:styleLbl name="node4">
+    <dgm:fillClrLst meth="repeat">
+      <a:schemeClr val="lt1"/>
+    </dgm:fillClrLst>
+    <dgm:linClrLst meth="repeat">
+      <a:schemeClr val="accent3">
+        <a:shade val="80000"/>
+      </a:schemeClr>
+    </dgm:linClrLst>
+    <dgm:effectClrLst/>
+    <dgm:txLinClrLst/>
+    <dgm:txFillClrLst meth="repeat">
+      <a:schemeClr val="dk1"/>
+    </dgm:txFillClrLst>
+    <dgm:txEffectClrLst/>
+  </dgm:styleLbl>
+  <dgm:styleLbl name="fgImgPlace1">
+    <dgm:fillClrLst meth="repeat">
+      <a:schemeClr val="accent3">
+        <a:tint val="40000"/>
+      </a:schemeClr>
+    </dgm:fillClrLst>
+    <dgm:linClrLst meth="repeat">
+      <a:schemeClr val="accent3">
+        <a:shade val="80000"/>
+      </a:schemeClr>
+    </dgm:linClrLst>
+    <dgm:effectClrLst/>
+    <dgm:txLinClrLst/>
+    <dgm:txFillClrLst meth="repeat">
+      <a:schemeClr val="lt1"/>
+    </dgm:txFillClrLst>
+    <dgm:txEffectClrLst/>
+  </dgm:styleLbl>
+  <dgm:styleLbl name="alignImgPlace1">
+    <dgm:fillClrLst meth="repeat">
+      <a:schemeClr val="accent3">
+        <a:tint val="40000"/>
+      </a:schemeClr>
+    </dgm:fillClrLst>
+    <dgm:linClrLst meth="repeat">
+      <a:schemeClr val="accent3">
+        <a:shade val="80000"/>
+      </a:schemeClr>
+    </dgm:linClrLst>
+    <dgm:effectClrLst/>
+    <dgm:txLinClrLst/>
+    <dgm:txFillClrLst meth="repeat">
+      <a:schemeClr val="lt1"/>
+    </dgm:txFillClrLst>
+    <dgm:txEffectClrLst/>
+  </dgm:styleLbl>
+  <dgm:styleLbl name="bgImgPlace1">
+    <dgm:fillClrLst meth="repeat">
+      <a:schemeClr val="accent3">
+        <a:tint val="40000"/>
+      </a:schemeClr>
+    </dgm:fillClrLst>
+    <dgm:linClrLst meth="repeat">
+      <a:schemeClr val="accent3">
+        <a:shade val="80000"/>
+      </a:schemeClr>
+    </dgm:linClrLst>
+    <dgm:effectClrLst/>
+    <dgm:txLinClrLst/>
+    <dgm:txFillClrLst meth="repeat">
+      <a:schemeClr val="lt1"/>
+    </dgm:txFillClrLst>
+    <dgm:txEffectClrLst/>
+  </dgm:styleLbl>
+  <dgm:styleLbl name="sibTrans2D1">
+    <dgm:fillClrLst meth="repeat">
+      <a:schemeClr val="accent3">
+        <a:tint val="60000"/>
+      </a:schemeClr>
+    </dgm:fillClrLst>
+    <dgm:linClrLst meth="repeat">
+      <a:schemeClr val="accent3">
+        <a:tint val="60000"/>
+      </a:schemeClr>
+    </dgm:linClrLst>
+    <dgm:effectClrLst/>
+    <dgm:txLinClrLst/>
+    <dgm:txFillClrLst meth="repeat">
+      <a:schemeClr val="dk1"/>
+    </dgm:txFillClrLst>
+    <dgm:txEffectClrLst/>
+  </dgm:styleLbl>
+  <dgm:styleLbl name="fgSibTrans2D1">
+    <dgm:fillClrLst meth="repeat">
+      <a:schemeClr val="accent3">
+        <a:tint val="60000"/>
+      </a:schemeClr>
+    </dgm:fillClrLst>
+    <dgm:linClrLst meth="repeat">
+      <a:schemeClr val="accent3">
+        <a:tint val="60000"/>
+      </a:schemeClr>
+    </dgm:linClrLst>
+    <dgm:effectClrLst/>
+    <dgm:txLinClrLst/>
+    <dgm:txFillClrLst meth="repeat">
+      <a:schemeClr val="dk1"/>
+    </dgm:txFillClrLst>
+    <dgm:txEffectClrLst/>
+  </dgm:styleLbl>
+  <dgm:styleLbl name="bgSibTrans2D1">
+    <dgm:fillClrLst meth="repeat">
+      <a:schemeClr val="accent3">
+        <a:tint val="60000"/>
+      </a:schemeClr>
+    </dgm:fillClrLst>
+    <dgm:linClrLst meth="repeat">
+      <a:schemeClr val="accent3">
+        <a:tint val="60000"/>
+      </a:schemeClr>
+    </dgm:linClrLst>
+    <dgm:effectClrLst/>
+    <dgm:txLinClrLst/>
+    <dgm:txFillClrLst meth="repeat">
+      <a:schemeClr val="dk1"/>
+    </dgm:txFillClrLst>
+    <dgm:txEffectClrLst/>
+  </dgm:styleLbl>
+  <dgm:styleLbl name="sibTrans1D1">
+    <dgm:fillClrLst meth="repeat">
+      <a:schemeClr val="accent3"/>
+    </dgm:fillClrLst>
+    <dgm:linClrLst meth="repeat">
+      <a:schemeClr val="accent3"/>
+    </dgm:linClrLst>
+    <dgm:effectClrLst/>
+    <dgm:txLinClrLst/>
+    <dgm:txFillClrLst meth="repeat">
+      <a:schemeClr val="tx1"/>
+    </dgm:txFillClrLst>
+    <dgm:txEffectClrLst/>
+  </dgm:styleLbl>
+  <dgm:styleLbl name="callout">
+    <dgm:fillClrLst meth="repeat">
+      <a:schemeClr val="accent3"/>
+    </dgm:fillClrLst>
+    <dgm:linClrLst meth="repeat">
+      <a:schemeClr val="accent3"/>
+    </dgm:linClrLst>
+    <dgm:effectClrLst/>
+    <dgm:txLinClrLst/>
+    <dgm:txFillClrLst meth="repeat">
+      <a:schemeClr val="tx1"/>
+    </dgm:txFillClrLst>
+    <dgm:txEffectClrLst/>
+  </dgm:styleLbl>
+  <dgm:styleLbl name="asst0">
+    <dgm:fillClrLst meth="repeat">
+      <a:schemeClr val="lt1"/>
+    </dgm:fillClrLst>
+    <dgm:linClrLst meth="repeat">
+      <a:schemeClr val="accent3">
+        <a:shade val="80000"/>
+      </a:schemeClr>
+    </dgm:linClrLst>
+    <dgm:effectClrLst/>
+    <dgm:txLinClrLst/>
+    <dgm:txFillClrLst meth="repeat">
+      <a:schemeClr val="dk1"/>
+    </dgm:txFillClrLst>
+    <dgm:txEffectClrLst/>
+  </dgm:styleLbl>
+  <dgm:styleLbl name="asst1">
+    <dgm:fillClrLst meth="repeat">
+      <a:schemeClr val="lt1"/>
+    </dgm:fillClrLst>
+    <dgm:linClrLst meth="repeat">
+      <a:schemeClr val="accent3">
+        <a:shade val="80000"/>
+      </a:schemeClr>
+    </dgm:linClrLst>
+    <dgm:effectClrLst/>
+    <dgm:txLinClrLst/>
+    <dgm:txFillClrLst meth="repeat">
+      <a:schemeClr val="dk1"/>
+    </dgm:txFillClrLst>
+    <dgm:txEffectClrLst/>
+  </dgm:styleLbl>
+  <dgm:styleLbl name="asst2">
+    <dgm:fillClrLst meth="repeat">
+      <a:schemeClr val="lt1"/>
+    </dgm:fillClrLst>
+    <dgm:linClrLst meth="repeat">
+      <a:schemeClr val="accent3">
+        <a:shade val="80000"/>
+      </a:schemeClr>
+    </dgm:linClrLst>
+    <dgm:effectClrLst/>
+    <dgm:txLinClrLst/>
+    <dgm:txFillClrLst meth="repeat">
+      <a:schemeClr val="dk1"/>
+    </dgm:txFillClrLst>
+    <dgm:txEffectClrLst/>
+  </dgm:styleLbl>
+  <dgm:styleLbl name="asst3">
+    <dgm:fillClrLst meth="repeat">
+      <a:schemeClr val="lt1"/>
+    </dgm:fillClrLst>
+    <dgm:linClrLst meth="repeat">
+      <a:schemeClr val="accent3">
+        <a:shade val="80000"/>
+      </a:schemeClr>
+    </dgm:linClrLst>
+    <dgm:effectClrLst/>
+    <dgm:txLinClrLst/>
+    <dgm:txFillClrLst meth="repeat">
+      <a:schemeClr val="dk1"/>
+    </dgm:txFillClrLst>
+    <dgm:txEffectClrLst/>
+  </dgm:styleLbl>
+  <dgm:styleLbl name="asst4">
+    <dgm:fillClrLst meth="repeat">
+      <a:schemeClr val="lt1"/>
+    </dgm:fillClrLst>
+    <dgm:linClrLst meth="repeat">
+      <a:schemeClr val="accent3">
+        <a:shade val="80000"/>
+      </a:schemeClr>
+    </dgm:linClrLst>
+    <dgm:effectClrLst/>
+    <dgm:txLinClrLst/>
+    <dgm:txFillClrLst meth="repeat">
+      <a:schemeClr val="dk1"/>
+    </dgm:txFillClrLst>
+    <dgm:txEffectClrLst/>
+  </dgm:styleLbl>
+  <dgm:styleLbl name="parChTrans2D1">
+    <dgm:fillClrLst meth="repeat">
+      <a:schemeClr val="accent3">
+        <a:tint val="60000"/>
+      </a:schemeClr>
+    </dgm:fillClrLst>
+    <dgm:linClrLst meth="repeat">
+      <a:schemeClr val="accent3">
+        <a:tint val="60000"/>
+      </a:schemeClr>
+    </dgm:linClrLst>
+    <dgm:effectClrLst/>
+    <dgm:txLinClrLst/>
+    <dgm:txFillClrLst/>
+    <dgm:txEffectClrLst/>
+  </dgm:styleLbl>
+  <dgm:styleLbl name="parChTrans2D2">
+    <dgm:fillClrLst meth="repeat">
+      <a:schemeClr val="accent3"/>
+    </dgm:fillClrLst>
+    <dgm:linClrLst meth="repeat">
+      <a:schemeClr val="accent3"/>
+    </dgm:linClrLst>
+    <dgm:effectClrLst/>
+    <dgm:txLinClrLst/>
+    <dgm:txFillClrLst/>
+    <dgm:txEffectClrLst/>
+  </dgm:styleLbl>
+  <dgm:styleLbl name="parChTrans2D3">
+    <dgm:fillClrLst meth="repeat">
+      <a:schemeClr val="accent3"/>
+    </dgm:fillClrLst>
+    <dgm:linClrLst meth="repeat">
+      <a:schemeClr val="accent3"/>
+    </dgm:linClrLst>
+    <dgm:effectClrLst/>
+    <dgm:txLinClrLst/>
+    <dgm:txFillClrLst/>
+    <dgm:txEffectClrLst/>
+  </dgm:styleLbl>
+  <dgm:styleLbl name="parChTrans2D4">
+    <dgm:fillClrLst meth="repeat">
+      <a:schemeClr val="accent3"/>
+    </dgm:fillClrLst>
+    <dgm:linClrLst meth="repeat">
+      <a:schemeClr val="accent3"/>
+    </dgm:linClrLst>
+    <dgm:effectClrLst/>
+    <dgm:txLinClrLst/>
+    <dgm:txFillClrLst meth="repeat">
+      <a:schemeClr val="lt1"/>
+    </dgm:txFillClrLst>
+    <dgm:txEffectClrLst/>
+  </dgm:styleLbl>
+  <dgm:styleLbl name="parChTrans1D1">
+    <dgm:fillClrLst meth="repeat">
+      <a:schemeClr val="accent3"/>
+    </dgm:fillClrLst>
+    <dgm:linClrLst meth="repeat">
+      <a:schemeClr val="accent3">
+        <a:shade val="60000"/>
+      </a:schemeClr>
+    </dgm:linClrLst>
+    <dgm:effectClrLst/>
+    <dgm:txLinClrLst/>
+    <dgm:txFillClrLst meth="repeat">
+      <a:schemeClr val="tx1"/>
+    </dgm:txFillClrLst>
+    <dgm:txEffectClrLst/>
+  </dgm:styleLbl>
+  <dgm:styleLbl name="parChTrans1D2">
+    <dgm:fillClrLst meth="repeat">
+      <a:schemeClr val="accent3"/>
+    </dgm:fillClrLst>
+    <dgm:linClrLst meth="repeat">
+      <a:schemeClr val="accent3">
+        <a:shade val="60000"/>
+      </a:schemeClr>
+    </dgm:linClrLst>
+    <dgm:effectClrLst/>
+    <dgm:txLinClrLst/>
+    <dgm:txFillClrLst meth="repeat">
+      <a:schemeClr val="tx1"/>
+    </dgm:txFillClrLst>
+    <dgm:txEffectClrLst/>
+  </dgm:styleLbl>
+  <dgm:styleLbl name="parChTrans1D3">
+    <dgm:fillClrLst meth="repeat">
+      <a:schemeClr val="accent3"/>
+    </dgm:fillClrLst>
+    <dgm:linClrLst meth="repeat">
+      <a:schemeClr val="accent3">
+        <a:shade val="80000"/>
+      </a:schemeClr>
+    </dgm:linClrLst>
+    <dgm:effectClrLst/>
+    <dgm:txLinClrLst/>
+    <dgm:txFillClrLst meth="repeat">
+      <a:schemeClr val="tx1"/>
+    </dgm:txFillClrLst>
+    <dgm:txEffectClrLst/>
+  </dgm:styleLbl>
+  <dgm:styleLbl name="parChTrans1D4">
+    <dgm:fillClrLst meth="repeat">
+      <a:schemeClr val="accent3"/>
+    </dgm:fillClrLst>
+    <dgm:linClrLst meth="repeat">
+      <a:schemeClr val="accent3">
+        <a:shade val="80000"/>
+      </a:schemeClr>
+    </dgm:linClrLst>
+    <dgm:effectClrLst/>
+    <dgm:txLinClrLst/>
+    <dgm:txFillClrLst meth="repeat">
+      <a:schemeClr val="tx1"/>
+    </dgm:txFillClrLst>
+    <dgm:txEffectClrLst/>
+  </dgm:styleLbl>
+  <dgm:styleLbl name="fgAcc1">
+    <dgm:fillClrLst meth="repeat">
+      <a:schemeClr val="accent3">
+        <a:alpha val="90000"/>
+        <a:tint val="40000"/>
+      </a:schemeClr>
+    </dgm:fillClrLst>
+    <dgm:linClrLst meth="repeat">
+      <a:schemeClr val="accent3"/>
+    </dgm:linClrLst>
+    <dgm:effectClrLst/>
+    <dgm:txLinClrLst/>
+    <dgm:txFillClrLst meth="repeat">
+      <a:schemeClr val="dk1"/>
+    </dgm:txFillClrLst>
+    <dgm:txEffectClrLst/>
+  </dgm:styleLbl>
+  <dgm:styleLbl name="conFgAcc1">
+    <dgm:fillClrLst meth="repeat">
+      <a:schemeClr val="accent3">
+        <a:alpha val="90000"/>
+        <a:tint val="40000"/>
+      </a:schemeClr>
+    </dgm:fillClrLst>
+    <dgm:linClrLst meth="repeat">
+      <a:schemeClr val="accent3"/>
+    </dgm:linClrLst>
+    <dgm:effectClrLst/>
+    <dgm:txLinClrLst/>
+    <dgm:txFillClrLst meth="repeat">
+      <a:schemeClr val="dk1"/>
+    </dgm:txFillClrLst>
+    <dgm:txEffectClrLst/>
+  </dgm:styleLbl>
+  <dgm:styleLbl name="alignAcc1">
+    <dgm:fillClrLst meth="repeat">
+      <a:schemeClr val="accent3">
+        <a:alpha val="90000"/>
+        <a:tint val="40000"/>
+      </a:schemeClr>
+    </dgm:fillClrLst>
+    <dgm:linClrLst meth="repeat">
+      <a:schemeClr val="accent3"/>
+    </dgm:linClrLst>
+    <dgm:effectClrLst/>
+    <dgm:txLinClrLst/>
+    <dgm:txFillClrLst meth="repeat">
+      <a:schemeClr val="dk1"/>
+    </dgm:txFillClrLst>
+    <dgm:txEffectClrLst/>
+  </dgm:styleLbl>
+  <dgm:styleLbl name="trAlignAcc1">
+    <dgm:fillClrLst meth="repeat">
+      <a:schemeClr val="accent3">
+        <a:alpha val="40000"/>
+        <a:tint val="40000"/>
+      </a:schemeClr>
+    </dgm:fillClrLst>
+    <dgm:linClrLst meth="repeat">
+      <a:schemeClr val="accent3"/>
+    </dgm:linClrLst>
+    <dgm:effectClrLst/>
+    <dgm:txLinClrLst/>
+    <dgm:txFillClrLst meth="repeat">
+      <a:schemeClr val="dk1"/>
+    </dgm:txFillClrLst>
+    <dgm:txEffectClrLst/>
+  </dgm:styleLbl>
+  <dgm:styleLbl name="bgAcc1">
+    <dgm:fillClrLst meth="repeat">
+      <a:schemeClr val="accent3">
+        <a:alpha val="90000"/>
+        <a:tint val="40000"/>
+      </a:schemeClr>
+    </dgm:fillClrLst>
+    <dgm:linClrLst meth="repeat">
+      <a:schemeClr val="accent3"/>
+    </dgm:linClrLst>
+    <dgm:effectClrLst/>
+    <dgm:txLinClrLst/>
+    <dgm:txFillClrLst meth="repeat">
+      <a:schemeClr val="dk1"/>
+    </dgm:txFillClrLst>
+    <dgm:txEffectClrLst/>
+  </dgm:styleLbl>
+  <dgm:styleLbl name="solidFgAcc1">
+    <dgm:fillClrLst meth="repeat">
+      <a:schemeClr val="lt1"/>
+    </dgm:fillClrLst>
+    <dgm:linClrLst meth="repeat">
+      <a:schemeClr val="accent3"/>
+    </dgm:linClrLst>
+    <dgm:effectClrLst/>
+    <dgm:txLinClrLst/>
+    <dgm:txFillClrLst meth="repeat">
+      <a:schemeClr val="dk1"/>
+    </dgm:txFillClrLst>
+    <dgm:txEffectClrLst/>
+  </dgm:styleLbl>
+  <dgm:styleLbl name="solidAlignAcc1">
+    <dgm:fillClrLst meth="repeat">
+      <a:schemeClr val="lt1"/>
+    </dgm:fillClrLst>
+    <dgm:linClrLst meth="repeat">
+      <a:schemeClr val="accent3"/>
+    </dgm:linClrLst>
+    <dgm:effectClrLst/>
+    <dgm:txLinClrLst/>
+    <dgm:txFillClrLst meth="repeat">
+      <a:schemeClr val="dk1"/>
+    </dgm:txFillClrLst>
+    <dgm:txEffectClrLst/>
+  </dgm:styleLbl>
+  <dgm:styleLbl name="solidBgAcc1">
+    <dgm:fillClrLst meth="repeat">
+      <a:schemeClr val="lt1"/>
+    </dgm:fillClrLst>
+    <dgm:linClrLst meth="repeat">
+      <a:schemeClr val="accent3"/>
+    </dgm:linClrLst>
+    <dgm:effectClrLst/>
+    <dgm:txLinClrLst/>
+    <dgm:txFillClrLst meth="repeat">
+      <a:schemeClr val="dk1"/>
+    </dgm:txFillClrLst>
+    <dgm:txEffectClrLst/>
+  </dgm:styleLbl>
+  <dgm:styleLbl name="fgAccFollowNode1">
+    <dgm:fillClrLst meth="repeat">
+      <a:schemeClr val="lt1">
+        <a:alpha val="90000"/>
+        <a:tint val="40000"/>
+      </a:schemeClr>
+    </dgm:fillClrLst>
+    <dgm:linClrLst meth="repeat">
+      <a:schemeClr val="accent3">
+        <a:alpha val="90000"/>
+      </a:schemeClr>
+    </dgm:linClrLst>
+    <dgm:effectClrLst/>
+    <dgm:txLinClrLst/>
+    <dgm:txFillClrLst meth="repeat">
+      <a:schemeClr val="dk1"/>
+    </dgm:txFillClrLst>
+    <dgm:txEffectClrLst/>
+  </dgm:styleLbl>
+  <dgm:styleLbl name="alignAccFollowNode1">
+    <dgm:fillClrLst meth="repeat">
+      <a:schemeClr val="lt1">
+        <a:alpha val="90000"/>
+        <a:tint val="40000"/>
+      </a:schemeClr>
+    </dgm:fillClrLst>
+    <dgm:linClrLst meth="repeat">
+      <a:schemeClr val="accent3">
+        <a:alpha val="90000"/>
+      </a:schemeClr>
+    </dgm:linClrLst>
+    <dgm:effectClrLst/>
+    <dgm:txLinClrLst/>
+    <dgm:txFillClrLst meth="repeat">
+      <a:schemeClr val="dk1"/>
+    </dgm:txFillClrLst>
+    <dgm:txEffectClrLst/>
+  </dgm:styleLbl>
+  <dgm:styleLbl name="bgAccFollowNode1">
+    <dgm:fillClrLst meth="repeat">
+      <a:schemeClr val="lt1">
+        <a:alpha val="90000"/>
+        <a:tint val="40000"/>
+      </a:schemeClr>
+    </dgm:fillClrLst>
+    <dgm:linClrLst meth="repeat">
+      <a:schemeClr val="accent3">
+        <a:alpha val="90000"/>
+      </a:schemeClr>
+    </dgm:linClrLst>
+    <dgm:effectClrLst/>
+    <dgm:txLinClrLst/>
+    <dgm:txFillClrLst meth="repeat">
+      <a:schemeClr val="dk1"/>
+    </dgm:txFillClrLst>
+    <dgm:txEffectClrLst/>
+  </dgm:styleLbl>
+  <dgm:styleLbl name="fgAcc0">
+    <dgm:fillClrLst meth="repeat">
+      <a:schemeClr val="accent3">
+        <a:alpha val="90000"/>
+        <a:tint val="40000"/>
+      </a:schemeClr>
+    </dgm:fillClrLst>
+    <dgm:linClrLst meth="repeat">
+      <a:schemeClr val="accent3"/>
+    </dgm:linClrLst>
+    <dgm:effectClrLst/>
+    <dgm:txLinClrLst/>
+    <dgm:txFillClrLst meth="repeat">
+      <a:schemeClr val="dk1"/>
+    </dgm:txFillClrLst>
+    <dgm:txEffectClrLst/>
+  </dgm:styleLbl>
+  <dgm:styleLbl name="fgAcc2">
+    <dgm:fillClrLst meth="repeat">
+      <a:schemeClr val="accent3">
+        <a:alpha val="90000"/>
+        <a:tint val="40000"/>
+      </a:schemeClr>
+    </dgm:fillClrLst>
+    <dgm:linClrLst meth="repeat">
+      <a:schemeClr val="accent3"/>
+    </dgm:linClrLst>
+    <dgm:effectClrLst/>
+    <dgm:txLinClrLst/>
+    <dgm:txFillClrLst meth="repeat">
+      <a:schemeClr val="dk1"/>
+    </dgm:txFillClrLst>
+    <dgm:txEffectClrLst/>
+  </dgm:styleLbl>
+  <dgm:styleLbl name="fgAcc3">
+    <dgm:fillClrLst meth="repeat">
+      <a:schemeClr val="accent3">
+        <a:alpha val="90000"/>
+        <a:tint val="40000"/>
+      </a:schemeClr>
+    </dgm:fillClrLst>
+    <dgm:linClrLst meth="repeat">
+      <a:schemeClr val="accent3"/>
+    </dgm:linClrLst>
+    <dgm:effectClrLst/>
+    <dgm:txLinClrLst/>
+    <dgm:txFillClrLst meth="repeat">
+      <a:schemeClr val="dk1"/>
+    </dgm:txFillClrLst>
+    <dgm:txEffectClrLst/>
+  </dgm:styleLbl>
+  <dgm:styleLbl name="fgAcc4">
+    <dgm:fillClrLst meth="repeat">
+      <a:schemeClr val="accent3">
+        <a:alpha val="90000"/>
+        <a:tint val="40000"/>
+      </a:schemeClr>
+    </dgm:fillClrLst>
+    <dgm:linClrLst meth="repeat">
+      <a:schemeClr val="accent3"/>
+    </dgm:linClrLst>
+    <dgm:effectClrLst/>
+    <dgm:txLinClrLst/>
+    <dgm:txFillClrLst meth="repeat">
+      <a:schemeClr val="dk1"/>
+    </dgm:txFillClrLst>
+    <dgm:txEffectClrLst/>
+  </dgm:styleLbl>
+  <dgm:styleLbl name="bgShp">
+    <dgm:fillClrLst meth="repeat">
+      <a:schemeClr val="accent3">
+        <a:tint val="40000"/>
+      </a:schemeClr>
+    </dgm:fillClrLst>
+    <dgm:linClrLst meth="repeat">
+      <a:schemeClr val="accent3"/>
+    </dgm:linClrLst>
+    <dgm:effectClrLst/>
+    <dgm:txLinClrLst/>
+    <dgm:txFillClrLst meth="repeat">
+      <a:schemeClr val="dk1"/>
+    </dgm:txFillClrLst>
+    <dgm:txEffectClrLst/>
+  </dgm:styleLbl>
+  <dgm:styleLbl name="dkBgShp">
+    <dgm:fillClrLst meth="repeat">
+      <a:schemeClr val="accent3">
+        <a:shade val="80000"/>
+      </a:schemeClr>
+    </dgm:fillClrLst>
+    <dgm:linClrLst meth="repeat">
+      <a:schemeClr val="accent3"/>
+    </dgm:linClrLst>
+    <dgm:effectClrLst/>
+    <dgm:txLinClrLst/>
+    <dgm:txFillClrLst meth="repeat">
+      <a:schemeClr val="lt1"/>
+    </dgm:txFillClrLst>
+    <dgm:txEffectClrLst/>
+  </dgm:styleLbl>
+  <dgm:styleLbl name="trBgShp">
+    <dgm:fillClrLst meth="repeat">
+      <a:schemeClr val="accent3">
+        <a:tint val="50000"/>
+        <a:alpha val="40000"/>
+      </a:schemeClr>
+    </dgm:fillClrLst>
+    <dgm:linClrLst meth="repeat">
+      <a:schemeClr val="accent3"/>
+    </dgm:linClrLst>
+    <dgm:effectClrLst/>
+    <dgm:txLinClrLst/>
+    <dgm:txFillClrLst meth="repeat">
+      <a:schemeClr val="lt1"/>
+    </dgm:txFillClrLst>
+    <dgm:txEffectClrLst/>
+  </dgm:styleLbl>
+  <dgm:styleLbl name="fgShp">
+    <dgm:fillClrLst meth="repeat">
+      <a:schemeClr val="accent3">
+        <a:tint val="60000"/>
       </a:schemeClr>
     </dgm:fillClrLst>
     <dgm:linClrLst meth="repeat">
@@ -5986,10 +6856,10 @@
         <a:lstStyle/>
         <a:p>
           <a:r>
-            <a:rPr lang="en-US" sz="1400" b="1" dirty="0" err="1"/>
+            <a:rPr lang="en-US" sz="1200" b="1" dirty="0" err="1"/>
             <a:t>DFOS_Data_Model</a:t>
           </a:r>
-          <a:endParaRPr lang="en-US" sz="1400" b="1" dirty="0"/>
+          <a:endParaRPr lang="en-US" sz="1200" b="1" dirty="0"/>
         </a:p>
       </dgm:t>
     </dgm:pt>
@@ -6683,13 +7553,19 @@
     </dgm:pt>
     <dgm:pt modelId="{A0F00485-747B-48A5-BA46-8B953C12D208}">
       <dgm:prSet custT="1"/>
-      <dgm:spPr/>
+      <dgm:spPr>
+        <a:noFill/>
+      </dgm:spPr>
       <dgm:t>
         <a:bodyPr/>
         <a:lstStyle/>
         <a:p>
           <a:r>
-            <a:rPr lang="en-US" sz="1200" b="1"/>
+            <a:rPr lang="en-US" sz="1100" b="1">
+              <a:solidFill>
+                <a:schemeClr val="tx1"/>
+              </a:solidFill>
+            </a:rPr>
             <a:t>pySEAFOM</a:t>
           </a:r>
         </a:p>
@@ -6702,7 +7578,7 @@
         <a:bodyPr/>
         <a:lstStyle/>
         <a:p>
-          <a:endParaRPr lang="en-US" sz="4400" b="1"/>
+          <a:endParaRPr lang="en-US" sz="4000" b="1"/>
         </a:p>
       </dgm:t>
     </dgm:pt>
@@ -6713,7 +7589,7 @@
         <a:bodyPr/>
         <a:lstStyle/>
         <a:p>
-          <a:endParaRPr lang="en-US" sz="4400" b="1"/>
+          <a:endParaRPr lang="en-US" sz="4000" b="1"/>
         </a:p>
       </dgm:t>
     </dgm:pt>
@@ -6735,7 +7611,7 @@
             <a:buAutoNum type="arabicPeriod"/>
           </a:pPr>
           <a:r>
-            <a:rPr lang="en-US" sz="1200" b="1" dirty="0"/>
+            <a:rPr lang="en-US" sz="1100" b="1" dirty="0"/>
             <a:t>2. Dynamic Range </a:t>
           </a:r>
         </a:p>
@@ -6748,7 +7624,7 @@
         <a:bodyPr/>
         <a:lstStyle/>
         <a:p>
-          <a:endParaRPr lang="en-US" sz="1100" b="1"/>
+          <a:endParaRPr lang="en-US" sz="1050" b="1"/>
         </a:p>
       </dgm:t>
     </dgm:pt>
@@ -6759,7 +7635,7 @@
         <a:bodyPr/>
         <a:lstStyle/>
         <a:p>
-          <a:endParaRPr lang="en-US" sz="4400" b="1"/>
+          <a:endParaRPr lang="en-US" sz="4000" b="1"/>
         </a:p>
       </dgm:t>
     </dgm:pt>
@@ -6781,7 +7657,7 @@
             <a:buAutoNum type="arabicPeriod"/>
           </a:pPr>
           <a:r>
-            <a:rPr lang="en-US" sz="1200" b="1" dirty="0"/>
+            <a:rPr lang="en-US" sz="1100" b="1" dirty="0"/>
             <a:t>3. Frequency Response </a:t>
           </a:r>
         </a:p>
@@ -6794,7 +7670,7 @@
         <a:bodyPr/>
         <a:lstStyle/>
         <a:p>
-          <a:endParaRPr lang="en-US" sz="1100" b="1"/>
+          <a:endParaRPr lang="en-US" sz="1050" b="1"/>
         </a:p>
       </dgm:t>
     </dgm:pt>
@@ -6805,7 +7681,7 @@
         <a:bodyPr/>
         <a:lstStyle/>
         <a:p>
-          <a:endParaRPr lang="en-US" sz="4400" b="1"/>
+          <a:endParaRPr lang="en-US" sz="4000" b="1"/>
         </a:p>
       </dgm:t>
     </dgm:pt>
@@ -6827,7 +7703,7 @@
             <a:buAutoNum type="arabicPeriod"/>
           </a:pPr>
           <a:r>
-            <a:rPr lang="en-US" sz="1200" b="1" dirty="0"/>
+            <a:rPr lang="en-US" sz="1100" b="1" dirty="0"/>
             <a:t>4. Fidelity </a:t>
           </a:r>
         </a:p>
@@ -6840,7 +7716,7 @@
         <a:bodyPr/>
         <a:lstStyle/>
         <a:p>
-          <a:endParaRPr lang="en-US" sz="1100" b="1"/>
+          <a:endParaRPr lang="en-US" sz="1050" b="1"/>
         </a:p>
       </dgm:t>
     </dgm:pt>
@@ -6851,7 +7727,7 @@
         <a:bodyPr/>
         <a:lstStyle/>
         <a:p>
-          <a:endParaRPr lang="en-US" sz="4400" b="1"/>
+          <a:endParaRPr lang="en-US" sz="4000" b="1"/>
         </a:p>
       </dgm:t>
     </dgm:pt>
@@ -6873,7 +7749,7 @@
             <a:buAutoNum type="arabicPeriod"/>
           </a:pPr>
           <a:r>
-            <a:rPr lang="en-US" sz="1200" b="1" dirty="0"/>
+            <a:rPr lang="en-US" sz="1100" b="1" dirty="0"/>
             <a:t>5. Loss Budget</a:t>
           </a:r>
         </a:p>
@@ -6886,7 +7762,7 @@
         <a:bodyPr/>
         <a:lstStyle/>
         <a:p>
-          <a:endParaRPr lang="en-US" sz="1100" b="1"/>
+          <a:endParaRPr lang="en-US" sz="1050" b="1"/>
         </a:p>
       </dgm:t>
     </dgm:pt>
@@ -6897,7 +7773,7 @@
         <a:bodyPr/>
         <a:lstStyle/>
         <a:p>
-          <a:endParaRPr lang="en-US" sz="4400" b="1"/>
+          <a:endParaRPr lang="en-US" sz="4000" b="1"/>
         </a:p>
       </dgm:t>
     </dgm:pt>
@@ -6919,7 +7795,7 @@
             <a:buAutoNum type="arabicPeriod"/>
           </a:pPr>
           <a:r>
-            <a:rPr lang="en-US" sz="1200" b="1" dirty="0"/>
+            <a:rPr lang="en-US" sz="1100" b="1" dirty="0"/>
             <a:t>6. Spatial Resolution </a:t>
           </a:r>
         </a:p>
@@ -6932,7 +7808,7 @@
         <a:bodyPr/>
         <a:lstStyle/>
         <a:p>
-          <a:endParaRPr lang="en-US" sz="1100" b="1"/>
+          <a:endParaRPr lang="en-US" sz="1050" b="1"/>
         </a:p>
       </dgm:t>
     </dgm:pt>
@@ -6943,7 +7819,7 @@
         <a:bodyPr/>
         <a:lstStyle/>
         <a:p>
-          <a:endParaRPr lang="en-US" sz="4400" b="1"/>
+          <a:endParaRPr lang="en-US" sz="4000" b="1"/>
         </a:p>
       </dgm:t>
     </dgm:pt>
@@ -6965,7 +7841,7 @@
             <a:buAutoNum type="arabicPeriod"/>
           </a:pPr>
           <a:r>
-            <a:rPr lang="en-US" sz="1200" b="1" dirty="0"/>
+            <a:rPr lang="en-US" sz="1100" b="1" dirty="0"/>
             <a:t>7. Cross Talk </a:t>
           </a:r>
         </a:p>
@@ -6978,7 +7854,7 @@
         <a:bodyPr/>
         <a:lstStyle/>
         <a:p>
-          <a:endParaRPr lang="en-US" sz="1100" b="1"/>
+          <a:endParaRPr lang="en-US" sz="1050" b="1"/>
         </a:p>
       </dgm:t>
     </dgm:pt>
@@ -6989,7 +7865,7 @@
         <a:bodyPr/>
         <a:lstStyle/>
         <a:p>
-          <a:endParaRPr lang="en-US" sz="4400" b="1"/>
+          <a:endParaRPr lang="en-US" sz="4000" b="1"/>
         </a:p>
       </dgm:t>
     </dgm:pt>
@@ -7011,7 +7887,7 @@
             <a:buAutoNum type="arabicPeriod"/>
           </a:pPr>
           <a:r>
-            <a:rPr lang="en-US" sz="1200" b="1" dirty="0"/>
+            <a:rPr lang="en-US" sz="1100" b="1" dirty="0"/>
             <a:t>8. LF DAS</a:t>
           </a:r>
         </a:p>
@@ -7024,7 +7900,7 @@
         <a:bodyPr/>
         <a:lstStyle/>
         <a:p>
-          <a:endParaRPr lang="en-US" sz="1100" b="1"/>
+          <a:endParaRPr lang="en-US" sz="1050" b="1"/>
         </a:p>
       </dgm:t>
     </dgm:pt>
@@ -7035,19 +7911,25 @@
         <a:bodyPr/>
         <a:lstStyle/>
         <a:p>
-          <a:endParaRPr lang="en-US" sz="4400" b="1"/>
+          <a:endParaRPr lang="en-US" sz="4000" b="1"/>
         </a:p>
       </dgm:t>
     </dgm:pt>
     <dgm:pt modelId="{295372FF-4ED1-4E94-A8EA-153373A1B235}">
       <dgm:prSet custT="1"/>
-      <dgm:spPr/>
+      <dgm:spPr>
+        <a:solidFill>
+          <a:schemeClr val="bg2">
+            <a:lumMod val="75000"/>
+          </a:schemeClr>
+        </a:solidFill>
+      </dgm:spPr>
       <dgm:t>
         <a:bodyPr/>
         <a:lstStyle/>
         <a:p>
           <a:r>
-            <a:rPr lang="en-US" sz="1200" b="1" dirty="0"/>
+            <a:rPr lang="en-US" sz="1100" b="1" dirty="0"/>
             <a:t>…</a:t>
           </a:r>
         </a:p>
@@ -7060,7 +7942,7 @@
         <a:bodyPr/>
         <a:lstStyle/>
         <a:p>
-          <a:endParaRPr lang="en-US" sz="1000" b="1"/>
+          <a:endParaRPr lang="en-US" sz="900" b="1"/>
         </a:p>
       </dgm:t>
     </dgm:pt>
@@ -7071,7 +7953,7 @@
         <a:bodyPr/>
         <a:lstStyle/>
         <a:p>
-          <a:endParaRPr lang="en-US" sz="3600" b="1"/>
+          <a:endParaRPr lang="en-US" sz="3200" b="1"/>
         </a:p>
       </dgm:t>
     </dgm:pt>
@@ -7091,28 +7973,28 @@
             <a:buAutoNum type="arabicPeriod"/>
           </a:pPr>
           <a:r>
-            <a:rPr lang="en-US" sz="1200" b="1" dirty="0"/>
+            <a:rPr lang="en-US" sz="1100" b="1" dirty="0"/>
             <a:t>1. Self Noise </a:t>
           </a:r>
           <a:r>
-            <a:rPr lang="en-US" sz="1200" b="0" i="0" dirty="0"/>
+            <a:rPr lang="en-US" sz="1100" b="0" i="0" dirty="0"/>
             <a:t>✓</a:t>
           </a:r>
           <a:r>
-            <a:rPr lang="en-US" sz="1200" b="1" dirty="0"/>
+            <a:rPr lang="en-US" sz="1100" b="1" dirty="0"/>
             <a:t>  </a:t>
           </a:r>
         </a:p>
       </dgm:t>
     </dgm:pt>
     <dgm:pt modelId="{56529125-8434-4C93-921F-7E52EBD6AC44}" type="parTrans" cxnId="{E9205B4C-9F25-4180-89CB-69626C198506}">
-      <dgm:prSet/>
+      <dgm:prSet custT="1"/>
       <dgm:spPr/>
       <dgm:t>
         <a:bodyPr/>
         <a:lstStyle/>
         <a:p>
-          <a:endParaRPr lang="en-US"/>
+          <a:endParaRPr lang="en-US" sz="400"/>
         </a:p>
       </dgm:t>
     </dgm:pt>
@@ -7123,7 +8005,7 @@
         <a:bodyPr/>
         <a:lstStyle/>
         <a:p>
-          <a:endParaRPr lang="en-US"/>
+          <a:endParaRPr lang="en-US" sz="1600"/>
         </a:p>
       </dgm:t>
     </dgm:pt>
@@ -7361,6 +8243,278 @@
   <dgm:extLst>
     <a:ext uri="http://schemas.microsoft.com/office/drawing/2008/diagram">
       <dsp:dataModelExt xmlns:dsp="http://schemas.microsoft.com/office/drawing/2008/diagram" relId="rId6" minVer="http://schemas.openxmlformats.org/drawingml/2006/diagram"/>
+    </a:ext>
+  </dgm:extLst>
+</dgm:dataModel>
+</file>
+
+<file path=ppt/diagrams/data5.xml><?xml version="1.0" encoding="utf-8"?>
+<dgm:dataModel xmlns:dgm="http://schemas.openxmlformats.org/drawingml/2006/diagram" xmlns:a="http://schemas.openxmlformats.org/drawingml/2006/main">
+  <dgm:ptLst>
+    <dgm:pt modelId="{774E6CD7-6191-4A32-A630-07369787CD3F}" type="doc">
+      <dgm:prSet loTypeId="urn:microsoft.com/office/officeart/2005/8/layout/process1" loCatId="process" qsTypeId="urn:microsoft.com/office/officeart/2005/8/quickstyle/simple1" qsCatId="simple" csTypeId="urn:microsoft.com/office/officeart/2005/8/colors/accent3_1" csCatId="accent3" phldr="1"/>
+      <dgm:spPr/>
+      <dgm:t>
+        <a:bodyPr/>
+        <a:lstStyle/>
+        <a:p>
+          <a:endParaRPr lang="en-US"/>
+        </a:p>
+      </dgm:t>
+    </dgm:pt>
+    <dgm:pt modelId="{360DA6D8-B6B0-406D-8898-C6142A1DBC88}">
+      <dgm:prSet custT="1"/>
+      <dgm:spPr/>
+      <dgm:t>
+        <a:bodyPr/>
+        <a:lstStyle/>
+        <a:p>
+          <a:r>
+            <a:rPr lang="en-US" sz="1000" dirty="0"/>
+            <a:t>pip install </a:t>
+          </a:r>
+          <a:r>
+            <a:rPr lang="en-US" sz="1000" dirty="0" err="1"/>
+            <a:t>pySEAFOM</a:t>
+          </a:r>
+          <a:endParaRPr lang="en-US" sz="1000" dirty="0"/>
+        </a:p>
+      </dgm:t>
+    </dgm:pt>
+    <dgm:pt modelId="{47D6E7BC-9C03-44F7-B653-711D1857E6F6}" type="parTrans" cxnId="{02C4D877-F9FA-4BFA-A22F-A1402FDC9B72}">
+      <dgm:prSet/>
+      <dgm:spPr/>
+      <dgm:t>
+        <a:bodyPr/>
+        <a:lstStyle/>
+        <a:p>
+          <a:endParaRPr lang="en-US" sz="3600"/>
+        </a:p>
+      </dgm:t>
+    </dgm:pt>
+    <dgm:pt modelId="{96A7BF06-3A6B-40EA-99E5-86983638BC40}" type="sibTrans" cxnId="{02C4D877-F9FA-4BFA-A22F-A1402FDC9B72}">
+      <dgm:prSet custT="1"/>
+      <dgm:spPr/>
+      <dgm:t>
+        <a:bodyPr/>
+        <a:lstStyle/>
+        <a:p>
+          <a:endParaRPr lang="en-US" sz="3600"/>
+        </a:p>
+      </dgm:t>
+    </dgm:pt>
+    <dgm:pt modelId="{59CC3D0C-0590-475C-B738-76839FEE9C1B}">
+      <dgm:prSet custT="1"/>
+      <dgm:spPr/>
+      <dgm:t>
+        <a:bodyPr/>
+        <a:lstStyle/>
+        <a:p>
+          <a:r>
+            <a:rPr lang="en-US" sz="1000" b="0" i="0" dirty="0"/>
+            <a:t>Prepare your 2D array (channels × samples)</a:t>
+          </a:r>
+          <a:endParaRPr lang="en-US" sz="1000" dirty="0"/>
+        </a:p>
+      </dgm:t>
+    </dgm:pt>
+    <dgm:pt modelId="{AC4242AF-F2DC-4DED-85C0-FD3F598DD38A}" type="parTrans" cxnId="{E9BC0AA8-8F4D-4130-B4CE-A3D32B386556}">
+      <dgm:prSet/>
+      <dgm:spPr/>
+      <dgm:t>
+        <a:bodyPr/>
+        <a:lstStyle/>
+        <a:p>
+          <a:endParaRPr lang="en-US" sz="3600"/>
+        </a:p>
+      </dgm:t>
+    </dgm:pt>
+    <dgm:pt modelId="{F1B21123-7991-41CC-A668-4F17303A0E96}" type="sibTrans" cxnId="{E9BC0AA8-8F4D-4130-B4CE-A3D32B386556}">
+      <dgm:prSet custT="1"/>
+      <dgm:spPr/>
+      <dgm:t>
+        <a:bodyPr/>
+        <a:lstStyle/>
+        <a:p>
+          <a:endParaRPr lang="en-US" sz="3600"/>
+        </a:p>
+      </dgm:t>
+    </dgm:pt>
+    <dgm:pt modelId="{D90388B4-EC75-4E73-9C24-8B4DF0AAE4A9}">
+      <dgm:prSet custT="1"/>
+      <dgm:spPr/>
+      <dgm:t>
+        <a:bodyPr/>
+        <a:lstStyle/>
+        <a:p>
+          <a:r>
+            <a:rPr lang="en-US" sz="1000" b="0" i="0" dirty="0"/>
+            <a:t>Call the module’s plot and report function(s) </a:t>
+          </a:r>
+          <a:endParaRPr lang="en-US" sz="1000" dirty="0"/>
+        </a:p>
+      </dgm:t>
+    </dgm:pt>
+    <dgm:pt modelId="{02AD2A7C-4B29-4B5F-9B3E-2079BEBE61BD}" type="parTrans" cxnId="{09729ECE-F685-4D93-B5A9-146264990B19}">
+      <dgm:prSet/>
+      <dgm:spPr/>
+      <dgm:t>
+        <a:bodyPr/>
+        <a:lstStyle/>
+        <a:p>
+          <a:endParaRPr lang="en-US" sz="2000"/>
+        </a:p>
+      </dgm:t>
+    </dgm:pt>
+    <dgm:pt modelId="{3DD1A510-A550-43ED-B171-D87B7DA58936}" type="sibTrans" cxnId="{09729ECE-F685-4D93-B5A9-146264990B19}">
+      <dgm:prSet/>
+      <dgm:spPr/>
+      <dgm:t>
+        <a:bodyPr/>
+        <a:lstStyle/>
+        <a:p>
+          <a:endParaRPr lang="en-US" sz="2000"/>
+        </a:p>
+      </dgm:t>
+    </dgm:pt>
+    <dgm:pt modelId="{F58D4C73-F670-4ED4-977A-3E6B9878C2CD}">
+      <dgm:prSet custT="1"/>
+      <dgm:spPr/>
+      <dgm:t>
+        <a:bodyPr/>
+        <a:lstStyle/>
+        <a:p>
+          <a:pPr>
+            <a:buNone/>
+          </a:pPr>
+          <a:r>
+            <a:rPr lang="en-US" sz="1000" b="0" i="0" dirty="0"/>
+            <a:t>Call the module’s compute function(s)</a:t>
+          </a:r>
+          <a:endParaRPr lang="en-US" sz="2000" dirty="0"/>
+        </a:p>
+      </dgm:t>
+    </dgm:pt>
+    <dgm:pt modelId="{DE58405E-5EA6-4C88-8463-4BA81818A712}" type="parTrans" cxnId="{0074DA70-A17A-4BE7-A4ED-FF76A9A1553C}">
+      <dgm:prSet/>
+      <dgm:spPr/>
+      <dgm:t>
+        <a:bodyPr/>
+        <a:lstStyle/>
+        <a:p>
+          <a:endParaRPr lang="en-US" sz="2000"/>
+        </a:p>
+      </dgm:t>
+    </dgm:pt>
+    <dgm:pt modelId="{48F1C68A-C0E3-4C57-8596-3834D434555C}" type="sibTrans" cxnId="{0074DA70-A17A-4BE7-A4ED-FF76A9A1553C}">
+      <dgm:prSet custT="1"/>
+      <dgm:spPr/>
+      <dgm:t>
+        <a:bodyPr/>
+        <a:lstStyle/>
+        <a:p>
+          <a:endParaRPr lang="en-US" sz="1200"/>
+        </a:p>
+      </dgm:t>
+    </dgm:pt>
+    <dgm:pt modelId="{4F8E7018-46CB-4088-A074-F1F2353C704B}" type="pres">
+      <dgm:prSet presAssocID="{774E6CD7-6191-4A32-A630-07369787CD3F}" presName="Name0" presStyleCnt="0">
+        <dgm:presLayoutVars>
+          <dgm:dir/>
+          <dgm:resizeHandles val="exact"/>
+        </dgm:presLayoutVars>
+      </dgm:prSet>
+      <dgm:spPr/>
+    </dgm:pt>
+    <dgm:pt modelId="{198FC083-0163-42D5-A56D-4B109F1CAE31}" type="pres">
+      <dgm:prSet presAssocID="{360DA6D8-B6B0-406D-8898-C6142A1DBC88}" presName="node" presStyleLbl="node1" presStyleIdx="0" presStyleCnt="4">
+        <dgm:presLayoutVars>
+          <dgm:bulletEnabled val="1"/>
+        </dgm:presLayoutVars>
+      </dgm:prSet>
+      <dgm:spPr/>
+    </dgm:pt>
+    <dgm:pt modelId="{37F80E5B-C0CA-4F81-ACAD-F3A5EB722D96}" type="pres">
+      <dgm:prSet presAssocID="{96A7BF06-3A6B-40EA-99E5-86983638BC40}" presName="sibTrans" presStyleLbl="sibTrans2D1" presStyleIdx="0" presStyleCnt="3"/>
+      <dgm:spPr/>
+    </dgm:pt>
+    <dgm:pt modelId="{0CA39724-0620-407E-9A91-1703B9C2D23C}" type="pres">
+      <dgm:prSet presAssocID="{96A7BF06-3A6B-40EA-99E5-86983638BC40}" presName="connectorText" presStyleLbl="sibTrans2D1" presStyleIdx="0" presStyleCnt="3"/>
+      <dgm:spPr/>
+    </dgm:pt>
+    <dgm:pt modelId="{92B177F5-5799-41E8-94D2-6753E1430578}" type="pres">
+      <dgm:prSet presAssocID="{59CC3D0C-0590-475C-B738-76839FEE9C1B}" presName="node" presStyleLbl="node1" presStyleIdx="1" presStyleCnt="4">
+        <dgm:presLayoutVars>
+          <dgm:bulletEnabled val="1"/>
+        </dgm:presLayoutVars>
+      </dgm:prSet>
+      <dgm:spPr/>
+    </dgm:pt>
+    <dgm:pt modelId="{AD97A4AC-09A6-4A35-AB70-9F6504BE89E6}" type="pres">
+      <dgm:prSet presAssocID="{F1B21123-7991-41CC-A668-4F17303A0E96}" presName="sibTrans" presStyleLbl="sibTrans2D1" presStyleIdx="1" presStyleCnt="3"/>
+      <dgm:spPr/>
+    </dgm:pt>
+    <dgm:pt modelId="{6871553C-6A63-44AE-AFAA-9AB969B90F17}" type="pres">
+      <dgm:prSet presAssocID="{F1B21123-7991-41CC-A668-4F17303A0E96}" presName="connectorText" presStyleLbl="sibTrans2D1" presStyleIdx="1" presStyleCnt="3"/>
+      <dgm:spPr/>
+    </dgm:pt>
+    <dgm:pt modelId="{BCA32F45-8225-4186-B7B2-3E75E3588E41}" type="pres">
+      <dgm:prSet presAssocID="{F58D4C73-F670-4ED4-977A-3E6B9878C2CD}" presName="node" presStyleLbl="node1" presStyleIdx="2" presStyleCnt="4">
+        <dgm:presLayoutVars>
+          <dgm:bulletEnabled val="1"/>
+        </dgm:presLayoutVars>
+      </dgm:prSet>
+      <dgm:spPr/>
+    </dgm:pt>
+    <dgm:pt modelId="{FFD00C3A-1B97-4E30-988D-761D33D51C69}" type="pres">
+      <dgm:prSet presAssocID="{48F1C68A-C0E3-4C57-8596-3834D434555C}" presName="sibTrans" presStyleLbl="sibTrans2D1" presStyleIdx="2" presStyleCnt="3"/>
+      <dgm:spPr/>
+    </dgm:pt>
+    <dgm:pt modelId="{C6486BA8-812E-47BA-B7B9-19862395076B}" type="pres">
+      <dgm:prSet presAssocID="{48F1C68A-C0E3-4C57-8596-3834D434555C}" presName="connectorText" presStyleLbl="sibTrans2D1" presStyleIdx="2" presStyleCnt="3"/>
+      <dgm:spPr/>
+    </dgm:pt>
+    <dgm:pt modelId="{A84AEDA7-DF7A-46A2-8B14-785AA474DFCC}" type="pres">
+      <dgm:prSet presAssocID="{D90388B4-EC75-4E73-9C24-8B4DF0AAE4A9}" presName="node" presStyleLbl="node1" presStyleIdx="3" presStyleCnt="4">
+        <dgm:presLayoutVars>
+          <dgm:bulletEnabled val="1"/>
+        </dgm:presLayoutVars>
+      </dgm:prSet>
+      <dgm:spPr/>
+    </dgm:pt>
+  </dgm:ptLst>
+  <dgm:cxnLst>
+    <dgm:cxn modelId="{64199C02-2E10-4433-906B-8499CED88AD3}" type="presOf" srcId="{F1B21123-7991-41CC-A668-4F17303A0E96}" destId="{AD97A4AC-09A6-4A35-AB70-9F6504BE89E6}" srcOrd="0" destOrd="0" presId="urn:microsoft.com/office/officeart/2005/8/layout/process1"/>
+    <dgm:cxn modelId="{008CE314-9D1D-4B87-A582-782386E3C366}" type="presOf" srcId="{D90388B4-EC75-4E73-9C24-8B4DF0AAE4A9}" destId="{A84AEDA7-DF7A-46A2-8B14-785AA474DFCC}" srcOrd="0" destOrd="0" presId="urn:microsoft.com/office/officeart/2005/8/layout/process1"/>
+    <dgm:cxn modelId="{61C88F25-9FAE-4175-9983-65834E3C53DC}" type="presOf" srcId="{96A7BF06-3A6B-40EA-99E5-86983638BC40}" destId="{37F80E5B-C0CA-4F81-ACAD-F3A5EB722D96}" srcOrd="0" destOrd="0" presId="urn:microsoft.com/office/officeart/2005/8/layout/process1"/>
+    <dgm:cxn modelId="{84720729-F388-43C7-853A-9A3F36976073}" type="presOf" srcId="{774E6CD7-6191-4A32-A630-07369787CD3F}" destId="{4F8E7018-46CB-4088-A074-F1F2353C704B}" srcOrd="0" destOrd="0" presId="urn:microsoft.com/office/officeart/2005/8/layout/process1"/>
+    <dgm:cxn modelId="{E7946835-9822-4CAC-8424-F3121A825BDB}" type="presOf" srcId="{59CC3D0C-0590-475C-B738-76839FEE9C1B}" destId="{92B177F5-5799-41E8-94D2-6753E1430578}" srcOrd="0" destOrd="0" presId="urn:microsoft.com/office/officeart/2005/8/layout/process1"/>
+    <dgm:cxn modelId="{D24AE84A-0087-447B-A5AC-66F7468B102F}" type="presOf" srcId="{96A7BF06-3A6B-40EA-99E5-86983638BC40}" destId="{0CA39724-0620-407E-9A91-1703B9C2D23C}" srcOrd="1" destOrd="0" presId="urn:microsoft.com/office/officeart/2005/8/layout/process1"/>
+    <dgm:cxn modelId="{0074DA70-A17A-4BE7-A4ED-FF76A9A1553C}" srcId="{774E6CD7-6191-4A32-A630-07369787CD3F}" destId="{F58D4C73-F670-4ED4-977A-3E6B9878C2CD}" srcOrd="2" destOrd="0" parTransId="{DE58405E-5EA6-4C88-8463-4BA81818A712}" sibTransId="{48F1C68A-C0E3-4C57-8596-3834D434555C}"/>
+    <dgm:cxn modelId="{02C4D877-F9FA-4BFA-A22F-A1402FDC9B72}" srcId="{774E6CD7-6191-4A32-A630-07369787CD3F}" destId="{360DA6D8-B6B0-406D-8898-C6142A1DBC88}" srcOrd="0" destOrd="0" parTransId="{47D6E7BC-9C03-44F7-B653-711D1857E6F6}" sibTransId="{96A7BF06-3A6B-40EA-99E5-86983638BC40}"/>
+    <dgm:cxn modelId="{1532B480-6F64-4C86-B841-71F8D2FBA2E0}" type="presOf" srcId="{F1B21123-7991-41CC-A668-4F17303A0E96}" destId="{6871553C-6A63-44AE-AFAA-9AB969B90F17}" srcOrd="1" destOrd="0" presId="urn:microsoft.com/office/officeart/2005/8/layout/process1"/>
+    <dgm:cxn modelId="{23290684-BE5C-483E-A4F8-A609C6F0C4A6}" type="presOf" srcId="{F58D4C73-F670-4ED4-977A-3E6B9878C2CD}" destId="{BCA32F45-8225-4186-B7B2-3E75E3588E41}" srcOrd="0" destOrd="0" presId="urn:microsoft.com/office/officeart/2005/8/layout/process1"/>
+    <dgm:cxn modelId="{BFEA9289-BB5D-4876-9AA3-B233EB15592A}" type="presOf" srcId="{48F1C68A-C0E3-4C57-8596-3834D434555C}" destId="{C6486BA8-812E-47BA-B7B9-19862395076B}" srcOrd="1" destOrd="0" presId="urn:microsoft.com/office/officeart/2005/8/layout/process1"/>
+    <dgm:cxn modelId="{A01ADCA4-BDB3-402F-9057-A7E8EAB92B1C}" type="presOf" srcId="{48F1C68A-C0E3-4C57-8596-3834D434555C}" destId="{FFD00C3A-1B97-4E30-988D-761D33D51C69}" srcOrd="0" destOrd="0" presId="urn:microsoft.com/office/officeart/2005/8/layout/process1"/>
+    <dgm:cxn modelId="{E9BC0AA8-8F4D-4130-B4CE-A3D32B386556}" srcId="{774E6CD7-6191-4A32-A630-07369787CD3F}" destId="{59CC3D0C-0590-475C-B738-76839FEE9C1B}" srcOrd="1" destOrd="0" parTransId="{AC4242AF-F2DC-4DED-85C0-FD3F598DD38A}" sibTransId="{F1B21123-7991-41CC-A668-4F17303A0E96}"/>
+    <dgm:cxn modelId="{6E6222AC-13FA-41B0-94E1-BAA39C3CD341}" type="presOf" srcId="{360DA6D8-B6B0-406D-8898-C6142A1DBC88}" destId="{198FC083-0163-42D5-A56D-4B109F1CAE31}" srcOrd="0" destOrd="0" presId="urn:microsoft.com/office/officeart/2005/8/layout/process1"/>
+    <dgm:cxn modelId="{09729ECE-F685-4D93-B5A9-146264990B19}" srcId="{774E6CD7-6191-4A32-A630-07369787CD3F}" destId="{D90388B4-EC75-4E73-9C24-8B4DF0AAE4A9}" srcOrd="3" destOrd="0" parTransId="{02AD2A7C-4B29-4B5F-9B3E-2079BEBE61BD}" sibTransId="{3DD1A510-A550-43ED-B171-D87B7DA58936}"/>
+    <dgm:cxn modelId="{AEB448C6-4ECE-4860-9B92-5A7A2E828BA1}" type="presParOf" srcId="{4F8E7018-46CB-4088-A074-F1F2353C704B}" destId="{198FC083-0163-42D5-A56D-4B109F1CAE31}" srcOrd="0" destOrd="0" presId="urn:microsoft.com/office/officeart/2005/8/layout/process1"/>
+    <dgm:cxn modelId="{9FC5DC60-44BB-4D2C-A5EE-8E00201FAB17}" type="presParOf" srcId="{4F8E7018-46CB-4088-A074-F1F2353C704B}" destId="{37F80E5B-C0CA-4F81-ACAD-F3A5EB722D96}" srcOrd="1" destOrd="0" presId="urn:microsoft.com/office/officeart/2005/8/layout/process1"/>
+    <dgm:cxn modelId="{59CEA41A-DC79-4E66-99FD-9CD6DAD29CA7}" type="presParOf" srcId="{37F80E5B-C0CA-4F81-ACAD-F3A5EB722D96}" destId="{0CA39724-0620-407E-9A91-1703B9C2D23C}" srcOrd="0" destOrd="0" presId="urn:microsoft.com/office/officeart/2005/8/layout/process1"/>
+    <dgm:cxn modelId="{409F1C89-7D13-4EB3-8BB2-4AE427BA5AA3}" type="presParOf" srcId="{4F8E7018-46CB-4088-A074-F1F2353C704B}" destId="{92B177F5-5799-41E8-94D2-6753E1430578}" srcOrd="2" destOrd="0" presId="urn:microsoft.com/office/officeart/2005/8/layout/process1"/>
+    <dgm:cxn modelId="{C4FC5843-0F21-46AF-8928-A76A37FC18D9}" type="presParOf" srcId="{4F8E7018-46CB-4088-A074-F1F2353C704B}" destId="{AD97A4AC-09A6-4A35-AB70-9F6504BE89E6}" srcOrd="3" destOrd="0" presId="urn:microsoft.com/office/officeart/2005/8/layout/process1"/>
+    <dgm:cxn modelId="{152B6D9A-3F31-45EF-AE89-D28D885B3E3F}" type="presParOf" srcId="{AD97A4AC-09A6-4A35-AB70-9F6504BE89E6}" destId="{6871553C-6A63-44AE-AFAA-9AB969B90F17}" srcOrd="0" destOrd="0" presId="urn:microsoft.com/office/officeart/2005/8/layout/process1"/>
+    <dgm:cxn modelId="{7CC44B8E-0F6E-4499-A10B-5A2DACE713EB}" type="presParOf" srcId="{4F8E7018-46CB-4088-A074-F1F2353C704B}" destId="{BCA32F45-8225-4186-B7B2-3E75E3588E41}" srcOrd="4" destOrd="0" presId="urn:microsoft.com/office/officeart/2005/8/layout/process1"/>
+    <dgm:cxn modelId="{5DA17FAB-88A8-4690-86DD-387CA980AAB5}" type="presParOf" srcId="{4F8E7018-46CB-4088-A074-F1F2353C704B}" destId="{FFD00C3A-1B97-4E30-988D-761D33D51C69}" srcOrd="5" destOrd="0" presId="urn:microsoft.com/office/officeart/2005/8/layout/process1"/>
+    <dgm:cxn modelId="{F52CF06D-37FB-4E7A-B2FB-E177D1EE45F2}" type="presParOf" srcId="{FFD00C3A-1B97-4E30-988D-761D33D51C69}" destId="{C6486BA8-812E-47BA-B7B9-19862395076B}" srcOrd="0" destOrd="0" presId="urn:microsoft.com/office/officeart/2005/8/layout/process1"/>
+    <dgm:cxn modelId="{75AA4D04-A036-4624-927A-D62F8B64EA81}" type="presParOf" srcId="{4F8E7018-46CB-4088-A074-F1F2353C704B}" destId="{A84AEDA7-DF7A-46A2-8B14-785AA474DFCC}" srcOrd="6" destOrd="0" presId="urn:microsoft.com/office/officeart/2005/8/layout/process1"/>
+  </dgm:cxnLst>
+  <dgm:bg/>
+  <dgm:whole/>
+  <dgm:extLst>
+    <a:ext uri="http://schemas.microsoft.com/office/drawing/2008/diagram">
+      <dsp:dataModelExt xmlns:dsp="http://schemas.microsoft.com/office/drawing/2008/diagram" relId="rId11" minVer="http://schemas.openxmlformats.org/drawingml/2006/diagram"/>
     </a:ext>
   </dgm:extLst>
 </dgm:dataModel>
@@ -10147,12 +11301,12 @@
         </a:fontRef>
       </dsp:style>
       <dsp:txBody>
-        <a:bodyPr spcFirstLastPara="0" vert="horz" wrap="square" lIns="8890" tIns="8890" rIns="8890" bIns="8890" numCol="1" spcCol="1270" anchor="ctr" anchorCtr="0">
+        <a:bodyPr spcFirstLastPara="0" vert="horz" wrap="square" lIns="7620" tIns="7620" rIns="7620" bIns="7620" numCol="1" spcCol="1270" anchor="ctr" anchorCtr="0">
           <a:noAutofit/>
         </a:bodyPr>
         <a:lstStyle/>
         <a:p>
-          <a:pPr marL="0" lvl="0" indent="0" algn="ctr" defTabSz="622300">
+          <a:pPr marL="0" lvl="0" indent="0" algn="ctr" defTabSz="533400">
             <a:lnSpc>
               <a:spcPct val="90000"/>
             </a:lnSpc>
@@ -10165,10 +11319,10 @@
             <a:buNone/>
           </a:pPr>
           <a:r>
-            <a:rPr lang="en-US" sz="1400" b="1" kern="1200" dirty="0" err="1"/>
+            <a:rPr lang="en-US" sz="1200" b="1" kern="1200" dirty="0" err="1"/>
             <a:t>DFOS_Data_Model</a:t>
           </a:r>
-          <a:endParaRPr lang="en-US" sz="1400" b="1" kern="1200" dirty="0"/>
+          <a:endParaRPr lang="en-US" sz="1200" b="1" kern="1200" dirty="0"/>
         </a:p>
       </dsp:txBody>
       <dsp:txXfrm>
@@ -10995,20 +12149,13 @@
       </dsp:nvSpPr>
       <dsp:spPr>
         <a:xfrm>
-          <a:off x="2681752" y="2193793"/>
-          <a:ext cx="1151594" cy="1151594"/>
+          <a:off x="4039635" y="2272012"/>
+          <a:ext cx="1182304" cy="1182304"/>
         </a:xfrm>
         <a:prstGeom prst="ellipse">
           <a:avLst/>
         </a:prstGeom>
-        <a:solidFill>
-          <a:schemeClr val="accent3">
-            <a:hueOff val="0"/>
-            <a:satOff val="0"/>
-            <a:lumOff val="0"/>
-            <a:alphaOff val="0"/>
-          </a:schemeClr>
-        </a:solidFill>
+        <a:noFill/>
         <a:ln w="19050" cap="flat" cmpd="sng" algn="ctr">
           <a:solidFill>
             <a:schemeClr val="lt1">
@@ -11038,12 +12185,12 @@
         </a:fontRef>
       </dsp:style>
       <dsp:txBody>
-        <a:bodyPr spcFirstLastPara="0" vert="horz" wrap="square" lIns="7620" tIns="7620" rIns="7620" bIns="7620" numCol="1" spcCol="1270" anchor="ctr" anchorCtr="0">
+        <a:bodyPr spcFirstLastPara="0" vert="horz" wrap="square" lIns="6985" tIns="6985" rIns="6985" bIns="6985" numCol="1" spcCol="1270" anchor="ctr" anchorCtr="0">
           <a:noAutofit/>
         </a:bodyPr>
         <a:lstStyle/>
         <a:p>
-          <a:pPr marL="0" lvl="0" indent="0" algn="ctr" defTabSz="533400">
+          <a:pPr marL="0" lvl="0" indent="0" algn="ctr" defTabSz="488950">
             <a:lnSpc>
               <a:spcPct val="90000"/>
             </a:lnSpc>
@@ -11056,14 +12203,18 @@
             <a:buNone/>
           </a:pPr>
           <a:r>
-            <a:rPr lang="en-US" sz="1200" b="1" kern="1200"/>
+            <a:rPr lang="en-US" sz="1100" b="1" kern="1200">
+              <a:solidFill>
+                <a:schemeClr val="tx1"/>
+              </a:solidFill>
+            </a:rPr>
             <a:t>pySEAFOM</a:t>
           </a:r>
         </a:p>
       </dsp:txBody>
       <dsp:txXfrm>
-        <a:off x="2850399" y="2362440"/>
-        <a:ext cx="814300" cy="814300"/>
+        <a:off x="4212779" y="2445156"/>
+        <a:ext cx="836016" cy="836016"/>
       </dsp:txXfrm>
     </dsp:sp>
     <dsp:sp modelId="{A5500CA8-E1AC-4EA2-84FF-778CCAFF54E5}">
@@ -11073,8 +12224,8 @@
       </dsp:nvSpPr>
       <dsp:spPr>
         <a:xfrm rot="16200000">
-          <a:off x="2737655" y="1657990"/>
-          <a:ext cx="1039788" cy="31816"/>
+          <a:off x="4097240" y="1726975"/>
+          <a:ext cx="1067095" cy="22978"/>
         </a:xfrm>
         <a:custGeom>
           <a:avLst/>
@@ -11085,10 +12236,10 @@
           <a:pathLst>
             <a:path>
               <a:moveTo>
-                <a:pt x="0" y="15908"/>
+                <a:pt x="0" y="11489"/>
               </a:moveTo>
               <a:lnTo>
-                <a:pt x="1039788" y="15908"/>
+                <a:pt x="1067095" y="11489"/>
               </a:lnTo>
             </a:path>
           </a:pathLst>
@@ -11126,7 +12277,7 @@
         </a:bodyPr>
         <a:lstStyle/>
         <a:p>
-          <a:pPr marL="0" lvl="0" indent="0" algn="ctr" defTabSz="222250">
+          <a:pPr marL="0" lvl="0" indent="0" algn="ctr" defTabSz="177800">
             <a:lnSpc>
               <a:spcPct val="90000"/>
             </a:lnSpc>
@@ -11138,12 +12289,12 @@
             </a:spcAft>
             <a:buNone/>
           </a:pPr>
-          <a:endParaRPr lang="en-US" sz="500" kern="1200"/>
+          <a:endParaRPr lang="en-US" sz="400" kern="1200"/>
         </a:p>
       </dsp:txBody>
       <dsp:txXfrm>
-        <a:off x="3231555" y="1647904"/>
-        <a:ext cx="51989" cy="51989"/>
+        <a:off x="4604110" y="1711787"/>
+        <a:ext cx="53354" cy="53354"/>
       </dsp:txXfrm>
     </dsp:sp>
     <dsp:sp modelId="{D641129D-BF39-4F22-BF56-9E2A62EAEF7C}">
@@ -11153,8 +12304,8 @@
       </dsp:nvSpPr>
       <dsp:spPr>
         <a:xfrm>
-          <a:off x="2681752" y="2409"/>
-          <a:ext cx="1151594" cy="1151594"/>
+          <a:off x="4039635" y="22612"/>
+          <a:ext cx="1182304" cy="1182304"/>
         </a:xfrm>
         <a:prstGeom prst="ellipse">
           <a:avLst/>
@@ -11191,12 +12342,12 @@
         </a:fontRef>
       </dsp:style>
       <dsp:txBody>
-        <a:bodyPr spcFirstLastPara="0" vert="horz" wrap="square" lIns="7620" tIns="7620" rIns="7620" bIns="7620" numCol="1" spcCol="1270" anchor="ctr" anchorCtr="0">
+        <a:bodyPr spcFirstLastPara="0" vert="horz" wrap="square" lIns="6985" tIns="6985" rIns="6985" bIns="6985" numCol="1" spcCol="1270" anchor="ctr" anchorCtr="0">
           <a:noAutofit/>
         </a:bodyPr>
         <a:lstStyle/>
         <a:p>
-          <a:pPr marL="0" lvl="0" indent="0" algn="ctr" defTabSz="533400">
+          <a:pPr marL="0" lvl="0" indent="0" algn="ctr" defTabSz="488950">
             <a:lnSpc>
               <a:spcPct val="90000"/>
             </a:lnSpc>
@@ -11210,22 +12361,22 @@
             <a:buNone/>
           </a:pPr>
           <a:r>
-            <a:rPr lang="en-US" sz="1200" b="1" kern="1200" dirty="0"/>
+            <a:rPr lang="en-US" sz="1100" b="1" kern="1200" dirty="0"/>
             <a:t>1. Self Noise </a:t>
           </a:r>
           <a:r>
-            <a:rPr lang="en-US" sz="1200" b="0" i="0" kern="1200" dirty="0"/>
+            <a:rPr lang="en-US" sz="1100" b="0" i="0" kern="1200" dirty="0"/>
             <a:t>✓</a:t>
           </a:r>
           <a:r>
-            <a:rPr lang="en-US" sz="1200" b="1" kern="1200" dirty="0"/>
+            <a:rPr lang="en-US" sz="1100" b="1" kern="1200" dirty="0"/>
             <a:t>  </a:t>
           </a:r>
         </a:p>
       </dsp:txBody>
       <dsp:txXfrm>
-        <a:off x="2850399" y="171056"/>
-        <a:ext cx="814300" cy="814300"/>
+        <a:off x="4212779" y="195756"/>
+        <a:ext cx="836016" cy="836016"/>
       </dsp:txXfrm>
     </dsp:sp>
     <dsp:sp modelId="{3C3F841D-B84E-439D-A70D-DACE222F23B4}">
@@ -11235,8 +12386,8 @@
       </dsp:nvSpPr>
       <dsp:spPr>
         <a:xfrm rot="18600000">
-          <a:off x="3441952" y="1914334"/>
-          <a:ext cx="1039788" cy="31816"/>
+          <a:off x="4820183" y="1990105"/>
+          <a:ext cx="1067095" cy="22978"/>
         </a:xfrm>
         <a:custGeom>
           <a:avLst/>
@@ -11247,10 +12398,10 @@
           <a:pathLst>
             <a:path>
               <a:moveTo>
-                <a:pt x="0" y="15908"/>
+                <a:pt x="0" y="11489"/>
               </a:moveTo>
               <a:lnTo>
-                <a:pt x="1039788" y="15908"/>
+                <a:pt x="1067095" y="11489"/>
               </a:lnTo>
             </a:path>
           </a:pathLst>
@@ -11288,7 +12439,7 @@
         </a:bodyPr>
         <a:lstStyle/>
         <a:p>
-          <a:pPr marL="0" lvl="0" indent="0" algn="ctr" defTabSz="488950">
+          <a:pPr marL="0" lvl="0" indent="0" algn="ctr" defTabSz="466725">
             <a:lnSpc>
               <a:spcPct val="90000"/>
             </a:lnSpc>
@@ -11300,12 +12451,12 @@
             </a:spcAft>
             <a:buNone/>
           </a:pPr>
-          <a:endParaRPr lang="en-US" sz="1100" b="1" kern="1200"/>
+          <a:endParaRPr lang="en-US" sz="1050" b="1" kern="1200"/>
         </a:p>
       </dsp:txBody>
       <dsp:txXfrm>
-        <a:off x="3935852" y="1904247"/>
-        <a:ext cx="51989" cy="51989"/>
+        <a:off x="5327053" y="1974916"/>
+        <a:ext cx="53354" cy="53354"/>
       </dsp:txXfrm>
     </dsp:sp>
     <dsp:sp modelId="{CB79E053-F38E-4A67-BA83-A4800638DD26}">
@@ -11315,8 +12466,8 @@
       </dsp:nvSpPr>
       <dsp:spPr>
         <a:xfrm>
-          <a:off x="4090346" y="515096"/>
-          <a:ext cx="1151594" cy="1151594"/>
+          <a:off x="5485522" y="548871"/>
+          <a:ext cx="1182304" cy="1182304"/>
         </a:xfrm>
         <a:prstGeom prst="ellipse">
           <a:avLst/>
@@ -11355,12 +12506,12 @@
         </a:fontRef>
       </dsp:style>
       <dsp:txBody>
-        <a:bodyPr spcFirstLastPara="0" vert="horz" wrap="square" lIns="7620" tIns="7620" rIns="7620" bIns="7620" numCol="1" spcCol="1270" anchor="ctr" anchorCtr="0">
+        <a:bodyPr spcFirstLastPara="0" vert="horz" wrap="square" lIns="6985" tIns="6985" rIns="6985" bIns="6985" numCol="1" spcCol="1270" anchor="ctr" anchorCtr="0">
           <a:noAutofit/>
         </a:bodyPr>
         <a:lstStyle/>
         <a:p>
-          <a:pPr marL="0" lvl="0" indent="0" algn="ctr" defTabSz="533400">
+          <a:pPr marL="0" lvl="0" indent="0" algn="ctr" defTabSz="488950">
             <a:lnSpc>
               <a:spcPct val="90000"/>
             </a:lnSpc>
@@ -11374,14 +12525,14 @@
             <a:buNone/>
           </a:pPr>
           <a:r>
-            <a:rPr lang="en-US" sz="1200" b="1" kern="1200" dirty="0"/>
+            <a:rPr lang="en-US" sz="1100" b="1" kern="1200" dirty="0"/>
             <a:t>2. Dynamic Range </a:t>
           </a:r>
         </a:p>
       </dsp:txBody>
       <dsp:txXfrm>
-        <a:off x="4258993" y="683743"/>
-        <a:ext cx="814300" cy="814300"/>
+        <a:off x="5658666" y="722015"/>
+        <a:ext cx="836016" cy="836016"/>
       </dsp:txXfrm>
     </dsp:sp>
     <dsp:sp modelId="{18CBF4D6-765C-4365-B23D-911EEF96DF4B}">
@@ -11391,8 +12542,8 @@
       </dsp:nvSpPr>
       <dsp:spPr>
         <a:xfrm rot="21000000">
-          <a:off x="3816701" y="2563417"/>
-          <a:ext cx="1039788" cy="31816"/>
+          <a:off x="5204853" y="2656373"/>
+          <a:ext cx="1067095" cy="22978"/>
         </a:xfrm>
         <a:custGeom>
           <a:avLst/>
@@ -11403,10 +12554,10 @@
           <a:pathLst>
             <a:path>
               <a:moveTo>
-                <a:pt x="0" y="15908"/>
+                <a:pt x="0" y="11489"/>
               </a:moveTo>
               <a:lnTo>
-                <a:pt x="1039788" y="15908"/>
+                <a:pt x="1067095" y="11489"/>
               </a:lnTo>
             </a:path>
           </a:pathLst>
@@ -11444,7 +12595,7 @@
         </a:bodyPr>
         <a:lstStyle/>
         <a:p>
-          <a:pPr marL="0" lvl="0" indent="0" algn="ctr" defTabSz="488950">
+          <a:pPr marL="0" lvl="0" indent="0" algn="ctr" defTabSz="466725">
             <a:lnSpc>
               <a:spcPct val="90000"/>
             </a:lnSpc>
@@ -11456,12 +12607,12 @@
             </a:spcAft>
             <a:buNone/>
           </a:pPr>
-          <a:endParaRPr lang="en-US" sz="1100" b="1" kern="1200"/>
+          <a:endParaRPr lang="en-US" sz="1050" b="1" kern="1200"/>
         </a:p>
       </dsp:txBody>
       <dsp:txXfrm>
-        <a:off x="4310601" y="2553331"/>
-        <a:ext cx="51989" cy="51989"/>
+        <a:off x="5711724" y="2641185"/>
+        <a:ext cx="53354" cy="53354"/>
       </dsp:txXfrm>
     </dsp:sp>
     <dsp:sp modelId="{8726FD26-0446-4A34-A789-F609EFF6B576}">
@@ -11471,8 +12622,8 @@
       </dsp:nvSpPr>
       <dsp:spPr>
         <a:xfrm>
-          <a:off x="4839844" y="1813263"/>
-          <a:ext cx="1151594" cy="1151594"/>
+          <a:off x="6254862" y="1881408"/>
+          <a:ext cx="1182304" cy="1182304"/>
         </a:xfrm>
         <a:prstGeom prst="ellipse">
           <a:avLst/>
@@ -11511,12 +12662,12 @@
         </a:fontRef>
       </dsp:style>
       <dsp:txBody>
-        <a:bodyPr spcFirstLastPara="0" vert="horz" wrap="square" lIns="7620" tIns="7620" rIns="7620" bIns="7620" numCol="1" spcCol="1270" anchor="ctr" anchorCtr="0">
+        <a:bodyPr spcFirstLastPara="0" vert="horz" wrap="square" lIns="6985" tIns="6985" rIns="6985" bIns="6985" numCol="1" spcCol="1270" anchor="ctr" anchorCtr="0">
           <a:noAutofit/>
         </a:bodyPr>
         <a:lstStyle/>
         <a:p>
-          <a:pPr marL="0" lvl="0" indent="0" algn="ctr" defTabSz="533400">
+          <a:pPr marL="0" lvl="0" indent="0" algn="ctr" defTabSz="488950">
             <a:lnSpc>
               <a:spcPct val="90000"/>
             </a:lnSpc>
@@ -11530,14 +12681,14 @@
             <a:buNone/>
           </a:pPr>
           <a:r>
-            <a:rPr lang="en-US" sz="1200" b="1" kern="1200" dirty="0"/>
+            <a:rPr lang="en-US" sz="1100" b="1" kern="1200" dirty="0"/>
             <a:t>3. Frequency Response </a:t>
           </a:r>
         </a:p>
       </dsp:txBody>
       <dsp:txXfrm>
-        <a:off x="5008491" y="1981910"/>
-        <a:ext cx="814300" cy="814300"/>
+        <a:off x="6428006" y="2054552"/>
+        <a:ext cx="836016" cy="836016"/>
       </dsp:txXfrm>
     </dsp:sp>
     <dsp:sp modelId="{A4B0FFB8-DED8-4744-B603-55DEBAECB8CE}">
@@ -11547,8 +12698,8 @@
       </dsp:nvSpPr>
       <dsp:spPr>
         <a:xfrm rot="1800000">
-          <a:off x="3686552" y="3301528"/>
-          <a:ext cx="1039788" cy="31816"/>
+          <a:off x="5071258" y="3414025"/>
+          <a:ext cx="1067095" cy="22978"/>
         </a:xfrm>
         <a:custGeom>
           <a:avLst/>
@@ -11559,10 +12710,10 @@
           <a:pathLst>
             <a:path>
               <a:moveTo>
-                <a:pt x="0" y="15908"/>
+                <a:pt x="0" y="11489"/>
               </a:moveTo>
               <a:lnTo>
-                <a:pt x="1039788" y="15908"/>
+                <a:pt x="1067095" y="11489"/>
               </a:lnTo>
             </a:path>
           </a:pathLst>
@@ -11600,7 +12751,7 @@
         </a:bodyPr>
         <a:lstStyle/>
         <a:p>
-          <a:pPr marL="0" lvl="0" indent="0" algn="ctr" defTabSz="488950">
+          <a:pPr marL="0" lvl="0" indent="0" algn="ctr" defTabSz="466725">
             <a:lnSpc>
               <a:spcPct val="90000"/>
             </a:lnSpc>
@@ -11612,12 +12763,12 @@
             </a:spcAft>
             <a:buNone/>
           </a:pPr>
-          <a:endParaRPr lang="en-US" sz="1100" b="1" kern="1200"/>
+          <a:endParaRPr lang="en-US" sz="1050" b="1" kern="1200"/>
         </a:p>
       </dsp:txBody>
       <dsp:txXfrm>
-        <a:off x="4180452" y="3291441"/>
-        <a:ext cx="51989" cy="51989"/>
+        <a:off x="5578129" y="3398837"/>
+        <a:ext cx="53354" cy="53354"/>
       </dsp:txXfrm>
     </dsp:sp>
     <dsp:sp modelId="{3BB251B9-BD13-489B-B206-0E76C451EF7E}">
@@ -11627,8 +12778,8 @@
       </dsp:nvSpPr>
       <dsp:spPr>
         <a:xfrm>
-          <a:off x="4579546" y="3289485"/>
-          <a:ext cx="1151594" cy="1151594"/>
+          <a:off x="5987673" y="3396712"/>
+          <a:ext cx="1182304" cy="1182304"/>
         </a:xfrm>
         <a:prstGeom prst="ellipse">
           <a:avLst/>
@@ -11667,12 +12818,12 @@
         </a:fontRef>
       </dsp:style>
       <dsp:txBody>
-        <a:bodyPr spcFirstLastPara="0" vert="horz" wrap="square" lIns="7620" tIns="7620" rIns="7620" bIns="7620" numCol="1" spcCol="1270" anchor="ctr" anchorCtr="0">
+        <a:bodyPr spcFirstLastPara="0" vert="horz" wrap="square" lIns="6985" tIns="6985" rIns="6985" bIns="6985" numCol="1" spcCol="1270" anchor="ctr" anchorCtr="0">
           <a:noAutofit/>
         </a:bodyPr>
         <a:lstStyle/>
         <a:p>
-          <a:pPr marL="0" lvl="0" indent="0" algn="ctr" defTabSz="533400">
+          <a:pPr marL="0" lvl="0" indent="0" algn="ctr" defTabSz="488950">
             <a:lnSpc>
               <a:spcPct val="90000"/>
             </a:lnSpc>
@@ -11686,14 +12837,14 @@
             <a:buNone/>
           </a:pPr>
           <a:r>
-            <a:rPr lang="en-US" sz="1200" b="1" kern="1200" dirty="0"/>
+            <a:rPr lang="en-US" sz="1100" b="1" kern="1200" dirty="0"/>
             <a:t>4. Fidelity </a:t>
           </a:r>
         </a:p>
       </dsp:txBody>
       <dsp:txXfrm>
-        <a:off x="4748193" y="3458132"/>
-        <a:ext cx="814300" cy="814300"/>
+        <a:off x="6160817" y="3569856"/>
+        <a:ext cx="836016" cy="836016"/>
       </dsp:txXfrm>
     </dsp:sp>
     <dsp:sp modelId="{EFE45D1F-EFA7-4252-8882-7D528B4AA36B}">
@@ -11703,8 +12854,8 @@
       </dsp:nvSpPr>
       <dsp:spPr>
         <a:xfrm rot="4200000">
-          <a:off x="3112404" y="3783296"/>
-          <a:ext cx="1039788" cy="31816"/>
+          <a:off x="4481910" y="3908548"/>
+          <a:ext cx="1067095" cy="22978"/>
         </a:xfrm>
         <a:custGeom>
           <a:avLst/>
@@ -11715,10 +12866,10 @@
           <a:pathLst>
             <a:path>
               <a:moveTo>
-                <a:pt x="0" y="15908"/>
+                <a:pt x="0" y="11489"/>
               </a:moveTo>
               <a:lnTo>
-                <a:pt x="1039788" y="15908"/>
+                <a:pt x="1067095" y="11489"/>
               </a:lnTo>
             </a:path>
           </a:pathLst>
@@ -11756,7 +12907,7 @@
         </a:bodyPr>
         <a:lstStyle/>
         <a:p>
-          <a:pPr marL="0" lvl="0" indent="0" algn="ctr" defTabSz="488950">
+          <a:pPr marL="0" lvl="0" indent="0" algn="ctr" defTabSz="466725">
             <a:lnSpc>
               <a:spcPct val="90000"/>
             </a:lnSpc>
@@ -11768,12 +12919,12 @@
             </a:spcAft>
             <a:buNone/>
           </a:pPr>
-          <a:endParaRPr lang="en-US" sz="1100" b="1" kern="1200"/>
+          <a:endParaRPr lang="en-US" sz="1050" b="1" kern="1200"/>
         </a:p>
       </dsp:txBody>
       <dsp:txXfrm>
-        <a:off x="3606303" y="3773209"/>
-        <a:ext cx="51989" cy="51989"/>
+        <a:off x="4988780" y="3893359"/>
+        <a:ext cx="53354" cy="53354"/>
       </dsp:txXfrm>
     </dsp:sp>
     <dsp:sp modelId="{D689BA3C-8DC9-4360-A404-B76D4C638032}">
@@ -11783,8 +12934,8 @@
       </dsp:nvSpPr>
       <dsp:spPr>
         <a:xfrm>
-          <a:off x="3431249" y="4253020"/>
-          <a:ext cx="1151594" cy="1151594"/>
+          <a:off x="4808976" y="4385757"/>
+          <a:ext cx="1182304" cy="1182304"/>
         </a:xfrm>
         <a:prstGeom prst="ellipse">
           <a:avLst/>
@@ -11823,12 +12974,12 @@
         </a:fontRef>
       </dsp:style>
       <dsp:txBody>
-        <a:bodyPr spcFirstLastPara="0" vert="horz" wrap="square" lIns="7620" tIns="7620" rIns="7620" bIns="7620" numCol="1" spcCol="1270" anchor="ctr" anchorCtr="0">
+        <a:bodyPr spcFirstLastPara="0" vert="horz" wrap="square" lIns="6985" tIns="6985" rIns="6985" bIns="6985" numCol="1" spcCol="1270" anchor="ctr" anchorCtr="0">
           <a:noAutofit/>
         </a:bodyPr>
         <a:lstStyle/>
         <a:p>
-          <a:pPr marL="0" lvl="0" indent="0" algn="ctr" defTabSz="533400">
+          <a:pPr marL="0" lvl="0" indent="0" algn="ctr" defTabSz="488950">
             <a:lnSpc>
               <a:spcPct val="90000"/>
             </a:lnSpc>
@@ -11842,14 +12993,14 @@
             <a:buNone/>
           </a:pPr>
           <a:r>
-            <a:rPr lang="en-US" sz="1200" b="1" kern="1200" dirty="0"/>
+            <a:rPr lang="en-US" sz="1100" b="1" kern="1200" dirty="0"/>
             <a:t>5. Loss Budget</a:t>
           </a:r>
         </a:p>
       </dsp:txBody>
       <dsp:txXfrm>
-        <a:off x="3599896" y="4421667"/>
-        <a:ext cx="814300" cy="814300"/>
+        <a:off x="4982120" y="4558901"/>
+        <a:ext cx="836016" cy="836016"/>
       </dsp:txXfrm>
     </dsp:sp>
     <dsp:sp modelId="{0B890D38-9A63-42F6-B391-F93CB128C0AE}">
@@ -11859,8 +13010,8 @@
       </dsp:nvSpPr>
       <dsp:spPr>
         <a:xfrm rot="6600000">
-          <a:off x="2362907" y="3783296"/>
-          <a:ext cx="1039788" cy="31816"/>
+          <a:off x="3712569" y="3908548"/>
+          <a:ext cx="1067095" cy="22978"/>
         </a:xfrm>
         <a:custGeom>
           <a:avLst/>
@@ -11871,10 +13022,10 @@
           <a:pathLst>
             <a:path>
               <a:moveTo>
-                <a:pt x="0" y="15908"/>
+                <a:pt x="0" y="11489"/>
               </a:moveTo>
               <a:lnTo>
-                <a:pt x="1039788" y="15908"/>
+                <a:pt x="1067095" y="11489"/>
               </a:lnTo>
             </a:path>
           </a:pathLst>
@@ -11912,7 +13063,7 @@
         </a:bodyPr>
         <a:lstStyle/>
         <a:p>
-          <a:pPr marL="0" lvl="0" indent="0" algn="ctr" defTabSz="488950">
+          <a:pPr marL="0" lvl="0" indent="0" algn="ctr" defTabSz="466725">
             <a:lnSpc>
               <a:spcPct val="90000"/>
             </a:lnSpc>
@@ -11924,12 +13075,12 @@
             </a:spcAft>
             <a:buNone/>
           </a:pPr>
-          <a:endParaRPr lang="en-US" sz="1100" b="1" kern="1200"/>
+          <a:endParaRPr lang="en-US" sz="1050" b="1" kern="1200"/>
         </a:p>
       </dsp:txBody>
       <dsp:txXfrm rot="10800000">
-        <a:off x="2856806" y="3773209"/>
-        <a:ext cx="51989" cy="51989"/>
+        <a:off x="4219440" y="3893359"/>
+        <a:ext cx="53354" cy="53354"/>
       </dsp:txXfrm>
     </dsp:sp>
     <dsp:sp modelId="{01EEE674-D7A4-44BB-95E6-EEE4B45DB353}">
@@ -11939,8 +13090,8 @@
       </dsp:nvSpPr>
       <dsp:spPr>
         <a:xfrm>
-          <a:off x="1932255" y="4253020"/>
-          <a:ext cx="1151594" cy="1151594"/>
+          <a:off x="3270295" y="4385757"/>
+          <a:ext cx="1182304" cy="1182304"/>
         </a:xfrm>
         <a:prstGeom prst="ellipse">
           <a:avLst/>
@@ -11979,12 +13130,12 @@
         </a:fontRef>
       </dsp:style>
       <dsp:txBody>
-        <a:bodyPr spcFirstLastPara="0" vert="horz" wrap="square" lIns="7620" tIns="7620" rIns="7620" bIns="7620" numCol="1" spcCol="1270" anchor="ctr" anchorCtr="0">
+        <a:bodyPr spcFirstLastPara="0" vert="horz" wrap="square" lIns="6985" tIns="6985" rIns="6985" bIns="6985" numCol="1" spcCol="1270" anchor="ctr" anchorCtr="0">
           <a:noAutofit/>
         </a:bodyPr>
         <a:lstStyle/>
         <a:p>
-          <a:pPr marL="0" lvl="0" indent="0" algn="ctr" defTabSz="533400">
+          <a:pPr marL="0" lvl="0" indent="0" algn="ctr" defTabSz="488950">
             <a:lnSpc>
               <a:spcPct val="90000"/>
             </a:lnSpc>
@@ -11998,14 +13149,14 @@
             <a:buNone/>
           </a:pPr>
           <a:r>
-            <a:rPr lang="en-US" sz="1200" b="1" kern="1200" dirty="0"/>
+            <a:rPr lang="en-US" sz="1100" b="1" kern="1200" dirty="0"/>
             <a:t>6. Spatial Resolution </a:t>
           </a:r>
         </a:p>
       </dsp:txBody>
       <dsp:txXfrm>
-        <a:off x="2100902" y="4421667"/>
-        <a:ext cx="814300" cy="814300"/>
+        <a:off x="3443439" y="4558901"/>
+        <a:ext cx="836016" cy="836016"/>
       </dsp:txXfrm>
     </dsp:sp>
     <dsp:sp modelId="{77D3530B-84AC-4AF5-9D4D-0D2117A63E3D}">
@@ -12015,8 +13166,8 @@
       </dsp:nvSpPr>
       <dsp:spPr>
         <a:xfrm rot="9000000">
-          <a:off x="1788758" y="3301528"/>
-          <a:ext cx="1039788" cy="31816"/>
+          <a:off x="3123221" y="3414025"/>
+          <a:ext cx="1067095" cy="22978"/>
         </a:xfrm>
         <a:custGeom>
           <a:avLst/>
@@ -12027,10 +13178,10 @@
           <a:pathLst>
             <a:path>
               <a:moveTo>
-                <a:pt x="0" y="15908"/>
+                <a:pt x="0" y="11489"/>
               </a:moveTo>
               <a:lnTo>
-                <a:pt x="1039788" y="15908"/>
+                <a:pt x="1067095" y="11489"/>
               </a:lnTo>
             </a:path>
           </a:pathLst>
@@ -12068,7 +13219,7 @@
         </a:bodyPr>
         <a:lstStyle/>
         <a:p>
-          <a:pPr marL="0" lvl="0" indent="0" algn="ctr" defTabSz="488950">
+          <a:pPr marL="0" lvl="0" indent="0" algn="ctr" defTabSz="466725">
             <a:lnSpc>
               <a:spcPct val="90000"/>
             </a:lnSpc>
@@ -12080,12 +13231,12 @@
             </a:spcAft>
             <a:buNone/>
           </a:pPr>
-          <a:endParaRPr lang="en-US" sz="1100" b="1" kern="1200"/>
+          <a:endParaRPr lang="en-US" sz="1050" b="1" kern="1200"/>
         </a:p>
       </dsp:txBody>
       <dsp:txXfrm rot="10800000">
-        <a:off x="2282658" y="3291441"/>
-        <a:ext cx="51989" cy="51989"/>
+        <a:off x="3630091" y="3398837"/>
+        <a:ext cx="53354" cy="53354"/>
       </dsp:txXfrm>
     </dsp:sp>
     <dsp:sp modelId="{601EE436-9078-4764-A58D-03556FC85C0E}">
@@ -12095,8 +13246,8 @@
       </dsp:nvSpPr>
       <dsp:spPr>
         <a:xfrm>
-          <a:off x="783958" y="3289485"/>
-          <a:ext cx="1151594" cy="1151594"/>
+          <a:off x="2091597" y="3396712"/>
+          <a:ext cx="1182304" cy="1182304"/>
         </a:xfrm>
         <a:prstGeom prst="ellipse">
           <a:avLst/>
@@ -12135,12 +13286,12 @@
         </a:fontRef>
       </dsp:style>
       <dsp:txBody>
-        <a:bodyPr spcFirstLastPara="0" vert="horz" wrap="square" lIns="7620" tIns="7620" rIns="7620" bIns="7620" numCol="1" spcCol="1270" anchor="ctr" anchorCtr="0">
+        <a:bodyPr spcFirstLastPara="0" vert="horz" wrap="square" lIns="6985" tIns="6985" rIns="6985" bIns="6985" numCol="1" spcCol="1270" anchor="ctr" anchorCtr="0">
           <a:noAutofit/>
         </a:bodyPr>
         <a:lstStyle/>
         <a:p>
-          <a:pPr marL="0" lvl="0" indent="0" algn="ctr" defTabSz="533400">
+          <a:pPr marL="0" lvl="0" indent="0" algn="ctr" defTabSz="488950">
             <a:lnSpc>
               <a:spcPct val="90000"/>
             </a:lnSpc>
@@ -12154,14 +13305,14 @@
             <a:buNone/>
           </a:pPr>
           <a:r>
-            <a:rPr lang="en-US" sz="1200" b="1" kern="1200" dirty="0"/>
+            <a:rPr lang="en-US" sz="1100" b="1" kern="1200" dirty="0"/>
             <a:t>7. Cross Talk </a:t>
           </a:r>
         </a:p>
       </dsp:txBody>
       <dsp:txXfrm>
-        <a:off x="952605" y="3458132"/>
-        <a:ext cx="814300" cy="814300"/>
+        <a:off x="2264741" y="3569856"/>
+        <a:ext cx="836016" cy="836016"/>
       </dsp:txXfrm>
     </dsp:sp>
     <dsp:sp modelId="{A65C0F46-E587-4092-997F-FB96F0CDF18F}">
@@ -12171,8 +13322,8 @@
       </dsp:nvSpPr>
       <dsp:spPr>
         <a:xfrm rot="11400000">
-          <a:off x="1658609" y="2563417"/>
-          <a:ext cx="1039788" cy="31816"/>
+          <a:off x="2989626" y="2656373"/>
+          <a:ext cx="1067095" cy="22978"/>
         </a:xfrm>
         <a:custGeom>
           <a:avLst/>
@@ -12183,10 +13334,10 @@
           <a:pathLst>
             <a:path>
               <a:moveTo>
-                <a:pt x="0" y="15908"/>
+                <a:pt x="0" y="11489"/>
               </a:moveTo>
               <a:lnTo>
-                <a:pt x="1039788" y="15908"/>
+                <a:pt x="1067095" y="11489"/>
               </a:lnTo>
             </a:path>
           </a:pathLst>
@@ -12224,7 +13375,7 @@
         </a:bodyPr>
         <a:lstStyle/>
         <a:p>
-          <a:pPr marL="0" lvl="0" indent="0" algn="ctr" defTabSz="488950">
+          <a:pPr marL="0" lvl="0" indent="0" algn="ctr" defTabSz="466725">
             <a:lnSpc>
               <a:spcPct val="90000"/>
             </a:lnSpc>
@@ -12236,12 +13387,12 @@
             </a:spcAft>
             <a:buNone/>
           </a:pPr>
-          <a:endParaRPr lang="en-US" sz="1100" b="1" kern="1200"/>
+          <a:endParaRPr lang="en-US" sz="1050" b="1" kern="1200"/>
         </a:p>
       </dsp:txBody>
       <dsp:txXfrm rot="10800000">
-        <a:off x="2152509" y="2553331"/>
-        <a:ext cx="51989" cy="51989"/>
+        <a:off x="3496497" y="2641185"/>
+        <a:ext cx="53354" cy="53354"/>
       </dsp:txXfrm>
     </dsp:sp>
     <dsp:sp modelId="{1198E2ED-5E7F-476B-8AA1-8FAE860229B8}">
@@ -12251,8 +13402,8 @@
       </dsp:nvSpPr>
       <dsp:spPr>
         <a:xfrm>
-          <a:off x="523661" y="1813263"/>
-          <a:ext cx="1151594" cy="1151594"/>
+          <a:off x="1824408" y="1881408"/>
+          <a:ext cx="1182304" cy="1182304"/>
         </a:xfrm>
         <a:prstGeom prst="ellipse">
           <a:avLst/>
@@ -12291,12 +13442,12 @@
         </a:fontRef>
       </dsp:style>
       <dsp:txBody>
-        <a:bodyPr spcFirstLastPara="0" vert="horz" wrap="square" lIns="7620" tIns="7620" rIns="7620" bIns="7620" numCol="1" spcCol="1270" anchor="ctr" anchorCtr="0">
+        <a:bodyPr spcFirstLastPara="0" vert="horz" wrap="square" lIns="6985" tIns="6985" rIns="6985" bIns="6985" numCol="1" spcCol="1270" anchor="ctr" anchorCtr="0">
           <a:noAutofit/>
         </a:bodyPr>
         <a:lstStyle/>
         <a:p>
-          <a:pPr marL="0" lvl="0" indent="0" algn="ctr" defTabSz="533400">
+          <a:pPr marL="0" lvl="0" indent="0" algn="ctr" defTabSz="488950">
             <a:lnSpc>
               <a:spcPct val="90000"/>
             </a:lnSpc>
@@ -12310,14 +13461,14 @@
             <a:buNone/>
           </a:pPr>
           <a:r>
-            <a:rPr lang="en-US" sz="1200" b="1" kern="1200" dirty="0"/>
+            <a:rPr lang="en-US" sz="1100" b="1" kern="1200" dirty="0"/>
             <a:t>8. LF DAS</a:t>
           </a:r>
         </a:p>
       </dsp:txBody>
       <dsp:txXfrm>
-        <a:off x="692308" y="1981910"/>
-        <a:ext cx="814300" cy="814300"/>
+        <a:off x="1997552" y="2054552"/>
+        <a:ext cx="836016" cy="836016"/>
       </dsp:txXfrm>
     </dsp:sp>
     <dsp:sp modelId="{DA526968-C5FA-41DD-A5CF-2F61D26924D2}">
@@ -12327,8 +13478,8 @@
       </dsp:nvSpPr>
       <dsp:spPr>
         <a:xfrm rot="13800000">
-          <a:off x="2033358" y="1914334"/>
-          <a:ext cx="1039788" cy="31816"/>
+          <a:off x="3374296" y="1990105"/>
+          <a:ext cx="1067095" cy="22978"/>
         </a:xfrm>
         <a:custGeom>
           <a:avLst/>
@@ -12339,10 +13490,10 @@
           <a:pathLst>
             <a:path>
               <a:moveTo>
-                <a:pt x="0" y="15908"/>
+                <a:pt x="0" y="11489"/>
               </a:moveTo>
               <a:lnTo>
-                <a:pt x="1039788" y="15908"/>
+                <a:pt x="1067095" y="11489"/>
               </a:lnTo>
             </a:path>
           </a:pathLst>
@@ -12380,7 +13531,7 @@
         </a:bodyPr>
         <a:lstStyle/>
         <a:p>
-          <a:pPr marL="0" lvl="0" indent="0" algn="ctr" defTabSz="444500">
+          <a:pPr marL="0" lvl="0" indent="0" algn="ctr" defTabSz="400050">
             <a:lnSpc>
               <a:spcPct val="90000"/>
             </a:lnSpc>
@@ -12392,12 +13543,12 @@
             </a:spcAft>
             <a:buNone/>
           </a:pPr>
-          <a:endParaRPr lang="en-US" sz="1000" b="1" kern="1200"/>
+          <a:endParaRPr lang="en-US" sz="900" b="1" kern="1200"/>
         </a:p>
       </dsp:txBody>
       <dsp:txXfrm rot="10800000">
-        <a:off x="2527258" y="1904247"/>
-        <a:ext cx="51989" cy="51989"/>
+        <a:off x="3881167" y="1974916"/>
+        <a:ext cx="53354" cy="53354"/>
       </dsp:txXfrm>
     </dsp:sp>
     <dsp:sp modelId="{6D54B3D7-B1BB-468C-B139-A330C534B0A9}">
@@ -12407,18 +13558,15 @@
       </dsp:nvSpPr>
       <dsp:spPr>
         <a:xfrm>
-          <a:off x="1273158" y="515096"/>
-          <a:ext cx="1151594" cy="1151594"/>
+          <a:off x="2593749" y="548871"/>
+          <a:ext cx="1182304" cy="1182304"/>
         </a:xfrm>
         <a:prstGeom prst="ellipse">
           <a:avLst/>
         </a:prstGeom>
         <a:solidFill>
-          <a:schemeClr val="accent4">
-            <a:hueOff val="6599937"/>
-            <a:satOff val="-29202"/>
-            <a:lumOff val="-4903"/>
-            <a:alphaOff val="0"/>
+          <a:schemeClr val="bg2">
+            <a:lumMod val="75000"/>
           </a:schemeClr>
         </a:solidFill>
         <a:ln w="19050" cap="flat" cmpd="sng" algn="ctr">
@@ -12450,7 +13598,482 @@
         </a:fontRef>
       </dsp:style>
       <dsp:txBody>
-        <a:bodyPr spcFirstLastPara="0" vert="horz" wrap="square" lIns="7620" tIns="7620" rIns="7620" bIns="7620" numCol="1" spcCol="1270" anchor="ctr" anchorCtr="0">
+        <a:bodyPr spcFirstLastPara="0" vert="horz" wrap="square" lIns="6985" tIns="6985" rIns="6985" bIns="6985" numCol="1" spcCol="1270" anchor="ctr" anchorCtr="0">
+          <a:noAutofit/>
+        </a:bodyPr>
+        <a:lstStyle/>
+        <a:p>
+          <a:pPr marL="0" lvl="0" indent="0" algn="ctr" defTabSz="488950">
+            <a:lnSpc>
+              <a:spcPct val="90000"/>
+            </a:lnSpc>
+            <a:spcBef>
+              <a:spcPct val="0"/>
+            </a:spcBef>
+            <a:spcAft>
+              <a:spcPct val="35000"/>
+            </a:spcAft>
+            <a:buNone/>
+          </a:pPr>
+          <a:r>
+            <a:rPr lang="en-US" sz="1100" b="1" kern="1200" dirty="0"/>
+            <a:t>…</a:t>
+          </a:r>
+        </a:p>
+      </dsp:txBody>
+      <dsp:txXfrm>
+        <a:off x="2766893" y="722015"/>
+        <a:ext cx="836016" cy="836016"/>
+      </dsp:txXfrm>
+    </dsp:sp>
+  </dsp:spTree>
+</dsp:drawing>
+</file>
+
+<file path=ppt/diagrams/drawing5.xml><?xml version="1.0" encoding="utf-8"?>
+<dsp:drawing xmlns:dgm="http://schemas.openxmlformats.org/drawingml/2006/diagram" xmlns:dsp="http://schemas.microsoft.com/office/drawing/2008/diagram" xmlns:a="http://schemas.openxmlformats.org/drawingml/2006/main">
+  <dsp:spTree>
+    <dsp:nvGrpSpPr>
+      <dsp:cNvPr id="0" name=""/>
+      <dsp:cNvGrpSpPr/>
+    </dsp:nvGrpSpPr>
+    <dsp:grpSpPr/>
+    <dsp:sp modelId="{198FC083-0163-42D5-A56D-4B109F1CAE31}">
+      <dsp:nvSpPr>
+        <dsp:cNvPr id="0" name=""/>
+        <dsp:cNvSpPr/>
+      </dsp:nvSpPr>
+      <dsp:spPr>
+        <a:xfrm>
+          <a:off x="2654" y="738626"/>
+          <a:ext cx="1160753" cy="696452"/>
+        </a:xfrm>
+        <a:prstGeom prst="roundRect">
+          <a:avLst>
+            <a:gd name="adj" fmla="val 10000"/>
+          </a:avLst>
+        </a:prstGeom>
+        <a:solidFill>
+          <a:schemeClr val="lt1">
+            <a:hueOff val="0"/>
+            <a:satOff val="0"/>
+            <a:lumOff val="0"/>
+            <a:alphaOff val="0"/>
+          </a:schemeClr>
+        </a:solidFill>
+        <a:ln w="19050" cap="flat" cmpd="sng" algn="ctr">
+          <a:solidFill>
+            <a:schemeClr val="accent3">
+              <a:shade val="80000"/>
+              <a:hueOff val="0"/>
+              <a:satOff val="0"/>
+              <a:lumOff val="0"/>
+              <a:alphaOff val="0"/>
+            </a:schemeClr>
+          </a:solidFill>
+          <a:prstDash val="solid"/>
+          <a:miter lim="800000"/>
+        </a:ln>
+        <a:effectLst/>
+      </dsp:spPr>
+      <dsp:style>
+        <a:lnRef idx="2">
+          <a:scrgbClr r="0" g="0" b="0"/>
+        </a:lnRef>
+        <a:fillRef idx="1">
+          <a:scrgbClr r="0" g="0" b="0"/>
+        </a:fillRef>
+        <a:effectRef idx="0">
+          <a:scrgbClr r="0" g="0" b="0"/>
+        </a:effectRef>
+        <a:fontRef idx="minor">
+          <a:schemeClr val="lt1"/>
+        </a:fontRef>
+      </dsp:style>
+      <dsp:txBody>
+        <a:bodyPr spcFirstLastPara="0" vert="horz" wrap="square" lIns="38100" tIns="38100" rIns="38100" bIns="38100" numCol="1" spcCol="1270" anchor="ctr" anchorCtr="0">
+          <a:noAutofit/>
+        </a:bodyPr>
+        <a:lstStyle/>
+        <a:p>
+          <a:pPr marL="0" lvl="0" indent="0" algn="ctr" defTabSz="444500">
+            <a:lnSpc>
+              <a:spcPct val="90000"/>
+            </a:lnSpc>
+            <a:spcBef>
+              <a:spcPct val="0"/>
+            </a:spcBef>
+            <a:spcAft>
+              <a:spcPct val="35000"/>
+            </a:spcAft>
+            <a:buNone/>
+          </a:pPr>
+          <a:r>
+            <a:rPr lang="en-US" sz="1000" kern="1200" dirty="0"/>
+            <a:t>pip install </a:t>
+          </a:r>
+          <a:r>
+            <a:rPr lang="en-US" sz="1000" kern="1200" dirty="0" err="1"/>
+            <a:t>pySEAFOM</a:t>
+          </a:r>
+          <a:endParaRPr lang="en-US" sz="1000" kern="1200" dirty="0"/>
+        </a:p>
+      </dsp:txBody>
+      <dsp:txXfrm>
+        <a:off x="23052" y="759024"/>
+        <a:ext cx="1119957" cy="655656"/>
+      </dsp:txXfrm>
+    </dsp:sp>
+    <dsp:sp modelId="{37F80E5B-C0CA-4F81-ACAD-F3A5EB722D96}">
+      <dsp:nvSpPr>
+        <dsp:cNvPr id="0" name=""/>
+        <dsp:cNvSpPr/>
+      </dsp:nvSpPr>
+      <dsp:spPr>
+        <a:xfrm>
+          <a:off x="1279483" y="942919"/>
+          <a:ext cx="246079" cy="287866"/>
+        </a:xfrm>
+        <a:prstGeom prst="rightArrow">
+          <a:avLst>
+            <a:gd name="adj1" fmla="val 60000"/>
+            <a:gd name="adj2" fmla="val 50000"/>
+          </a:avLst>
+        </a:prstGeom>
+        <a:solidFill>
+          <a:schemeClr val="accent3">
+            <a:tint val="60000"/>
+            <a:hueOff val="0"/>
+            <a:satOff val="0"/>
+            <a:lumOff val="0"/>
+            <a:alphaOff val="0"/>
+          </a:schemeClr>
+        </a:solidFill>
+        <a:ln>
+          <a:noFill/>
+        </a:ln>
+        <a:effectLst/>
+      </dsp:spPr>
+      <dsp:style>
+        <a:lnRef idx="0">
+          <a:scrgbClr r="0" g="0" b="0"/>
+        </a:lnRef>
+        <a:fillRef idx="1">
+          <a:scrgbClr r="0" g="0" b="0"/>
+        </a:fillRef>
+        <a:effectRef idx="0">
+          <a:scrgbClr r="0" g="0" b="0"/>
+        </a:effectRef>
+        <a:fontRef idx="minor">
+          <a:schemeClr val="lt1"/>
+        </a:fontRef>
+      </dsp:style>
+      <dsp:txBody>
+        <a:bodyPr spcFirstLastPara="0" vert="horz" wrap="square" lIns="0" tIns="0" rIns="0" bIns="0" numCol="1" spcCol="1270" anchor="ctr" anchorCtr="0">
+          <a:noAutofit/>
+        </a:bodyPr>
+        <a:lstStyle/>
+        <a:p>
+          <a:pPr marL="0" lvl="0" indent="0" algn="ctr" defTabSz="1600200">
+            <a:lnSpc>
+              <a:spcPct val="90000"/>
+            </a:lnSpc>
+            <a:spcBef>
+              <a:spcPct val="0"/>
+            </a:spcBef>
+            <a:spcAft>
+              <a:spcPct val="35000"/>
+            </a:spcAft>
+            <a:buNone/>
+          </a:pPr>
+          <a:endParaRPr lang="en-US" sz="3600" kern="1200"/>
+        </a:p>
+      </dsp:txBody>
+      <dsp:txXfrm>
+        <a:off x="1279483" y="1000492"/>
+        <a:ext cx="172255" cy="172720"/>
+      </dsp:txXfrm>
+    </dsp:sp>
+    <dsp:sp modelId="{92B177F5-5799-41E8-94D2-6753E1430578}">
+      <dsp:nvSpPr>
+        <dsp:cNvPr id="0" name=""/>
+        <dsp:cNvSpPr/>
+      </dsp:nvSpPr>
+      <dsp:spPr>
+        <a:xfrm>
+          <a:off x="1627709" y="738626"/>
+          <a:ext cx="1160753" cy="696452"/>
+        </a:xfrm>
+        <a:prstGeom prst="roundRect">
+          <a:avLst>
+            <a:gd name="adj" fmla="val 10000"/>
+          </a:avLst>
+        </a:prstGeom>
+        <a:solidFill>
+          <a:schemeClr val="lt1">
+            <a:hueOff val="0"/>
+            <a:satOff val="0"/>
+            <a:lumOff val="0"/>
+            <a:alphaOff val="0"/>
+          </a:schemeClr>
+        </a:solidFill>
+        <a:ln w="19050" cap="flat" cmpd="sng" algn="ctr">
+          <a:solidFill>
+            <a:schemeClr val="accent3">
+              <a:shade val="80000"/>
+              <a:hueOff val="0"/>
+              <a:satOff val="0"/>
+              <a:lumOff val="0"/>
+              <a:alphaOff val="0"/>
+            </a:schemeClr>
+          </a:solidFill>
+          <a:prstDash val="solid"/>
+          <a:miter lim="800000"/>
+        </a:ln>
+        <a:effectLst/>
+      </dsp:spPr>
+      <dsp:style>
+        <a:lnRef idx="2">
+          <a:scrgbClr r="0" g="0" b="0"/>
+        </a:lnRef>
+        <a:fillRef idx="1">
+          <a:scrgbClr r="0" g="0" b="0"/>
+        </a:fillRef>
+        <a:effectRef idx="0">
+          <a:scrgbClr r="0" g="0" b="0"/>
+        </a:effectRef>
+        <a:fontRef idx="minor">
+          <a:schemeClr val="lt1"/>
+        </a:fontRef>
+      </dsp:style>
+      <dsp:txBody>
+        <a:bodyPr spcFirstLastPara="0" vert="horz" wrap="square" lIns="38100" tIns="38100" rIns="38100" bIns="38100" numCol="1" spcCol="1270" anchor="ctr" anchorCtr="0">
+          <a:noAutofit/>
+        </a:bodyPr>
+        <a:lstStyle/>
+        <a:p>
+          <a:pPr marL="0" lvl="0" indent="0" algn="ctr" defTabSz="444500">
+            <a:lnSpc>
+              <a:spcPct val="90000"/>
+            </a:lnSpc>
+            <a:spcBef>
+              <a:spcPct val="0"/>
+            </a:spcBef>
+            <a:spcAft>
+              <a:spcPct val="35000"/>
+            </a:spcAft>
+            <a:buNone/>
+          </a:pPr>
+          <a:r>
+            <a:rPr lang="en-US" sz="1000" b="0" i="0" kern="1200" dirty="0"/>
+            <a:t>Prepare your 2D array (channels × samples)</a:t>
+          </a:r>
+          <a:endParaRPr lang="en-US" sz="1000" kern="1200" dirty="0"/>
+        </a:p>
+      </dsp:txBody>
+      <dsp:txXfrm>
+        <a:off x="1648107" y="759024"/>
+        <a:ext cx="1119957" cy="655656"/>
+      </dsp:txXfrm>
+    </dsp:sp>
+    <dsp:sp modelId="{AD97A4AC-09A6-4A35-AB70-9F6504BE89E6}">
+      <dsp:nvSpPr>
+        <dsp:cNvPr id="0" name=""/>
+        <dsp:cNvSpPr/>
+      </dsp:nvSpPr>
+      <dsp:spPr>
+        <a:xfrm>
+          <a:off x="2904538" y="942919"/>
+          <a:ext cx="246079" cy="287866"/>
+        </a:xfrm>
+        <a:prstGeom prst="rightArrow">
+          <a:avLst>
+            <a:gd name="adj1" fmla="val 60000"/>
+            <a:gd name="adj2" fmla="val 50000"/>
+          </a:avLst>
+        </a:prstGeom>
+        <a:solidFill>
+          <a:schemeClr val="accent3">
+            <a:tint val="60000"/>
+            <a:hueOff val="0"/>
+            <a:satOff val="0"/>
+            <a:lumOff val="0"/>
+            <a:alphaOff val="0"/>
+          </a:schemeClr>
+        </a:solidFill>
+        <a:ln>
+          <a:noFill/>
+        </a:ln>
+        <a:effectLst/>
+      </dsp:spPr>
+      <dsp:style>
+        <a:lnRef idx="0">
+          <a:scrgbClr r="0" g="0" b="0"/>
+        </a:lnRef>
+        <a:fillRef idx="1">
+          <a:scrgbClr r="0" g="0" b="0"/>
+        </a:fillRef>
+        <a:effectRef idx="0">
+          <a:scrgbClr r="0" g="0" b="0"/>
+        </a:effectRef>
+        <a:fontRef idx="minor">
+          <a:schemeClr val="lt1"/>
+        </a:fontRef>
+      </dsp:style>
+      <dsp:txBody>
+        <a:bodyPr spcFirstLastPara="0" vert="horz" wrap="square" lIns="0" tIns="0" rIns="0" bIns="0" numCol="1" spcCol="1270" anchor="ctr" anchorCtr="0">
+          <a:noAutofit/>
+        </a:bodyPr>
+        <a:lstStyle/>
+        <a:p>
+          <a:pPr marL="0" lvl="0" indent="0" algn="ctr" defTabSz="1600200">
+            <a:lnSpc>
+              <a:spcPct val="90000"/>
+            </a:lnSpc>
+            <a:spcBef>
+              <a:spcPct val="0"/>
+            </a:spcBef>
+            <a:spcAft>
+              <a:spcPct val="35000"/>
+            </a:spcAft>
+            <a:buNone/>
+          </a:pPr>
+          <a:endParaRPr lang="en-US" sz="3600" kern="1200"/>
+        </a:p>
+      </dsp:txBody>
+      <dsp:txXfrm>
+        <a:off x="2904538" y="1000492"/>
+        <a:ext cx="172255" cy="172720"/>
+      </dsp:txXfrm>
+    </dsp:sp>
+    <dsp:sp modelId="{BCA32F45-8225-4186-B7B2-3E75E3588E41}">
+      <dsp:nvSpPr>
+        <dsp:cNvPr id="0" name=""/>
+        <dsp:cNvSpPr/>
+      </dsp:nvSpPr>
+      <dsp:spPr>
+        <a:xfrm>
+          <a:off x="3252764" y="738626"/>
+          <a:ext cx="1160753" cy="696452"/>
+        </a:xfrm>
+        <a:prstGeom prst="roundRect">
+          <a:avLst>
+            <a:gd name="adj" fmla="val 10000"/>
+          </a:avLst>
+        </a:prstGeom>
+        <a:solidFill>
+          <a:schemeClr val="lt1">
+            <a:hueOff val="0"/>
+            <a:satOff val="0"/>
+            <a:lumOff val="0"/>
+            <a:alphaOff val="0"/>
+          </a:schemeClr>
+        </a:solidFill>
+        <a:ln w="19050" cap="flat" cmpd="sng" algn="ctr">
+          <a:solidFill>
+            <a:schemeClr val="accent3">
+              <a:shade val="80000"/>
+              <a:hueOff val="0"/>
+              <a:satOff val="0"/>
+              <a:lumOff val="0"/>
+              <a:alphaOff val="0"/>
+            </a:schemeClr>
+          </a:solidFill>
+          <a:prstDash val="solid"/>
+          <a:miter lim="800000"/>
+        </a:ln>
+        <a:effectLst/>
+      </dsp:spPr>
+      <dsp:style>
+        <a:lnRef idx="2">
+          <a:scrgbClr r="0" g="0" b="0"/>
+        </a:lnRef>
+        <a:fillRef idx="1">
+          <a:scrgbClr r="0" g="0" b="0"/>
+        </a:fillRef>
+        <a:effectRef idx="0">
+          <a:scrgbClr r="0" g="0" b="0"/>
+        </a:effectRef>
+        <a:fontRef idx="minor">
+          <a:schemeClr val="lt1"/>
+        </a:fontRef>
+      </dsp:style>
+      <dsp:txBody>
+        <a:bodyPr spcFirstLastPara="0" vert="horz" wrap="square" lIns="38100" tIns="38100" rIns="38100" bIns="38100" numCol="1" spcCol="1270" anchor="ctr" anchorCtr="0">
+          <a:noAutofit/>
+        </a:bodyPr>
+        <a:lstStyle/>
+        <a:p>
+          <a:pPr marL="0" lvl="0" indent="0" algn="ctr" defTabSz="444500">
+            <a:lnSpc>
+              <a:spcPct val="90000"/>
+            </a:lnSpc>
+            <a:spcBef>
+              <a:spcPct val="0"/>
+            </a:spcBef>
+            <a:spcAft>
+              <a:spcPct val="35000"/>
+            </a:spcAft>
+            <a:buNone/>
+          </a:pPr>
+          <a:r>
+            <a:rPr lang="en-US" sz="1000" b="0" i="0" kern="1200" dirty="0"/>
+            <a:t>Call the module’s compute function(s)</a:t>
+          </a:r>
+          <a:endParaRPr lang="en-US" sz="2000" kern="1200" dirty="0"/>
+        </a:p>
+      </dsp:txBody>
+      <dsp:txXfrm>
+        <a:off x="3273162" y="759024"/>
+        <a:ext cx="1119957" cy="655656"/>
+      </dsp:txXfrm>
+    </dsp:sp>
+    <dsp:sp modelId="{FFD00C3A-1B97-4E30-988D-761D33D51C69}">
+      <dsp:nvSpPr>
+        <dsp:cNvPr id="0" name=""/>
+        <dsp:cNvSpPr/>
+      </dsp:nvSpPr>
+      <dsp:spPr>
+        <a:xfrm>
+          <a:off x="4529593" y="942919"/>
+          <a:ext cx="246079" cy="287866"/>
+        </a:xfrm>
+        <a:prstGeom prst="rightArrow">
+          <a:avLst>
+            <a:gd name="adj1" fmla="val 60000"/>
+            <a:gd name="adj2" fmla="val 50000"/>
+          </a:avLst>
+        </a:prstGeom>
+        <a:solidFill>
+          <a:schemeClr val="accent3">
+            <a:tint val="60000"/>
+            <a:hueOff val="0"/>
+            <a:satOff val="0"/>
+            <a:lumOff val="0"/>
+            <a:alphaOff val="0"/>
+          </a:schemeClr>
+        </a:solidFill>
+        <a:ln>
+          <a:noFill/>
+        </a:ln>
+        <a:effectLst/>
+      </dsp:spPr>
+      <dsp:style>
+        <a:lnRef idx="0">
+          <a:scrgbClr r="0" g="0" b="0"/>
+        </a:lnRef>
+        <a:fillRef idx="1">
+          <a:scrgbClr r="0" g="0" b="0"/>
+        </a:fillRef>
+        <a:effectRef idx="0">
+          <a:scrgbClr r="0" g="0" b="0"/>
+        </a:effectRef>
+        <a:fontRef idx="minor">
+          <a:schemeClr val="lt1"/>
+        </a:fontRef>
+      </dsp:style>
+      <dsp:txBody>
+        <a:bodyPr spcFirstLastPara="0" vert="horz" wrap="square" lIns="0" tIns="0" rIns="0" bIns="0" numCol="1" spcCol="1270" anchor="ctr" anchorCtr="0">
           <a:noAutofit/>
         </a:bodyPr>
         <a:lstStyle/>
@@ -12467,15 +14090,94 @@
             </a:spcAft>
             <a:buNone/>
           </a:pPr>
-          <a:r>
-            <a:rPr lang="en-US" sz="1200" b="1" kern="1200" dirty="0"/>
-            <a:t>…</a:t>
-          </a:r>
+          <a:endParaRPr lang="en-US" sz="1200" kern="1200"/>
         </a:p>
       </dsp:txBody>
       <dsp:txXfrm>
-        <a:off x="1441805" y="683743"/>
-        <a:ext cx="814300" cy="814300"/>
+        <a:off x="4529593" y="1000492"/>
+        <a:ext cx="172255" cy="172720"/>
+      </dsp:txXfrm>
+    </dsp:sp>
+    <dsp:sp modelId="{A84AEDA7-DF7A-46A2-8B14-785AA474DFCC}">
+      <dsp:nvSpPr>
+        <dsp:cNvPr id="0" name=""/>
+        <dsp:cNvSpPr/>
+      </dsp:nvSpPr>
+      <dsp:spPr>
+        <a:xfrm>
+          <a:off x="4877819" y="738626"/>
+          <a:ext cx="1160753" cy="696452"/>
+        </a:xfrm>
+        <a:prstGeom prst="roundRect">
+          <a:avLst>
+            <a:gd name="adj" fmla="val 10000"/>
+          </a:avLst>
+        </a:prstGeom>
+        <a:solidFill>
+          <a:schemeClr val="lt1">
+            <a:hueOff val="0"/>
+            <a:satOff val="0"/>
+            <a:lumOff val="0"/>
+            <a:alphaOff val="0"/>
+          </a:schemeClr>
+        </a:solidFill>
+        <a:ln w="19050" cap="flat" cmpd="sng" algn="ctr">
+          <a:solidFill>
+            <a:schemeClr val="accent3">
+              <a:shade val="80000"/>
+              <a:hueOff val="0"/>
+              <a:satOff val="0"/>
+              <a:lumOff val="0"/>
+              <a:alphaOff val="0"/>
+            </a:schemeClr>
+          </a:solidFill>
+          <a:prstDash val="solid"/>
+          <a:miter lim="800000"/>
+        </a:ln>
+        <a:effectLst/>
+      </dsp:spPr>
+      <dsp:style>
+        <a:lnRef idx="2">
+          <a:scrgbClr r="0" g="0" b="0"/>
+        </a:lnRef>
+        <a:fillRef idx="1">
+          <a:scrgbClr r="0" g="0" b="0"/>
+        </a:fillRef>
+        <a:effectRef idx="0">
+          <a:scrgbClr r="0" g="0" b="0"/>
+        </a:effectRef>
+        <a:fontRef idx="minor">
+          <a:schemeClr val="lt1"/>
+        </a:fontRef>
+      </dsp:style>
+      <dsp:txBody>
+        <a:bodyPr spcFirstLastPara="0" vert="horz" wrap="square" lIns="38100" tIns="38100" rIns="38100" bIns="38100" numCol="1" spcCol="1270" anchor="ctr" anchorCtr="0">
+          <a:noAutofit/>
+        </a:bodyPr>
+        <a:lstStyle/>
+        <a:p>
+          <a:pPr marL="0" lvl="0" indent="0" algn="ctr" defTabSz="444500">
+            <a:lnSpc>
+              <a:spcPct val="90000"/>
+            </a:lnSpc>
+            <a:spcBef>
+              <a:spcPct val="0"/>
+            </a:spcBef>
+            <a:spcAft>
+              <a:spcPct val="35000"/>
+            </a:spcAft>
+            <a:buNone/>
+          </a:pPr>
+          <a:r>
+            <a:rPr lang="en-US" sz="1000" b="0" i="0" kern="1200" dirty="0"/>
+            <a:t>Call the module’s plot and report function(s) </a:t>
+          </a:r>
+          <a:endParaRPr lang="en-US" sz="1000" kern="1200" dirty="0"/>
+        </a:p>
+      </dsp:txBody>
+      <dsp:txXfrm>
+        <a:off x="4898217" y="759024"/>
+        <a:ext cx="1119957" cy="655656"/>
       </dsp:txXfrm>
     </dsp:sp>
   </dsp:spTree>
@@ -13356,6 +15058,152 @@
 </dgm:layoutDef>
 </file>
 
+<file path=ppt/diagrams/layout5.xml><?xml version="1.0" encoding="utf-8"?>
+<dgm:layoutDef xmlns:dgm="http://schemas.openxmlformats.org/drawingml/2006/diagram" xmlns:a="http://schemas.openxmlformats.org/drawingml/2006/main" uniqueId="urn:microsoft.com/office/officeart/2005/8/layout/process1">
+  <dgm:title val=""/>
+  <dgm:desc val=""/>
+  <dgm:catLst>
+    <dgm:cat type="process" pri="1000"/>
+    <dgm:cat type="convert" pri="15000"/>
+  </dgm:catLst>
+  <dgm:sampData useDef="1">
+    <dgm:dataModel>
+      <dgm:ptLst/>
+      <dgm:bg/>
+      <dgm:whole/>
+    </dgm:dataModel>
+  </dgm:sampData>
+  <dgm:styleData>
+    <dgm:dataModel>
+      <dgm:ptLst>
+        <dgm:pt modelId="0" type="doc"/>
+        <dgm:pt modelId="1"/>
+        <dgm:pt modelId="2"/>
+      </dgm:ptLst>
+      <dgm:cxnLst>
+        <dgm:cxn modelId="3" srcId="0" destId="1" srcOrd="0" destOrd="0"/>
+        <dgm:cxn modelId="4" srcId="0" destId="2" srcOrd="1" destOrd="0"/>
+      </dgm:cxnLst>
+      <dgm:bg/>
+      <dgm:whole/>
+    </dgm:dataModel>
+  </dgm:styleData>
+  <dgm:clrData>
+    <dgm:dataModel>
+      <dgm:ptLst>
+        <dgm:pt modelId="0" type="doc"/>
+        <dgm:pt modelId="1"/>
+        <dgm:pt modelId="2"/>
+        <dgm:pt modelId="3"/>
+        <dgm:pt modelId="4"/>
+      </dgm:ptLst>
+      <dgm:cxnLst>
+        <dgm:cxn modelId="5" srcId="0" destId="1" srcOrd="0" destOrd="0"/>
+        <dgm:cxn modelId="6" srcId="0" destId="2" srcOrd="1" destOrd="0"/>
+        <dgm:cxn modelId="7" srcId="0" destId="3" srcOrd="2" destOrd="0"/>
+        <dgm:cxn modelId="8" srcId="0" destId="4" srcOrd="3" destOrd="0"/>
+      </dgm:cxnLst>
+      <dgm:bg/>
+      <dgm:whole/>
+    </dgm:dataModel>
+  </dgm:clrData>
+  <dgm:layoutNode name="Name0">
+    <dgm:varLst>
+      <dgm:dir/>
+      <dgm:resizeHandles val="exact"/>
+    </dgm:varLst>
+    <dgm:choose name="Name1">
+      <dgm:if name="Name2" func="var" arg="dir" op="equ" val="norm">
+        <dgm:alg type="lin"/>
+      </dgm:if>
+      <dgm:else name="Name3">
+        <dgm:alg type="lin">
+          <dgm:param type="linDir" val="fromR"/>
+        </dgm:alg>
+      </dgm:else>
+    </dgm:choose>
+    <dgm:shape xmlns:r="http://schemas.openxmlformats.org/officeDocument/2006/relationships" r:blip="">
+      <dgm:adjLst/>
+    </dgm:shape>
+    <dgm:presOf/>
+    <dgm:constrLst>
+      <dgm:constr type="w" for="ch" ptType="node" refType="w"/>
+      <dgm:constr type="h" for="ch" ptType="node" op="equ"/>
+      <dgm:constr type="primFontSz" for="ch" ptType="node" op="equ" val="65"/>
+      <dgm:constr type="w" for="ch" ptType="sibTrans" refType="w" refFor="ch" refPtType="node" op="equ" fact="0.4"/>
+      <dgm:constr type="h" for="ch" ptType="sibTrans" op="equ"/>
+      <dgm:constr type="primFontSz" for="des" forName="connectorText" op="equ" val="55"/>
+      <dgm:constr type="primFontSz" for="des" forName="connectorText" refType="primFontSz" refFor="ch" refPtType="node" op="lte" fact="0.8"/>
+    </dgm:constrLst>
+    <dgm:ruleLst/>
+    <dgm:forEach name="nodesForEach" axis="ch" ptType="node">
+      <dgm:layoutNode name="node">
+        <dgm:varLst>
+          <dgm:bulletEnabled val="1"/>
+        </dgm:varLst>
+        <dgm:alg type="tx"/>
+        <dgm:shape xmlns:r="http://schemas.openxmlformats.org/officeDocument/2006/relationships" type="roundRect" r:blip="">
+          <dgm:adjLst>
+            <dgm:adj idx="1" val="0.1"/>
+          </dgm:adjLst>
+        </dgm:shape>
+        <dgm:presOf axis="desOrSelf" ptType="node"/>
+        <dgm:constrLst>
+          <dgm:constr type="h" refType="w" fact="0.6"/>
+          <dgm:constr type="tMarg" refType="primFontSz" fact="0.3"/>
+          <dgm:constr type="bMarg" refType="primFontSz" fact="0.3"/>
+          <dgm:constr type="lMarg" refType="primFontSz" fact="0.3"/>
+          <dgm:constr type="rMarg" refType="primFontSz" fact="0.3"/>
+        </dgm:constrLst>
+        <dgm:ruleLst>
+          <dgm:rule type="primFontSz" val="18" fact="NaN" max="NaN"/>
+          <dgm:rule type="h" val="NaN" fact="1.5" max="NaN"/>
+          <dgm:rule type="primFontSz" val="5" fact="NaN" max="NaN"/>
+          <dgm:rule type="h" val="INF" fact="NaN" max="NaN"/>
+        </dgm:ruleLst>
+      </dgm:layoutNode>
+      <dgm:forEach name="sibTransForEach" axis="followSib" ptType="sibTrans" cnt="1">
+        <dgm:layoutNode name="sibTrans">
+          <dgm:alg type="conn">
+            <dgm:param type="begPts" val="auto"/>
+            <dgm:param type="endPts" val="auto"/>
+          </dgm:alg>
+          <dgm:shape xmlns:r="http://schemas.openxmlformats.org/officeDocument/2006/relationships" type="conn" r:blip="">
+            <dgm:adjLst/>
+          </dgm:shape>
+          <dgm:presOf axis="self"/>
+          <dgm:constrLst>
+            <dgm:constr type="h" refType="w" fact="0.62"/>
+            <dgm:constr type="connDist"/>
+            <dgm:constr type="begPad" refType="connDist" fact="0.25"/>
+            <dgm:constr type="endPad" refType="connDist" fact="0.22"/>
+          </dgm:constrLst>
+          <dgm:ruleLst/>
+          <dgm:layoutNode name="connectorText">
+            <dgm:alg type="tx">
+              <dgm:param type="autoTxRot" val="grav"/>
+            </dgm:alg>
+            <dgm:shape xmlns:r="http://schemas.openxmlformats.org/officeDocument/2006/relationships" type="conn" r:blip="" hideGeom="1">
+              <dgm:adjLst/>
+            </dgm:shape>
+            <dgm:presOf axis="self"/>
+            <dgm:constrLst>
+              <dgm:constr type="lMarg"/>
+              <dgm:constr type="rMarg"/>
+              <dgm:constr type="tMarg"/>
+              <dgm:constr type="bMarg"/>
+            </dgm:constrLst>
+            <dgm:ruleLst>
+              <dgm:rule type="primFontSz" val="5" fact="NaN" max="NaN"/>
+            </dgm:ruleLst>
+          </dgm:layoutNode>
+        </dgm:layoutNode>
+      </dgm:forEach>
+    </dgm:forEach>
+  </dgm:layoutNode>
+</dgm:layoutDef>
+</file>
+
 <file path=ppt/diagrams/quickStyle1.xml><?xml version="1.0" encoding="utf-8"?>
 <dgm:styleDef xmlns:dgm="http://schemas.openxmlformats.org/drawingml/2006/diagram" xmlns:a="http://schemas.openxmlformats.org/drawingml/2006/main" uniqueId="urn:microsoft.com/office/officeart/2005/8/quickstyle/simple1">
   <dgm:title val=""/>
@@ -16459,6 +18307,1040 @@
 </file>
 
 <file path=ppt/diagrams/quickStyle4.xml><?xml version="1.0" encoding="utf-8"?>
+<dgm:styleDef xmlns:dgm="http://schemas.openxmlformats.org/drawingml/2006/diagram" xmlns:a="http://schemas.openxmlformats.org/drawingml/2006/main" uniqueId="urn:microsoft.com/office/officeart/2005/8/quickstyle/simple1">
+  <dgm:title val=""/>
+  <dgm:desc val=""/>
+  <dgm:catLst>
+    <dgm:cat type="simple" pri="10100"/>
+  </dgm:catLst>
+  <dgm:scene3d>
+    <a:camera prst="orthographicFront"/>
+    <a:lightRig rig="threePt" dir="t"/>
+  </dgm:scene3d>
+  <dgm:styleLbl name="node0">
+    <dgm:scene3d>
+      <a:camera prst="orthographicFront"/>
+      <a:lightRig rig="threePt" dir="t"/>
+    </dgm:scene3d>
+    <dgm:sp3d/>
+    <dgm:txPr/>
+    <dgm:style>
+      <a:lnRef idx="2">
+        <a:scrgbClr r="0" g="0" b="0"/>
+      </a:lnRef>
+      <a:fillRef idx="1">
+        <a:scrgbClr r="0" g="0" b="0"/>
+      </a:fillRef>
+      <a:effectRef idx="0">
+        <a:scrgbClr r="0" g="0" b="0"/>
+      </a:effectRef>
+      <a:fontRef idx="minor">
+        <a:schemeClr val="lt1"/>
+      </a:fontRef>
+    </dgm:style>
+  </dgm:styleLbl>
+  <dgm:styleLbl name="lnNode1">
+    <dgm:scene3d>
+      <a:camera prst="orthographicFront"/>
+      <a:lightRig rig="threePt" dir="t"/>
+    </dgm:scene3d>
+    <dgm:sp3d/>
+    <dgm:txPr/>
+    <dgm:style>
+      <a:lnRef idx="2">
+        <a:scrgbClr r="0" g="0" b="0"/>
+      </a:lnRef>
+      <a:fillRef idx="1">
+        <a:scrgbClr r="0" g="0" b="0"/>
+      </a:fillRef>
+      <a:effectRef idx="0">
+        <a:scrgbClr r="0" g="0" b="0"/>
+      </a:effectRef>
+      <a:fontRef idx="minor">
+        <a:schemeClr val="lt1"/>
+      </a:fontRef>
+    </dgm:style>
+  </dgm:styleLbl>
+  <dgm:styleLbl name="vennNode1">
+    <dgm:scene3d>
+      <a:camera prst="orthographicFront"/>
+      <a:lightRig rig="threePt" dir="t"/>
+    </dgm:scene3d>
+    <dgm:sp3d/>
+    <dgm:txPr/>
+    <dgm:style>
+      <a:lnRef idx="2">
+        <a:scrgbClr r="0" g="0" b="0"/>
+      </a:lnRef>
+      <a:fillRef idx="1">
+        <a:scrgbClr r="0" g="0" b="0"/>
+      </a:fillRef>
+      <a:effectRef idx="0">
+        <a:scrgbClr r="0" g="0" b="0"/>
+      </a:effectRef>
+      <a:fontRef idx="minor">
+        <a:schemeClr val="tx1"/>
+      </a:fontRef>
+    </dgm:style>
+  </dgm:styleLbl>
+  <dgm:styleLbl name="alignNode1">
+    <dgm:scene3d>
+      <a:camera prst="orthographicFront"/>
+      <a:lightRig rig="threePt" dir="t"/>
+    </dgm:scene3d>
+    <dgm:sp3d/>
+    <dgm:txPr/>
+    <dgm:style>
+      <a:lnRef idx="2">
+        <a:scrgbClr r="0" g="0" b="0"/>
+      </a:lnRef>
+      <a:fillRef idx="1">
+        <a:scrgbClr r="0" g="0" b="0"/>
+      </a:fillRef>
+      <a:effectRef idx="0">
+        <a:scrgbClr r="0" g="0" b="0"/>
+      </a:effectRef>
+      <a:fontRef idx="minor">
+        <a:schemeClr val="lt1"/>
+      </a:fontRef>
+    </dgm:style>
+  </dgm:styleLbl>
+  <dgm:styleLbl name="node1">
+    <dgm:scene3d>
+      <a:camera prst="orthographicFront"/>
+      <a:lightRig rig="threePt" dir="t"/>
+    </dgm:scene3d>
+    <dgm:sp3d/>
+    <dgm:txPr/>
+    <dgm:style>
+      <a:lnRef idx="2">
+        <a:scrgbClr r="0" g="0" b="0"/>
+      </a:lnRef>
+      <a:fillRef idx="1">
+        <a:scrgbClr r="0" g="0" b="0"/>
+      </a:fillRef>
+      <a:effectRef idx="0">
+        <a:scrgbClr r="0" g="0" b="0"/>
+      </a:effectRef>
+      <a:fontRef idx="minor">
+        <a:schemeClr val="lt1"/>
+      </a:fontRef>
+    </dgm:style>
+  </dgm:styleLbl>
+  <dgm:styleLbl name="node2">
+    <dgm:scene3d>
+      <a:camera prst="orthographicFront"/>
+      <a:lightRig rig="threePt" dir="t"/>
+    </dgm:scene3d>
+    <dgm:sp3d/>
+    <dgm:txPr/>
+    <dgm:style>
+      <a:lnRef idx="2">
+        <a:scrgbClr r="0" g="0" b="0"/>
+      </a:lnRef>
+      <a:fillRef idx="1">
+        <a:scrgbClr r="0" g="0" b="0"/>
+      </a:fillRef>
+      <a:effectRef idx="0">
+        <a:scrgbClr r="0" g="0" b="0"/>
+      </a:effectRef>
+      <a:fontRef idx="minor">
+        <a:schemeClr val="lt1"/>
+      </a:fontRef>
+    </dgm:style>
+  </dgm:styleLbl>
+  <dgm:styleLbl name="node3">
+    <dgm:scene3d>
+      <a:camera prst="orthographicFront"/>
+      <a:lightRig rig="threePt" dir="t"/>
+    </dgm:scene3d>
+    <dgm:sp3d/>
+    <dgm:txPr/>
+    <dgm:style>
+      <a:lnRef idx="2">
+        <a:scrgbClr r="0" g="0" b="0"/>
+      </a:lnRef>
+      <a:fillRef idx="1">
+        <a:scrgbClr r="0" g="0" b="0"/>
+      </a:fillRef>
+      <a:effectRef idx="0">
+        <a:scrgbClr r="0" g="0" b="0"/>
+      </a:effectRef>
+      <a:fontRef idx="minor">
+        <a:schemeClr val="lt1"/>
+      </a:fontRef>
+    </dgm:style>
+  </dgm:styleLbl>
+  <dgm:styleLbl name="node4">
+    <dgm:scene3d>
+      <a:camera prst="orthographicFront"/>
+      <a:lightRig rig="threePt" dir="t"/>
+    </dgm:scene3d>
+    <dgm:sp3d/>
+    <dgm:txPr/>
+    <dgm:style>
+      <a:lnRef idx="2">
+        <a:scrgbClr r="0" g="0" b="0"/>
+      </a:lnRef>
+      <a:fillRef idx="1">
+        <a:scrgbClr r="0" g="0" b="0"/>
+      </a:fillRef>
+      <a:effectRef idx="0">
+        <a:scrgbClr r="0" g="0" b="0"/>
+      </a:effectRef>
+      <a:fontRef idx="minor">
+        <a:schemeClr val="lt1"/>
+      </a:fontRef>
+    </dgm:style>
+  </dgm:styleLbl>
+  <dgm:styleLbl name="fgImgPlace1">
+    <dgm:scene3d>
+      <a:camera prst="orthographicFront"/>
+      <a:lightRig rig="threePt" dir="t"/>
+    </dgm:scene3d>
+    <dgm:sp3d/>
+    <dgm:txPr/>
+    <dgm:style>
+      <a:lnRef idx="2">
+        <a:scrgbClr r="0" g="0" b="0"/>
+      </a:lnRef>
+      <a:fillRef idx="1">
+        <a:scrgbClr r="0" g="0" b="0"/>
+      </a:fillRef>
+      <a:effectRef idx="0">
+        <a:scrgbClr r="0" g="0" b="0"/>
+      </a:effectRef>
+      <a:fontRef idx="minor"/>
+    </dgm:style>
+  </dgm:styleLbl>
+  <dgm:styleLbl name="alignImgPlace1">
+    <dgm:scene3d>
+      <a:camera prst="orthographicFront"/>
+      <a:lightRig rig="threePt" dir="t"/>
+    </dgm:scene3d>
+    <dgm:sp3d/>
+    <dgm:txPr/>
+    <dgm:style>
+      <a:lnRef idx="2">
+        <a:scrgbClr r="0" g="0" b="0"/>
+      </a:lnRef>
+      <a:fillRef idx="1">
+        <a:scrgbClr r="0" g="0" b="0"/>
+      </a:fillRef>
+      <a:effectRef idx="0">
+        <a:scrgbClr r="0" g="0" b="0"/>
+      </a:effectRef>
+      <a:fontRef idx="minor"/>
+    </dgm:style>
+  </dgm:styleLbl>
+  <dgm:styleLbl name="bgImgPlace1">
+    <dgm:scene3d>
+      <a:camera prst="orthographicFront"/>
+      <a:lightRig rig="threePt" dir="t"/>
+    </dgm:scene3d>
+    <dgm:sp3d/>
+    <dgm:txPr/>
+    <dgm:style>
+      <a:lnRef idx="2">
+        <a:scrgbClr r="0" g="0" b="0"/>
+      </a:lnRef>
+      <a:fillRef idx="1">
+        <a:scrgbClr r="0" g="0" b="0"/>
+      </a:fillRef>
+      <a:effectRef idx="0">
+        <a:scrgbClr r="0" g="0" b="0"/>
+      </a:effectRef>
+      <a:fontRef idx="minor"/>
+    </dgm:style>
+  </dgm:styleLbl>
+  <dgm:styleLbl name="sibTrans2D1">
+    <dgm:scene3d>
+      <a:camera prst="orthographicFront"/>
+      <a:lightRig rig="threePt" dir="t"/>
+    </dgm:scene3d>
+    <dgm:sp3d/>
+    <dgm:txPr/>
+    <dgm:style>
+      <a:lnRef idx="0">
+        <a:scrgbClr r="0" g="0" b="0"/>
+      </a:lnRef>
+      <a:fillRef idx="1">
+        <a:scrgbClr r="0" g="0" b="0"/>
+      </a:fillRef>
+      <a:effectRef idx="0">
+        <a:scrgbClr r="0" g="0" b="0"/>
+      </a:effectRef>
+      <a:fontRef idx="minor">
+        <a:schemeClr val="lt1"/>
+      </a:fontRef>
+    </dgm:style>
+  </dgm:styleLbl>
+  <dgm:styleLbl name="fgSibTrans2D1">
+    <dgm:scene3d>
+      <a:camera prst="orthographicFront"/>
+      <a:lightRig rig="threePt" dir="t"/>
+    </dgm:scene3d>
+    <dgm:sp3d/>
+    <dgm:txPr/>
+    <dgm:style>
+      <a:lnRef idx="0">
+        <a:scrgbClr r="0" g="0" b="0"/>
+      </a:lnRef>
+      <a:fillRef idx="1">
+        <a:scrgbClr r="0" g="0" b="0"/>
+      </a:fillRef>
+      <a:effectRef idx="0">
+        <a:scrgbClr r="0" g="0" b="0"/>
+      </a:effectRef>
+      <a:fontRef idx="minor">
+        <a:schemeClr val="lt1"/>
+      </a:fontRef>
+    </dgm:style>
+  </dgm:styleLbl>
+  <dgm:styleLbl name="bgSibTrans2D1">
+    <dgm:scene3d>
+      <a:camera prst="orthographicFront"/>
+      <a:lightRig rig="threePt" dir="t"/>
+    </dgm:scene3d>
+    <dgm:sp3d/>
+    <dgm:txPr/>
+    <dgm:style>
+      <a:lnRef idx="0">
+        <a:scrgbClr r="0" g="0" b="0"/>
+      </a:lnRef>
+      <a:fillRef idx="1">
+        <a:scrgbClr r="0" g="0" b="0"/>
+      </a:fillRef>
+      <a:effectRef idx="0">
+        <a:scrgbClr r="0" g="0" b="0"/>
+      </a:effectRef>
+      <a:fontRef idx="minor">
+        <a:schemeClr val="lt1"/>
+      </a:fontRef>
+    </dgm:style>
+  </dgm:styleLbl>
+  <dgm:styleLbl name="sibTrans1D1">
+    <dgm:scene3d>
+      <a:camera prst="orthographicFront"/>
+      <a:lightRig rig="threePt" dir="t"/>
+    </dgm:scene3d>
+    <dgm:sp3d/>
+    <dgm:txPr/>
+    <dgm:style>
+      <a:lnRef idx="1">
+        <a:scrgbClr r="0" g="0" b="0"/>
+      </a:lnRef>
+      <a:fillRef idx="0">
+        <a:scrgbClr r="0" g="0" b="0"/>
+      </a:fillRef>
+      <a:effectRef idx="0">
+        <a:scrgbClr r="0" g="0" b="0"/>
+      </a:effectRef>
+      <a:fontRef idx="minor"/>
+    </dgm:style>
+  </dgm:styleLbl>
+  <dgm:styleLbl name="callout">
+    <dgm:scene3d>
+      <a:camera prst="orthographicFront"/>
+      <a:lightRig rig="threePt" dir="t"/>
+    </dgm:scene3d>
+    <dgm:sp3d/>
+    <dgm:txPr/>
+    <dgm:style>
+      <a:lnRef idx="2">
+        <a:scrgbClr r="0" g="0" b="0"/>
+      </a:lnRef>
+      <a:fillRef idx="1">
+        <a:scrgbClr r="0" g="0" b="0"/>
+      </a:fillRef>
+      <a:effectRef idx="0">
+        <a:scrgbClr r="0" g="0" b="0"/>
+      </a:effectRef>
+      <a:fontRef idx="minor"/>
+    </dgm:style>
+  </dgm:styleLbl>
+  <dgm:styleLbl name="asst0">
+    <dgm:scene3d>
+      <a:camera prst="orthographicFront"/>
+      <a:lightRig rig="threePt" dir="t"/>
+    </dgm:scene3d>
+    <dgm:sp3d/>
+    <dgm:txPr/>
+    <dgm:style>
+      <a:lnRef idx="2">
+        <a:scrgbClr r="0" g="0" b="0"/>
+      </a:lnRef>
+      <a:fillRef idx="1">
+        <a:scrgbClr r="0" g="0" b="0"/>
+      </a:fillRef>
+      <a:effectRef idx="0">
+        <a:scrgbClr r="0" g="0" b="0"/>
+      </a:effectRef>
+      <a:fontRef idx="minor">
+        <a:schemeClr val="lt1"/>
+      </a:fontRef>
+    </dgm:style>
+  </dgm:styleLbl>
+  <dgm:styleLbl name="asst1">
+    <dgm:scene3d>
+      <a:camera prst="orthographicFront"/>
+      <a:lightRig rig="threePt" dir="t"/>
+    </dgm:scene3d>
+    <dgm:sp3d/>
+    <dgm:txPr/>
+    <dgm:style>
+      <a:lnRef idx="2">
+        <a:scrgbClr r="0" g="0" b="0"/>
+      </a:lnRef>
+      <a:fillRef idx="1">
+        <a:scrgbClr r="0" g="0" b="0"/>
+      </a:fillRef>
+      <a:effectRef idx="0">
+        <a:scrgbClr r="0" g="0" b="0"/>
+      </a:effectRef>
+      <a:fontRef idx="minor">
+        <a:schemeClr val="lt1"/>
+      </a:fontRef>
+    </dgm:style>
+  </dgm:styleLbl>
+  <dgm:styleLbl name="asst2">
+    <dgm:scene3d>
+      <a:camera prst="orthographicFront"/>
+      <a:lightRig rig="threePt" dir="t"/>
+    </dgm:scene3d>
+    <dgm:sp3d/>
+    <dgm:txPr/>
+    <dgm:style>
+      <a:lnRef idx="2">
+        <a:scrgbClr r="0" g="0" b="0"/>
+      </a:lnRef>
+      <a:fillRef idx="1">
+        <a:scrgbClr r="0" g="0" b="0"/>
+      </a:fillRef>
+      <a:effectRef idx="0">
+        <a:scrgbClr r="0" g="0" b="0"/>
+      </a:effectRef>
+      <a:fontRef idx="minor">
+        <a:schemeClr val="lt1"/>
+      </a:fontRef>
+    </dgm:style>
+  </dgm:styleLbl>
+  <dgm:styleLbl name="asst3">
+    <dgm:scene3d>
+      <a:camera prst="orthographicFront"/>
+      <a:lightRig rig="threePt" dir="t"/>
+    </dgm:scene3d>
+    <dgm:sp3d/>
+    <dgm:txPr/>
+    <dgm:style>
+      <a:lnRef idx="2">
+        <a:scrgbClr r="0" g="0" b="0"/>
+      </a:lnRef>
+      <a:fillRef idx="1">
+        <a:scrgbClr r="0" g="0" b="0"/>
+      </a:fillRef>
+      <a:effectRef idx="0">
+        <a:scrgbClr r="0" g="0" b="0"/>
+      </a:effectRef>
+      <a:fontRef idx="minor">
+        <a:schemeClr val="lt1"/>
+      </a:fontRef>
+    </dgm:style>
+  </dgm:styleLbl>
+  <dgm:styleLbl name="asst4">
+    <dgm:scene3d>
+      <a:camera prst="orthographicFront"/>
+      <a:lightRig rig="threePt" dir="t"/>
+    </dgm:scene3d>
+    <dgm:sp3d/>
+    <dgm:txPr/>
+    <dgm:style>
+      <a:lnRef idx="2">
+        <a:scrgbClr r="0" g="0" b="0"/>
+      </a:lnRef>
+      <a:fillRef idx="1">
+        <a:scrgbClr r="0" g="0" b="0"/>
+      </a:fillRef>
+      <a:effectRef idx="0">
+        <a:scrgbClr r="0" g="0" b="0"/>
+      </a:effectRef>
+      <a:fontRef idx="minor">
+        <a:schemeClr val="lt1"/>
+      </a:fontRef>
+    </dgm:style>
+  </dgm:styleLbl>
+  <dgm:styleLbl name="parChTrans2D1">
+    <dgm:scene3d>
+      <a:camera prst="orthographicFront"/>
+      <a:lightRig rig="threePt" dir="t"/>
+    </dgm:scene3d>
+    <dgm:sp3d/>
+    <dgm:txPr/>
+    <dgm:style>
+      <a:lnRef idx="2">
+        <a:scrgbClr r="0" g="0" b="0"/>
+      </a:lnRef>
+      <a:fillRef idx="1">
+        <a:scrgbClr r="0" g="0" b="0"/>
+      </a:fillRef>
+      <a:effectRef idx="0">
+        <a:scrgbClr r="0" g="0" b="0"/>
+      </a:effectRef>
+      <a:fontRef idx="minor">
+        <a:schemeClr val="lt1"/>
+      </a:fontRef>
+    </dgm:style>
+  </dgm:styleLbl>
+  <dgm:styleLbl name="parChTrans2D2">
+    <dgm:scene3d>
+      <a:camera prst="orthographicFront"/>
+      <a:lightRig rig="threePt" dir="t"/>
+    </dgm:scene3d>
+    <dgm:sp3d/>
+    <dgm:txPr/>
+    <dgm:style>
+      <a:lnRef idx="2">
+        <a:scrgbClr r="0" g="0" b="0"/>
+      </a:lnRef>
+      <a:fillRef idx="1">
+        <a:scrgbClr r="0" g="0" b="0"/>
+      </a:fillRef>
+      <a:effectRef idx="0">
+        <a:scrgbClr r="0" g="0" b="0"/>
+      </a:effectRef>
+      <a:fontRef idx="minor">
+        <a:schemeClr val="lt1"/>
+      </a:fontRef>
+    </dgm:style>
+  </dgm:styleLbl>
+  <dgm:styleLbl name="parChTrans2D3">
+    <dgm:scene3d>
+      <a:camera prst="orthographicFront"/>
+      <a:lightRig rig="threePt" dir="t"/>
+    </dgm:scene3d>
+    <dgm:sp3d/>
+    <dgm:txPr/>
+    <dgm:style>
+      <a:lnRef idx="2">
+        <a:scrgbClr r="0" g="0" b="0"/>
+      </a:lnRef>
+      <a:fillRef idx="1">
+        <a:scrgbClr r="0" g="0" b="0"/>
+      </a:fillRef>
+      <a:effectRef idx="0">
+        <a:scrgbClr r="0" g="0" b="0"/>
+      </a:effectRef>
+      <a:fontRef idx="minor">
+        <a:schemeClr val="lt1"/>
+      </a:fontRef>
+    </dgm:style>
+  </dgm:styleLbl>
+  <dgm:styleLbl name="parChTrans2D4">
+    <dgm:scene3d>
+      <a:camera prst="orthographicFront"/>
+      <a:lightRig rig="threePt" dir="t"/>
+    </dgm:scene3d>
+    <dgm:sp3d/>
+    <dgm:txPr/>
+    <dgm:style>
+      <a:lnRef idx="2">
+        <a:scrgbClr r="0" g="0" b="0"/>
+      </a:lnRef>
+      <a:fillRef idx="1">
+        <a:scrgbClr r="0" g="0" b="0"/>
+      </a:fillRef>
+      <a:effectRef idx="0">
+        <a:scrgbClr r="0" g="0" b="0"/>
+      </a:effectRef>
+      <a:fontRef idx="minor">
+        <a:schemeClr val="lt1"/>
+      </a:fontRef>
+    </dgm:style>
+  </dgm:styleLbl>
+  <dgm:styleLbl name="parChTrans1D1">
+    <dgm:scene3d>
+      <a:camera prst="orthographicFront"/>
+      <a:lightRig rig="threePt" dir="t"/>
+    </dgm:scene3d>
+    <dgm:sp3d/>
+    <dgm:txPr/>
+    <dgm:style>
+      <a:lnRef idx="2">
+        <a:scrgbClr r="0" g="0" b="0"/>
+      </a:lnRef>
+      <a:fillRef idx="0">
+        <a:scrgbClr r="0" g="0" b="0"/>
+      </a:fillRef>
+      <a:effectRef idx="0">
+        <a:scrgbClr r="0" g="0" b="0"/>
+      </a:effectRef>
+      <a:fontRef idx="minor"/>
+    </dgm:style>
+  </dgm:styleLbl>
+  <dgm:styleLbl name="parChTrans1D2">
+    <dgm:scene3d>
+      <a:camera prst="orthographicFront"/>
+      <a:lightRig rig="threePt" dir="t"/>
+    </dgm:scene3d>
+    <dgm:sp3d/>
+    <dgm:txPr/>
+    <dgm:style>
+      <a:lnRef idx="2">
+        <a:scrgbClr r="0" g="0" b="0"/>
+      </a:lnRef>
+      <a:fillRef idx="0">
+        <a:scrgbClr r="0" g="0" b="0"/>
+      </a:fillRef>
+      <a:effectRef idx="0">
+        <a:scrgbClr r="0" g="0" b="0"/>
+      </a:effectRef>
+      <a:fontRef idx="minor"/>
+    </dgm:style>
+  </dgm:styleLbl>
+  <dgm:styleLbl name="parChTrans1D3">
+    <dgm:scene3d>
+      <a:camera prst="orthographicFront"/>
+      <a:lightRig rig="threePt" dir="t"/>
+    </dgm:scene3d>
+    <dgm:sp3d/>
+    <dgm:txPr/>
+    <dgm:style>
+      <a:lnRef idx="2">
+        <a:scrgbClr r="0" g="0" b="0"/>
+      </a:lnRef>
+      <a:fillRef idx="0">
+        <a:scrgbClr r="0" g="0" b="0"/>
+      </a:fillRef>
+      <a:effectRef idx="0">
+        <a:scrgbClr r="0" g="0" b="0"/>
+      </a:effectRef>
+      <a:fontRef idx="minor"/>
+    </dgm:style>
+  </dgm:styleLbl>
+  <dgm:styleLbl name="parChTrans1D4">
+    <dgm:scene3d>
+      <a:camera prst="orthographicFront"/>
+      <a:lightRig rig="threePt" dir="t"/>
+    </dgm:scene3d>
+    <dgm:sp3d/>
+    <dgm:txPr/>
+    <dgm:style>
+      <a:lnRef idx="2">
+        <a:scrgbClr r="0" g="0" b="0"/>
+      </a:lnRef>
+      <a:fillRef idx="0">
+        <a:scrgbClr r="0" g="0" b="0"/>
+      </a:fillRef>
+      <a:effectRef idx="0">
+        <a:scrgbClr r="0" g="0" b="0"/>
+      </a:effectRef>
+      <a:fontRef idx="minor"/>
+    </dgm:style>
+  </dgm:styleLbl>
+  <dgm:styleLbl name="fgAcc1">
+    <dgm:scene3d>
+      <a:camera prst="orthographicFront"/>
+      <a:lightRig rig="threePt" dir="t"/>
+    </dgm:scene3d>
+    <dgm:sp3d/>
+    <dgm:txPr/>
+    <dgm:style>
+      <a:lnRef idx="2">
+        <a:scrgbClr r="0" g="0" b="0"/>
+      </a:lnRef>
+      <a:fillRef idx="1">
+        <a:scrgbClr r="0" g="0" b="0"/>
+      </a:fillRef>
+      <a:effectRef idx="0">
+        <a:scrgbClr r="0" g="0" b="0"/>
+      </a:effectRef>
+      <a:fontRef idx="minor"/>
+    </dgm:style>
+  </dgm:styleLbl>
+  <dgm:styleLbl name="conFgAcc1">
+    <dgm:scene3d>
+      <a:camera prst="orthographicFront"/>
+      <a:lightRig rig="threePt" dir="t"/>
+    </dgm:scene3d>
+    <dgm:sp3d/>
+    <dgm:txPr/>
+    <dgm:style>
+      <a:lnRef idx="2">
+        <a:scrgbClr r="0" g="0" b="0"/>
+      </a:lnRef>
+      <a:fillRef idx="1">
+        <a:scrgbClr r="0" g="0" b="0"/>
+      </a:fillRef>
+      <a:effectRef idx="0">
+        <a:scrgbClr r="0" g="0" b="0"/>
+      </a:effectRef>
+      <a:fontRef idx="minor"/>
+    </dgm:style>
+  </dgm:styleLbl>
+  <dgm:styleLbl name="alignAcc1">
+    <dgm:scene3d>
+      <a:camera prst="orthographicFront"/>
+      <a:lightRig rig="threePt" dir="t"/>
+    </dgm:scene3d>
+    <dgm:sp3d/>
+    <dgm:txPr/>
+    <dgm:style>
+      <a:lnRef idx="2">
+        <a:scrgbClr r="0" g="0" b="0"/>
+      </a:lnRef>
+      <a:fillRef idx="1">
+        <a:scrgbClr r="0" g="0" b="0"/>
+      </a:fillRef>
+      <a:effectRef idx="0">
+        <a:scrgbClr r="0" g="0" b="0"/>
+      </a:effectRef>
+      <a:fontRef idx="minor"/>
+    </dgm:style>
+  </dgm:styleLbl>
+  <dgm:styleLbl name="trAlignAcc1">
+    <dgm:scene3d>
+      <a:camera prst="orthographicFront"/>
+      <a:lightRig rig="threePt" dir="t"/>
+    </dgm:scene3d>
+    <dgm:sp3d/>
+    <dgm:txPr/>
+    <dgm:style>
+      <a:lnRef idx="1">
+        <a:scrgbClr r="0" g="0" b="0"/>
+      </a:lnRef>
+      <a:fillRef idx="1">
+        <a:scrgbClr r="0" g="0" b="0"/>
+      </a:fillRef>
+      <a:effectRef idx="0">
+        <a:scrgbClr r="0" g="0" b="0"/>
+      </a:effectRef>
+      <a:fontRef idx="minor"/>
+    </dgm:style>
+  </dgm:styleLbl>
+  <dgm:styleLbl name="bgAcc1">
+    <dgm:scene3d>
+      <a:camera prst="orthographicFront"/>
+      <a:lightRig rig="threePt" dir="t"/>
+    </dgm:scene3d>
+    <dgm:sp3d/>
+    <dgm:txPr/>
+    <dgm:style>
+      <a:lnRef idx="2">
+        <a:scrgbClr r="0" g="0" b="0"/>
+      </a:lnRef>
+      <a:fillRef idx="1">
+        <a:scrgbClr r="0" g="0" b="0"/>
+      </a:fillRef>
+      <a:effectRef idx="0">
+        <a:scrgbClr r="0" g="0" b="0"/>
+      </a:effectRef>
+      <a:fontRef idx="minor"/>
+    </dgm:style>
+  </dgm:styleLbl>
+  <dgm:styleLbl name="solidFgAcc1">
+    <dgm:scene3d>
+      <a:camera prst="orthographicFront"/>
+      <a:lightRig rig="threePt" dir="t"/>
+    </dgm:scene3d>
+    <dgm:sp3d/>
+    <dgm:txPr/>
+    <dgm:style>
+      <a:lnRef idx="2">
+        <a:scrgbClr r="0" g="0" b="0"/>
+      </a:lnRef>
+      <a:fillRef idx="1">
+        <a:scrgbClr r="0" g="0" b="0"/>
+      </a:fillRef>
+      <a:effectRef idx="0">
+        <a:scrgbClr r="0" g="0" b="0"/>
+      </a:effectRef>
+      <a:fontRef idx="minor"/>
+    </dgm:style>
+  </dgm:styleLbl>
+  <dgm:styleLbl name="solidAlignAcc1">
+    <dgm:scene3d>
+      <a:camera prst="orthographicFront"/>
+      <a:lightRig rig="threePt" dir="t"/>
+    </dgm:scene3d>
+    <dgm:sp3d/>
+    <dgm:txPr/>
+    <dgm:style>
+      <a:lnRef idx="2">
+        <a:scrgbClr r="0" g="0" b="0"/>
+      </a:lnRef>
+      <a:fillRef idx="1">
+        <a:scrgbClr r="0" g="0" b="0"/>
+      </a:fillRef>
+      <a:effectRef idx="0">
+        <a:scrgbClr r="0" g="0" b="0"/>
+      </a:effectRef>
+      <a:fontRef idx="minor"/>
+    </dgm:style>
+  </dgm:styleLbl>
+  <dgm:styleLbl name="solidBgAcc1">
+    <dgm:scene3d>
+      <a:camera prst="orthographicFront"/>
+      <a:lightRig rig="threePt" dir="t"/>
+    </dgm:scene3d>
+    <dgm:sp3d/>
+    <dgm:txPr/>
+    <dgm:style>
+      <a:lnRef idx="2">
+        <a:scrgbClr r="0" g="0" b="0"/>
+      </a:lnRef>
+      <a:fillRef idx="1">
+        <a:scrgbClr r="0" g="0" b="0"/>
+      </a:fillRef>
+      <a:effectRef idx="0">
+        <a:scrgbClr r="0" g="0" b="0"/>
+      </a:effectRef>
+      <a:fontRef idx="minor"/>
+    </dgm:style>
+  </dgm:styleLbl>
+  <dgm:styleLbl name="fgAccFollowNode1">
+    <dgm:scene3d>
+      <a:camera prst="orthographicFront"/>
+      <a:lightRig rig="threePt" dir="t"/>
+    </dgm:scene3d>
+    <dgm:sp3d/>
+    <dgm:txPr/>
+    <dgm:style>
+      <a:lnRef idx="2">
+        <a:scrgbClr r="0" g="0" b="0"/>
+      </a:lnRef>
+      <a:fillRef idx="1">
+        <a:scrgbClr r="0" g="0" b="0"/>
+      </a:fillRef>
+      <a:effectRef idx="0">
+        <a:scrgbClr r="0" g="0" b="0"/>
+      </a:effectRef>
+      <a:fontRef idx="minor"/>
+    </dgm:style>
+  </dgm:styleLbl>
+  <dgm:styleLbl name="alignAccFollowNode1">
+    <dgm:scene3d>
+      <a:camera prst="orthographicFront"/>
+      <a:lightRig rig="threePt" dir="t"/>
+    </dgm:scene3d>
+    <dgm:sp3d/>
+    <dgm:txPr/>
+    <dgm:style>
+      <a:lnRef idx="2">
+        <a:scrgbClr r="0" g="0" b="0"/>
+      </a:lnRef>
+      <a:fillRef idx="1">
+        <a:scrgbClr r="0" g="0" b="0"/>
+      </a:fillRef>
+      <a:effectRef idx="0">
+        <a:scrgbClr r="0" g="0" b="0"/>
+      </a:effectRef>
+      <a:fontRef idx="minor"/>
+    </dgm:style>
+  </dgm:styleLbl>
+  <dgm:styleLbl name="bgAccFollowNode1">
+    <dgm:scene3d>
+      <a:camera prst="orthographicFront"/>
+      <a:lightRig rig="threePt" dir="t"/>
+    </dgm:scene3d>
+    <dgm:sp3d/>
+    <dgm:txPr/>
+    <dgm:style>
+      <a:lnRef idx="2">
+        <a:scrgbClr r="0" g="0" b="0"/>
+      </a:lnRef>
+      <a:fillRef idx="1">
+        <a:scrgbClr r="0" g="0" b="0"/>
+      </a:fillRef>
+      <a:effectRef idx="0">
+        <a:scrgbClr r="0" g="0" b="0"/>
+      </a:effectRef>
+      <a:fontRef idx="minor"/>
+    </dgm:style>
+  </dgm:styleLbl>
+  <dgm:styleLbl name="fgAcc0">
+    <dgm:scene3d>
+      <a:camera prst="orthographicFront"/>
+      <a:lightRig rig="threePt" dir="t"/>
+    </dgm:scene3d>
+    <dgm:sp3d/>
+    <dgm:txPr/>
+    <dgm:style>
+      <a:lnRef idx="2">
+        <a:scrgbClr r="0" g="0" b="0"/>
+      </a:lnRef>
+      <a:fillRef idx="1">
+        <a:scrgbClr r="0" g="0" b="0"/>
+      </a:fillRef>
+      <a:effectRef idx="0">
+        <a:scrgbClr r="0" g="0" b="0"/>
+      </a:effectRef>
+      <a:fontRef idx="minor"/>
+    </dgm:style>
+  </dgm:styleLbl>
+  <dgm:styleLbl name="fgAcc2">
+    <dgm:scene3d>
+      <a:camera prst="orthographicFront"/>
+      <a:lightRig rig="threePt" dir="t"/>
+    </dgm:scene3d>
+    <dgm:sp3d/>
+    <dgm:txPr/>
+    <dgm:style>
+      <a:lnRef idx="2">
+        <a:scrgbClr r="0" g="0" b="0"/>
+      </a:lnRef>
+      <a:fillRef idx="1">
+        <a:scrgbClr r="0" g="0" b="0"/>
+      </a:fillRef>
+      <a:effectRef idx="0">
+        <a:scrgbClr r="0" g="0" b="0"/>
+      </a:effectRef>
+      <a:fontRef idx="minor"/>
+    </dgm:style>
+  </dgm:styleLbl>
+  <dgm:styleLbl name="fgAcc3">
+    <dgm:scene3d>
+      <a:camera prst="orthographicFront"/>
+      <a:lightRig rig="threePt" dir="t"/>
+    </dgm:scene3d>
+    <dgm:sp3d/>
+    <dgm:txPr/>
+    <dgm:style>
+      <a:lnRef idx="2">
+        <a:scrgbClr r="0" g="0" b="0"/>
+      </a:lnRef>
+      <a:fillRef idx="1">
+        <a:scrgbClr r="0" g="0" b="0"/>
+      </a:fillRef>
+      <a:effectRef idx="0">
+        <a:scrgbClr r="0" g="0" b="0"/>
+      </a:effectRef>
+      <a:fontRef idx="minor"/>
+    </dgm:style>
+  </dgm:styleLbl>
+  <dgm:styleLbl name="fgAcc4">
+    <dgm:scene3d>
+      <a:camera prst="orthographicFront"/>
+      <a:lightRig rig="threePt" dir="t"/>
+    </dgm:scene3d>
+    <dgm:sp3d/>
+    <dgm:txPr/>
+    <dgm:style>
+      <a:lnRef idx="2">
+        <a:scrgbClr r="0" g="0" b="0"/>
+      </a:lnRef>
+      <a:fillRef idx="1">
+        <a:scrgbClr r="0" g="0" b="0"/>
+      </a:fillRef>
+      <a:effectRef idx="0">
+        <a:scrgbClr r="0" g="0" b="0"/>
+      </a:effectRef>
+      <a:fontRef idx="minor"/>
+    </dgm:style>
+  </dgm:styleLbl>
+  <dgm:styleLbl name="bgShp">
+    <dgm:scene3d>
+      <a:camera prst="orthographicFront"/>
+      <a:lightRig rig="threePt" dir="t"/>
+    </dgm:scene3d>
+    <dgm:sp3d/>
+    <dgm:txPr/>
+    <dgm:style>
+      <a:lnRef idx="0">
+        <a:scrgbClr r="0" g="0" b="0"/>
+      </a:lnRef>
+      <a:fillRef idx="1">
+        <a:scrgbClr r="0" g="0" b="0"/>
+      </a:fillRef>
+      <a:effectRef idx="0">
+        <a:scrgbClr r="0" g="0" b="0"/>
+      </a:effectRef>
+      <a:fontRef idx="minor"/>
+    </dgm:style>
+  </dgm:styleLbl>
+  <dgm:styleLbl name="dkBgShp">
+    <dgm:scene3d>
+      <a:camera prst="orthographicFront"/>
+      <a:lightRig rig="threePt" dir="t"/>
+    </dgm:scene3d>
+    <dgm:sp3d/>
+    <dgm:txPr/>
+    <dgm:style>
+      <a:lnRef idx="0">
+        <a:scrgbClr r="0" g="0" b="0"/>
+      </a:lnRef>
+      <a:fillRef idx="1">
+        <a:scrgbClr r="0" g="0" b="0"/>
+      </a:fillRef>
+      <a:effectRef idx="0">
+        <a:scrgbClr r="0" g="0" b="0"/>
+      </a:effectRef>
+      <a:fontRef idx="minor"/>
+    </dgm:style>
+  </dgm:styleLbl>
+  <dgm:styleLbl name="trBgShp">
+    <dgm:scene3d>
+      <a:camera prst="orthographicFront"/>
+      <a:lightRig rig="threePt" dir="t"/>
+    </dgm:scene3d>
+    <dgm:sp3d/>
+    <dgm:txPr/>
+    <dgm:style>
+      <a:lnRef idx="0">
+        <a:scrgbClr r="0" g="0" b="0"/>
+      </a:lnRef>
+      <a:fillRef idx="1">
+        <a:scrgbClr r="0" g="0" b="0"/>
+      </a:fillRef>
+      <a:effectRef idx="0">
+        <a:scrgbClr r="0" g="0" b="0"/>
+      </a:effectRef>
+      <a:fontRef idx="minor"/>
+    </dgm:style>
+  </dgm:styleLbl>
+  <dgm:styleLbl name="fgShp">
+    <dgm:scene3d>
+      <a:camera prst="orthographicFront"/>
+      <a:lightRig rig="threePt" dir="t"/>
+    </dgm:scene3d>
+    <dgm:sp3d/>
+    <dgm:txPr/>
+    <dgm:style>
+      <a:lnRef idx="2">
+        <a:scrgbClr r="0" g="0" b="0"/>
+      </a:lnRef>
+      <a:fillRef idx="1">
+        <a:scrgbClr r="0" g="0" b="0"/>
+      </a:fillRef>
+      <a:effectRef idx="0">
+        <a:scrgbClr r="0" g="0" b="0"/>
+      </a:effectRef>
+      <a:fontRef idx="minor"/>
+    </dgm:style>
+  </dgm:styleLbl>
+  <dgm:styleLbl name="revTx">
+    <dgm:scene3d>
+      <a:camera prst="orthographicFront"/>
+      <a:lightRig rig="threePt" dir="t"/>
+    </dgm:scene3d>
+    <dgm:sp3d/>
+    <dgm:txPr/>
+    <dgm:style>
+      <a:lnRef idx="0">
+        <a:scrgbClr r="0" g="0" b="0"/>
+      </a:lnRef>
+      <a:fillRef idx="0">
+        <a:scrgbClr r="0" g="0" b="0"/>
+      </a:fillRef>
+      <a:effectRef idx="0">
+        <a:scrgbClr r="0" g="0" b="0"/>
+      </a:effectRef>
+      <a:fontRef idx="minor"/>
+    </dgm:style>
+  </dgm:styleLbl>
+</dgm:styleDef>
+</file>
+
+<file path=ppt/diagrams/quickStyle5.xml><?xml version="1.0" encoding="utf-8"?>
 <dgm:styleDef xmlns:dgm="http://schemas.openxmlformats.org/drawingml/2006/diagram" xmlns:a="http://schemas.openxmlformats.org/drawingml/2006/main" uniqueId="urn:microsoft.com/office/officeart/2005/8/quickstyle/simple1">
   <dgm:title val=""/>
   <dgm:desc val=""/>
@@ -21149,58 +24031,6 @@
           </a:p>
         </p:txBody>
       </p:sp>
-      <p:sp>
-        <p:nvSpPr>
-          <p:cNvPr id="2" name="TextBox 1">
-            <a:extLst>
-              <a:ext uri="{FF2B5EF4-FFF2-40B4-BE49-F238E27FC236}">
-                <a16:creationId xmlns:a16="http://schemas.microsoft.com/office/drawing/2014/main" id="{218C56B6-D9EB-C32A-C584-FD1B26AE6B6A}"/>
-              </a:ext>
-            </a:extLst>
-          </p:cNvPr>
-          <p:cNvSpPr txBox="1"/>
-          <p:nvPr/>
-        </p:nvSpPr>
-        <p:spPr>
-          <a:xfrm>
-            <a:off x="3311719" y="5728914"/>
-            <a:ext cx="2298193" cy="369332"/>
-          </a:xfrm>
-          <a:prstGeom prst="rect">
-            <a:avLst/>
-          </a:prstGeom>
-          <a:noFill/>
-        </p:spPr>
-        <p:txBody>
-          <a:bodyPr wrap="none" rtlCol="0">
-            <a:spAutoFit/>
-          </a:bodyPr>
-          <a:lstStyle/>
-          <a:p>
-            <a:r>
-              <a:rPr lang="en-US" dirty="0">
-                <a:highlight>
-                  <a:srgbClr val="FFFF00"/>
-                </a:highlight>
-              </a:rPr>
-              <a:t>pip install </a:t>
-            </a:r>
-            <a:r>
-              <a:rPr lang="en-US" dirty="0" err="1">
-                <a:highlight>
-                  <a:srgbClr val="FFFF00"/>
-                </a:highlight>
-              </a:rPr>
-              <a:t>pySEAFOM</a:t>
-            </a:r>
-            <a:endParaRPr lang="en-US" dirty="0">
-              <a:highlight>
-                <a:srgbClr val="FFFF00"/>
-              </a:highlight>
-            </a:endParaRPr>
-          </a:p>
-        </p:txBody>
-      </p:sp>
     </p:spTree>
     <p:extLst>
       <p:ext uri="{BB962C8B-B14F-4D97-AF65-F5344CB8AC3E}">
@@ -21286,7 +24116,7 @@
           <p:nvPr>
             <p:extLst>
               <p:ext uri="{D42A27DB-BD31-4B8C-83A1-F6EECF244321}">
-                <p14:modId xmlns:p14="http://schemas.microsoft.com/office/powerpoint/2010/main" val="4175590324"/>
+                <p14:modId xmlns:p14="http://schemas.microsoft.com/office/powerpoint/2010/main" val="3278840943"/>
               </p:ext>
             </p:extLst>
           </p:nvPr>
@@ -22980,14 +25810,14 @@
           <p:nvPr>
             <p:extLst>
               <p:ext uri="{D42A27DB-BD31-4B8C-83A1-F6EECF244321}">
-                <p14:modId xmlns:p14="http://schemas.microsoft.com/office/powerpoint/2010/main" val="3196631644"/>
+                <p14:modId xmlns:p14="http://schemas.microsoft.com/office/powerpoint/2010/main" val="1892772076"/>
               </p:ext>
             </p:extLst>
           </p:nvPr>
         </p:nvGraphicFramePr>
         <p:xfrm>
-          <a:off x="309818" y="972353"/>
-          <a:ext cx="6515100" cy="5407025"/>
+          <a:off x="-1757881" y="806116"/>
+          <a:ext cx="9261576" cy="5590674"/>
         </p:xfrm>
         <a:graphic>
           <a:graphicData uri="http://schemas.openxmlformats.org/drawingml/2006/diagram">
@@ -23044,7 +25874,7 @@
         </p:nvSpPr>
         <p:spPr>
           <a:xfrm>
-            <a:off x="6952680" y="1997287"/>
+            <a:off x="7361753" y="1588214"/>
             <a:ext cx="3018968" cy="1477328"/>
           </a:xfrm>
           <a:prstGeom prst="rect">
@@ -23105,6 +25935,81 @@
           </a:p>
         </p:txBody>
       </p:sp>
+      <p:graphicFrame>
+        <p:nvGraphicFramePr>
+          <p:cNvPr id="9" name="Diagram 8">
+            <a:extLst>
+              <a:ext uri="{FF2B5EF4-FFF2-40B4-BE49-F238E27FC236}">
+                <a16:creationId xmlns:a16="http://schemas.microsoft.com/office/drawing/2014/main" id="{AC6D72F3-4A60-50F7-4E1A-41769F30B1FC}"/>
+              </a:ext>
+            </a:extLst>
+          </p:cNvPr>
+          <p:cNvGraphicFramePr/>
+          <p:nvPr>
+            <p:extLst>
+              <p:ext uri="{D42A27DB-BD31-4B8C-83A1-F6EECF244321}">
+                <p14:modId xmlns:p14="http://schemas.microsoft.com/office/powerpoint/2010/main" val="974016842"/>
+              </p:ext>
+            </p:extLst>
+          </p:nvPr>
+        </p:nvGraphicFramePr>
+        <p:xfrm>
+          <a:off x="5879433" y="3268578"/>
+          <a:ext cx="6041228" cy="2173705"/>
+        </p:xfrm>
+        <a:graphic>
+          <a:graphicData uri="http://schemas.openxmlformats.org/drawingml/2006/diagram">
+            <dgm:relIds xmlns:dgm="http://schemas.openxmlformats.org/drawingml/2006/diagram" xmlns:r="http://schemas.openxmlformats.org/officeDocument/2006/relationships" r:dm="rId7" r:lo="rId8" r:qs="rId9" r:cs="rId10"/>
+          </a:graphicData>
+        </a:graphic>
+      </p:graphicFrame>
+      <p:pic>
+        <p:nvPicPr>
+          <p:cNvPr id="1032" name="Picture 8">
+            <a:extLst>
+              <a:ext uri="{FF2B5EF4-FFF2-40B4-BE49-F238E27FC236}">
+                <a16:creationId xmlns:a16="http://schemas.microsoft.com/office/drawing/2014/main" id="{DD8C88D5-2ECC-586E-F688-6577B864EA43}"/>
+              </a:ext>
+            </a:extLst>
+          </p:cNvPr>
+          <p:cNvPicPr>
+            <a:picLocks noChangeAspect="1" noChangeArrowheads="1"/>
+          </p:cNvPicPr>
+          <p:nvPr/>
+        </p:nvPicPr>
+        <p:blipFill>
+          <a:blip r:embed="rId12">
+            <a:extLst>
+              <a:ext uri="{28A0092B-C50C-407E-A947-70E740481C1C}">
+                <a14:useLocalDpi xmlns:a14="http://schemas.microsoft.com/office/drawing/2010/main" val="0"/>
+              </a:ext>
+            </a:extLst>
+          </a:blip>
+          <a:srcRect/>
+          <a:stretch>
+            <a:fillRect/>
+          </a:stretch>
+        </p:blipFill>
+        <p:spPr bwMode="auto">
+          <a:xfrm rot="588672" flipH="1">
+            <a:off x="2247614" y="2929621"/>
+            <a:ext cx="1322780" cy="1322780"/>
+          </a:xfrm>
+          <a:prstGeom prst="rect">
+            <a:avLst/>
+          </a:prstGeom>
+          <a:noFill/>
+          <a:extLst>
+            <a:ext uri="{909E8E84-426E-40DD-AFC4-6F175D3DCCD1}">
+              <a14:hiddenFill xmlns:a14="http://schemas.microsoft.com/office/drawing/2010/main">
+                <a:solidFill>
+                  <a:srgbClr val="FFFFFF"/>
+                </a:solidFill>
+              </a14:hiddenFill>
+            </a:ext>
+          </a:extLst>
+        </p:spPr>
+      </p:pic>
     </p:spTree>
     <p:extLst>
       <p:ext uri="{BB962C8B-B14F-4D97-AF65-F5344CB8AC3E}">

--- a/pySEAFOM_updates.pptx
+++ b/pySEAFOM_updates.pptx
@@ -124,7 +124,7 @@
 <file path=ppt/revisionInfo.xml><?xml version="1.0" encoding="utf-8"?>
 <p1510:revInfo xmlns:a="http://schemas.openxmlformats.org/drawingml/2006/main" xmlns:r="http://schemas.openxmlformats.org/officeDocument/2006/relationships" xmlns:p1510="http://schemas.microsoft.com/office/powerpoint/2015/10/main">
   <p1510:revLst>
-    <p1510:client id="{BB04EFC6-8268-4F75-9FC2-149BB3B3C991}" v="384" dt="2025-11-19T15:19:26.937"/>
+    <p1510:client id="{C2F2CB6F-16AD-4657-ABB9-2079F8BF5977}" v="77" dt="2026-01-09T20:04:37.126"/>
   </p1510:revLst>
 </p1510:revInfo>
 </file>
@@ -144,22 +144,6 @@
           <pc:docMk/>
           <pc:sldMk cId="997169851" sldId="257"/>
         </pc:sldMkLst>
-        <pc:picChg chg="add del mod">
-          <ac:chgData name="Moradi, Peyman" userId="dba91eb0-4a36-42e9-bb56-2c55a234965d" providerId="ADAL" clId="{BB04EFC6-8268-4F75-9FC2-149BB3B3C991}" dt="2025-11-19T13:54:49.297" v="570" actId="478"/>
-          <ac:picMkLst>
-            <pc:docMk/>
-            <pc:sldMk cId="997169851" sldId="257"/>
-            <ac:picMk id="2" creationId="{B824849D-0576-B0FC-64B0-C3702FF6DB7E}"/>
-          </ac:picMkLst>
-        </pc:picChg>
-        <pc:picChg chg="del">
-          <ac:chgData name="Moradi, Peyman" userId="dba91eb0-4a36-42e9-bb56-2c55a234965d" providerId="ADAL" clId="{BB04EFC6-8268-4F75-9FC2-149BB3B3C991}" dt="2025-11-19T13:54:18.619" v="563" actId="478"/>
-          <ac:picMkLst>
-            <pc:docMk/>
-            <pc:sldMk cId="997169851" sldId="257"/>
-            <ac:picMk id="1026" creationId="{9CF6A9A3-FD57-82D0-76A3-49C23B93197C}"/>
-          </ac:picMkLst>
-        </pc:picChg>
       </pc:sldChg>
       <pc:sldChg chg="delSp modSp mod">
         <pc:chgData name="Moradi, Peyman" userId="dba91eb0-4a36-42e9-bb56-2c55a234965d" providerId="ADAL" clId="{BB04EFC6-8268-4F75-9FC2-149BB3B3C991}" dt="2025-11-19T15:10:36.713" v="616" actId="21"/>
@@ -167,14 +151,6 @@
           <pc:docMk/>
           <pc:sldMk cId="3609631159" sldId="258"/>
         </pc:sldMkLst>
-        <pc:spChg chg="del">
-          <ac:chgData name="Moradi, Peyman" userId="dba91eb0-4a36-42e9-bb56-2c55a234965d" providerId="ADAL" clId="{BB04EFC6-8268-4F75-9FC2-149BB3B3C991}" dt="2025-11-19T15:10:36.713" v="616" actId="21"/>
-          <ac:spMkLst>
-            <pc:docMk/>
-            <pc:sldMk cId="3609631159" sldId="258"/>
-            <ac:spMk id="2" creationId="{218C56B6-D9EB-C32A-C584-FD1B26AE6B6A}"/>
-          </ac:spMkLst>
-        </pc:spChg>
         <pc:graphicFrameChg chg="modGraphic">
           <ac:chgData name="Moradi, Peyman" userId="dba91eb0-4a36-42e9-bb56-2c55a234965d" providerId="ADAL" clId="{BB04EFC6-8268-4F75-9FC2-149BB3B3C991}" dt="2025-11-19T12:38:59.452" v="369" actId="403"/>
           <ac:graphicFrameMkLst>
@@ -198,54 +174,6 @@
             <ac:spMk id="2" creationId="{22D6B876-51A5-CDD2-898A-E4BB297A725F}"/>
           </ac:spMkLst>
         </pc:spChg>
-        <pc:spChg chg="add del mod">
-          <ac:chgData name="Moradi, Peyman" userId="dba91eb0-4a36-42e9-bb56-2c55a234965d" providerId="ADAL" clId="{BB04EFC6-8268-4F75-9FC2-149BB3B3C991}" dt="2025-11-19T15:15:39.045" v="705" actId="12084"/>
-          <ac:spMkLst>
-            <pc:docMk/>
-            <pc:sldMk cId="348206209" sldId="259"/>
-            <ac:spMk id="3" creationId="{218C56B6-D9EB-C32A-C584-FD1B26AE6B6A}"/>
-          </ac:spMkLst>
-        </pc:spChg>
-        <pc:spChg chg="add del mod">
-          <ac:chgData name="Moradi, Peyman" userId="dba91eb0-4a36-42e9-bb56-2c55a234965d" providerId="ADAL" clId="{BB04EFC6-8268-4F75-9FC2-149BB3B3C991}" dt="2025-11-19T15:12:23.533" v="672" actId="478"/>
-          <ac:spMkLst>
-            <pc:docMk/>
-            <pc:sldMk cId="348206209" sldId="259"/>
-            <ac:spMk id="5" creationId="{B0D19B97-E0D4-AAB3-87DA-C518F31A89B7}"/>
-          </ac:spMkLst>
-        </pc:spChg>
-        <pc:spChg chg="add">
-          <ac:chgData name="Moradi, Peyman" userId="dba91eb0-4a36-42e9-bb56-2c55a234965d" providerId="ADAL" clId="{BB04EFC6-8268-4F75-9FC2-149BB3B3C991}" dt="2025-11-19T15:13:55.669" v="674"/>
-          <ac:spMkLst>
-            <pc:docMk/>
-            <pc:sldMk cId="348206209" sldId="259"/>
-            <ac:spMk id="6" creationId="{22EDDBEA-25DB-6A90-2140-08424289D9AB}"/>
-          </ac:spMkLst>
-        </pc:spChg>
-        <pc:spChg chg="add">
-          <ac:chgData name="Moradi, Peyman" userId="dba91eb0-4a36-42e9-bb56-2c55a234965d" providerId="ADAL" clId="{BB04EFC6-8268-4F75-9FC2-149BB3B3C991}" dt="2025-11-19T15:14:00.643" v="675"/>
-          <ac:spMkLst>
-            <pc:docMk/>
-            <pc:sldMk cId="348206209" sldId="259"/>
-            <ac:spMk id="7" creationId="{C8A6D4F2-3865-5EEA-85CF-2545873CE7F6}"/>
-          </ac:spMkLst>
-        </pc:spChg>
-        <pc:spChg chg="add">
-          <ac:chgData name="Moradi, Peyman" userId="dba91eb0-4a36-42e9-bb56-2c55a234965d" providerId="ADAL" clId="{BB04EFC6-8268-4F75-9FC2-149BB3B3C991}" dt="2025-11-19T15:15:19.522" v="700"/>
-          <ac:spMkLst>
-            <pc:docMk/>
-            <pc:sldMk cId="348206209" sldId="259"/>
-            <ac:spMk id="8" creationId="{2FA286AE-1DD1-0B0D-FE6A-D69D8E98BFF2}"/>
-          </ac:spMkLst>
-        </pc:spChg>
-        <pc:spChg chg="del">
-          <ac:chgData name="Moradi, Peyman" userId="dba91eb0-4a36-42e9-bb56-2c55a234965d" providerId="ADAL" clId="{BB04EFC6-8268-4F75-9FC2-149BB3B3C991}" dt="2025-11-19T13:28:10.030" v="409" actId="478"/>
-          <ac:spMkLst>
-            <pc:docMk/>
-            <pc:sldMk cId="348206209" sldId="259"/>
-            <ac:spMk id="16" creationId="{9889454A-F07F-C0EE-B64E-D2B82809BFB0}"/>
-          </ac:spMkLst>
-        </pc:spChg>
         <pc:graphicFrameChg chg="add mod modGraphic">
           <ac:chgData name="Moradi, Peyman" userId="dba91eb0-4a36-42e9-bb56-2c55a234965d" providerId="ADAL" clId="{BB04EFC6-8268-4F75-9FC2-149BB3B3C991}" dt="2025-11-19T15:18:28.962" v="780" actId="14100"/>
           <ac:graphicFrameMkLst>
@@ -262,22 +190,6 @@
             <ac:graphicFrameMk id="10" creationId="{04FFF0D5-86E4-BFB4-A048-E34CF6C0B9DB}"/>
           </ac:graphicFrameMkLst>
         </pc:graphicFrameChg>
-        <pc:picChg chg="del">
-          <ac:chgData name="Moradi, Peyman" userId="dba91eb0-4a36-42e9-bb56-2c55a234965d" providerId="ADAL" clId="{BB04EFC6-8268-4F75-9FC2-149BB3B3C991}" dt="2025-11-19T13:28:08.761" v="408" actId="478"/>
-          <ac:picMkLst>
-            <pc:docMk/>
-            <pc:sldMk cId="348206209" sldId="259"/>
-            <ac:picMk id="24" creationId="{5F67D1E5-CB05-C2C0-B51F-EB3ABD01D627}"/>
-          </ac:picMkLst>
-        </pc:picChg>
-        <pc:picChg chg="add">
-          <ac:chgData name="Moradi, Peyman" userId="dba91eb0-4a36-42e9-bb56-2c55a234965d" providerId="ADAL" clId="{BB04EFC6-8268-4F75-9FC2-149BB3B3C991}" dt="2025-11-19T15:14:07.529" v="676"/>
-          <ac:picMkLst>
-            <pc:docMk/>
-            <pc:sldMk cId="348206209" sldId="259"/>
-            <ac:picMk id="1030" creationId="{E5A6E971-FDAC-388C-DE33-CC3D1B6D4ECD}"/>
-          </ac:picMkLst>
-        </pc:picChg>
         <pc:picChg chg="add mod">
           <ac:chgData name="Moradi, Peyman" userId="dba91eb0-4a36-42e9-bb56-2c55a234965d" providerId="ADAL" clId="{BB04EFC6-8268-4F75-9FC2-149BB3B3C991}" dt="2025-11-19T15:19:20.401" v="800" actId="1076"/>
           <ac:picMkLst>
@@ -301,14 +213,6 @@
             <ac:spMk id="3" creationId="{DD77DABC-AAF1-EE8C-CBC3-473EB5ADCA85}"/>
           </ac:spMkLst>
         </pc:spChg>
-        <pc:picChg chg="add del mod">
-          <ac:chgData name="Moradi, Peyman" userId="dba91eb0-4a36-42e9-bb56-2c55a234965d" providerId="ADAL" clId="{BB04EFC6-8268-4F75-9FC2-149BB3B3C991}" dt="2025-11-19T13:54:47.604" v="569" actId="478"/>
-          <ac:picMkLst>
-            <pc:docMk/>
-            <pc:sldMk cId="3903256587" sldId="261"/>
-            <ac:picMk id="1026" creationId="{4E5ED9D5-32B3-3A42-05E0-1E4B9929E0A3}"/>
-          </ac:picMkLst>
-        </pc:picChg>
       </pc:sldChg>
       <pc:sldChg chg="addSp delSp modSp mod">
         <pc:chgData name="Moradi, Peyman" userId="dba91eb0-4a36-42e9-bb56-2c55a234965d" providerId="ADAL" clId="{BB04EFC6-8268-4F75-9FC2-149BB3B3C991}" dt="2025-11-19T15:50:15.941" v="803" actId="404"/>
@@ -348,14 +252,6 @@
             <ac:spMk id="7" creationId="{77D0BFEA-E1DE-DBB0-4626-7D50AAA747A3}"/>
           </ac:spMkLst>
         </pc:spChg>
-        <pc:spChg chg="add del mod">
-          <ac:chgData name="Moradi, Peyman" userId="dba91eb0-4a36-42e9-bb56-2c55a234965d" providerId="ADAL" clId="{BB04EFC6-8268-4F75-9FC2-149BB3B3C991}" dt="2025-11-19T12:34:47.343" v="316"/>
-          <ac:spMkLst>
-            <pc:docMk/>
-            <pc:sldMk cId="2701834378" sldId="263"/>
-            <ac:spMk id="8" creationId="{511E5C3F-3DFC-5F56-4A0F-C1CF58038917}"/>
-          </ac:spMkLst>
-        </pc:spChg>
         <pc:grpChg chg="add mod">
           <ac:chgData name="Moradi, Peyman" userId="dba91eb0-4a36-42e9-bb56-2c55a234965d" providerId="ADAL" clId="{BB04EFC6-8268-4F75-9FC2-149BB3B3C991}" dt="2025-11-19T12:36:29.948" v="364" actId="1035"/>
           <ac:grpSpMkLst>
@@ -379,36 +275,12 @@
           <pc:docMk/>
           <pc:sldMk cId="178843416" sldId="264"/>
         </pc:sldMkLst>
-        <pc:spChg chg="del mod">
-          <ac:chgData name="Moradi, Peyman" userId="dba91eb0-4a36-42e9-bb56-2c55a234965d" providerId="ADAL" clId="{BB04EFC6-8268-4F75-9FC2-149BB3B3C991}" dt="2025-11-19T13:27:20.886" v="392" actId="478"/>
-          <ac:spMkLst>
-            <pc:docMk/>
-            <pc:sldMk cId="178843416" sldId="264"/>
-            <ac:spMk id="2" creationId="{5B336B75-0C3C-F623-DB84-3285F7BDA922}"/>
-          </ac:spMkLst>
-        </pc:spChg>
-        <pc:spChg chg="add del">
-          <ac:chgData name="Moradi, Peyman" userId="dba91eb0-4a36-42e9-bb56-2c55a234965d" providerId="ADAL" clId="{BB04EFC6-8268-4F75-9FC2-149BB3B3C991}" dt="2025-11-19T13:27:07.339" v="387" actId="478"/>
-          <ac:spMkLst>
-            <pc:docMk/>
-            <pc:sldMk cId="178843416" sldId="264"/>
-            <ac:spMk id="3" creationId="{A3518B08-4792-D8EE-265B-205DA03D1A6D}"/>
-          </ac:spMkLst>
-        </pc:spChg>
         <pc:spChg chg="add mod">
           <ac:chgData name="Moradi, Peyman" userId="dba91eb0-4a36-42e9-bb56-2c55a234965d" providerId="ADAL" clId="{BB04EFC6-8268-4F75-9FC2-149BB3B3C991}" dt="2025-11-19T13:27:25.665" v="395" actId="403"/>
           <ac:spMkLst>
             <pc:docMk/>
             <pc:sldMk cId="178843416" sldId="264"/>
             <ac:spMk id="8" creationId="{D309792C-9703-002E-6000-DA4BE63B6216}"/>
-          </ac:spMkLst>
-        </pc:spChg>
-        <pc:spChg chg="add del mod">
-          <ac:chgData name="Moradi, Peyman" userId="dba91eb0-4a36-42e9-bb56-2c55a234965d" providerId="ADAL" clId="{BB04EFC6-8268-4F75-9FC2-149BB3B3C991}" dt="2025-11-19T13:27:23.116" v="393" actId="478"/>
-          <ac:spMkLst>
-            <pc:docMk/>
-            <pc:sldMk cId="178843416" sldId="264"/>
-            <ac:spMk id="10" creationId="{21258FB4-E340-597D-79EF-78611745C121}"/>
           </ac:spMkLst>
         </pc:spChg>
         <pc:spChg chg="add mod">
@@ -419,14 +291,6 @@
             <ac:spMk id="12" creationId="{DDF99BFB-3ACB-57E1-8080-72F34CCFA474}"/>
           </ac:spMkLst>
         </pc:spChg>
-        <pc:picChg chg="add del mod ord">
-          <ac:chgData name="Moradi, Peyman" userId="dba91eb0-4a36-42e9-bb56-2c55a234965d" providerId="ADAL" clId="{BB04EFC6-8268-4F75-9FC2-149BB3B3C991}" dt="2025-11-19T13:26:56.157" v="382" actId="22"/>
-          <ac:picMkLst>
-            <pc:docMk/>
-            <pc:sldMk cId="178843416" sldId="264"/>
-            <ac:picMk id="5" creationId="{53A07A8C-DFD9-A5EB-4D00-069B2C8AA5E5}"/>
-          </ac:picMkLst>
-        </pc:picChg>
         <pc:picChg chg="add mod ord">
           <ac:chgData name="Moradi, Peyman" userId="dba91eb0-4a36-42e9-bb56-2c55a234965d" providerId="ADAL" clId="{BB04EFC6-8268-4F75-9FC2-149BB3B3C991}" dt="2025-11-19T13:27:45.128" v="399" actId="1076"/>
           <ac:picMkLst>
@@ -442,22 +306,6 @@
           <pc:docMk/>
           <pc:sldMk cId="4178740839" sldId="265"/>
         </pc:sldMkLst>
-        <pc:spChg chg="del mod">
-          <ac:chgData name="Moradi, Peyman" userId="dba91eb0-4a36-42e9-bb56-2c55a234965d" providerId="ADAL" clId="{BB04EFC6-8268-4F75-9FC2-149BB3B3C991}" dt="2025-11-19T13:28:45.743" v="432" actId="478"/>
-          <ac:spMkLst>
-            <pc:docMk/>
-            <pc:sldMk cId="4178740839" sldId="265"/>
-            <ac:spMk id="2" creationId="{4B7D4116-0C69-19EB-308C-82A1C1342E26}"/>
-          </ac:spMkLst>
-        </pc:spChg>
-        <pc:spChg chg="del">
-          <ac:chgData name="Moradi, Peyman" userId="dba91eb0-4a36-42e9-bb56-2c55a234965d" providerId="ADAL" clId="{BB04EFC6-8268-4F75-9FC2-149BB3B3C991}" dt="2025-11-19T13:28:29.513" v="426" actId="478"/>
-          <ac:spMkLst>
-            <pc:docMk/>
-            <pc:sldMk cId="4178740839" sldId="265"/>
-            <ac:spMk id="3" creationId="{39490E50-DF51-0523-FB2A-414FD1A4B464}"/>
-          </ac:spMkLst>
-        </pc:spChg>
         <pc:spChg chg="add mod">
           <ac:chgData name="Moradi, Peyman" userId="dba91eb0-4a36-42e9-bb56-2c55a234965d" providerId="ADAL" clId="{BB04EFC6-8268-4F75-9FC2-149BB3B3C991}" dt="2025-11-19T13:55:33.907" v="585" actId="20577"/>
           <ac:spMkLst>
@@ -466,28 +314,12 @@
             <ac:spMk id="4" creationId="{ACA91D11-76A7-43B7-ED6D-050256E5C1D9}"/>
           </ac:spMkLst>
         </pc:spChg>
-        <pc:spChg chg="add del mod">
-          <ac:chgData name="Moradi, Peyman" userId="dba91eb0-4a36-42e9-bb56-2c55a234965d" providerId="ADAL" clId="{BB04EFC6-8268-4F75-9FC2-149BB3B3C991}" dt="2025-11-19T13:28:49.019" v="433" actId="478"/>
-          <ac:spMkLst>
-            <pc:docMk/>
-            <pc:sldMk cId="4178740839" sldId="265"/>
-            <ac:spMk id="6" creationId="{92FDD811-30DC-C4E4-4380-C432EE606550}"/>
-          </ac:spMkLst>
-        </pc:spChg>
         <pc:picChg chg="add mod">
           <ac:chgData name="Moradi, Peyman" userId="dba91eb0-4a36-42e9-bb56-2c55a234965d" providerId="ADAL" clId="{BB04EFC6-8268-4F75-9FC2-149BB3B3C991}" dt="2025-11-19T13:29:01.689" v="437" actId="1076"/>
           <ac:picMkLst>
             <pc:docMk/>
             <pc:sldMk cId="4178740839" sldId="265"/>
             <ac:picMk id="8" creationId="{AA818E3A-38ED-908A-8800-150E885C0D8F}"/>
-          </ac:picMkLst>
-        </pc:picChg>
-        <pc:picChg chg="add del mod">
-          <ac:chgData name="Moradi, Peyman" userId="dba91eb0-4a36-42e9-bb56-2c55a234965d" providerId="ADAL" clId="{BB04EFC6-8268-4F75-9FC2-149BB3B3C991}" dt="2025-11-19T13:30:29.532" v="444" actId="478"/>
-          <ac:picMkLst>
-            <pc:docMk/>
-            <pc:sldMk cId="4178740839" sldId="265"/>
-            <ac:picMk id="10" creationId="{49676578-A1F5-1E69-937A-59988619C8A3}"/>
           </ac:picMkLst>
         </pc:picChg>
         <pc:picChg chg="add mod">
@@ -513,52 +345,12 @@
             <ac:spMk id="4" creationId="{88F8AC78-AEF7-1AE4-6FE2-0B25B9B25E6D}"/>
           </ac:spMkLst>
         </pc:spChg>
-        <pc:picChg chg="add del mod">
-          <ac:chgData name="Moradi, Peyman" userId="dba91eb0-4a36-42e9-bb56-2c55a234965d" providerId="ADAL" clId="{BB04EFC6-8268-4F75-9FC2-149BB3B3C991}" dt="2025-11-19T13:48:15.272" v="488" actId="478"/>
-          <ac:picMkLst>
-            <pc:docMk/>
-            <pc:sldMk cId="1528255773" sldId="266"/>
-            <ac:picMk id="3" creationId="{DEF3932A-5FB0-B84A-4164-C8A08C48F302}"/>
-          </ac:picMkLst>
-        </pc:picChg>
-        <pc:picChg chg="add del mod">
-          <ac:chgData name="Moradi, Peyman" userId="dba91eb0-4a36-42e9-bb56-2c55a234965d" providerId="ADAL" clId="{BB04EFC6-8268-4F75-9FC2-149BB3B3C991}" dt="2025-11-19T13:45:23.960" v="479" actId="478"/>
-          <ac:picMkLst>
-            <pc:docMk/>
-            <pc:sldMk cId="1528255773" sldId="266"/>
-            <ac:picMk id="6" creationId="{28455AFE-A822-9787-5D63-ABADE7842801}"/>
-          </ac:picMkLst>
-        </pc:picChg>
-        <pc:picChg chg="del">
-          <ac:chgData name="Moradi, Peyman" userId="dba91eb0-4a36-42e9-bb56-2c55a234965d" providerId="ADAL" clId="{BB04EFC6-8268-4F75-9FC2-149BB3B3C991}" dt="2025-11-19T13:43:01.714" v="466" actId="478"/>
-          <ac:picMkLst>
-            <pc:docMk/>
-            <pc:sldMk cId="1528255773" sldId="266"/>
-            <ac:picMk id="8" creationId="{522519C1-C4F8-2606-7461-F9863081EFB7}"/>
-          </ac:picMkLst>
-        </pc:picChg>
-        <pc:picChg chg="add del mod">
-          <ac:chgData name="Moradi, Peyman" userId="dba91eb0-4a36-42e9-bb56-2c55a234965d" providerId="ADAL" clId="{BB04EFC6-8268-4F75-9FC2-149BB3B3C991}" dt="2025-11-19T13:45:24.343" v="480" actId="478"/>
-          <ac:picMkLst>
-            <pc:docMk/>
-            <pc:sldMk cId="1528255773" sldId="266"/>
-            <ac:picMk id="9" creationId="{87471FDE-B92F-0F85-8430-B5EA8DCE5945}"/>
-          </ac:picMkLst>
-        </pc:picChg>
         <pc:picChg chg="add mod">
           <ac:chgData name="Moradi, Peyman" userId="dba91eb0-4a36-42e9-bb56-2c55a234965d" providerId="ADAL" clId="{BB04EFC6-8268-4F75-9FC2-149BB3B3C991}" dt="2025-11-19T13:45:42.992" v="483" actId="1076"/>
           <ac:picMkLst>
             <pc:docMk/>
             <pc:sldMk cId="1528255773" sldId="266"/>
             <ac:picMk id="11" creationId="{A149FA92-0621-FC2A-85C0-3E9E2FE8A91F}"/>
-          </ac:picMkLst>
-        </pc:picChg>
-        <pc:picChg chg="del">
-          <ac:chgData name="Moradi, Peyman" userId="dba91eb0-4a36-42e9-bb56-2c55a234965d" providerId="ADAL" clId="{BB04EFC6-8268-4F75-9FC2-149BB3B3C991}" dt="2025-11-19T13:43:14.720" v="470" actId="478"/>
-          <ac:picMkLst>
-            <pc:docMk/>
-            <pc:sldMk cId="1528255773" sldId="266"/>
-            <ac:picMk id="12" creationId="{AA572B59-C8C1-3B2C-DEC4-2A5FCAF50BB6}"/>
           </ac:picMkLst>
         </pc:picChg>
         <pc:picChg chg="add mod">
@@ -591,24 +383,6 @@
             <pc:sldMasterMk cId="4273989651" sldId="2147483648"/>
             <pc:sldLayoutMk cId="3198248103" sldId="2147483650"/>
           </pc:sldLayoutMkLst>
-          <pc:spChg chg="del">
-            <ac:chgData name="Moradi, Peyman" userId="dba91eb0-4a36-42e9-bb56-2c55a234965d" providerId="ADAL" clId="{BB04EFC6-8268-4F75-9FC2-149BB3B3C991}" dt="2025-11-19T13:54:36.494" v="566" actId="478"/>
-            <ac:spMkLst>
-              <pc:docMk/>
-              <pc:sldMasterMk cId="4273989651" sldId="2147483648"/>
-              <pc:sldLayoutMk cId="3198248103" sldId="2147483650"/>
-              <ac:spMk id="8" creationId="{3BE7B532-D608-3BBC-1CE4-2BF51BB263E4}"/>
-            </ac:spMkLst>
-          </pc:spChg>
-          <pc:picChg chg="add mod">
-            <ac:chgData name="Moradi, Peyman" userId="dba91eb0-4a36-42e9-bb56-2c55a234965d" providerId="ADAL" clId="{BB04EFC6-8268-4F75-9FC2-149BB3B3C991}" dt="2025-11-19T13:54:34.327" v="565"/>
-            <ac:picMkLst>
-              <pc:docMk/>
-              <pc:sldMasterMk cId="4273989651" sldId="2147483648"/>
-              <pc:sldLayoutMk cId="3198248103" sldId="2147483650"/>
-              <ac:picMk id="7" creationId="{6B39DBDF-D865-2610-F805-DC533E83A53E}"/>
-            </ac:picMkLst>
-          </pc:picChg>
           <pc:picChg chg="add mod">
             <ac:chgData name="Moradi, Peyman" userId="dba91eb0-4a36-42e9-bb56-2c55a234965d" providerId="ADAL" clId="{BB04EFC6-8268-4F75-9FC2-149BB3B3C991}" dt="2025-11-19T13:54:38.953" v="568" actId="14100"/>
             <ac:picMkLst>
@@ -620,6 +394,46 @@
           </pc:picChg>
         </pc:sldLayoutChg>
       </pc:sldMasterChg>
+    </pc:docChg>
+  </pc:docChgLst>
+  <pc:docChgLst>
+    <pc:chgData name="Moradi, Peyman" userId="dba91eb0-4a36-42e9-bb56-2c55a234965d" providerId="ADAL" clId="{C2F2CB6F-16AD-4657-ABB9-2079F8BF5977}"/>
+    <pc:docChg chg="modSld">
+      <pc:chgData name="Moradi, Peyman" userId="dba91eb0-4a36-42e9-bb56-2c55a234965d" providerId="ADAL" clId="{C2F2CB6F-16AD-4657-ABB9-2079F8BF5977}" dt="2026-01-11T19:47:19.296" v="70" actId="1076"/>
+      <pc:docMkLst>
+        <pc:docMk/>
+      </pc:docMkLst>
+      <pc:sldChg chg="addSp modSp mod">
+        <pc:chgData name="Moradi, Peyman" userId="dba91eb0-4a36-42e9-bb56-2c55a234965d" providerId="ADAL" clId="{C2F2CB6F-16AD-4657-ABB9-2079F8BF5977}" dt="2026-01-11T19:47:19.296" v="70" actId="1076"/>
+        <pc:sldMkLst>
+          <pc:docMk/>
+          <pc:sldMk cId="348206209" sldId="259"/>
+        </pc:sldMkLst>
+        <pc:graphicFrameChg chg="mod">
+          <ac:chgData name="Moradi, Peyman" userId="dba91eb0-4a36-42e9-bb56-2c55a234965d" providerId="ADAL" clId="{C2F2CB6F-16AD-4657-ABB9-2079F8BF5977}" dt="2026-01-09T20:04:16.371" v="34" actId="20577"/>
+          <ac:graphicFrameMkLst>
+            <pc:docMk/>
+            <pc:sldMk cId="348206209" sldId="259"/>
+            <ac:graphicFrameMk id="10" creationId="{04FFF0D5-86E4-BFB4-A048-E34CF6C0B9DB}"/>
+          </ac:graphicFrameMkLst>
+        </pc:graphicFrameChg>
+        <pc:picChg chg="add mod">
+          <ac:chgData name="Moradi, Peyman" userId="dba91eb0-4a36-42e9-bb56-2c55a234965d" providerId="ADAL" clId="{C2F2CB6F-16AD-4657-ABB9-2079F8BF5977}" dt="2026-01-11T19:47:19.296" v="70" actId="1076"/>
+          <ac:picMkLst>
+            <pc:docMk/>
+            <pc:sldMk cId="348206209" sldId="259"/>
+            <ac:picMk id="5" creationId="{4F541BD6-DD7D-990B-BC10-2FFD4339654B}"/>
+          </ac:picMkLst>
+        </pc:picChg>
+        <pc:picChg chg="mod">
+          <ac:chgData name="Moradi, Peyman" userId="dba91eb0-4a36-42e9-bb56-2c55a234965d" providerId="ADAL" clId="{C2F2CB6F-16AD-4657-ABB9-2079F8BF5977}" dt="2026-01-09T20:04:37.126" v="68" actId="1038"/>
+          <ac:picMkLst>
+            <pc:docMk/>
+            <pc:sldMk cId="348206209" sldId="259"/>
+            <ac:picMk id="1032" creationId="{DD8C88D5-2ECC-586E-F688-6577B864EA43}"/>
+          </ac:picMkLst>
+        </pc:picChg>
+      </pc:sldChg>
     </pc:docChg>
   </pc:docChgLst>
   <pc:docChgLst>
@@ -693,22 +507,6 @@
           <pc:docMk/>
           <pc:sldMk cId="3609631159" sldId="258"/>
         </pc:sldMkLst>
-        <pc:spChg chg="mod">
-          <ac:chgData name="Moradi, Peyman" userId="dba91eb0-4a36-42e9-bb56-2c55a234965d" providerId="ADAL" clId="{5EE2AE56-8586-43CA-90CA-F979252C708F}" dt="2025-09-21T14:23:28.365" v="244" actId="6549"/>
-          <ac:spMkLst>
-            <pc:docMk/>
-            <pc:sldMk cId="3609631159" sldId="258"/>
-            <ac:spMk id="6" creationId="{DAA0E0B6-C72F-45D3-B145-1DEAC3DFB930}"/>
-          </ac:spMkLst>
-        </pc:spChg>
-        <pc:graphicFrameChg chg="mod">
-          <ac:chgData name="Moradi, Peyman" userId="dba91eb0-4a36-42e9-bb56-2c55a234965d" providerId="ADAL" clId="{5EE2AE56-8586-43CA-90CA-F979252C708F}" dt="2025-09-17T21:07:43.579" v="0" actId="20577"/>
-          <ac:graphicFrameMkLst>
-            <pc:docMk/>
-            <pc:sldMk cId="3609631159" sldId="258"/>
-            <ac:graphicFrameMk id="5" creationId="{34D34C36-F082-C7B3-1633-8E43E374AAC9}"/>
-          </ac:graphicFrameMkLst>
-        </pc:graphicFrameChg>
       </pc:sldChg>
       <pc:sldChg chg="addSp delSp modSp mod">
         <pc:chgData name="Moradi, Peyman" userId="dba91eb0-4a36-42e9-bb56-2c55a234965d" providerId="ADAL" clId="{5EE2AE56-8586-43CA-90CA-F979252C708F}" dt="2025-09-21T14:23:14.324" v="239" actId="478"/>
@@ -716,22 +514,6 @@
           <pc:docMk/>
           <pc:sldMk cId="348206209" sldId="259"/>
         </pc:sldMkLst>
-        <pc:spChg chg="mod">
-          <ac:chgData name="Moradi, Peyman" userId="dba91eb0-4a36-42e9-bb56-2c55a234965d" providerId="ADAL" clId="{5EE2AE56-8586-43CA-90CA-F979252C708F}" dt="2025-09-21T14:23:12.621" v="238" actId="113"/>
-          <ac:spMkLst>
-            <pc:docMk/>
-            <pc:sldMk cId="348206209" sldId="259"/>
-            <ac:spMk id="4" creationId="{E3199A79-7AF1-F97A-782A-9810527253DD}"/>
-          </ac:spMkLst>
-        </pc:spChg>
-        <pc:graphicFrameChg chg="mod">
-          <ac:chgData name="Moradi, Peyman" userId="dba91eb0-4a36-42e9-bb56-2c55a234965d" providerId="ADAL" clId="{5EE2AE56-8586-43CA-90CA-F979252C708F}" dt="2025-09-17T21:37:25.954" v="99" actId="1076"/>
-          <ac:graphicFrameMkLst>
-            <pc:docMk/>
-            <pc:sldMk cId="348206209" sldId="259"/>
-            <ac:graphicFrameMk id="10" creationId="{04FFF0D5-86E4-BFB4-A048-E34CF6C0B9DB}"/>
-          </ac:graphicFrameMkLst>
-        </pc:graphicFrameChg>
       </pc:sldChg>
       <pc:sldChg chg="modSp mod ord">
         <pc:chgData name="Moradi, Peyman" userId="dba91eb0-4a36-42e9-bb56-2c55a234965d" providerId="ADAL" clId="{5EE2AE56-8586-43CA-90CA-F979252C708F}" dt="2025-09-22T09:56:56.118" v="773"/>
@@ -739,38 +521,6 @@
           <pc:docMk/>
           <pc:sldMk cId="334279111" sldId="260"/>
         </pc:sldMkLst>
-        <pc:spChg chg="mod">
-          <ac:chgData name="Moradi, Peyman" userId="dba91eb0-4a36-42e9-bb56-2c55a234965d" providerId="ADAL" clId="{5EE2AE56-8586-43CA-90CA-F979252C708F}" dt="2025-09-22T09:56:53.971" v="771"/>
-          <ac:spMkLst>
-            <pc:docMk/>
-            <pc:sldMk cId="334279111" sldId="260"/>
-            <ac:spMk id="4" creationId="{25248021-8C4D-4545-1C50-0F99E80F9571}"/>
-          </ac:spMkLst>
-        </pc:spChg>
-        <pc:spChg chg="mod">
-          <ac:chgData name="Moradi, Peyman" userId="dba91eb0-4a36-42e9-bb56-2c55a234965d" providerId="ADAL" clId="{5EE2AE56-8586-43CA-90CA-F979252C708F}" dt="2025-09-21T15:08:05.188" v="714" actId="6549"/>
-          <ac:spMkLst>
-            <pc:docMk/>
-            <pc:sldMk cId="334279111" sldId="260"/>
-            <ac:spMk id="6" creationId="{C8ED3E5B-012F-E0FD-5740-79B2A558B48F}"/>
-          </ac:spMkLst>
-        </pc:spChg>
-        <pc:spChg chg="mod">
-          <ac:chgData name="Moradi, Peyman" userId="dba91eb0-4a36-42e9-bb56-2c55a234965d" providerId="ADAL" clId="{5EE2AE56-8586-43CA-90CA-F979252C708F}" dt="2025-09-17T21:57:13.154" v="180" actId="1076"/>
-          <ac:spMkLst>
-            <pc:docMk/>
-            <pc:sldMk cId="334279111" sldId="260"/>
-            <ac:spMk id="10" creationId="{6C86A15B-99FD-7707-18AB-239DB8EC06B3}"/>
-          </ac:spMkLst>
-        </pc:spChg>
-        <pc:spChg chg="mod">
-          <ac:chgData name="Moradi, Peyman" userId="dba91eb0-4a36-42e9-bb56-2c55a234965d" providerId="ADAL" clId="{5EE2AE56-8586-43CA-90CA-F979252C708F}" dt="2025-09-17T21:57:13.154" v="180" actId="1076"/>
-          <ac:spMkLst>
-            <pc:docMk/>
-            <pc:sldMk cId="334279111" sldId="260"/>
-            <ac:spMk id="12" creationId="{E404D254-23C9-6C22-90AF-951228A7961D}"/>
-          </ac:spMkLst>
-        </pc:spChg>
       </pc:sldChg>
       <pc:sldChg chg="modSp new mod">
         <pc:chgData name="Moradi, Peyman" userId="dba91eb0-4a36-42e9-bb56-2c55a234965d" providerId="ADAL" clId="{5EE2AE56-8586-43CA-90CA-F979252C708F}" dt="2025-09-21T14:21:30.038" v="208" actId="20577"/>
@@ -778,22 +528,6 @@
           <pc:docMk/>
           <pc:sldMk cId="3903256587" sldId="261"/>
         </pc:sldMkLst>
-        <pc:spChg chg="mod">
-          <ac:chgData name="Moradi, Peyman" userId="dba91eb0-4a36-42e9-bb56-2c55a234965d" providerId="ADAL" clId="{5EE2AE56-8586-43CA-90CA-F979252C708F}" dt="2025-09-21T14:21:30.038" v="208" actId="20577"/>
-          <ac:spMkLst>
-            <pc:docMk/>
-            <pc:sldMk cId="3903256587" sldId="261"/>
-            <ac:spMk id="2" creationId="{60E50550-3F99-F07B-B5C8-A346582972C3}"/>
-          </ac:spMkLst>
-        </pc:spChg>
-        <pc:spChg chg="mod">
-          <ac:chgData name="Moradi, Peyman" userId="dba91eb0-4a36-42e9-bb56-2c55a234965d" providerId="ADAL" clId="{5EE2AE56-8586-43CA-90CA-F979252C708F}" dt="2025-09-21T14:21:24.720" v="200" actId="20577"/>
-          <ac:spMkLst>
-            <pc:docMk/>
-            <pc:sldMk cId="3903256587" sldId="261"/>
-            <ac:spMk id="3" creationId="{DD77DABC-AAF1-EE8C-CBC3-473EB5ADCA85}"/>
-          </ac:spMkLst>
-        </pc:spChg>
       </pc:sldChg>
       <pc:sldChg chg="delSp modSp new mod">
         <pc:chgData name="Moradi, Peyman" userId="dba91eb0-4a36-42e9-bb56-2c55a234965d" providerId="ADAL" clId="{5EE2AE56-8586-43CA-90CA-F979252C708F}" dt="2025-09-21T14:21:46.908" v="221" actId="1076"/>
@@ -801,14 +535,6 @@
           <pc:docMk/>
           <pc:sldMk cId="1090240246" sldId="262"/>
         </pc:sldMkLst>
-        <pc:spChg chg="mod">
-          <ac:chgData name="Moradi, Peyman" userId="dba91eb0-4a36-42e9-bb56-2c55a234965d" providerId="ADAL" clId="{5EE2AE56-8586-43CA-90CA-F979252C708F}" dt="2025-09-21T14:21:46.908" v="221" actId="1076"/>
-          <ac:spMkLst>
-            <pc:docMk/>
-            <pc:sldMk cId="1090240246" sldId="262"/>
-            <ac:spMk id="2" creationId="{70700271-B1B3-61F3-9AE2-8878BC06B3F9}"/>
-          </ac:spMkLst>
-        </pc:spChg>
       </pc:sldChg>
       <pc:sldChg chg="addSp delSp modSp add mod">
         <pc:chgData name="Moradi, Peyman" userId="dba91eb0-4a36-42e9-bb56-2c55a234965d" providerId="ADAL" clId="{5EE2AE56-8586-43CA-90CA-F979252C708F}" dt="2025-09-22T09:56:42.168" v="770" actId="20577"/>
@@ -816,22 +542,6 @@
           <pc:docMk/>
           <pc:sldMk cId="2701834378" sldId="263"/>
         </pc:sldMkLst>
-        <pc:spChg chg="mod">
-          <ac:chgData name="Moradi, Peyman" userId="dba91eb0-4a36-42e9-bb56-2c55a234965d" providerId="ADAL" clId="{5EE2AE56-8586-43CA-90CA-F979252C708F}" dt="2025-09-22T09:56:42.168" v="770" actId="20577"/>
-          <ac:spMkLst>
-            <pc:docMk/>
-            <pc:sldMk cId="2701834378" sldId="263"/>
-            <ac:spMk id="4" creationId="{18E6EFF1-1DF3-4285-3413-8486395A3965}"/>
-          </ac:spMkLst>
-        </pc:spChg>
-        <pc:graphicFrameChg chg="add mod modGraphic">
-          <ac:chgData name="Moradi, Peyman" userId="dba91eb0-4a36-42e9-bb56-2c55a234965d" providerId="ADAL" clId="{5EE2AE56-8586-43CA-90CA-F979252C708F}" dt="2025-09-22T09:56:31.278" v="763" actId="1076"/>
-          <ac:graphicFrameMkLst>
-            <pc:docMk/>
-            <pc:sldMk cId="2701834378" sldId="263"/>
-            <ac:graphicFrameMk id="5" creationId="{908E90FC-1670-F7B7-C787-26BECD49125B}"/>
-          </ac:graphicFrameMkLst>
-        </pc:graphicFrameChg>
       </pc:sldChg>
       <pc:sldMasterChg chg="modSldLayout">
         <pc:chgData name="Moradi, Peyman" userId="dba91eb0-4a36-42e9-bb56-2c55a234965d" providerId="ADAL" clId="{5EE2AE56-8586-43CA-90CA-F979252C708F}" dt="2025-09-21T14:22:52.181" v="232" actId="1076"/>
@@ -846,15 +556,6 @@
             <pc:sldMasterMk cId="4273989651" sldId="2147483648"/>
             <pc:sldLayoutMk cId="3198248103" sldId="2147483650"/>
           </pc:sldLayoutMkLst>
-          <pc:spChg chg="mod">
-            <ac:chgData name="Moradi, Peyman" userId="dba91eb0-4a36-42e9-bb56-2c55a234965d" providerId="ADAL" clId="{5EE2AE56-8586-43CA-90CA-F979252C708F}" dt="2025-09-21T14:22:33.737" v="229" actId="1076"/>
-            <ac:spMkLst>
-              <pc:docMk/>
-              <pc:sldMasterMk cId="4273989651" sldId="2147483648"/>
-              <pc:sldLayoutMk cId="3198248103" sldId="2147483650"/>
-              <ac:spMk id="3" creationId="{B309AB6F-2D50-F760-2936-FCEA6D614876}"/>
-            </ac:spMkLst>
-          </pc:spChg>
         </pc:sldLayoutChg>
       </pc:sldMasterChg>
     </pc:docChg>
@@ -7597,22 +7298,79 @@
       <dgm:prSet custT="1"/>
       <dgm:spPr>
         <a:solidFill>
-          <a:schemeClr val="bg2">
-            <a:lumMod val="75000"/>
-          </a:schemeClr>
+          <a:srgbClr val="4EA72E"/>
         </a:solidFill>
+        <a:ln w="19050" cap="flat" cmpd="sng" algn="ctr">
+          <a:solidFill>
+            <a:prstClr val="white">
+              <a:hueOff val="0"/>
+              <a:satOff val="0"/>
+              <a:lumOff val="0"/>
+              <a:alphaOff val="0"/>
+            </a:prstClr>
+          </a:solidFill>
+          <a:prstDash val="solid"/>
+          <a:miter lim="800000"/>
+        </a:ln>
+        <a:effectLst/>
       </dgm:spPr>
       <dgm:t>
-        <a:bodyPr/>
+        <a:bodyPr spcFirstLastPara="0" vert="horz" wrap="square" lIns="6985" tIns="6985" rIns="6985" bIns="6985" numCol="1" spcCol="1270" anchor="ctr" anchorCtr="0"/>
         <a:lstStyle/>
         <a:p>
-          <a:pPr>
+          <a:pPr marL="0" lvl="0" indent="0" algn="ctr" defTabSz="488950">
+            <a:lnSpc>
+              <a:spcPct val="90000"/>
+            </a:lnSpc>
+            <a:spcBef>
+              <a:spcPct val="0"/>
+            </a:spcBef>
+            <a:spcAft>
+              <a:spcPct val="35000"/>
+            </a:spcAft>
             <a:buFont typeface="+mj-lt"/>
-            <a:buAutoNum type="arabicPeriod"/>
+            <a:buNone/>
           </a:pPr>
           <a:r>
-            <a:rPr lang="en-US" sz="1100" b="1" dirty="0"/>
-            <a:t>2. Dynamic Range </a:t>
+            <a:rPr lang="en-US" sz="1100" b="1" kern="1200" dirty="0">
+              <a:solidFill>
+                <a:prstClr val="white"/>
+              </a:solidFill>
+              <a:latin typeface="Aptos" panose="02110004020202020204"/>
+              <a:ea typeface="+mn-ea"/>
+              <a:cs typeface="+mn-cs"/>
+            </a:rPr>
+            <a:t>2. Dynamic Range</a:t>
+          </a:r>
+        </a:p>
+        <a:p>
+          <a:pPr marL="0" lvl="0" indent="0" algn="ctr" defTabSz="488950">
+            <a:lnSpc>
+              <a:spcPct val="90000"/>
+            </a:lnSpc>
+            <a:spcBef>
+              <a:spcPct val="0"/>
+            </a:spcBef>
+            <a:spcAft>
+              <a:spcPct val="35000"/>
+            </a:spcAft>
+            <a:buFont typeface="+mj-lt"/>
+            <a:buNone/>
+          </a:pPr>
+          <a:r>
+            <a:rPr lang="en-US" sz="1100" b="0" i="0" kern="1200" dirty="0"/>
+            <a:t>✓</a:t>
+          </a:r>
+          <a:r>
+            <a:rPr lang="en-US" sz="1100" b="1" kern="1200" dirty="0">
+              <a:solidFill>
+                <a:prstClr val="white"/>
+              </a:solidFill>
+              <a:latin typeface="Aptos" panose="02110004020202020204"/>
+              <a:ea typeface="+mn-ea"/>
+              <a:cs typeface="+mn-cs"/>
+            </a:rPr>
+            <a:t> </a:t>
           </a:r>
         </a:p>
       </dgm:t>
@@ -7685,98 +7443,6 @@
         </a:p>
       </dgm:t>
     </dgm:pt>
-    <dgm:pt modelId="{B311C7DA-215E-4A76-B9AE-F52C8B8E90BF}">
-      <dgm:prSet custT="1"/>
-      <dgm:spPr>
-        <a:solidFill>
-          <a:schemeClr val="bg2">
-            <a:lumMod val="75000"/>
-          </a:schemeClr>
-        </a:solidFill>
-      </dgm:spPr>
-      <dgm:t>
-        <a:bodyPr/>
-        <a:lstStyle/>
-        <a:p>
-          <a:pPr>
-            <a:buFont typeface="+mj-lt"/>
-            <a:buAutoNum type="arabicPeriod"/>
-          </a:pPr>
-          <a:r>
-            <a:rPr lang="en-US" sz="1100" b="1" dirty="0"/>
-            <a:t>4. Fidelity </a:t>
-          </a:r>
-        </a:p>
-      </dgm:t>
-    </dgm:pt>
-    <dgm:pt modelId="{3C647417-AC70-4DC2-9A8F-BB36BCFF5FB3}" type="parTrans" cxnId="{8E20D94D-5FAC-421F-8A6E-E3A4EDC2352F}">
-      <dgm:prSet custT="1"/>
-      <dgm:spPr/>
-      <dgm:t>
-        <a:bodyPr/>
-        <a:lstStyle/>
-        <a:p>
-          <a:endParaRPr lang="en-US" sz="1050" b="1"/>
-        </a:p>
-      </dgm:t>
-    </dgm:pt>
-    <dgm:pt modelId="{1C87FBD4-FB80-42D9-A0AC-B96026EFC3D5}" type="sibTrans" cxnId="{8E20D94D-5FAC-421F-8A6E-E3A4EDC2352F}">
-      <dgm:prSet/>
-      <dgm:spPr/>
-      <dgm:t>
-        <a:bodyPr/>
-        <a:lstStyle/>
-        <a:p>
-          <a:endParaRPr lang="en-US" sz="4000" b="1"/>
-        </a:p>
-      </dgm:t>
-    </dgm:pt>
-    <dgm:pt modelId="{96356C93-ACBD-4C98-AC6F-B3EBBAC351C2}">
-      <dgm:prSet custT="1"/>
-      <dgm:spPr>
-        <a:solidFill>
-          <a:schemeClr val="bg2">
-            <a:lumMod val="75000"/>
-          </a:schemeClr>
-        </a:solidFill>
-      </dgm:spPr>
-      <dgm:t>
-        <a:bodyPr/>
-        <a:lstStyle/>
-        <a:p>
-          <a:pPr>
-            <a:buFont typeface="+mj-lt"/>
-            <a:buAutoNum type="arabicPeriod"/>
-          </a:pPr>
-          <a:r>
-            <a:rPr lang="en-US" sz="1100" b="1" dirty="0"/>
-            <a:t>5. Loss Budget</a:t>
-          </a:r>
-        </a:p>
-      </dgm:t>
-    </dgm:pt>
-    <dgm:pt modelId="{839CA1CD-6099-47BB-AEDB-77CADC7B2E5F}" type="parTrans" cxnId="{FE7D02E9-647A-447A-B4F9-C25DC0B851AE}">
-      <dgm:prSet custT="1"/>
-      <dgm:spPr/>
-      <dgm:t>
-        <a:bodyPr/>
-        <a:lstStyle/>
-        <a:p>
-          <a:endParaRPr lang="en-US" sz="1050" b="1"/>
-        </a:p>
-      </dgm:t>
-    </dgm:pt>
-    <dgm:pt modelId="{5318B47F-548E-4BE3-A234-006B63878B71}" type="sibTrans" cxnId="{FE7D02E9-647A-447A-B4F9-C25DC0B851AE}">
-      <dgm:prSet/>
-      <dgm:spPr/>
-      <dgm:t>
-        <a:bodyPr/>
-        <a:lstStyle/>
-        <a:p>
-          <a:endParaRPr lang="en-US" sz="4000" b="1"/>
-        </a:p>
-      </dgm:t>
-    </dgm:pt>
     <dgm:pt modelId="{5AE3CAE3-FE28-43AE-BE4A-8BCBE734CEE7}">
       <dgm:prSet custT="1"/>
       <dgm:spPr>
@@ -7823,140 +7489,6 @@
         </a:p>
       </dgm:t>
     </dgm:pt>
-    <dgm:pt modelId="{80F2DED1-F559-4647-8C7A-A03A8EF67DD6}">
-      <dgm:prSet custT="1"/>
-      <dgm:spPr>
-        <a:solidFill>
-          <a:schemeClr val="bg2">
-            <a:lumMod val="75000"/>
-          </a:schemeClr>
-        </a:solidFill>
-      </dgm:spPr>
-      <dgm:t>
-        <a:bodyPr/>
-        <a:lstStyle/>
-        <a:p>
-          <a:pPr>
-            <a:buFont typeface="+mj-lt"/>
-            <a:buAutoNum type="arabicPeriod"/>
-          </a:pPr>
-          <a:r>
-            <a:rPr lang="en-US" sz="1100" b="1" dirty="0"/>
-            <a:t>7. Cross Talk </a:t>
-          </a:r>
-        </a:p>
-      </dgm:t>
-    </dgm:pt>
-    <dgm:pt modelId="{0053B921-7E42-47BA-B24C-BAB571B37B72}" type="parTrans" cxnId="{E600A6EB-B91F-4B60-B092-9167FD13F009}">
-      <dgm:prSet custT="1"/>
-      <dgm:spPr/>
-      <dgm:t>
-        <a:bodyPr/>
-        <a:lstStyle/>
-        <a:p>
-          <a:endParaRPr lang="en-US" sz="1050" b="1"/>
-        </a:p>
-      </dgm:t>
-    </dgm:pt>
-    <dgm:pt modelId="{5D3CC2AB-FAA9-43AD-87CD-41437ABEFD5D}" type="sibTrans" cxnId="{E600A6EB-B91F-4B60-B092-9167FD13F009}">
-      <dgm:prSet/>
-      <dgm:spPr/>
-      <dgm:t>
-        <a:bodyPr/>
-        <a:lstStyle/>
-        <a:p>
-          <a:endParaRPr lang="en-US" sz="4000" b="1"/>
-        </a:p>
-      </dgm:t>
-    </dgm:pt>
-    <dgm:pt modelId="{68BCF387-B8AB-4B21-9D43-D5EDCB05F115}">
-      <dgm:prSet custT="1"/>
-      <dgm:spPr>
-        <a:solidFill>
-          <a:schemeClr val="bg2">
-            <a:lumMod val="75000"/>
-          </a:schemeClr>
-        </a:solidFill>
-      </dgm:spPr>
-      <dgm:t>
-        <a:bodyPr/>
-        <a:lstStyle/>
-        <a:p>
-          <a:pPr>
-            <a:buFont typeface="+mj-lt"/>
-            <a:buAutoNum type="arabicPeriod"/>
-          </a:pPr>
-          <a:r>
-            <a:rPr lang="en-US" sz="1100" b="1" dirty="0"/>
-            <a:t>8. LF DAS</a:t>
-          </a:r>
-        </a:p>
-      </dgm:t>
-    </dgm:pt>
-    <dgm:pt modelId="{3CE88A07-8810-4ABE-832C-96C59ACE1645}" type="parTrans" cxnId="{F30B57D5-A9E8-4B79-AEB3-6FBA2B3A78F0}">
-      <dgm:prSet custT="1"/>
-      <dgm:spPr/>
-      <dgm:t>
-        <a:bodyPr/>
-        <a:lstStyle/>
-        <a:p>
-          <a:endParaRPr lang="en-US" sz="1050" b="1"/>
-        </a:p>
-      </dgm:t>
-    </dgm:pt>
-    <dgm:pt modelId="{EDBCF259-D5F0-45A5-A67D-683FB0BAF28E}" type="sibTrans" cxnId="{F30B57D5-A9E8-4B79-AEB3-6FBA2B3A78F0}">
-      <dgm:prSet/>
-      <dgm:spPr/>
-      <dgm:t>
-        <a:bodyPr/>
-        <a:lstStyle/>
-        <a:p>
-          <a:endParaRPr lang="en-US" sz="4000" b="1"/>
-        </a:p>
-      </dgm:t>
-    </dgm:pt>
-    <dgm:pt modelId="{295372FF-4ED1-4E94-A8EA-153373A1B235}">
-      <dgm:prSet custT="1"/>
-      <dgm:spPr>
-        <a:solidFill>
-          <a:schemeClr val="bg2">
-            <a:lumMod val="75000"/>
-          </a:schemeClr>
-        </a:solidFill>
-      </dgm:spPr>
-      <dgm:t>
-        <a:bodyPr/>
-        <a:lstStyle/>
-        <a:p>
-          <a:r>
-            <a:rPr lang="en-US" sz="1100" b="1" dirty="0"/>
-            <a:t>…</a:t>
-          </a:r>
-        </a:p>
-      </dgm:t>
-    </dgm:pt>
-    <dgm:pt modelId="{3964A17D-1F81-4323-A3DE-DECE5C0363A8}" type="parTrans" cxnId="{8A875B4F-87B4-43A7-8EF3-B6D99461C7E2}">
-      <dgm:prSet custT="1"/>
-      <dgm:spPr/>
-      <dgm:t>
-        <a:bodyPr/>
-        <a:lstStyle/>
-        <a:p>
-          <a:endParaRPr lang="en-US" sz="900" b="1"/>
-        </a:p>
-      </dgm:t>
-    </dgm:pt>
-    <dgm:pt modelId="{D9D4DB6B-11D3-46A8-B452-1CA437AE55FB}" type="sibTrans" cxnId="{8A875B4F-87B4-43A7-8EF3-B6D99461C7E2}">
-      <dgm:prSet/>
-      <dgm:spPr/>
-      <dgm:t>
-        <a:bodyPr/>
-        <a:lstStyle/>
-        <a:p>
-          <a:endParaRPr lang="en-US" sz="3200" b="1"/>
-        </a:p>
-      </dgm:t>
-    </dgm:pt>
     <dgm:pt modelId="{F11269FF-AE4B-4E34-AD0E-37A12D1B3070}">
       <dgm:prSet custT="1"/>
       <dgm:spPr>
@@ -7980,10 +7512,7 @@
             <a:rPr lang="en-US" sz="1100" b="0" i="0" dirty="0"/>
             <a:t>✓</a:t>
           </a:r>
-          <a:r>
-            <a:rPr lang="en-US" sz="1100" b="1" dirty="0"/>
-            <a:t>  </a:t>
-          </a:r>
+          <a:endParaRPr lang="en-US" sz="1100" b="1" dirty="0"/>
         </a:p>
       </dgm:t>
     </dgm:pt>
@@ -8006,6 +7535,267 @@
         <a:lstStyle/>
         <a:p>
           <a:endParaRPr lang="en-US" sz="1600"/>
+        </a:p>
+      </dgm:t>
+    </dgm:pt>
+    <dgm:pt modelId="{9276693D-18BD-4E6A-98A8-CD3AC8A0169F}">
+      <dgm:prSet custT="1"/>
+      <dgm:spPr>
+        <a:solidFill>
+          <a:schemeClr val="accent6"/>
+        </a:solidFill>
+      </dgm:spPr>
+      <dgm:t>
+        <a:bodyPr/>
+        <a:lstStyle/>
+        <a:p>
+          <a:pPr>
+            <a:buFont typeface="+mj-lt"/>
+            <a:buAutoNum type="arabicPeriod"/>
+          </a:pPr>
+          <a:r>
+            <a:rPr lang="en-US" sz="1100" b="1" dirty="0"/>
+            <a:t>5. Loss Budget</a:t>
+          </a:r>
+        </a:p>
+        <a:p>
+          <a:pPr>
+            <a:buFont typeface="+mj-lt"/>
+            <a:buAutoNum type="arabicPeriod"/>
+          </a:pPr>
+          <a:r>
+            <a:rPr lang="en-US" sz="1100" b="0" i="0" dirty="0"/>
+            <a:t>✓</a:t>
+          </a:r>
+          <a:r>
+            <a:rPr lang="en-US" sz="1100" b="1" dirty="0"/>
+            <a:t> </a:t>
+          </a:r>
+        </a:p>
+      </dgm:t>
+    </dgm:pt>
+    <dgm:pt modelId="{AC75B354-EAB7-44F9-A1F5-C819F398FE79}" type="parTrans" cxnId="{1CFA5964-286E-4BE2-BF23-B83915218287}">
+      <dgm:prSet/>
+      <dgm:spPr/>
+      <dgm:t>
+        <a:bodyPr/>
+        <a:lstStyle/>
+        <a:p>
+          <a:endParaRPr lang="en-US"/>
+        </a:p>
+      </dgm:t>
+    </dgm:pt>
+    <dgm:pt modelId="{E4B4EBE0-1E55-4365-8D15-5E47862355C5}" type="sibTrans" cxnId="{1CFA5964-286E-4BE2-BF23-B83915218287}">
+      <dgm:prSet/>
+      <dgm:spPr/>
+      <dgm:t>
+        <a:bodyPr/>
+        <a:lstStyle/>
+        <a:p>
+          <a:endParaRPr lang="en-US"/>
+        </a:p>
+      </dgm:t>
+    </dgm:pt>
+    <dgm:pt modelId="{0AAC9302-6561-4DEF-82F8-2F08F6FCB9E7}">
+      <dgm:prSet custT="1"/>
+      <dgm:spPr>
+        <a:solidFill>
+          <a:srgbClr val="4EA72E"/>
+        </a:solidFill>
+        <a:ln w="19050" cap="flat" cmpd="sng" algn="ctr">
+          <a:solidFill>
+            <a:prstClr val="white">
+              <a:hueOff val="0"/>
+              <a:satOff val="0"/>
+              <a:lumOff val="0"/>
+              <a:alphaOff val="0"/>
+            </a:prstClr>
+          </a:solidFill>
+          <a:prstDash val="solid"/>
+          <a:miter lim="800000"/>
+        </a:ln>
+        <a:effectLst/>
+      </dgm:spPr>
+      <dgm:t>
+        <a:bodyPr spcFirstLastPara="0" vert="horz" wrap="square" lIns="6985" tIns="6985" rIns="6985" bIns="6985" numCol="1" spcCol="1270" anchor="ctr" anchorCtr="0"/>
+        <a:lstStyle/>
+        <a:p>
+          <a:pPr marL="0" lvl="0" indent="0" algn="ctr" defTabSz="488950">
+            <a:lnSpc>
+              <a:spcPct val="90000"/>
+            </a:lnSpc>
+            <a:spcBef>
+              <a:spcPct val="0"/>
+            </a:spcBef>
+            <a:spcAft>
+              <a:spcPct val="35000"/>
+            </a:spcAft>
+            <a:buFont typeface="+mj-lt"/>
+            <a:buNone/>
+          </a:pPr>
+          <a:r>
+            <a:rPr lang="en-US" sz="1100" b="1" kern="1200" dirty="0">
+              <a:solidFill>
+                <a:prstClr val="white"/>
+              </a:solidFill>
+              <a:latin typeface="Aptos" panose="02110004020202020204"/>
+              <a:ea typeface="+mn-ea"/>
+              <a:cs typeface="+mn-cs"/>
+            </a:rPr>
+            <a:t>4. Fidelity</a:t>
+          </a:r>
+        </a:p>
+        <a:p>
+          <a:pPr marL="0" lvl="0" indent="0" algn="ctr" defTabSz="488950">
+            <a:lnSpc>
+              <a:spcPct val="90000"/>
+            </a:lnSpc>
+            <a:spcBef>
+              <a:spcPct val="0"/>
+            </a:spcBef>
+            <a:spcAft>
+              <a:spcPct val="35000"/>
+            </a:spcAft>
+            <a:buFont typeface="+mj-lt"/>
+            <a:buNone/>
+          </a:pPr>
+          <a:r>
+            <a:rPr lang="en-US" sz="1100" b="0" i="0" kern="1200" dirty="0"/>
+            <a:t>✓</a:t>
+          </a:r>
+          <a:endParaRPr lang="en-US" sz="1100" b="1" kern="1200" dirty="0">
+            <a:solidFill>
+              <a:prstClr val="white"/>
+            </a:solidFill>
+            <a:latin typeface="Aptos" panose="02110004020202020204"/>
+            <a:ea typeface="+mn-ea"/>
+            <a:cs typeface="+mn-cs"/>
+          </a:endParaRPr>
+        </a:p>
+      </dgm:t>
+    </dgm:pt>
+    <dgm:pt modelId="{50EF01FF-9F4A-44BE-AF75-01ADE32A4BD1}" type="parTrans" cxnId="{ACB607CB-1027-46B0-B941-9D6C782BBBC4}">
+      <dgm:prSet/>
+      <dgm:spPr/>
+      <dgm:t>
+        <a:bodyPr/>
+        <a:lstStyle/>
+        <a:p>
+          <a:endParaRPr lang="en-US"/>
+        </a:p>
+      </dgm:t>
+    </dgm:pt>
+    <dgm:pt modelId="{04F11AFB-DBAA-4145-A497-078B1B896D4E}" type="sibTrans" cxnId="{ACB607CB-1027-46B0-B941-9D6C782BBBC4}">
+      <dgm:prSet/>
+      <dgm:spPr/>
+      <dgm:t>
+        <a:bodyPr/>
+        <a:lstStyle/>
+        <a:p>
+          <a:endParaRPr lang="en-US"/>
+        </a:p>
+      </dgm:t>
+    </dgm:pt>
+    <dgm:pt modelId="{5F80989D-4BBF-474F-AA54-878ABB0C0F60}">
+      <dgm:prSet custT="1"/>
+      <dgm:spPr>
+        <a:solidFill>
+          <a:srgbClr val="4EA72E"/>
+        </a:solidFill>
+        <a:ln w="19050" cap="flat" cmpd="sng" algn="ctr">
+          <a:solidFill>
+            <a:prstClr val="white">
+              <a:hueOff val="0"/>
+              <a:satOff val="0"/>
+              <a:lumOff val="0"/>
+              <a:alphaOff val="0"/>
+            </a:prstClr>
+          </a:solidFill>
+          <a:prstDash val="solid"/>
+          <a:miter lim="800000"/>
+        </a:ln>
+        <a:effectLst/>
+      </dgm:spPr>
+      <dgm:t>
+        <a:bodyPr spcFirstLastPara="0" vert="horz" wrap="square" lIns="6985" tIns="6985" rIns="6985" bIns="6985" numCol="1" spcCol="1270" anchor="ctr" anchorCtr="0"/>
+        <a:lstStyle/>
+        <a:p>
+          <a:pPr marL="0" lvl="0" indent="0" algn="ctr" defTabSz="488950">
+            <a:lnSpc>
+              <a:spcPct val="90000"/>
+            </a:lnSpc>
+            <a:spcBef>
+              <a:spcPct val="0"/>
+            </a:spcBef>
+            <a:spcAft>
+              <a:spcPct val="35000"/>
+            </a:spcAft>
+            <a:buFont typeface="+mj-lt"/>
+            <a:buNone/>
+          </a:pPr>
+          <a:r>
+            <a:rPr lang="en-US" sz="1100" b="1" kern="1200" dirty="0">
+              <a:solidFill>
+                <a:prstClr val="white"/>
+              </a:solidFill>
+              <a:latin typeface="Aptos" panose="02110004020202020204"/>
+              <a:ea typeface="+mn-ea"/>
+              <a:cs typeface="+mn-cs"/>
+            </a:rPr>
+            <a:t>7. Cross Talk</a:t>
+          </a:r>
+        </a:p>
+        <a:p>
+          <a:pPr marL="0" lvl="0" indent="0" algn="ctr" defTabSz="488950">
+            <a:lnSpc>
+              <a:spcPct val="90000"/>
+            </a:lnSpc>
+            <a:spcBef>
+              <a:spcPct val="0"/>
+            </a:spcBef>
+            <a:spcAft>
+              <a:spcPct val="35000"/>
+            </a:spcAft>
+            <a:buFont typeface="+mj-lt"/>
+            <a:buNone/>
+          </a:pPr>
+          <a:r>
+            <a:rPr lang="en-US" sz="1100" b="0" i="0" kern="1200" dirty="0"/>
+            <a:t>✓</a:t>
+          </a:r>
+          <a:r>
+            <a:rPr lang="en-US" sz="1100" b="1" kern="1200" dirty="0">
+              <a:solidFill>
+                <a:prstClr val="white"/>
+              </a:solidFill>
+              <a:latin typeface="Aptos" panose="02110004020202020204"/>
+              <a:ea typeface="+mn-ea"/>
+              <a:cs typeface="+mn-cs"/>
+            </a:rPr>
+            <a:t> </a:t>
+          </a:r>
+        </a:p>
+      </dgm:t>
+    </dgm:pt>
+    <dgm:pt modelId="{289487A0-EA96-456F-9739-128913BC60F7}" type="parTrans" cxnId="{AF535C3B-733F-49F3-9E7F-F0A993ABA9AF}">
+      <dgm:prSet/>
+      <dgm:spPr/>
+      <dgm:t>
+        <a:bodyPr/>
+        <a:lstStyle/>
+        <a:p>
+          <a:endParaRPr lang="en-US"/>
+        </a:p>
+      </dgm:t>
+    </dgm:pt>
+    <dgm:pt modelId="{4F740DBB-0ACE-4807-A96E-0F8FFB9F6FBF}" type="sibTrans" cxnId="{AF535C3B-733F-49F3-9E7F-F0A993ABA9AF}">
+      <dgm:prSet/>
+      <dgm:spPr/>
+      <dgm:t>
+        <a:bodyPr/>
+        <a:lstStyle/>
+        <a:p>
+          <a:endParaRPr lang="en-US"/>
         </a:p>
       </dgm:t>
     </dgm:pt>
@@ -8025,218 +7815,196 @@
       <dgm:spPr/>
     </dgm:pt>
     <dgm:pt modelId="{A5500CA8-E1AC-4EA2-84FF-778CCAFF54E5}" type="pres">
-      <dgm:prSet presAssocID="{56529125-8434-4C93-921F-7E52EBD6AC44}" presName="Name9" presStyleLbl="parChTrans1D2" presStyleIdx="0" presStyleCnt="9"/>
+      <dgm:prSet presAssocID="{56529125-8434-4C93-921F-7E52EBD6AC44}" presName="Name9" presStyleLbl="parChTrans1D2" presStyleIdx="0" presStyleCnt="7"/>
       <dgm:spPr/>
     </dgm:pt>
     <dgm:pt modelId="{52197289-1EFF-4DFD-8359-D848E03FF289}" type="pres">
-      <dgm:prSet presAssocID="{56529125-8434-4C93-921F-7E52EBD6AC44}" presName="connTx" presStyleLbl="parChTrans1D2" presStyleIdx="0" presStyleCnt="9"/>
+      <dgm:prSet presAssocID="{56529125-8434-4C93-921F-7E52EBD6AC44}" presName="connTx" presStyleLbl="parChTrans1D2" presStyleIdx="0" presStyleCnt="7"/>
       <dgm:spPr/>
     </dgm:pt>
     <dgm:pt modelId="{D641129D-BF39-4F22-BF56-9E2A62EAEF7C}" type="pres">
-      <dgm:prSet presAssocID="{F11269FF-AE4B-4E34-AD0E-37A12D1B3070}" presName="node" presStyleLbl="node1" presStyleIdx="0" presStyleCnt="9">
+      <dgm:prSet presAssocID="{F11269FF-AE4B-4E34-AD0E-37A12D1B3070}" presName="node" presStyleLbl="node1" presStyleIdx="0" presStyleCnt="7">
         <dgm:presLayoutVars>
           <dgm:bulletEnabled val="1"/>
         </dgm:presLayoutVars>
       </dgm:prSet>
       <dgm:spPr/>
     </dgm:pt>
-    <dgm:pt modelId="{3C3F841D-B84E-439D-A70D-DACE222F23B4}" type="pres">
-      <dgm:prSet presAssocID="{4251F846-A5D6-4502-A172-7C452AF5EACD}" presName="Name9" presStyleLbl="parChTrans1D2" presStyleIdx="1" presStyleCnt="9"/>
-      <dgm:spPr/>
-    </dgm:pt>
-    <dgm:pt modelId="{406C70AC-63CB-46A2-A134-1D284C5603F3}" type="pres">
-      <dgm:prSet presAssocID="{4251F846-A5D6-4502-A172-7C452AF5EACD}" presName="connTx" presStyleLbl="parChTrans1D2" presStyleIdx="1" presStyleCnt="9"/>
-      <dgm:spPr/>
-    </dgm:pt>
-    <dgm:pt modelId="{CB79E053-F38E-4A67-BA83-A4800638DD26}" type="pres">
-      <dgm:prSet presAssocID="{D169CF8C-37F4-4D3C-B839-17BE92F2A6E9}" presName="node" presStyleLbl="node1" presStyleIdx="1" presStyleCnt="9">
+    <dgm:pt modelId="{60E69F3E-8134-4538-A3EF-3F6FEA683E0F}" type="pres">
+      <dgm:prSet presAssocID="{AC75B354-EAB7-44F9-A1F5-C819F398FE79}" presName="Name9" presStyleLbl="parChTrans1D2" presStyleIdx="1" presStyleCnt="7"/>
+      <dgm:spPr/>
+    </dgm:pt>
+    <dgm:pt modelId="{6E93971E-9A9F-4D69-AA4E-0592A2D29FE4}" type="pres">
+      <dgm:prSet presAssocID="{AC75B354-EAB7-44F9-A1F5-C819F398FE79}" presName="connTx" presStyleLbl="parChTrans1D2" presStyleIdx="1" presStyleCnt="7"/>
+      <dgm:spPr/>
+    </dgm:pt>
+    <dgm:pt modelId="{C29E633D-FDB3-4A03-AF0D-B36013E3D45B}" type="pres">
+      <dgm:prSet presAssocID="{9276693D-18BD-4E6A-98A8-CD3AC8A0169F}" presName="node" presStyleLbl="node1" presStyleIdx="1" presStyleCnt="7">
         <dgm:presLayoutVars>
           <dgm:bulletEnabled val="1"/>
         </dgm:presLayoutVars>
       </dgm:prSet>
       <dgm:spPr/>
     </dgm:pt>
-    <dgm:pt modelId="{18CBF4D6-765C-4365-B23D-911EEF96DF4B}" type="pres">
-      <dgm:prSet presAssocID="{7E89B98A-1A8B-490B-9141-C5866B0A59E6}" presName="Name9" presStyleLbl="parChTrans1D2" presStyleIdx="2" presStyleCnt="9"/>
-      <dgm:spPr/>
-    </dgm:pt>
-    <dgm:pt modelId="{DCA37DC1-8E0B-4D17-87B9-4DD7390141DB}" type="pres">
-      <dgm:prSet presAssocID="{7E89B98A-1A8B-490B-9141-C5866B0A59E6}" presName="connTx" presStyleLbl="parChTrans1D2" presStyleIdx="2" presStyleCnt="9"/>
-      <dgm:spPr/>
-    </dgm:pt>
-    <dgm:pt modelId="{8726FD26-0446-4A34-A789-F609EFF6B576}" type="pres">
-      <dgm:prSet presAssocID="{EA1DB194-0418-4CBC-A71D-38D26681E52F}" presName="node" presStyleLbl="node1" presStyleIdx="2" presStyleCnt="9">
+    <dgm:pt modelId="{3C3F841D-B84E-439D-A70D-DACE222F23B4}" type="pres">
+      <dgm:prSet presAssocID="{4251F846-A5D6-4502-A172-7C452AF5EACD}" presName="Name9" presStyleLbl="parChTrans1D2" presStyleIdx="2" presStyleCnt="7"/>
+      <dgm:spPr/>
+    </dgm:pt>
+    <dgm:pt modelId="{406C70AC-63CB-46A2-A134-1D284C5603F3}" type="pres">
+      <dgm:prSet presAssocID="{4251F846-A5D6-4502-A172-7C452AF5EACD}" presName="connTx" presStyleLbl="parChTrans1D2" presStyleIdx="2" presStyleCnt="7"/>
+      <dgm:spPr/>
+    </dgm:pt>
+    <dgm:pt modelId="{CB79E053-F38E-4A67-BA83-A4800638DD26}" type="pres">
+      <dgm:prSet presAssocID="{D169CF8C-37F4-4D3C-B839-17BE92F2A6E9}" presName="node" presStyleLbl="node1" presStyleIdx="2" presStyleCnt="7">
         <dgm:presLayoutVars>
           <dgm:bulletEnabled val="1"/>
         </dgm:presLayoutVars>
       </dgm:prSet>
-      <dgm:spPr/>
-    </dgm:pt>
-    <dgm:pt modelId="{A4B0FFB8-DED8-4744-B603-55DEBAECB8CE}" type="pres">
-      <dgm:prSet presAssocID="{3C647417-AC70-4DC2-9A8F-BB36BCFF5FB3}" presName="Name9" presStyleLbl="parChTrans1D2" presStyleIdx="3" presStyleCnt="9"/>
-      <dgm:spPr/>
-    </dgm:pt>
-    <dgm:pt modelId="{D7E68620-8DD9-411B-B5B5-E290D790BC00}" type="pres">
-      <dgm:prSet presAssocID="{3C647417-AC70-4DC2-9A8F-BB36BCFF5FB3}" presName="connTx" presStyleLbl="parChTrans1D2" presStyleIdx="3" presStyleCnt="9"/>
-      <dgm:spPr/>
-    </dgm:pt>
-    <dgm:pt modelId="{3BB251B9-BD13-489B-B206-0E76C451EF7E}" type="pres">
-      <dgm:prSet presAssocID="{B311C7DA-215E-4A76-B9AE-F52C8B8E90BF}" presName="node" presStyleLbl="node1" presStyleIdx="3" presStyleCnt="9">
+      <dgm:spPr>
+        <a:xfrm>
+          <a:off x="5485522" y="548871"/>
+          <a:ext cx="1182304" cy="1182304"/>
+        </a:xfrm>
+        <a:prstGeom prst="ellipse">
+          <a:avLst/>
+        </a:prstGeom>
+      </dgm:spPr>
+    </dgm:pt>
+    <dgm:pt modelId="{21F3E271-E659-4F2A-B5D3-98DDE2FF03DA}" type="pres">
+      <dgm:prSet presAssocID="{50EF01FF-9F4A-44BE-AF75-01ADE32A4BD1}" presName="Name9" presStyleLbl="parChTrans1D2" presStyleIdx="3" presStyleCnt="7"/>
+      <dgm:spPr/>
+    </dgm:pt>
+    <dgm:pt modelId="{AA77F63E-918B-4155-9BFC-21717E1E4A68}" type="pres">
+      <dgm:prSet presAssocID="{50EF01FF-9F4A-44BE-AF75-01ADE32A4BD1}" presName="connTx" presStyleLbl="parChTrans1D2" presStyleIdx="3" presStyleCnt="7"/>
+      <dgm:spPr/>
+    </dgm:pt>
+    <dgm:pt modelId="{381951C3-DC69-4329-A787-F6F20281D3F6}" type="pres">
+      <dgm:prSet presAssocID="{0AAC9302-6561-4DEF-82F8-2F08F6FCB9E7}" presName="node" presStyleLbl="node1" presStyleIdx="3" presStyleCnt="7">
         <dgm:presLayoutVars>
           <dgm:bulletEnabled val="1"/>
         </dgm:presLayoutVars>
       </dgm:prSet>
-      <dgm:spPr/>
-    </dgm:pt>
-    <dgm:pt modelId="{EFE45D1F-EFA7-4252-8882-7D528B4AA36B}" type="pres">
-      <dgm:prSet presAssocID="{839CA1CD-6099-47BB-AEDB-77CADC7B2E5F}" presName="Name9" presStyleLbl="parChTrans1D2" presStyleIdx="4" presStyleCnt="9"/>
-      <dgm:spPr/>
-    </dgm:pt>
-    <dgm:pt modelId="{2DB303AD-3B48-4BF3-802B-A62482607B9F}" type="pres">
-      <dgm:prSet presAssocID="{839CA1CD-6099-47BB-AEDB-77CADC7B2E5F}" presName="connTx" presStyleLbl="parChTrans1D2" presStyleIdx="4" presStyleCnt="9"/>
-      <dgm:spPr/>
-    </dgm:pt>
-    <dgm:pt modelId="{D689BA3C-8DC9-4360-A404-B76D4C638032}" type="pres">
-      <dgm:prSet presAssocID="{96356C93-ACBD-4C98-AC6F-B3EBBAC351C2}" presName="node" presStyleLbl="node1" presStyleIdx="4" presStyleCnt="9">
+      <dgm:spPr>
+        <a:xfrm>
+          <a:off x="5987673" y="3396712"/>
+          <a:ext cx="1182304" cy="1182304"/>
+        </a:xfrm>
+        <a:prstGeom prst="ellipse">
+          <a:avLst/>
+        </a:prstGeom>
+      </dgm:spPr>
+    </dgm:pt>
+    <dgm:pt modelId="{97AB2DA7-3196-4812-85DB-C0730E66FABE}" type="pres">
+      <dgm:prSet presAssocID="{289487A0-EA96-456F-9739-128913BC60F7}" presName="Name9" presStyleLbl="parChTrans1D2" presStyleIdx="4" presStyleCnt="7"/>
+      <dgm:spPr/>
+    </dgm:pt>
+    <dgm:pt modelId="{F5FCA264-2A39-4DAD-9B2A-A854A053E783}" type="pres">
+      <dgm:prSet presAssocID="{289487A0-EA96-456F-9739-128913BC60F7}" presName="connTx" presStyleLbl="parChTrans1D2" presStyleIdx="4" presStyleCnt="7"/>
+      <dgm:spPr/>
+    </dgm:pt>
+    <dgm:pt modelId="{13F65213-867A-4369-9543-F3799FB5E0F8}" type="pres">
+      <dgm:prSet presAssocID="{5F80989D-4BBF-474F-AA54-878ABB0C0F60}" presName="node" presStyleLbl="node1" presStyleIdx="4" presStyleCnt="7">
         <dgm:presLayoutVars>
           <dgm:bulletEnabled val="1"/>
         </dgm:presLayoutVars>
       </dgm:prSet>
-      <dgm:spPr/>
-    </dgm:pt>
-    <dgm:pt modelId="{0B890D38-9A63-42F6-B391-F93CB128C0AE}" type="pres">
-      <dgm:prSet presAssocID="{D0949D85-B545-4504-A7DC-E57327AD8B4D}" presName="Name9" presStyleLbl="parChTrans1D2" presStyleIdx="5" presStyleCnt="9"/>
-      <dgm:spPr/>
-    </dgm:pt>
-    <dgm:pt modelId="{D5893B7E-6692-4C02-8564-ECC24D44F21B}" type="pres">
-      <dgm:prSet presAssocID="{D0949D85-B545-4504-A7DC-E57327AD8B4D}" presName="connTx" presStyleLbl="parChTrans1D2" presStyleIdx="5" presStyleCnt="9"/>
-      <dgm:spPr/>
-    </dgm:pt>
-    <dgm:pt modelId="{01EEE674-D7A4-44BB-95E6-EEE4B45DB353}" type="pres">
-      <dgm:prSet presAssocID="{5AE3CAE3-FE28-43AE-BE4A-8BCBE734CEE7}" presName="node" presStyleLbl="node1" presStyleIdx="5" presStyleCnt="9">
+      <dgm:spPr>
+        <a:xfrm>
+          <a:off x="4808976" y="4385757"/>
+          <a:ext cx="1182304" cy="1182304"/>
+        </a:xfrm>
+        <a:prstGeom prst="ellipse">
+          <a:avLst/>
+        </a:prstGeom>
+      </dgm:spPr>
+    </dgm:pt>
+    <dgm:pt modelId="{18CBF4D6-765C-4365-B23D-911EEF96DF4B}" type="pres">
+      <dgm:prSet presAssocID="{7E89B98A-1A8B-490B-9141-C5866B0A59E6}" presName="Name9" presStyleLbl="parChTrans1D2" presStyleIdx="5" presStyleCnt="7"/>
+      <dgm:spPr/>
+    </dgm:pt>
+    <dgm:pt modelId="{DCA37DC1-8E0B-4D17-87B9-4DD7390141DB}" type="pres">
+      <dgm:prSet presAssocID="{7E89B98A-1A8B-490B-9141-C5866B0A59E6}" presName="connTx" presStyleLbl="parChTrans1D2" presStyleIdx="5" presStyleCnt="7"/>
+      <dgm:spPr/>
+    </dgm:pt>
+    <dgm:pt modelId="{8726FD26-0446-4A34-A789-F609EFF6B576}" type="pres">
+      <dgm:prSet presAssocID="{EA1DB194-0418-4CBC-A71D-38D26681E52F}" presName="node" presStyleLbl="node1" presStyleIdx="5" presStyleCnt="7">
         <dgm:presLayoutVars>
           <dgm:bulletEnabled val="1"/>
         </dgm:presLayoutVars>
       </dgm:prSet>
       <dgm:spPr/>
     </dgm:pt>
-    <dgm:pt modelId="{77D3530B-84AC-4AF5-9D4D-0D2117A63E3D}" type="pres">
-      <dgm:prSet presAssocID="{0053B921-7E42-47BA-B24C-BAB571B37B72}" presName="Name9" presStyleLbl="parChTrans1D2" presStyleIdx="6" presStyleCnt="9"/>
-      <dgm:spPr/>
-    </dgm:pt>
-    <dgm:pt modelId="{4DF5D087-DE94-4E11-B106-613F4AF58AA7}" type="pres">
-      <dgm:prSet presAssocID="{0053B921-7E42-47BA-B24C-BAB571B37B72}" presName="connTx" presStyleLbl="parChTrans1D2" presStyleIdx="6" presStyleCnt="9"/>
-      <dgm:spPr/>
-    </dgm:pt>
-    <dgm:pt modelId="{601EE436-9078-4764-A58D-03556FC85C0E}" type="pres">
-      <dgm:prSet presAssocID="{80F2DED1-F559-4647-8C7A-A03A8EF67DD6}" presName="node" presStyleLbl="node1" presStyleIdx="6" presStyleCnt="9">
+    <dgm:pt modelId="{0B890D38-9A63-42F6-B391-F93CB128C0AE}" type="pres">
+      <dgm:prSet presAssocID="{D0949D85-B545-4504-A7DC-E57327AD8B4D}" presName="Name9" presStyleLbl="parChTrans1D2" presStyleIdx="6" presStyleCnt="7"/>
+      <dgm:spPr/>
+    </dgm:pt>
+    <dgm:pt modelId="{D5893B7E-6692-4C02-8564-ECC24D44F21B}" type="pres">
+      <dgm:prSet presAssocID="{D0949D85-B545-4504-A7DC-E57327AD8B4D}" presName="connTx" presStyleLbl="parChTrans1D2" presStyleIdx="6" presStyleCnt="7"/>
+      <dgm:spPr/>
+    </dgm:pt>
+    <dgm:pt modelId="{01EEE674-D7A4-44BB-95E6-EEE4B45DB353}" type="pres">
+      <dgm:prSet presAssocID="{5AE3CAE3-FE28-43AE-BE4A-8BCBE734CEE7}" presName="node" presStyleLbl="node1" presStyleIdx="6" presStyleCnt="7">
         <dgm:presLayoutVars>
           <dgm:bulletEnabled val="1"/>
         </dgm:presLayoutVars>
       </dgm:prSet>
       <dgm:spPr/>
     </dgm:pt>
-    <dgm:pt modelId="{A65C0F46-E587-4092-997F-FB96F0CDF18F}" type="pres">
-      <dgm:prSet presAssocID="{3CE88A07-8810-4ABE-832C-96C59ACE1645}" presName="Name9" presStyleLbl="parChTrans1D2" presStyleIdx="7" presStyleCnt="9"/>
-      <dgm:spPr/>
-    </dgm:pt>
-    <dgm:pt modelId="{22F44A1F-4693-4E90-8DE4-3158150E7D24}" type="pres">
-      <dgm:prSet presAssocID="{3CE88A07-8810-4ABE-832C-96C59ACE1645}" presName="connTx" presStyleLbl="parChTrans1D2" presStyleIdx="7" presStyleCnt="9"/>
-      <dgm:spPr/>
-    </dgm:pt>
-    <dgm:pt modelId="{1198E2ED-5E7F-476B-8AA1-8FAE860229B8}" type="pres">
-      <dgm:prSet presAssocID="{68BCF387-B8AB-4B21-9D43-D5EDCB05F115}" presName="node" presStyleLbl="node1" presStyleIdx="7" presStyleCnt="9">
-        <dgm:presLayoutVars>
-          <dgm:bulletEnabled val="1"/>
-        </dgm:presLayoutVars>
-      </dgm:prSet>
-      <dgm:spPr/>
-    </dgm:pt>
-    <dgm:pt modelId="{DA526968-C5FA-41DD-A5CF-2F61D26924D2}" type="pres">
-      <dgm:prSet presAssocID="{3964A17D-1F81-4323-A3DE-DECE5C0363A8}" presName="Name9" presStyleLbl="parChTrans1D2" presStyleIdx="8" presStyleCnt="9"/>
-      <dgm:spPr/>
-    </dgm:pt>
-    <dgm:pt modelId="{702C7A52-2DDA-4B97-BFE7-6215896F699F}" type="pres">
-      <dgm:prSet presAssocID="{3964A17D-1F81-4323-A3DE-DECE5C0363A8}" presName="connTx" presStyleLbl="parChTrans1D2" presStyleIdx="8" presStyleCnt="9"/>
-      <dgm:spPr/>
-    </dgm:pt>
-    <dgm:pt modelId="{6D54B3D7-B1BB-468C-B139-A330C534B0A9}" type="pres">
-      <dgm:prSet presAssocID="{295372FF-4ED1-4E94-A8EA-153373A1B235}" presName="node" presStyleLbl="node1" presStyleIdx="8" presStyleCnt="9">
-        <dgm:presLayoutVars>
-          <dgm:bulletEnabled val="1"/>
-        </dgm:presLayoutVars>
-      </dgm:prSet>
-      <dgm:spPr/>
-    </dgm:pt>
   </dgm:ptLst>
   <dgm:cxnLst>
-    <dgm:cxn modelId="{67062F00-1056-4E6B-939E-9E6A12216FDE}" srcId="{A0F00485-747B-48A5-BA46-8B953C12D208}" destId="{EA1DB194-0418-4CBC-A71D-38D26681E52F}" srcOrd="2" destOrd="0" parTransId="{7E89B98A-1A8B-490B-9141-C5866B0A59E6}" sibTransId="{C52DFD15-2C78-4952-8E58-95640A80D599}"/>
-    <dgm:cxn modelId="{E7B96F06-79F9-4AFB-9938-F8B3DA217FC0}" type="presOf" srcId="{80F2DED1-F559-4647-8C7A-A03A8EF67DD6}" destId="{601EE436-9078-4764-A58D-03556FC85C0E}" srcOrd="0" destOrd="0" presId="urn:microsoft.com/office/officeart/2005/8/layout/radial1"/>
-    <dgm:cxn modelId="{6885880A-ADDA-467A-8627-2131CEBA7DFE}" type="presOf" srcId="{839CA1CD-6099-47BB-AEDB-77CADC7B2E5F}" destId="{2DB303AD-3B48-4BF3-802B-A62482607B9F}" srcOrd="1" destOrd="0" presId="urn:microsoft.com/office/officeart/2005/8/layout/radial1"/>
+    <dgm:cxn modelId="{67062F00-1056-4E6B-939E-9E6A12216FDE}" srcId="{A0F00485-747B-48A5-BA46-8B953C12D208}" destId="{EA1DB194-0418-4CBC-A71D-38D26681E52F}" srcOrd="5" destOrd="0" parTransId="{7E89B98A-1A8B-490B-9141-C5866B0A59E6}" sibTransId="{C52DFD15-2C78-4952-8E58-95640A80D599}"/>
     <dgm:cxn modelId="{74F7F50C-38EC-412C-85A8-66ADD63F9E8A}" type="presOf" srcId="{D0949D85-B545-4504-A7DC-E57327AD8B4D}" destId="{0B890D38-9A63-42F6-B391-F93CB128C0AE}" srcOrd="0" destOrd="0" presId="urn:microsoft.com/office/officeart/2005/8/layout/radial1"/>
-    <dgm:cxn modelId="{B80E3621-AE77-4C83-83AF-31DCF1E1BDD1}" type="presOf" srcId="{3C647417-AC70-4DC2-9A8F-BB36BCFF5FB3}" destId="{A4B0FFB8-DED8-4744-B603-55DEBAECB8CE}" srcOrd="0" destOrd="0" presId="urn:microsoft.com/office/officeart/2005/8/layout/radial1"/>
-    <dgm:cxn modelId="{15B63C3B-D207-4C22-A783-A03E4CB2DCD1}" type="presOf" srcId="{295372FF-4ED1-4E94-A8EA-153373A1B235}" destId="{6D54B3D7-B1BB-468C-B139-A330C534B0A9}" srcOrd="0" destOrd="0" presId="urn:microsoft.com/office/officeart/2005/8/layout/radial1"/>
+    <dgm:cxn modelId="{137A1327-7C1B-4AA9-8F9D-0DE11448C333}" type="presOf" srcId="{AC75B354-EAB7-44F9-A1F5-C819F398FE79}" destId="{6E93971E-9A9F-4D69-AA4E-0592A2D29FE4}" srcOrd="1" destOrd="0" presId="urn:microsoft.com/office/officeart/2005/8/layout/radial1"/>
+    <dgm:cxn modelId="{0843ED3A-166A-4CE4-9E2E-8FAA1974E4F7}" type="presOf" srcId="{9276693D-18BD-4E6A-98A8-CD3AC8A0169F}" destId="{C29E633D-FDB3-4A03-AF0D-B36013E3D45B}" srcOrd="0" destOrd="0" presId="urn:microsoft.com/office/officeart/2005/8/layout/radial1"/>
+    <dgm:cxn modelId="{AF535C3B-733F-49F3-9E7F-F0A993ABA9AF}" srcId="{A0F00485-747B-48A5-BA46-8B953C12D208}" destId="{5F80989D-4BBF-474F-AA54-878ABB0C0F60}" srcOrd="4" destOrd="0" parTransId="{289487A0-EA96-456F-9739-128913BC60F7}" sibTransId="{4F740DBB-0ACE-4807-A96E-0F8FFB9F6FBF}"/>
     <dgm:cxn modelId="{F731FB3C-EB1A-437B-9B7E-04D5C44CC693}" type="presOf" srcId="{D0949D85-B545-4504-A7DC-E57327AD8B4D}" destId="{D5893B7E-6692-4C02-8564-ECC24D44F21B}" srcOrd="1" destOrd="0" presId="urn:microsoft.com/office/officeart/2005/8/layout/radial1"/>
     <dgm:cxn modelId="{631CF63D-D9A7-4351-8F3A-F65884BE4A8B}" type="presOf" srcId="{D169CF8C-37F4-4D3C-B839-17BE92F2A6E9}" destId="{CB79E053-F38E-4A67-BA83-A4800638DD26}" srcOrd="0" destOrd="0" presId="urn:microsoft.com/office/officeart/2005/8/layout/radial1"/>
+    <dgm:cxn modelId="{2FE93663-E734-4E8F-88D8-0114ADB80E80}" type="presOf" srcId="{0AAC9302-6561-4DEF-82F8-2F08F6FCB9E7}" destId="{381951C3-DC69-4329-A787-F6F20281D3F6}" srcOrd="0" destOrd="0" presId="urn:microsoft.com/office/officeart/2005/8/layout/radial1"/>
+    <dgm:cxn modelId="{1CFA5964-286E-4BE2-BF23-B83915218287}" srcId="{A0F00485-747B-48A5-BA46-8B953C12D208}" destId="{9276693D-18BD-4E6A-98A8-CD3AC8A0169F}" srcOrd="1" destOrd="0" parTransId="{AC75B354-EAB7-44F9-A1F5-C819F398FE79}" sibTransId="{E4B4EBE0-1E55-4365-8D15-5E47862355C5}"/>
     <dgm:cxn modelId="{CA536666-9866-4CAB-B0D3-987D64C73B58}" type="presOf" srcId="{7E89B98A-1A8B-490B-9141-C5866B0A59E6}" destId="{18CBF4D6-765C-4365-B23D-911EEF96DF4B}" srcOrd="0" destOrd="0" presId="urn:microsoft.com/office/officeart/2005/8/layout/radial1"/>
     <dgm:cxn modelId="{E749D067-C18F-4794-8DC6-F8372A4BDA0F}" type="presOf" srcId="{56529125-8434-4C93-921F-7E52EBD6AC44}" destId="{52197289-1EFF-4DFD-8359-D848E03FF289}" srcOrd="1" destOrd="0" presId="urn:microsoft.com/office/officeart/2005/8/layout/radial1"/>
     <dgm:cxn modelId="{25E46568-C60C-4EE3-B756-B7DC7789C781}" type="presOf" srcId="{F11269FF-AE4B-4E34-AD0E-37A12D1B3070}" destId="{D641129D-BF39-4F22-BF56-9E2A62EAEF7C}" srcOrd="0" destOrd="0" presId="urn:microsoft.com/office/officeart/2005/8/layout/radial1"/>
     <dgm:cxn modelId="{E9205B4C-9F25-4180-89CB-69626C198506}" srcId="{A0F00485-747B-48A5-BA46-8B953C12D208}" destId="{F11269FF-AE4B-4E34-AD0E-37A12D1B3070}" srcOrd="0" destOrd="0" parTransId="{56529125-8434-4C93-921F-7E52EBD6AC44}" sibTransId="{EE5B9790-9664-4327-8F15-126ECF32512B}"/>
-    <dgm:cxn modelId="{8E20D94D-5FAC-421F-8A6E-E3A4EDC2352F}" srcId="{A0F00485-747B-48A5-BA46-8B953C12D208}" destId="{B311C7DA-215E-4A76-B9AE-F52C8B8E90BF}" srcOrd="3" destOrd="0" parTransId="{3C647417-AC70-4DC2-9A8F-BB36BCFF5FB3}" sibTransId="{1C87FBD4-FB80-42D9-A0AC-B96026EFC3D5}"/>
-    <dgm:cxn modelId="{8A875B4F-87B4-43A7-8EF3-B6D99461C7E2}" srcId="{A0F00485-747B-48A5-BA46-8B953C12D208}" destId="{295372FF-4ED1-4E94-A8EA-153373A1B235}" srcOrd="8" destOrd="0" parTransId="{3964A17D-1F81-4323-A3DE-DECE5C0363A8}" sibTransId="{D9D4DB6B-11D3-46A8-B452-1CA437AE55FB}"/>
-    <dgm:cxn modelId="{F25C996F-DC09-4751-9B52-7DF07341E2B8}" type="presOf" srcId="{3CE88A07-8810-4ABE-832C-96C59ACE1645}" destId="{22F44A1F-4693-4E90-8DE4-3158150E7D24}" srcOrd="1" destOrd="0" presId="urn:microsoft.com/office/officeart/2005/8/layout/radial1"/>
-    <dgm:cxn modelId="{7E2B6371-6A06-4A0D-9E22-7DC13CFFDA28}" srcId="{A0F00485-747B-48A5-BA46-8B953C12D208}" destId="{D169CF8C-37F4-4D3C-B839-17BE92F2A6E9}" srcOrd="1" destOrd="0" parTransId="{4251F846-A5D6-4502-A172-7C452AF5EACD}" sibTransId="{CDC99734-453B-4ABC-AD9A-3B662D24AEE7}"/>
-    <dgm:cxn modelId="{08FA4473-0ED7-4D02-B5FD-1F2EA90353A4}" type="presOf" srcId="{96356C93-ACBD-4C98-AC6F-B3EBBAC351C2}" destId="{D689BA3C-8DC9-4360-A404-B76D4C638032}" srcOrd="0" destOrd="0" presId="urn:microsoft.com/office/officeart/2005/8/layout/radial1"/>
-    <dgm:cxn modelId="{6FB98075-3F55-4227-861E-2940F9744A3A}" type="presOf" srcId="{0053B921-7E42-47BA-B24C-BAB571B37B72}" destId="{4DF5D087-DE94-4E11-B106-613F4AF58AA7}" srcOrd="1" destOrd="0" presId="urn:microsoft.com/office/officeart/2005/8/layout/radial1"/>
-    <dgm:cxn modelId="{E3C5C37E-AB62-4B71-A862-DF1856EE275E}" type="presOf" srcId="{3CE88A07-8810-4ABE-832C-96C59ACE1645}" destId="{A65C0F46-E587-4092-997F-FB96F0CDF18F}" srcOrd="0" destOrd="0" presId="urn:microsoft.com/office/officeart/2005/8/layout/radial1"/>
-    <dgm:cxn modelId="{E217CB81-5DB8-4100-9C76-B4D03F8F24C9}" type="presOf" srcId="{3964A17D-1F81-4323-A3DE-DECE5C0363A8}" destId="{DA526968-C5FA-41DD-A5CF-2F61D26924D2}" srcOrd="0" destOrd="0" presId="urn:microsoft.com/office/officeart/2005/8/layout/radial1"/>
+    <dgm:cxn modelId="{7E2B6371-6A06-4A0D-9E22-7DC13CFFDA28}" srcId="{A0F00485-747B-48A5-BA46-8B953C12D208}" destId="{D169CF8C-37F4-4D3C-B839-17BE92F2A6E9}" srcOrd="2" destOrd="0" parTransId="{4251F846-A5D6-4502-A172-7C452AF5EACD}" sibTransId="{CDC99734-453B-4ABC-AD9A-3B662D24AEE7}"/>
+    <dgm:cxn modelId="{54099F74-5011-4E65-ADE7-8C1CD012BB18}" type="presOf" srcId="{289487A0-EA96-456F-9739-128913BC60F7}" destId="{F5FCA264-2A39-4DAD-9B2A-A854A053E783}" srcOrd="1" destOrd="0" presId="urn:microsoft.com/office/officeart/2005/8/layout/radial1"/>
     <dgm:cxn modelId="{4B4DE486-5150-4F19-B654-6B145458E1F0}" type="presOf" srcId="{7E89B98A-1A8B-490B-9141-C5866B0A59E6}" destId="{DCA37DC1-8E0B-4D17-87B9-4DD7390141DB}" srcOrd="1" destOrd="0" presId="urn:microsoft.com/office/officeart/2005/8/layout/radial1"/>
     <dgm:cxn modelId="{DDF88F87-0A6A-4C92-8F08-007063158EB6}" type="presOf" srcId="{5CB66685-683C-4DF0-8AB4-3FD46DD78B5A}" destId="{B282CD55-80AA-4736-94EB-595F4BA0CA63}" srcOrd="0" destOrd="0" presId="urn:microsoft.com/office/officeart/2005/8/layout/radial1"/>
     <dgm:cxn modelId="{F8759987-C014-4D4B-AE6A-8D206C44EA2A}" srcId="{5CB66685-683C-4DF0-8AB4-3FD46DD78B5A}" destId="{A0F00485-747B-48A5-BA46-8B953C12D208}" srcOrd="0" destOrd="0" parTransId="{278E96FD-817D-427D-9B8C-A14E379A75EA}" sibTransId="{B9792CD5-E8CC-48BE-9FC9-AB4A934C8308}"/>
-    <dgm:cxn modelId="{A3F71A89-2148-412D-83A4-BE2E57618CDB}" srcId="{A0F00485-747B-48A5-BA46-8B953C12D208}" destId="{5AE3CAE3-FE28-43AE-BE4A-8BCBE734CEE7}" srcOrd="5" destOrd="0" parTransId="{D0949D85-B545-4504-A7DC-E57327AD8B4D}" sibTransId="{3B4B1124-2A98-45CE-9BA0-523C422B834E}"/>
-    <dgm:cxn modelId="{9A3B0C96-D9DB-40B6-99E1-525B23B9A95C}" type="presOf" srcId="{839CA1CD-6099-47BB-AEDB-77CADC7B2E5F}" destId="{EFE45D1F-EFA7-4252-8882-7D528B4AA36B}" srcOrd="0" destOrd="0" presId="urn:microsoft.com/office/officeart/2005/8/layout/radial1"/>
+    <dgm:cxn modelId="{A3F71A89-2148-412D-83A4-BE2E57618CDB}" srcId="{A0F00485-747B-48A5-BA46-8B953C12D208}" destId="{5AE3CAE3-FE28-43AE-BE4A-8BCBE734CEE7}" srcOrd="6" destOrd="0" parTransId="{D0949D85-B545-4504-A7DC-E57327AD8B4D}" sibTransId="{3B4B1124-2A98-45CE-9BA0-523C422B834E}"/>
+    <dgm:cxn modelId="{88700E97-16E0-4938-905B-E55E140882EA}" type="presOf" srcId="{5F80989D-4BBF-474F-AA54-878ABB0C0F60}" destId="{13F65213-867A-4369-9543-F3799FB5E0F8}" srcOrd="0" destOrd="0" presId="urn:microsoft.com/office/officeart/2005/8/layout/radial1"/>
     <dgm:cxn modelId="{17602798-90A6-40FA-80F7-321490EFA96E}" type="presOf" srcId="{4251F846-A5D6-4502-A172-7C452AF5EACD}" destId="{406C70AC-63CB-46A2-A134-1D284C5603F3}" srcOrd="1" destOrd="0" presId="urn:microsoft.com/office/officeart/2005/8/layout/radial1"/>
-    <dgm:cxn modelId="{F12D559B-3A3B-45BA-873A-99EEBEA08A93}" type="presOf" srcId="{B311C7DA-215E-4A76-B9AE-F52C8B8E90BF}" destId="{3BB251B9-BD13-489B-B206-0E76C451EF7E}" srcOrd="0" destOrd="0" presId="urn:microsoft.com/office/officeart/2005/8/layout/radial1"/>
     <dgm:cxn modelId="{F239029C-BB44-4051-8662-62A1C24B64F9}" type="presOf" srcId="{4251F846-A5D6-4502-A172-7C452AF5EACD}" destId="{3C3F841D-B84E-439D-A70D-DACE222F23B4}" srcOrd="0" destOrd="0" presId="urn:microsoft.com/office/officeart/2005/8/layout/radial1"/>
-    <dgm:cxn modelId="{8E6DD7AE-C758-4258-9BCA-24F5B96E53AE}" type="presOf" srcId="{3C647417-AC70-4DC2-9A8F-BB36BCFF5FB3}" destId="{D7E68620-8DD9-411B-B5B5-E290D790BC00}" srcOrd="1" destOrd="0" presId="urn:microsoft.com/office/officeart/2005/8/layout/radial1"/>
+    <dgm:cxn modelId="{65C4ADA4-6453-4ED0-A99C-2DBF73167821}" type="presOf" srcId="{50EF01FF-9F4A-44BE-AF75-01ADE32A4BD1}" destId="{21F3E271-E659-4F2A-B5D3-98DDE2FF03DA}" srcOrd="0" destOrd="0" presId="urn:microsoft.com/office/officeart/2005/8/layout/radial1"/>
     <dgm:cxn modelId="{7980C2BA-4385-4229-8C4C-7BFA3EC484C4}" type="presOf" srcId="{5AE3CAE3-FE28-43AE-BE4A-8BCBE734CEE7}" destId="{01EEE674-D7A4-44BB-95E6-EEE4B45DB353}" srcOrd="0" destOrd="0" presId="urn:microsoft.com/office/officeart/2005/8/layout/radial1"/>
-    <dgm:cxn modelId="{816DCFC7-5560-4DE9-89BF-7051386D603A}" type="presOf" srcId="{68BCF387-B8AB-4B21-9D43-D5EDCB05F115}" destId="{1198E2ED-5E7F-476B-8AA1-8FAE860229B8}" srcOrd="0" destOrd="0" presId="urn:microsoft.com/office/officeart/2005/8/layout/radial1"/>
-    <dgm:cxn modelId="{78F941CD-5371-4F22-BA6C-E852763FBF76}" type="presOf" srcId="{3964A17D-1F81-4323-A3DE-DECE5C0363A8}" destId="{702C7A52-2DDA-4B97-BFE7-6215896F699F}" srcOrd="1" destOrd="0" presId="urn:microsoft.com/office/officeart/2005/8/layout/radial1"/>
+    <dgm:cxn modelId="{B6B4E5BD-CB8F-477C-BC8E-D303EC1BFED8}" type="presOf" srcId="{50EF01FF-9F4A-44BE-AF75-01ADE32A4BD1}" destId="{AA77F63E-918B-4155-9BFC-21717E1E4A68}" srcOrd="1" destOrd="0" presId="urn:microsoft.com/office/officeart/2005/8/layout/radial1"/>
+    <dgm:cxn modelId="{ACB607CB-1027-46B0-B941-9D6C782BBBC4}" srcId="{A0F00485-747B-48A5-BA46-8B953C12D208}" destId="{0AAC9302-6561-4DEF-82F8-2F08F6FCB9E7}" srcOrd="3" destOrd="0" parTransId="{50EF01FF-9F4A-44BE-AF75-01ADE32A4BD1}" sibTransId="{04F11AFB-DBAA-4145-A497-078B1B896D4E}"/>
     <dgm:cxn modelId="{7DC3A5CD-5750-4815-BC7B-16F263362BF6}" type="presOf" srcId="{56529125-8434-4C93-921F-7E52EBD6AC44}" destId="{A5500CA8-E1AC-4EA2-84FF-778CCAFF54E5}" srcOrd="0" destOrd="0" presId="urn:microsoft.com/office/officeart/2005/8/layout/radial1"/>
-    <dgm:cxn modelId="{F30B57D5-A9E8-4B79-AEB3-6FBA2B3A78F0}" srcId="{A0F00485-747B-48A5-BA46-8B953C12D208}" destId="{68BCF387-B8AB-4B21-9D43-D5EDCB05F115}" srcOrd="7" destOrd="0" parTransId="{3CE88A07-8810-4ABE-832C-96C59ACE1645}" sibTransId="{EDBCF259-D5F0-45A5-A67D-683FB0BAF28E}"/>
-    <dgm:cxn modelId="{94B6B7D6-3BDE-491D-9DB6-A45326E43141}" type="presOf" srcId="{0053B921-7E42-47BA-B24C-BAB571B37B72}" destId="{77D3530B-84AC-4AF5-9D4D-0D2117A63E3D}" srcOrd="0" destOrd="0" presId="urn:microsoft.com/office/officeart/2005/8/layout/radial1"/>
-    <dgm:cxn modelId="{FE7D02E9-647A-447A-B4F9-C25DC0B851AE}" srcId="{A0F00485-747B-48A5-BA46-8B953C12D208}" destId="{96356C93-ACBD-4C98-AC6F-B3EBBAC351C2}" srcOrd="4" destOrd="0" parTransId="{839CA1CD-6099-47BB-AEDB-77CADC7B2E5F}" sibTransId="{5318B47F-548E-4BE3-A234-006B63878B71}"/>
     <dgm:cxn modelId="{1F4E36EB-629A-4707-BE0F-922853D0E6AB}" type="presOf" srcId="{EA1DB194-0418-4CBC-A71D-38D26681E52F}" destId="{8726FD26-0446-4A34-A789-F609EFF6B576}" srcOrd="0" destOrd="0" presId="urn:microsoft.com/office/officeart/2005/8/layout/radial1"/>
-    <dgm:cxn modelId="{E600A6EB-B91F-4B60-B092-9167FD13F009}" srcId="{A0F00485-747B-48A5-BA46-8B953C12D208}" destId="{80F2DED1-F559-4647-8C7A-A03A8EF67DD6}" srcOrd="6" destOrd="0" parTransId="{0053B921-7E42-47BA-B24C-BAB571B37B72}" sibTransId="{5D3CC2AB-FAA9-43AD-87CD-41437ABEFD5D}"/>
+    <dgm:cxn modelId="{62257CF6-EB28-4596-A3BD-5CAD927D9EE5}" type="presOf" srcId="{AC75B354-EAB7-44F9-A1F5-C819F398FE79}" destId="{60E69F3E-8134-4538-A3EF-3F6FEA683E0F}" srcOrd="0" destOrd="0" presId="urn:microsoft.com/office/officeart/2005/8/layout/radial1"/>
     <dgm:cxn modelId="{C53336FA-AFD4-4F26-9007-715281A31F2B}" type="presOf" srcId="{A0F00485-747B-48A5-BA46-8B953C12D208}" destId="{BC0312DF-477E-413D-98D4-5ED43BAC11FB}" srcOrd="0" destOrd="0" presId="urn:microsoft.com/office/officeart/2005/8/layout/radial1"/>
+    <dgm:cxn modelId="{1642A9FE-460C-478B-BB8B-DE1F5792D439}" type="presOf" srcId="{289487A0-EA96-456F-9739-128913BC60F7}" destId="{97AB2DA7-3196-4812-85DB-C0730E66FABE}" srcOrd="0" destOrd="0" presId="urn:microsoft.com/office/officeart/2005/8/layout/radial1"/>
     <dgm:cxn modelId="{D0438EE6-1AAB-43CC-8283-7861108584D6}" type="presParOf" srcId="{B282CD55-80AA-4736-94EB-595F4BA0CA63}" destId="{BC0312DF-477E-413D-98D4-5ED43BAC11FB}" srcOrd="0" destOrd="0" presId="urn:microsoft.com/office/officeart/2005/8/layout/radial1"/>
     <dgm:cxn modelId="{F9B9C0FC-9CC5-492E-A47D-86D9C75887CE}" type="presParOf" srcId="{B282CD55-80AA-4736-94EB-595F4BA0CA63}" destId="{A5500CA8-E1AC-4EA2-84FF-778CCAFF54E5}" srcOrd="1" destOrd="0" presId="urn:microsoft.com/office/officeart/2005/8/layout/radial1"/>
     <dgm:cxn modelId="{920123B3-CFF1-42F5-A910-F684B6BE7113}" type="presParOf" srcId="{A5500CA8-E1AC-4EA2-84FF-778CCAFF54E5}" destId="{52197289-1EFF-4DFD-8359-D848E03FF289}" srcOrd="0" destOrd="0" presId="urn:microsoft.com/office/officeart/2005/8/layout/radial1"/>
     <dgm:cxn modelId="{784693AD-78D7-41B5-8566-D53EF70433CF}" type="presParOf" srcId="{B282CD55-80AA-4736-94EB-595F4BA0CA63}" destId="{D641129D-BF39-4F22-BF56-9E2A62EAEF7C}" srcOrd="2" destOrd="0" presId="urn:microsoft.com/office/officeart/2005/8/layout/radial1"/>
-    <dgm:cxn modelId="{56144FE1-7C44-4652-B318-CA701218618E}" type="presParOf" srcId="{B282CD55-80AA-4736-94EB-595F4BA0CA63}" destId="{3C3F841D-B84E-439D-A70D-DACE222F23B4}" srcOrd="3" destOrd="0" presId="urn:microsoft.com/office/officeart/2005/8/layout/radial1"/>
+    <dgm:cxn modelId="{7D24E3CF-7B13-4AAB-95FA-7A187EDAFE2D}" type="presParOf" srcId="{B282CD55-80AA-4736-94EB-595F4BA0CA63}" destId="{60E69F3E-8134-4538-A3EF-3F6FEA683E0F}" srcOrd="3" destOrd="0" presId="urn:microsoft.com/office/officeart/2005/8/layout/radial1"/>
+    <dgm:cxn modelId="{9BCD2FF2-FB5A-4F99-A4A3-D4AA8FB8574B}" type="presParOf" srcId="{60E69F3E-8134-4538-A3EF-3F6FEA683E0F}" destId="{6E93971E-9A9F-4D69-AA4E-0592A2D29FE4}" srcOrd="0" destOrd="0" presId="urn:microsoft.com/office/officeart/2005/8/layout/radial1"/>
+    <dgm:cxn modelId="{ACEADD76-917A-4C54-9687-8DE7825B9039}" type="presParOf" srcId="{B282CD55-80AA-4736-94EB-595F4BA0CA63}" destId="{C29E633D-FDB3-4A03-AF0D-B36013E3D45B}" srcOrd="4" destOrd="0" presId="urn:microsoft.com/office/officeart/2005/8/layout/radial1"/>
+    <dgm:cxn modelId="{56144FE1-7C44-4652-B318-CA701218618E}" type="presParOf" srcId="{B282CD55-80AA-4736-94EB-595F4BA0CA63}" destId="{3C3F841D-B84E-439D-A70D-DACE222F23B4}" srcOrd="5" destOrd="0" presId="urn:microsoft.com/office/officeart/2005/8/layout/radial1"/>
     <dgm:cxn modelId="{8064F459-1299-41E7-BF8E-AC3E6C939EE8}" type="presParOf" srcId="{3C3F841D-B84E-439D-A70D-DACE222F23B4}" destId="{406C70AC-63CB-46A2-A134-1D284C5603F3}" srcOrd="0" destOrd="0" presId="urn:microsoft.com/office/officeart/2005/8/layout/radial1"/>
-    <dgm:cxn modelId="{BD34191B-F6BF-4EC7-96F0-A0EC510C2A53}" type="presParOf" srcId="{B282CD55-80AA-4736-94EB-595F4BA0CA63}" destId="{CB79E053-F38E-4A67-BA83-A4800638DD26}" srcOrd="4" destOrd="0" presId="urn:microsoft.com/office/officeart/2005/8/layout/radial1"/>
-    <dgm:cxn modelId="{25E8AA2B-66A5-448F-B060-D607A18BDE5F}" type="presParOf" srcId="{B282CD55-80AA-4736-94EB-595F4BA0CA63}" destId="{18CBF4D6-765C-4365-B23D-911EEF96DF4B}" srcOrd="5" destOrd="0" presId="urn:microsoft.com/office/officeart/2005/8/layout/radial1"/>
+    <dgm:cxn modelId="{BD34191B-F6BF-4EC7-96F0-A0EC510C2A53}" type="presParOf" srcId="{B282CD55-80AA-4736-94EB-595F4BA0CA63}" destId="{CB79E053-F38E-4A67-BA83-A4800638DD26}" srcOrd="6" destOrd="0" presId="urn:microsoft.com/office/officeart/2005/8/layout/radial1"/>
+    <dgm:cxn modelId="{FABAA5DE-3C48-4234-BB14-11F3929FE088}" type="presParOf" srcId="{B282CD55-80AA-4736-94EB-595F4BA0CA63}" destId="{21F3E271-E659-4F2A-B5D3-98DDE2FF03DA}" srcOrd="7" destOrd="0" presId="urn:microsoft.com/office/officeart/2005/8/layout/radial1"/>
+    <dgm:cxn modelId="{E423AE49-BC48-4E58-8ED8-CE171F657A2E}" type="presParOf" srcId="{21F3E271-E659-4F2A-B5D3-98DDE2FF03DA}" destId="{AA77F63E-918B-4155-9BFC-21717E1E4A68}" srcOrd="0" destOrd="0" presId="urn:microsoft.com/office/officeart/2005/8/layout/radial1"/>
+    <dgm:cxn modelId="{4706C92A-AFDF-4D00-B3FD-62FDF18DAAFE}" type="presParOf" srcId="{B282CD55-80AA-4736-94EB-595F4BA0CA63}" destId="{381951C3-DC69-4329-A787-F6F20281D3F6}" srcOrd="8" destOrd="0" presId="urn:microsoft.com/office/officeart/2005/8/layout/radial1"/>
+    <dgm:cxn modelId="{5F276127-3C4C-4719-A78B-245D688CF404}" type="presParOf" srcId="{B282CD55-80AA-4736-94EB-595F4BA0CA63}" destId="{97AB2DA7-3196-4812-85DB-C0730E66FABE}" srcOrd="9" destOrd="0" presId="urn:microsoft.com/office/officeart/2005/8/layout/radial1"/>
+    <dgm:cxn modelId="{1E08D3D6-C283-4528-B3F6-B0E597EE4A5E}" type="presParOf" srcId="{97AB2DA7-3196-4812-85DB-C0730E66FABE}" destId="{F5FCA264-2A39-4DAD-9B2A-A854A053E783}" srcOrd="0" destOrd="0" presId="urn:microsoft.com/office/officeart/2005/8/layout/radial1"/>
+    <dgm:cxn modelId="{5402EADA-84D6-44BD-9284-4739557ED8C9}" type="presParOf" srcId="{B282CD55-80AA-4736-94EB-595F4BA0CA63}" destId="{13F65213-867A-4369-9543-F3799FB5E0F8}" srcOrd="10" destOrd="0" presId="urn:microsoft.com/office/officeart/2005/8/layout/radial1"/>
+    <dgm:cxn modelId="{25E8AA2B-66A5-448F-B060-D607A18BDE5F}" type="presParOf" srcId="{B282CD55-80AA-4736-94EB-595F4BA0CA63}" destId="{18CBF4D6-765C-4365-B23D-911EEF96DF4B}" srcOrd="11" destOrd="0" presId="urn:microsoft.com/office/officeart/2005/8/layout/radial1"/>
     <dgm:cxn modelId="{80D6CD37-7E80-4F65-B043-380CB6E66DC7}" type="presParOf" srcId="{18CBF4D6-765C-4365-B23D-911EEF96DF4B}" destId="{DCA37DC1-8E0B-4D17-87B9-4DD7390141DB}" srcOrd="0" destOrd="0" presId="urn:microsoft.com/office/officeart/2005/8/layout/radial1"/>
-    <dgm:cxn modelId="{82B4E223-E9FC-4026-B42B-2AC71A1B09C3}" type="presParOf" srcId="{B282CD55-80AA-4736-94EB-595F4BA0CA63}" destId="{8726FD26-0446-4A34-A789-F609EFF6B576}" srcOrd="6" destOrd="0" presId="urn:microsoft.com/office/officeart/2005/8/layout/radial1"/>
-    <dgm:cxn modelId="{C5BD537A-6D5B-4DF0-8B9C-629CB0E4218D}" type="presParOf" srcId="{B282CD55-80AA-4736-94EB-595F4BA0CA63}" destId="{A4B0FFB8-DED8-4744-B603-55DEBAECB8CE}" srcOrd="7" destOrd="0" presId="urn:microsoft.com/office/officeart/2005/8/layout/radial1"/>
-    <dgm:cxn modelId="{FCC06011-BC36-4FFC-8A9F-F08740C95BFB}" type="presParOf" srcId="{A4B0FFB8-DED8-4744-B603-55DEBAECB8CE}" destId="{D7E68620-8DD9-411B-B5B5-E290D790BC00}" srcOrd="0" destOrd="0" presId="urn:microsoft.com/office/officeart/2005/8/layout/radial1"/>
-    <dgm:cxn modelId="{E5E2336F-D7DE-4D2D-985C-9D35B6B61B4D}" type="presParOf" srcId="{B282CD55-80AA-4736-94EB-595F4BA0CA63}" destId="{3BB251B9-BD13-489B-B206-0E76C451EF7E}" srcOrd="8" destOrd="0" presId="urn:microsoft.com/office/officeart/2005/8/layout/radial1"/>
-    <dgm:cxn modelId="{D86E406E-6E53-4498-8E9A-BA00C588623B}" type="presParOf" srcId="{B282CD55-80AA-4736-94EB-595F4BA0CA63}" destId="{EFE45D1F-EFA7-4252-8882-7D528B4AA36B}" srcOrd="9" destOrd="0" presId="urn:microsoft.com/office/officeart/2005/8/layout/radial1"/>
-    <dgm:cxn modelId="{603D23F2-6598-4286-BA13-86862159268D}" type="presParOf" srcId="{EFE45D1F-EFA7-4252-8882-7D528B4AA36B}" destId="{2DB303AD-3B48-4BF3-802B-A62482607B9F}" srcOrd="0" destOrd="0" presId="urn:microsoft.com/office/officeart/2005/8/layout/radial1"/>
-    <dgm:cxn modelId="{99B06484-57B9-48BF-B4F4-C02610512868}" type="presParOf" srcId="{B282CD55-80AA-4736-94EB-595F4BA0CA63}" destId="{D689BA3C-8DC9-4360-A404-B76D4C638032}" srcOrd="10" destOrd="0" presId="urn:microsoft.com/office/officeart/2005/8/layout/radial1"/>
-    <dgm:cxn modelId="{DEC1566C-FCF0-4668-9E34-65DEF5ABC027}" type="presParOf" srcId="{B282CD55-80AA-4736-94EB-595F4BA0CA63}" destId="{0B890D38-9A63-42F6-B391-F93CB128C0AE}" srcOrd="11" destOrd="0" presId="urn:microsoft.com/office/officeart/2005/8/layout/radial1"/>
+    <dgm:cxn modelId="{82B4E223-E9FC-4026-B42B-2AC71A1B09C3}" type="presParOf" srcId="{B282CD55-80AA-4736-94EB-595F4BA0CA63}" destId="{8726FD26-0446-4A34-A789-F609EFF6B576}" srcOrd="12" destOrd="0" presId="urn:microsoft.com/office/officeart/2005/8/layout/radial1"/>
+    <dgm:cxn modelId="{DEC1566C-FCF0-4668-9E34-65DEF5ABC027}" type="presParOf" srcId="{B282CD55-80AA-4736-94EB-595F4BA0CA63}" destId="{0B890D38-9A63-42F6-B391-F93CB128C0AE}" srcOrd="13" destOrd="0" presId="urn:microsoft.com/office/officeart/2005/8/layout/radial1"/>
     <dgm:cxn modelId="{666DA491-ED13-4981-8288-41E4A9880B50}" type="presParOf" srcId="{0B890D38-9A63-42F6-B391-F93CB128C0AE}" destId="{D5893B7E-6692-4C02-8564-ECC24D44F21B}" srcOrd="0" destOrd="0" presId="urn:microsoft.com/office/officeart/2005/8/layout/radial1"/>
-    <dgm:cxn modelId="{9ED3238D-57A7-42B2-B37A-7CD20883CE24}" type="presParOf" srcId="{B282CD55-80AA-4736-94EB-595F4BA0CA63}" destId="{01EEE674-D7A4-44BB-95E6-EEE4B45DB353}" srcOrd="12" destOrd="0" presId="urn:microsoft.com/office/officeart/2005/8/layout/radial1"/>
-    <dgm:cxn modelId="{6399081B-BF79-4160-90E8-673CB158E1D0}" type="presParOf" srcId="{B282CD55-80AA-4736-94EB-595F4BA0CA63}" destId="{77D3530B-84AC-4AF5-9D4D-0D2117A63E3D}" srcOrd="13" destOrd="0" presId="urn:microsoft.com/office/officeart/2005/8/layout/radial1"/>
-    <dgm:cxn modelId="{0862AC62-81A1-48CD-9A46-D9AB771244D6}" type="presParOf" srcId="{77D3530B-84AC-4AF5-9D4D-0D2117A63E3D}" destId="{4DF5D087-DE94-4E11-B106-613F4AF58AA7}" srcOrd="0" destOrd="0" presId="urn:microsoft.com/office/officeart/2005/8/layout/radial1"/>
-    <dgm:cxn modelId="{9276EA80-1CE0-47FA-BC6D-561FE033DB17}" type="presParOf" srcId="{B282CD55-80AA-4736-94EB-595F4BA0CA63}" destId="{601EE436-9078-4764-A58D-03556FC85C0E}" srcOrd="14" destOrd="0" presId="urn:microsoft.com/office/officeart/2005/8/layout/radial1"/>
-    <dgm:cxn modelId="{A7993A63-05FF-492A-8431-844698D6C62E}" type="presParOf" srcId="{B282CD55-80AA-4736-94EB-595F4BA0CA63}" destId="{A65C0F46-E587-4092-997F-FB96F0CDF18F}" srcOrd="15" destOrd="0" presId="urn:microsoft.com/office/officeart/2005/8/layout/radial1"/>
-    <dgm:cxn modelId="{98D90EDB-AE8D-4422-82B2-254B74A55DA5}" type="presParOf" srcId="{A65C0F46-E587-4092-997F-FB96F0CDF18F}" destId="{22F44A1F-4693-4E90-8DE4-3158150E7D24}" srcOrd="0" destOrd="0" presId="urn:microsoft.com/office/officeart/2005/8/layout/radial1"/>
-    <dgm:cxn modelId="{F57D316C-01A5-4AE8-8C9F-9A9126190C06}" type="presParOf" srcId="{B282CD55-80AA-4736-94EB-595F4BA0CA63}" destId="{1198E2ED-5E7F-476B-8AA1-8FAE860229B8}" srcOrd="16" destOrd="0" presId="urn:microsoft.com/office/officeart/2005/8/layout/radial1"/>
-    <dgm:cxn modelId="{EE51AE11-49E6-44F9-A33A-9CD0AFEC9595}" type="presParOf" srcId="{B282CD55-80AA-4736-94EB-595F4BA0CA63}" destId="{DA526968-C5FA-41DD-A5CF-2F61D26924D2}" srcOrd="17" destOrd="0" presId="urn:microsoft.com/office/officeart/2005/8/layout/radial1"/>
-    <dgm:cxn modelId="{B5F89751-034D-4C20-B0DA-16FA578292E2}" type="presParOf" srcId="{DA526968-C5FA-41DD-A5CF-2F61D26924D2}" destId="{702C7A52-2DDA-4B97-BFE7-6215896F699F}" srcOrd="0" destOrd="0" presId="urn:microsoft.com/office/officeart/2005/8/layout/radial1"/>
-    <dgm:cxn modelId="{095CADFD-7E4E-4152-A039-FFD58EBF5999}" type="presParOf" srcId="{B282CD55-80AA-4736-94EB-595F4BA0CA63}" destId="{6D54B3D7-B1BB-468C-B139-A330C534B0A9}" srcOrd="18" destOrd="0" presId="urn:microsoft.com/office/officeart/2005/8/layout/radial1"/>
+    <dgm:cxn modelId="{9ED3238D-57A7-42B2-B37A-7CD20883CE24}" type="presParOf" srcId="{B282CD55-80AA-4736-94EB-595F4BA0CA63}" destId="{01EEE674-D7A4-44BB-95E6-EEE4B45DB353}" srcOrd="14" destOrd="0" presId="urn:microsoft.com/office/officeart/2005/8/layout/radial1"/>
   </dgm:cxnLst>
   <dgm:bg/>
   <dgm:whole/>
@@ -12149,8 +11917,8 @@
       </dsp:nvSpPr>
       <dsp:spPr>
         <a:xfrm>
-          <a:off x="4039635" y="2272012"/>
-          <a:ext cx="1182304" cy="1182304"/>
+          <a:off x="3910636" y="2182226"/>
+          <a:ext cx="1440302" cy="1440302"/>
         </a:xfrm>
         <a:prstGeom prst="ellipse">
           <a:avLst/>
@@ -12213,8 +11981,8 @@
         </a:p>
       </dsp:txBody>
       <dsp:txXfrm>
-        <a:off x="4212779" y="2445156"/>
-        <a:ext cx="836016" cy="836016"/>
+        <a:off x="4121563" y="2393153"/>
+        <a:ext cx="1018448" cy="1018448"/>
       </dsp:txXfrm>
     </dsp:sp>
     <dsp:sp modelId="{A5500CA8-E1AC-4EA2-84FF-778CCAFF54E5}">
@@ -12224,8 +11992,8 @@
       </dsp:nvSpPr>
       <dsp:spPr>
         <a:xfrm rot="16200000">
-          <a:off x="4097240" y="1726975"/>
-          <a:ext cx="1067095" cy="22978"/>
+          <a:off x="4270054" y="1807497"/>
+          <a:ext cx="721467" cy="27992"/>
         </a:xfrm>
         <a:custGeom>
           <a:avLst/>
@@ -12236,10 +12004,10 @@
           <a:pathLst>
             <a:path>
               <a:moveTo>
-                <a:pt x="0" y="11489"/>
+                <a:pt x="0" y="13996"/>
               </a:moveTo>
               <a:lnTo>
-                <a:pt x="1067095" y="11489"/>
+                <a:pt x="721467" y="13996"/>
               </a:lnTo>
             </a:path>
           </a:pathLst>
@@ -12293,8 +12061,8 @@
         </a:p>
       </dsp:txBody>
       <dsp:txXfrm>
-        <a:off x="4604110" y="1711787"/>
-        <a:ext cx="53354" cy="53354"/>
+        <a:off x="4612751" y="1803456"/>
+        <a:ext cx="36073" cy="36073"/>
       </dsp:txXfrm>
     </dsp:sp>
     <dsp:sp modelId="{D641129D-BF39-4F22-BF56-9E2A62EAEF7C}">
@@ -12304,8 +12072,8 @@
       </dsp:nvSpPr>
       <dsp:spPr>
         <a:xfrm>
-          <a:off x="4039635" y="22612"/>
-          <a:ext cx="1182304" cy="1182304"/>
+          <a:off x="3910636" y="20456"/>
+          <a:ext cx="1440302" cy="1440302"/>
         </a:xfrm>
         <a:prstGeom prst="ellipse">
           <a:avLst/>
@@ -12368,26 +12136,23 @@
             <a:rPr lang="en-US" sz="1100" b="0" i="0" kern="1200" dirty="0"/>
             <a:t>✓</a:t>
           </a:r>
-          <a:r>
-            <a:rPr lang="en-US" sz="1100" b="1" kern="1200" dirty="0"/>
-            <a:t>  </a:t>
-          </a:r>
+          <a:endParaRPr lang="en-US" sz="1100" b="1" kern="1200" dirty="0"/>
         </a:p>
       </dsp:txBody>
       <dsp:txXfrm>
-        <a:off x="4212779" y="195756"/>
-        <a:ext cx="836016" cy="836016"/>
+        <a:off x="4121563" y="231383"/>
+        <a:ext cx="1018448" cy="1018448"/>
       </dsp:txXfrm>
     </dsp:sp>
-    <dsp:sp modelId="{3C3F841D-B84E-439D-A70D-DACE222F23B4}">
+    <dsp:sp modelId="{60E69F3E-8134-4538-A3EF-3F6FEA683E0F}">
       <dsp:nvSpPr>
         <dsp:cNvPr id="0" name=""/>
         <dsp:cNvSpPr/>
       </dsp:nvSpPr>
       <dsp:spPr>
-        <a:xfrm rot="18600000">
-          <a:off x="4820183" y="1990105"/>
-          <a:ext cx="1067095" cy="22978"/>
+        <a:xfrm rot="19285714">
+          <a:off x="5115124" y="2214461"/>
+          <a:ext cx="721467" cy="27992"/>
         </a:xfrm>
         <a:custGeom>
           <a:avLst/>
@@ -12398,10 +12163,10 @@
           <a:pathLst>
             <a:path>
               <a:moveTo>
-                <a:pt x="0" y="11489"/>
+                <a:pt x="0" y="13996"/>
               </a:moveTo>
               <a:lnTo>
-                <a:pt x="1067095" y="11489"/>
+                <a:pt x="721467" y="13996"/>
               </a:lnTo>
             </a:path>
           </a:pathLst>
@@ -12439,6 +12204,183 @@
         </a:bodyPr>
         <a:lstStyle/>
         <a:p>
+          <a:pPr marL="0" lvl="0" indent="0" algn="ctr" defTabSz="222250">
+            <a:lnSpc>
+              <a:spcPct val="90000"/>
+            </a:lnSpc>
+            <a:spcBef>
+              <a:spcPct val="0"/>
+            </a:spcBef>
+            <a:spcAft>
+              <a:spcPct val="35000"/>
+            </a:spcAft>
+            <a:buNone/>
+          </a:pPr>
+          <a:endParaRPr lang="en-US" sz="500" kern="1200"/>
+        </a:p>
+      </dsp:txBody>
+      <dsp:txXfrm>
+        <a:off x="5457821" y="2210420"/>
+        <a:ext cx="36073" cy="36073"/>
+      </dsp:txXfrm>
+    </dsp:sp>
+    <dsp:sp modelId="{C29E633D-FDB3-4A03-AF0D-B36013E3D45B}">
+      <dsp:nvSpPr>
+        <dsp:cNvPr id="0" name=""/>
+        <dsp:cNvSpPr/>
+      </dsp:nvSpPr>
+      <dsp:spPr>
+        <a:xfrm>
+          <a:off x="5600776" y="834385"/>
+          <a:ext cx="1440302" cy="1440302"/>
+        </a:xfrm>
+        <a:prstGeom prst="ellipse">
+          <a:avLst/>
+        </a:prstGeom>
+        <a:solidFill>
+          <a:schemeClr val="accent6"/>
+        </a:solidFill>
+        <a:ln w="19050" cap="flat" cmpd="sng" algn="ctr">
+          <a:solidFill>
+            <a:schemeClr val="lt1">
+              <a:hueOff val="0"/>
+              <a:satOff val="0"/>
+              <a:lumOff val="0"/>
+              <a:alphaOff val="0"/>
+            </a:schemeClr>
+          </a:solidFill>
+          <a:prstDash val="solid"/>
+          <a:miter lim="800000"/>
+        </a:ln>
+        <a:effectLst/>
+      </dsp:spPr>
+      <dsp:style>
+        <a:lnRef idx="2">
+          <a:scrgbClr r="0" g="0" b="0"/>
+        </a:lnRef>
+        <a:fillRef idx="1">
+          <a:scrgbClr r="0" g="0" b="0"/>
+        </a:fillRef>
+        <a:effectRef idx="0">
+          <a:scrgbClr r="0" g="0" b="0"/>
+        </a:effectRef>
+        <a:fontRef idx="minor">
+          <a:schemeClr val="lt1"/>
+        </a:fontRef>
+      </dsp:style>
+      <dsp:txBody>
+        <a:bodyPr spcFirstLastPara="0" vert="horz" wrap="square" lIns="6985" tIns="6985" rIns="6985" bIns="6985" numCol="1" spcCol="1270" anchor="ctr" anchorCtr="0">
+          <a:noAutofit/>
+        </a:bodyPr>
+        <a:lstStyle/>
+        <a:p>
+          <a:pPr marL="0" lvl="0" indent="0" algn="ctr" defTabSz="488950">
+            <a:lnSpc>
+              <a:spcPct val="90000"/>
+            </a:lnSpc>
+            <a:spcBef>
+              <a:spcPct val="0"/>
+            </a:spcBef>
+            <a:spcAft>
+              <a:spcPct val="35000"/>
+            </a:spcAft>
+            <a:buFont typeface="+mj-lt"/>
+            <a:buNone/>
+          </a:pPr>
+          <a:r>
+            <a:rPr lang="en-US" sz="1100" b="1" kern="1200" dirty="0"/>
+            <a:t>5. Loss Budget</a:t>
+          </a:r>
+        </a:p>
+        <a:p>
+          <a:pPr marL="0" lvl="0" indent="0" algn="ctr" defTabSz="488950">
+            <a:lnSpc>
+              <a:spcPct val="90000"/>
+            </a:lnSpc>
+            <a:spcBef>
+              <a:spcPct val="0"/>
+            </a:spcBef>
+            <a:spcAft>
+              <a:spcPct val="35000"/>
+            </a:spcAft>
+            <a:buFont typeface="+mj-lt"/>
+            <a:buNone/>
+          </a:pPr>
+          <a:r>
+            <a:rPr lang="en-US" sz="1100" b="0" i="0" kern="1200" dirty="0"/>
+            <a:t>✓</a:t>
+          </a:r>
+          <a:r>
+            <a:rPr lang="en-US" sz="1100" b="1" kern="1200" dirty="0"/>
+            <a:t> </a:t>
+          </a:r>
+        </a:p>
+      </dsp:txBody>
+      <dsp:txXfrm>
+        <a:off x="5811703" y="1045312"/>
+        <a:ext cx="1018448" cy="1018448"/>
+      </dsp:txXfrm>
+    </dsp:sp>
+    <dsp:sp modelId="{3C3F841D-B84E-439D-A70D-DACE222F23B4}">
+      <dsp:nvSpPr>
+        <dsp:cNvPr id="0" name=""/>
+        <dsp:cNvSpPr/>
+      </dsp:nvSpPr>
+      <dsp:spPr>
+        <a:xfrm rot="771429">
+          <a:off x="5323839" y="3128901"/>
+          <a:ext cx="721467" cy="27992"/>
+        </a:xfrm>
+        <a:custGeom>
+          <a:avLst/>
+          <a:gdLst/>
+          <a:ahLst/>
+          <a:cxnLst/>
+          <a:rect l="0" t="0" r="0" b="0"/>
+          <a:pathLst>
+            <a:path>
+              <a:moveTo>
+                <a:pt x="0" y="13996"/>
+              </a:moveTo>
+              <a:lnTo>
+                <a:pt x="721467" y="13996"/>
+              </a:lnTo>
+            </a:path>
+          </a:pathLst>
+        </a:custGeom>
+        <a:noFill/>
+        <a:ln w="19050" cap="flat" cmpd="sng" algn="ctr">
+          <a:solidFill>
+            <a:schemeClr val="accent5">
+              <a:hueOff val="0"/>
+              <a:satOff val="0"/>
+              <a:lumOff val="0"/>
+              <a:alphaOff val="0"/>
+            </a:schemeClr>
+          </a:solidFill>
+          <a:prstDash val="solid"/>
+          <a:miter lim="800000"/>
+        </a:ln>
+        <a:effectLst/>
+      </dsp:spPr>
+      <dsp:style>
+        <a:lnRef idx="2">
+          <a:scrgbClr r="0" g="0" b="0"/>
+        </a:lnRef>
+        <a:fillRef idx="0">
+          <a:scrgbClr r="0" g="0" b="0"/>
+        </a:fillRef>
+        <a:effectRef idx="0">
+          <a:scrgbClr r="0" g="0" b="0"/>
+        </a:effectRef>
+        <a:fontRef idx="minor"/>
+      </dsp:style>
+      <dsp:txBody>
+        <a:bodyPr spcFirstLastPara="0" vert="horz" wrap="square" lIns="12700" tIns="0" rIns="12700" bIns="0" numCol="1" spcCol="1270" anchor="ctr" anchorCtr="0">
+          <a:noAutofit/>
+        </a:bodyPr>
+        <a:lstStyle/>
+        <a:p>
           <a:pPr marL="0" lvl="0" indent="0" algn="ctr" defTabSz="466725">
             <a:lnSpc>
               <a:spcPct val="90000"/>
@@ -12455,8 +12397,8 @@
         </a:p>
       </dsp:txBody>
       <dsp:txXfrm>
-        <a:off x="5327053" y="1974916"/>
-        <a:ext cx="53354" cy="53354"/>
+        <a:off x="5666536" y="3124861"/>
+        <a:ext cx="36073" cy="36073"/>
       </dsp:txXfrm>
     </dsp:sp>
     <dsp:sp modelId="{CB79E053-F38E-4A67-BA83-A4800638DD26}">
@@ -12466,8 +12408,578 @@
       </dsp:nvSpPr>
       <dsp:spPr>
         <a:xfrm>
-          <a:off x="5485522" y="548871"/>
-          <a:ext cx="1182304" cy="1182304"/>
+          <a:off x="6018206" y="2663266"/>
+          <a:ext cx="1440302" cy="1440302"/>
+        </a:xfrm>
+        <a:prstGeom prst="ellipse">
+          <a:avLst/>
+        </a:prstGeom>
+        <a:solidFill>
+          <a:srgbClr val="4EA72E"/>
+        </a:solidFill>
+        <a:ln w="19050" cap="flat" cmpd="sng" algn="ctr">
+          <a:solidFill>
+            <a:prstClr val="white">
+              <a:hueOff val="0"/>
+              <a:satOff val="0"/>
+              <a:lumOff val="0"/>
+              <a:alphaOff val="0"/>
+            </a:prstClr>
+          </a:solidFill>
+          <a:prstDash val="solid"/>
+          <a:miter lim="800000"/>
+        </a:ln>
+        <a:effectLst/>
+      </dsp:spPr>
+      <dsp:style>
+        <a:lnRef idx="2">
+          <a:scrgbClr r="0" g="0" b="0"/>
+        </a:lnRef>
+        <a:fillRef idx="1">
+          <a:scrgbClr r="0" g="0" b="0"/>
+        </a:fillRef>
+        <a:effectRef idx="0">
+          <a:scrgbClr r="0" g="0" b="0"/>
+        </a:effectRef>
+        <a:fontRef idx="minor">
+          <a:schemeClr val="lt1"/>
+        </a:fontRef>
+      </dsp:style>
+      <dsp:txBody>
+        <a:bodyPr spcFirstLastPara="0" vert="horz" wrap="square" lIns="6985" tIns="6985" rIns="6985" bIns="6985" numCol="1" spcCol="1270" anchor="ctr" anchorCtr="0">
+          <a:noAutofit/>
+        </a:bodyPr>
+        <a:lstStyle/>
+        <a:p>
+          <a:pPr marL="0" lvl="0" indent="0" algn="ctr" defTabSz="488950">
+            <a:lnSpc>
+              <a:spcPct val="90000"/>
+            </a:lnSpc>
+            <a:spcBef>
+              <a:spcPct val="0"/>
+            </a:spcBef>
+            <a:spcAft>
+              <a:spcPct val="35000"/>
+            </a:spcAft>
+            <a:buFont typeface="+mj-lt"/>
+            <a:buNone/>
+          </a:pPr>
+          <a:r>
+            <a:rPr lang="en-US" sz="1100" b="1" kern="1200" dirty="0">
+              <a:solidFill>
+                <a:prstClr val="white"/>
+              </a:solidFill>
+              <a:latin typeface="Aptos" panose="02110004020202020204"/>
+              <a:ea typeface="+mn-ea"/>
+              <a:cs typeface="+mn-cs"/>
+            </a:rPr>
+            <a:t>2. Dynamic Range</a:t>
+          </a:r>
+        </a:p>
+        <a:p>
+          <a:pPr marL="0" lvl="0" indent="0" algn="ctr" defTabSz="488950">
+            <a:lnSpc>
+              <a:spcPct val="90000"/>
+            </a:lnSpc>
+            <a:spcBef>
+              <a:spcPct val="0"/>
+            </a:spcBef>
+            <a:spcAft>
+              <a:spcPct val="35000"/>
+            </a:spcAft>
+            <a:buFont typeface="+mj-lt"/>
+            <a:buNone/>
+          </a:pPr>
+          <a:r>
+            <a:rPr lang="en-US" sz="1100" b="0" i="0" kern="1200" dirty="0"/>
+            <a:t>✓</a:t>
+          </a:r>
+          <a:r>
+            <a:rPr lang="en-US" sz="1100" b="1" kern="1200" dirty="0">
+              <a:solidFill>
+                <a:prstClr val="white"/>
+              </a:solidFill>
+              <a:latin typeface="Aptos" panose="02110004020202020204"/>
+              <a:ea typeface="+mn-ea"/>
+              <a:cs typeface="+mn-cs"/>
+            </a:rPr>
+            <a:t> </a:t>
+          </a:r>
+        </a:p>
+      </dsp:txBody>
+      <dsp:txXfrm>
+        <a:off x="6229133" y="2874193"/>
+        <a:ext cx="1018448" cy="1018448"/>
+      </dsp:txXfrm>
+    </dsp:sp>
+    <dsp:sp modelId="{21F3E271-E659-4F2A-B5D3-98DDE2FF03DA}">
+      <dsp:nvSpPr>
+        <dsp:cNvPr id="0" name=""/>
+        <dsp:cNvSpPr/>
+      </dsp:nvSpPr>
+      <dsp:spPr>
+        <a:xfrm rot="3857143">
+          <a:off x="4739032" y="3862225"/>
+          <a:ext cx="721467" cy="27992"/>
+        </a:xfrm>
+        <a:custGeom>
+          <a:avLst/>
+          <a:gdLst/>
+          <a:ahLst/>
+          <a:cxnLst/>
+          <a:rect l="0" t="0" r="0" b="0"/>
+          <a:pathLst>
+            <a:path>
+              <a:moveTo>
+                <a:pt x="0" y="13996"/>
+              </a:moveTo>
+              <a:lnTo>
+                <a:pt x="721467" y="13996"/>
+              </a:lnTo>
+            </a:path>
+          </a:pathLst>
+        </a:custGeom>
+        <a:noFill/>
+        <a:ln w="19050" cap="flat" cmpd="sng" algn="ctr">
+          <a:solidFill>
+            <a:schemeClr val="accent5">
+              <a:hueOff val="0"/>
+              <a:satOff val="0"/>
+              <a:lumOff val="0"/>
+              <a:alphaOff val="0"/>
+            </a:schemeClr>
+          </a:solidFill>
+          <a:prstDash val="solid"/>
+          <a:miter lim="800000"/>
+        </a:ln>
+        <a:effectLst/>
+      </dsp:spPr>
+      <dsp:style>
+        <a:lnRef idx="2">
+          <a:scrgbClr r="0" g="0" b="0"/>
+        </a:lnRef>
+        <a:fillRef idx="0">
+          <a:scrgbClr r="0" g="0" b="0"/>
+        </a:fillRef>
+        <a:effectRef idx="0">
+          <a:scrgbClr r="0" g="0" b="0"/>
+        </a:effectRef>
+        <a:fontRef idx="minor"/>
+      </dsp:style>
+      <dsp:txBody>
+        <a:bodyPr spcFirstLastPara="0" vert="horz" wrap="square" lIns="12700" tIns="0" rIns="12700" bIns="0" numCol="1" spcCol="1270" anchor="ctr" anchorCtr="0">
+          <a:noAutofit/>
+        </a:bodyPr>
+        <a:lstStyle/>
+        <a:p>
+          <a:pPr marL="0" lvl="0" indent="0" algn="ctr" defTabSz="222250">
+            <a:lnSpc>
+              <a:spcPct val="90000"/>
+            </a:lnSpc>
+            <a:spcBef>
+              <a:spcPct val="0"/>
+            </a:spcBef>
+            <a:spcAft>
+              <a:spcPct val="35000"/>
+            </a:spcAft>
+            <a:buNone/>
+          </a:pPr>
+          <a:endParaRPr lang="en-US" sz="500" kern="1200"/>
+        </a:p>
+      </dsp:txBody>
+      <dsp:txXfrm>
+        <a:off x="5081729" y="3858185"/>
+        <a:ext cx="36073" cy="36073"/>
+      </dsp:txXfrm>
+    </dsp:sp>
+    <dsp:sp modelId="{381951C3-DC69-4329-A787-F6F20281D3F6}">
+      <dsp:nvSpPr>
+        <dsp:cNvPr id="0" name=""/>
+        <dsp:cNvSpPr/>
+      </dsp:nvSpPr>
+      <dsp:spPr>
+        <a:xfrm>
+          <a:off x="4848593" y="4129914"/>
+          <a:ext cx="1440302" cy="1440302"/>
+        </a:xfrm>
+        <a:prstGeom prst="ellipse">
+          <a:avLst/>
+        </a:prstGeom>
+        <a:solidFill>
+          <a:srgbClr val="4EA72E"/>
+        </a:solidFill>
+        <a:ln w="19050" cap="flat" cmpd="sng" algn="ctr">
+          <a:solidFill>
+            <a:prstClr val="white">
+              <a:hueOff val="0"/>
+              <a:satOff val="0"/>
+              <a:lumOff val="0"/>
+              <a:alphaOff val="0"/>
+            </a:prstClr>
+          </a:solidFill>
+          <a:prstDash val="solid"/>
+          <a:miter lim="800000"/>
+        </a:ln>
+        <a:effectLst/>
+      </dsp:spPr>
+      <dsp:style>
+        <a:lnRef idx="2">
+          <a:scrgbClr r="0" g="0" b="0"/>
+        </a:lnRef>
+        <a:fillRef idx="1">
+          <a:scrgbClr r="0" g="0" b="0"/>
+        </a:fillRef>
+        <a:effectRef idx="0">
+          <a:scrgbClr r="0" g="0" b="0"/>
+        </a:effectRef>
+        <a:fontRef idx="minor">
+          <a:schemeClr val="lt1"/>
+        </a:fontRef>
+      </dsp:style>
+      <dsp:txBody>
+        <a:bodyPr spcFirstLastPara="0" vert="horz" wrap="square" lIns="6985" tIns="6985" rIns="6985" bIns="6985" numCol="1" spcCol="1270" anchor="ctr" anchorCtr="0">
+          <a:noAutofit/>
+        </a:bodyPr>
+        <a:lstStyle/>
+        <a:p>
+          <a:pPr marL="0" lvl="0" indent="0" algn="ctr" defTabSz="488950">
+            <a:lnSpc>
+              <a:spcPct val="90000"/>
+            </a:lnSpc>
+            <a:spcBef>
+              <a:spcPct val="0"/>
+            </a:spcBef>
+            <a:spcAft>
+              <a:spcPct val="35000"/>
+            </a:spcAft>
+            <a:buFont typeface="+mj-lt"/>
+            <a:buNone/>
+          </a:pPr>
+          <a:r>
+            <a:rPr lang="en-US" sz="1100" b="1" kern="1200" dirty="0">
+              <a:solidFill>
+                <a:prstClr val="white"/>
+              </a:solidFill>
+              <a:latin typeface="Aptos" panose="02110004020202020204"/>
+              <a:ea typeface="+mn-ea"/>
+              <a:cs typeface="+mn-cs"/>
+            </a:rPr>
+            <a:t>4. Fidelity</a:t>
+          </a:r>
+        </a:p>
+        <a:p>
+          <a:pPr marL="0" lvl="0" indent="0" algn="ctr" defTabSz="488950">
+            <a:lnSpc>
+              <a:spcPct val="90000"/>
+            </a:lnSpc>
+            <a:spcBef>
+              <a:spcPct val="0"/>
+            </a:spcBef>
+            <a:spcAft>
+              <a:spcPct val="35000"/>
+            </a:spcAft>
+            <a:buFont typeface="+mj-lt"/>
+            <a:buNone/>
+          </a:pPr>
+          <a:r>
+            <a:rPr lang="en-US" sz="1100" b="0" i="0" kern="1200" dirty="0"/>
+            <a:t>✓</a:t>
+          </a:r>
+          <a:endParaRPr lang="en-US" sz="1100" b="1" kern="1200" dirty="0">
+            <a:solidFill>
+              <a:prstClr val="white"/>
+            </a:solidFill>
+            <a:latin typeface="Aptos" panose="02110004020202020204"/>
+            <a:ea typeface="+mn-ea"/>
+            <a:cs typeface="+mn-cs"/>
+          </a:endParaRPr>
+        </a:p>
+      </dsp:txBody>
+      <dsp:txXfrm>
+        <a:off x="5059520" y="4340841"/>
+        <a:ext cx="1018448" cy="1018448"/>
+      </dsp:txXfrm>
+    </dsp:sp>
+    <dsp:sp modelId="{97AB2DA7-3196-4812-85DB-C0730E66FABE}">
+      <dsp:nvSpPr>
+        <dsp:cNvPr id="0" name=""/>
+        <dsp:cNvSpPr/>
+      </dsp:nvSpPr>
+      <dsp:spPr>
+        <a:xfrm rot="6942857">
+          <a:off x="3801075" y="3862225"/>
+          <a:ext cx="721467" cy="27992"/>
+        </a:xfrm>
+        <a:custGeom>
+          <a:avLst/>
+          <a:gdLst/>
+          <a:ahLst/>
+          <a:cxnLst/>
+          <a:rect l="0" t="0" r="0" b="0"/>
+          <a:pathLst>
+            <a:path>
+              <a:moveTo>
+                <a:pt x="0" y="13996"/>
+              </a:moveTo>
+              <a:lnTo>
+                <a:pt x="721467" y="13996"/>
+              </a:lnTo>
+            </a:path>
+          </a:pathLst>
+        </a:custGeom>
+        <a:noFill/>
+        <a:ln w="19050" cap="flat" cmpd="sng" algn="ctr">
+          <a:solidFill>
+            <a:schemeClr val="accent5">
+              <a:hueOff val="0"/>
+              <a:satOff val="0"/>
+              <a:lumOff val="0"/>
+              <a:alphaOff val="0"/>
+            </a:schemeClr>
+          </a:solidFill>
+          <a:prstDash val="solid"/>
+          <a:miter lim="800000"/>
+        </a:ln>
+        <a:effectLst/>
+      </dsp:spPr>
+      <dsp:style>
+        <a:lnRef idx="2">
+          <a:scrgbClr r="0" g="0" b="0"/>
+        </a:lnRef>
+        <a:fillRef idx="0">
+          <a:scrgbClr r="0" g="0" b="0"/>
+        </a:fillRef>
+        <a:effectRef idx="0">
+          <a:scrgbClr r="0" g="0" b="0"/>
+        </a:effectRef>
+        <a:fontRef idx="minor"/>
+      </dsp:style>
+      <dsp:txBody>
+        <a:bodyPr spcFirstLastPara="0" vert="horz" wrap="square" lIns="12700" tIns="0" rIns="12700" bIns="0" numCol="1" spcCol="1270" anchor="ctr" anchorCtr="0">
+          <a:noAutofit/>
+        </a:bodyPr>
+        <a:lstStyle/>
+        <a:p>
+          <a:pPr marL="0" lvl="0" indent="0" algn="ctr" defTabSz="222250">
+            <a:lnSpc>
+              <a:spcPct val="90000"/>
+            </a:lnSpc>
+            <a:spcBef>
+              <a:spcPct val="0"/>
+            </a:spcBef>
+            <a:spcAft>
+              <a:spcPct val="35000"/>
+            </a:spcAft>
+            <a:buNone/>
+          </a:pPr>
+          <a:endParaRPr lang="en-US" sz="500" kern="1200"/>
+        </a:p>
+      </dsp:txBody>
+      <dsp:txXfrm rot="10800000">
+        <a:off x="4143772" y="3858185"/>
+        <a:ext cx="36073" cy="36073"/>
+      </dsp:txXfrm>
+    </dsp:sp>
+    <dsp:sp modelId="{13F65213-867A-4369-9543-F3799FB5E0F8}">
+      <dsp:nvSpPr>
+        <dsp:cNvPr id="0" name=""/>
+        <dsp:cNvSpPr/>
+      </dsp:nvSpPr>
+      <dsp:spPr>
+        <a:xfrm>
+          <a:off x="2972679" y="4129914"/>
+          <a:ext cx="1440302" cy="1440302"/>
+        </a:xfrm>
+        <a:prstGeom prst="ellipse">
+          <a:avLst/>
+        </a:prstGeom>
+        <a:solidFill>
+          <a:srgbClr val="4EA72E"/>
+        </a:solidFill>
+        <a:ln w="19050" cap="flat" cmpd="sng" algn="ctr">
+          <a:solidFill>
+            <a:prstClr val="white">
+              <a:hueOff val="0"/>
+              <a:satOff val="0"/>
+              <a:lumOff val="0"/>
+              <a:alphaOff val="0"/>
+            </a:prstClr>
+          </a:solidFill>
+          <a:prstDash val="solid"/>
+          <a:miter lim="800000"/>
+        </a:ln>
+        <a:effectLst/>
+      </dsp:spPr>
+      <dsp:style>
+        <a:lnRef idx="2">
+          <a:scrgbClr r="0" g="0" b="0"/>
+        </a:lnRef>
+        <a:fillRef idx="1">
+          <a:scrgbClr r="0" g="0" b="0"/>
+        </a:fillRef>
+        <a:effectRef idx="0">
+          <a:scrgbClr r="0" g="0" b="0"/>
+        </a:effectRef>
+        <a:fontRef idx="minor">
+          <a:schemeClr val="lt1"/>
+        </a:fontRef>
+      </dsp:style>
+      <dsp:txBody>
+        <a:bodyPr spcFirstLastPara="0" vert="horz" wrap="square" lIns="6985" tIns="6985" rIns="6985" bIns="6985" numCol="1" spcCol="1270" anchor="ctr" anchorCtr="0">
+          <a:noAutofit/>
+        </a:bodyPr>
+        <a:lstStyle/>
+        <a:p>
+          <a:pPr marL="0" lvl="0" indent="0" algn="ctr" defTabSz="488950">
+            <a:lnSpc>
+              <a:spcPct val="90000"/>
+            </a:lnSpc>
+            <a:spcBef>
+              <a:spcPct val="0"/>
+            </a:spcBef>
+            <a:spcAft>
+              <a:spcPct val="35000"/>
+            </a:spcAft>
+            <a:buFont typeface="+mj-lt"/>
+            <a:buNone/>
+          </a:pPr>
+          <a:r>
+            <a:rPr lang="en-US" sz="1100" b="1" kern="1200" dirty="0">
+              <a:solidFill>
+                <a:prstClr val="white"/>
+              </a:solidFill>
+              <a:latin typeface="Aptos" panose="02110004020202020204"/>
+              <a:ea typeface="+mn-ea"/>
+              <a:cs typeface="+mn-cs"/>
+            </a:rPr>
+            <a:t>7. Cross Talk</a:t>
+          </a:r>
+        </a:p>
+        <a:p>
+          <a:pPr marL="0" lvl="0" indent="0" algn="ctr" defTabSz="488950">
+            <a:lnSpc>
+              <a:spcPct val="90000"/>
+            </a:lnSpc>
+            <a:spcBef>
+              <a:spcPct val="0"/>
+            </a:spcBef>
+            <a:spcAft>
+              <a:spcPct val="35000"/>
+            </a:spcAft>
+            <a:buFont typeface="+mj-lt"/>
+            <a:buNone/>
+          </a:pPr>
+          <a:r>
+            <a:rPr lang="en-US" sz="1100" b="0" i="0" kern="1200" dirty="0"/>
+            <a:t>✓</a:t>
+          </a:r>
+          <a:r>
+            <a:rPr lang="en-US" sz="1100" b="1" kern="1200" dirty="0">
+              <a:solidFill>
+                <a:prstClr val="white"/>
+              </a:solidFill>
+              <a:latin typeface="Aptos" panose="02110004020202020204"/>
+              <a:ea typeface="+mn-ea"/>
+              <a:cs typeface="+mn-cs"/>
+            </a:rPr>
+            <a:t> </a:t>
+          </a:r>
+        </a:p>
+      </dsp:txBody>
+      <dsp:txXfrm>
+        <a:off x="3183606" y="4340841"/>
+        <a:ext cx="1018448" cy="1018448"/>
+      </dsp:txXfrm>
+    </dsp:sp>
+    <dsp:sp modelId="{18CBF4D6-765C-4365-B23D-911EEF96DF4B}">
+      <dsp:nvSpPr>
+        <dsp:cNvPr id="0" name=""/>
+        <dsp:cNvSpPr/>
+      </dsp:nvSpPr>
+      <dsp:spPr>
+        <a:xfrm rot="10028571">
+          <a:off x="3216269" y="3128901"/>
+          <a:ext cx="721467" cy="27992"/>
+        </a:xfrm>
+        <a:custGeom>
+          <a:avLst/>
+          <a:gdLst/>
+          <a:ahLst/>
+          <a:cxnLst/>
+          <a:rect l="0" t="0" r="0" b="0"/>
+          <a:pathLst>
+            <a:path>
+              <a:moveTo>
+                <a:pt x="0" y="13996"/>
+              </a:moveTo>
+              <a:lnTo>
+                <a:pt x="721467" y="13996"/>
+              </a:lnTo>
+            </a:path>
+          </a:pathLst>
+        </a:custGeom>
+        <a:noFill/>
+        <a:ln w="19050" cap="flat" cmpd="sng" algn="ctr">
+          <a:solidFill>
+            <a:schemeClr val="accent5">
+              <a:hueOff val="0"/>
+              <a:satOff val="0"/>
+              <a:lumOff val="0"/>
+              <a:alphaOff val="0"/>
+            </a:schemeClr>
+          </a:solidFill>
+          <a:prstDash val="solid"/>
+          <a:miter lim="800000"/>
+        </a:ln>
+        <a:effectLst/>
+      </dsp:spPr>
+      <dsp:style>
+        <a:lnRef idx="2">
+          <a:scrgbClr r="0" g="0" b="0"/>
+        </a:lnRef>
+        <a:fillRef idx="0">
+          <a:scrgbClr r="0" g="0" b="0"/>
+        </a:fillRef>
+        <a:effectRef idx="0">
+          <a:scrgbClr r="0" g="0" b="0"/>
+        </a:effectRef>
+        <a:fontRef idx="minor"/>
+      </dsp:style>
+      <dsp:txBody>
+        <a:bodyPr spcFirstLastPara="0" vert="horz" wrap="square" lIns="12700" tIns="0" rIns="12700" bIns="0" numCol="1" spcCol="1270" anchor="ctr" anchorCtr="0">
+          <a:noAutofit/>
+        </a:bodyPr>
+        <a:lstStyle/>
+        <a:p>
+          <a:pPr marL="0" lvl="0" indent="0" algn="ctr" defTabSz="466725">
+            <a:lnSpc>
+              <a:spcPct val="90000"/>
+            </a:lnSpc>
+            <a:spcBef>
+              <a:spcPct val="0"/>
+            </a:spcBef>
+            <a:spcAft>
+              <a:spcPct val="35000"/>
+            </a:spcAft>
+            <a:buNone/>
+          </a:pPr>
+          <a:endParaRPr lang="en-US" sz="1050" b="1" kern="1200"/>
+        </a:p>
+      </dsp:txBody>
+      <dsp:txXfrm rot="10800000">
+        <a:off x="3558966" y="3124861"/>
+        <a:ext cx="36073" cy="36073"/>
+      </dsp:txXfrm>
+    </dsp:sp>
+    <dsp:sp modelId="{8726FD26-0446-4A34-A789-F609EFF6B576}">
+      <dsp:nvSpPr>
+        <dsp:cNvPr id="0" name=""/>
+        <dsp:cNvSpPr/>
+      </dsp:nvSpPr>
+      <dsp:spPr>
+        <a:xfrm>
+          <a:off x="1803066" y="2663266"/>
+          <a:ext cx="1440302" cy="1440302"/>
         </a:xfrm>
         <a:prstGeom prst="ellipse">
           <a:avLst/>
@@ -12526,24 +13038,24 @@
           </a:pPr>
           <a:r>
             <a:rPr lang="en-US" sz="1100" b="1" kern="1200" dirty="0"/>
-            <a:t>2. Dynamic Range </a:t>
+            <a:t>3. Frequency Response </a:t>
           </a:r>
         </a:p>
       </dsp:txBody>
       <dsp:txXfrm>
-        <a:off x="5658666" y="722015"/>
-        <a:ext cx="836016" cy="836016"/>
+        <a:off x="2013993" y="2874193"/>
+        <a:ext cx="1018448" cy="1018448"/>
       </dsp:txXfrm>
     </dsp:sp>
-    <dsp:sp modelId="{18CBF4D6-765C-4365-B23D-911EEF96DF4B}">
+    <dsp:sp modelId="{0B890D38-9A63-42F6-B391-F93CB128C0AE}">
       <dsp:nvSpPr>
         <dsp:cNvPr id="0" name=""/>
         <dsp:cNvSpPr/>
       </dsp:nvSpPr>
       <dsp:spPr>
-        <a:xfrm rot="21000000">
-          <a:off x="5204853" y="2656373"/>
-          <a:ext cx="1067095" cy="22978"/>
+        <a:xfrm rot="13114286">
+          <a:off x="3424984" y="2214461"/>
+          <a:ext cx="721467" cy="27992"/>
         </a:xfrm>
         <a:custGeom>
           <a:avLst/>
@@ -12554,10 +13066,10 @@
           <a:pathLst>
             <a:path>
               <a:moveTo>
-                <a:pt x="0" y="11489"/>
+                <a:pt x="0" y="13996"/>
               </a:moveTo>
               <a:lnTo>
-                <a:pt x="1067095" y="11489"/>
+                <a:pt x="721467" y="13996"/>
               </a:lnTo>
             </a:path>
           </a:pathLst>
@@ -12610,20 +13122,20 @@
           <a:endParaRPr lang="en-US" sz="1050" b="1" kern="1200"/>
         </a:p>
       </dsp:txBody>
-      <dsp:txXfrm>
-        <a:off x="5711724" y="2641185"/>
-        <a:ext cx="53354" cy="53354"/>
+      <dsp:txXfrm rot="10800000">
+        <a:off x="3767681" y="2210420"/>
+        <a:ext cx="36073" cy="36073"/>
       </dsp:txXfrm>
     </dsp:sp>
-    <dsp:sp modelId="{8726FD26-0446-4A34-A789-F609EFF6B576}">
+    <dsp:sp modelId="{01EEE674-D7A4-44BB-95E6-EEE4B45DB353}">
       <dsp:nvSpPr>
         <dsp:cNvPr id="0" name=""/>
         <dsp:cNvSpPr/>
       </dsp:nvSpPr>
       <dsp:spPr>
         <a:xfrm>
-          <a:off x="6254862" y="1881408"/>
-          <a:ext cx="1182304" cy="1182304"/>
+          <a:off x="2220496" y="834385"/>
+          <a:ext cx="1440302" cy="1440302"/>
         </a:xfrm>
         <a:prstGeom prst="ellipse">
           <a:avLst/>
@@ -12682,948 +13194,13 @@
           </a:pPr>
           <a:r>
             <a:rPr lang="en-US" sz="1100" b="1" kern="1200" dirty="0"/>
-            <a:t>3. Frequency Response </a:t>
+            <a:t>6. Spatial Resolution </a:t>
           </a:r>
         </a:p>
       </dsp:txBody>
       <dsp:txXfrm>
-        <a:off x="6428006" y="2054552"/>
-        <a:ext cx="836016" cy="836016"/>
-      </dsp:txXfrm>
-    </dsp:sp>
-    <dsp:sp modelId="{A4B0FFB8-DED8-4744-B603-55DEBAECB8CE}">
-      <dsp:nvSpPr>
-        <dsp:cNvPr id="0" name=""/>
-        <dsp:cNvSpPr/>
-      </dsp:nvSpPr>
-      <dsp:spPr>
-        <a:xfrm rot="1800000">
-          <a:off x="5071258" y="3414025"/>
-          <a:ext cx="1067095" cy="22978"/>
-        </a:xfrm>
-        <a:custGeom>
-          <a:avLst/>
-          <a:gdLst/>
-          <a:ahLst/>
-          <a:cxnLst/>
-          <a:rect l="0" t="0" r="0" b="0"/>
-          <a:pathLst>
-            <a:path>
-              <a:moveTo>
-                <a:pt x="0" y="11489"/>
-              </a:moveTo>
-              <a:lnTo>
-                <a:pt x="1067095" y="11489"/>
-              </a:lnTo>
-            </a:path>
-          </a:pathLst>
-        </a:custGeom>
-        <a:noFill/>
-        <a:ln w="19050" cap="flat" cmpd="sng" algn="ctr">
-          <a:solidFill>
-            <a:schemeClr val="accent5">
-              <a:hueOff val="0"/>
-              <a:satOff val="0"/>
-              <a:lumOff val="0"/>
-              <a:alphaOff val="0"/>
-            </a:schemeClr>
-          </a:solidFill>
-          <a:prstDash val="solid"/>
-          <a:miter lim="800000"/>
-        </a:ln>
-        <a:effectLst/>
-      </dsp:spPr>
-      <dsp:style>
-        <a:lnRef idx="2">
-          <a:scrgbClr r="0" g="0" b="0"/>
-        </a:lnRef>
-        <a:fillRef idx="0">
-          <a:scrgbClr r="0" g="0" b="0"/>
-        </a:fillRef>
-        <a:effectRef idx="0">
-          <a:scrgbClr r="0" g="0" b="0"/>
-        </a:effectRef>
-        <a:fontRef idx="minor"/>
-      </dsp:style>
-      <dsp:txBody>
-        <a:bodyPr spcFirstLastPara="0" vert="horz" wrap="square" lIns="12700" tIns="0" rIns="12700" bIns="0" numCol="1" spcCol="1270" anchor="ctr" anchorCtr="0">
-          <a:noAutofit/>
-        </a:bodyPr>
-        <a:lstStyle/>
-        <a:p>
-          <a:pPr marL="0" lvl="0" indent="0" algn="ctr" defTabSz="466725">
-            <a:lnSpc>
-              <a:spcPct val="90000"/>
-            </a:lnSpc>
-            <a:spcBef>
-              <a:spcPct val="0"/>
-            </a:spcBef>
-            <a:spcAft>
-              <a:spcPct val="35000"/>
-            </a:spcAft>
-            <a:buNone/>
-          </a:pPr>
-          <a:endParaRPr lang="en-US" sz="1050" b="1" kern="1200"/>
-        </a:p>
-      </dsp:txBody>
-      <dsp:txXfrm>
-        <a:off x="5578129" y="3398837"/>
-        <a:ext cx="53354" cy="53354"/>
-      </dsp:txXfrm>
-    </dsp:sp>
-    <dsp:sp modelId="{3BB251B9-BD13-489B-B206-0E76C451EF7E}">
-      <dsp:nvSpPr>
-        <dsp:cNvPr id="0" name=""/>
-        <dsp:cNvSpPr/>
-      </dsp:nvSpPr>
-      <dsp:spPr>
-        <a:xfrm>
-          <a:off x="5987673" y="3396712"/>
-          <a:ext cx="1182304" cy="1182304"/>
-        </a:xfrm>
-        <a:prstGeom prst="ellipse">
-          <a:avLst/>
-        </a:prstGeom>
-        <a:solidFill>
-          <a:schemeClr val="bg2">
-            <a:lumMod val="75000"/>
-          </a:schemeClr>
-        </a:solidFill>
-        <a:ln w="19050" cap="flat" cmpd="sng" algn="ctr">
-          <a:solidFill>
-            <a:schemeClr val="lt1">
-              <a:hueOff val="0"/>
-              <a:satOff val="0"/>
-              <a:lumOff val="0"/>
-              <a:alphaOff val="0"/>
-            </a:schemeClr>
-          </a:solidFill>
-          <a:prstDash val="solid"/>
-          <a:miter lim="800000"/>
-        </a:ln>
-        <a:effectLst/>
-      </dsp:spPr>
-      <dsp:style>
-        <a:lnRef idx="2">
-          <a:scrgbClr r="0" g="0" b="0"/>
-        </a:lnRef>
-        <a:fillRef idx="1">
-          <a:scrgbClr r="0" g="0" b="0"/>
-        </a:fillRef>
-        <a:effectRef idx="0">
-          <a:scrgbClr r="0" g="0" b="0"/>
-        </a:effectRef>
-        <a:fontRef idx="minor">
-          <a:schemeClr val="lt1"/>
-        </a:fontRef>
-      </dsp:style>
-      <dsp:txBody>
-        <a:bodyPr spcFirstLastPara="0" vert="horz" wrap="square" lIns="6985" tIns="6985" rIns="6985" bIns="6985" numCol="1" spcCol="1270" anchor="ctr" anchorCtr="0">
-          <a:noAutofit/>
-        </a:bodyPr>
-        <a:lstStyle/>
-        <a:p>
-          <a:pPr marL="0" lvl="0" indent="0" algn="ctr" defTabSz="488950">
-            <a:lnSpc>
-              <a:spcPct val="90000"/>
-            </a:lnSpc>
-            <a:spcBef>
-              <a:spcPct val="0"/>
-            </a:spcBef>
-            <a:spcAft>
-              <a:spcPct val="35000"/>
-            </a:spcAft>
-            <a:buFont typeface="+mj-lt"/>
-            <a:buNone/>
-          </a:pPr>
-          <a:r>
-            <a:rPr lang="en-US" sz="1100" b="1" kern="1200" dirty="0"/>
-            <a:t>4. Fidelity </a:t>
-          </a:r>
-        </a:p>
-      </dsp:txBody>
-      <dsp:txXfrm>
-        <a:off x="6160817" y="3569856"/>
-        <a:ext cx="836016" cy="836016"/>
-      </dsp:txXfrm>
-    </dsp:sp>
-    <dsp:sp modelId="{EFE45D1F-EFA7-4252-8882-7D528B4AA36B}">
-      <dsp:nvSpPr>
-        <dsp:cNvPr id="0" name=""/>
-        <dsp:cNvSpPr/>
-      </dsp:nvSpPr>
-      <dsp:spPr>
-        <a:xfrm rot="4200000">
-          <a:off x="4481910" y="3908548"/>
-          <a:ext cx="1067095" cy="22978"/>
-        </a:xfrm>
-        <a:custGeom>
-          <a:avLst/>
-          <a:gdLst/>
-          <a:ahLst/>
-          <a:cxnLst/>
-          <a:rect l="0" t="0" r="0" b="0"/>
-          <a:pathLst>
-            <a:path>
-              <a:moveTo>
-                <a:pt x="0" y="11489"/>
-              </a:moveTo>
-              <a:lnTo>
-                <a:pt x="1067095" y="11489"/>
-              </a:lnTo>
-            </a:path>
-          </a:pathLst>
-        </a:custGeom>
-        <a:noFill/>
-        <a:ln w="19050" cap="flat" cmpd="sng" algn="ctr">
-          <a:solidFill>
-            <a:schemeClr val="accent5">
-              <a:hueOff val="0"/>
-              <a:satOff val="0"/>
-              <a:lumOff val="0"/>
-              <a:alphaOff val="0"/>
-            </a:schemeClr>
-          </a:solidFill>
-          <a:prstDash val="solid"/>
-          <a:miter lim="800000"/>
-        </a:ln>
-        <a:effectLst/>
-      </dsp:spPr>
-      <dsp:style>
-        <a:lnRef idx="2">
-          <a:scrgbClr r="0" g="0" b="0"/>
-        </a:lnRef>
-        <a:fillRef idx="0">
-          <a:scrgbClr r="0" g="0" b="0"/>
-        </a:fillRef>
-        <a:effectRef idx="0">
-          <a:scrgbClr r="0" g="0" b="0"/>
-        </a:effectRef>
-        <a:fontRef idx="minor"/>
-      </dsp:style>
-      <dsp:txBody>
-        <a:bodyPr spcFirstLastPara="0" vert="horz" wrap="square" lIns="12700" tIns="0" rIns="12700" bIns="0" numCol="1" spcCol="1270" anchor="ctr" anchorCtr="0">
-          <a:noAutofit/>
-        </a:bodyPr>
-        <a:lstStyle/>
-        <a:p>
-          <a:pPr marL="0" lvl="0" indent="0" algn="ctr" defTabSz="466725">
-            <a:lnSpc>
-              <a:spcPct val="90000"/>
-            </a:lnSpc>
-            <a:spcBef>
-              <a:spcPct val="0"/>
-            </a:spcBef>
-            <a:spcAft>
-              <a:spcPct val="35000"/>
-            </a:spcAft>
-            <a:buNone/>
-          </a:pPr>
-          <a:endParaRPr lang="en-US" sz="1050" b="1" kern="1200"/>
-        </a:p>
-      </dsp:txBody>
-      <dsp:txXfrm>
-        <a:off x="4988780" y="3893359"/>
-        <a:ext cx="53354" cy="53354"/>
-      </dsp:txXfrm>
-    </dsp:sp>
-    <dsp:sp modelId="{D689BA3C-8DC9-4360-A404-B76D4C638032}">
-      <dsp:nvSpPr>
-        <dsp:cNvPr id="0" name=""/>
-        <dsp:cNvSpPr/>
-      </dsp:nvSpPr>
-      <dsp:spPr>
-        <a:xfrm>
-          <a:off x="4808976" y="4385757"/>
-          <a:ext cx="1182304" cy="1182304"/>
-        </a:xfrm>
-        <a:prstGeom prst="ellipse">
-          <a:avLst/>
-        </a:prstGeom>
-        <a:solidFill>
-          <a:schemeClr val="bg2">
-            <a:lumMod val="75000"/>
-          </a:schemeClr>
-        </a:solidFill>
-        <a:ln w="19050" cap="flat" cmpd="sng" algn="ctr">
-          <a:solidFill>
-            <a:schemeClr val="lt1">
-              <a:hueOff val="0"/>
-              <a:satOff val="0"/>
-              <a:lumOff val="0"/>
-              <a:alphaOff val="0"/>
-            </a:schemeClr>
-          </a:solidFill>
-          <a:prstDash val="solid"/>
-          <a:miter lim="800000"/>
-        </a:ln>
-        <a:effectLst/>
-      </dsp:spPr>
-      <dsp:style>
-        <a:lnRef idx="2">
-          <a:scrgbClr r="0" g="0" b="0"/>
-        </a:lnRef>
-        <a:fillRef idx="1">
-          <a:scrgbClr r="0" g="0" b="0"/>
-        </a:fillRef>
-        <a:effectRef idx="0">
-          <a:scrgbClr r="0" g="0" b="0"/>
-        </a:effectRef>
-        <a:fontRef idx="minor">
-          <a:schemeClr val="lt1"/>
-        </a:fontRef>
-      </dsp:style>
-      <dsp:txBody>
-        <a:bodyPr spcFirstLastPara="0" vert="horz" wrap="square" lIns="6985" tIns="6985" rIns="6985" bIns="6985" numCol="1" spcCol="1270" anchor="ctr" anchorCtr="0">
-          <a:noAutofit/>
-        </a:bodyPr>
-        <a:lstStyle/>
-        <a:p>
-          <a:pPr marL="0" lvl="0" indent="0" algn="ctr" defTabSz="488950">
-            <a:lnSpc>
-              <a:spcPct val="90000"/>
-            </a:lnSpc>
-            <a:spcBef>
-              <a:spcPct val="0"/>
-            </a:spcBef>
-            <a:spcAft>
-              <a:spcPct val="35000"/>
-            </a:spcAft>
-            <a:buFont typeface="+mj-lt"/>
-            <a:buNone/>
-          </a:pPr>
-          <a:r>
-            <a:rPr lang="en-US" sz="1100" b="1" kern="1200" dirty="0"/>
-            <a:t>5. Loss Budget</a:t>
-          </a:r>
-        </a:p>
-      </dsp:txBody>
-      <dsp:txXfrm>
-        <a:off x="4982120" y="4558901"/>
-        <a:ext cx="836016" cy="836016"/>
-      </dsp:txXfrm>
-    </dsp:sp>
-    <dsp:sp modelId="{0B890D38-9A63-42F6-B391-F93CB128C0AE}">
-      <dsp:nvSpPr>
-        <dsp:cNvPr id="0" name=""/>
-        <dsp:cNvSpPr/>
-      </dsp:nvSpPr>
-      <dsp:spPr>
-        <a:xfrm rot="6600000">
-          <a:off x="3712569" y="3908548"/>
-          <a:ext cx="1067095" cy="22978"/>
-        </a:xfrm>
-        <a:custGeom>
-          <a:avLst/>
-          <a:gdLst/>
-          <a:ahLst/>
-          <a:cxnLst/>
-          <a:rect l="0" t="0" r="0" b="0"/>
-          <a:pathLst>
-            <a:path>
-              <a:moveTo>
-                <a:pt x="0" y="11489"/>
-              </a:moveTo>
-              <a:lnTo>
-                <a:pt x="1067095" y="11489"/>
-              </a:lnTo>
-            </a:path>
-          </a:pathLst>
-        </a:custGeom>
-        <a:noFill/>
-        <a:ln w="19050" cap="flat" cmpd="sng" algn="ctr">
-          <a:solidFill>
-            <a:schemeClr val="accent5">
-              <a:hueOff val="0"/>
-              <a:satOff val="0"/>
-              <a:lumOff val="0"/>
-              <a:alphaOff val="0"/>
-            </a:schemeClr>
-          </a:solidFill>
-          <a:prstDash val="solid"/>
-          <a:miter lim="800000"/>
-        </a:ln>
-        <a:effectLst/>
-      </dsp:spPr>
-      <dsp:style>
-        <a:lnRef idx="2">
-          <a:scrgbClr r="0" g="0" b="0"/>
-        </a:lnRef>
-        <a:fillRef idx="0">
-          <a:scrgbClr r="0" g="0" b="0"/>
-        </a:fillRef>
-        <a:effectRef idx="0">
-          <a:scrgbClr r="0" g="0" b="0"/>
-        </a:effectRef>
-        <a:fontRef idx="minor"/>
-      </dsp:style>
-      <dsp:txBody>
-        <a:bodyPr spcFirstLastPara="0" vert="horz" wrap="square" lIns="12700" tIns="0" rIns="12700" bIns="0" numCol="1" spcCol="1270" anchor="ctr" anchorCtr="0">
-          <a:noAutofit/>
-        </a:bodyPr>
-        <a:lstStyle/>
-        <a:p>
-          <a:pPr marL="0" lvl="0" indent="0" algn="ctr" defTabSz="466725">
-            <a:lnSpc>
-              <a:spcPct val="90000"/>
-            </a:lnSpc>
-            <a:spcBef>
-              <a:spcPct val="0"/>
-            </a:spcBef>
-            <a:spcAft>
-              <a:spcPct val="35000"/>
-            </a:spcAft>
-            <a:buNone/>
-          </a:pPr>
-          <a:endParaRPr lang="en-US" sz="1050" b="1" kern="1200"/>
-        </a:p>
-      </dsp:txBody>
-      <dsp:txXfrm rot="10800000">
-        <a:off x="4219440" y="3893359"/>
-        <a:ext cx="53354" cy="53354"/>
-      </dsp:txXfrm>
-    </dsp:sp>
-    <dsp:sp modelId="{01EEE674-D7A4-44BB-95E6-EEE4B45DB353}">
-      <dsp:nvSpPr>
-        <dsp:cNvPr id="0" name=""/>
-        <dsp:cNvSpPr/>
-      </dsp:nvSpPr>
-      <dsp:spPr>
-        <a:xfrm>
-          <a:off x="3270295" y="4385757"/>
-          <a:ext cx="1182304" cy="1182304"/>
-        </a:xfrm>
-        <a:prstGeom prst="ellipse">
-          <a:avLst/>
-        </a:prstGeom>
-        <a:solidFill>
-          <a:schemeClr val="bg2">
-            <a:lumMod val="75000"/>
-          </a:schemeClr>
-        </a:solidFill>
-        <a:ln w="19050" cap="flat" cmpd="sng" algn="ctr">
-          <a:solidFill>
-            <a:schemeClr val="lt1">
-              <a:hueOff val="0"/>
-              <a:satOff val="0"/>
-              <a:lumOff val="0"/>
-              <a:alphaOff val="0"/>
-            </a:schemeClr>
-          </a:solidFill>
-          <a:prstDash val="solid"/>
-          <a:miter lim="800000"/>
-        </a:ln>
-        <a:effectLst/>
-      </dsp:spPr>
-      <dsp:style>
-        <a:lnRef idx="2">
-          <a:scrgbClr r="0" g="0" b="0"/>
-        </a:lnRef>
-        <a:fillRef idx="1">
-          <a:scrgbClr r="0" g="0" b="0"/>
-        </a:fillRef>
-        <a:effectRef idx="0">
-          <a:scrgbClr r="0" g="0" b="0"/>
-        </a:effectRef>
-        <a:fontRef idx="minor">
-          <a:schemeClr val="lt1"/>
-        </a:fontRef>
-      </dsp:style>
-      <dsp:txBody>
-        <a:bodyPr spcFirstLastPara="0" vert="horz" wrap="square" lIns="6985" tIns="6985" rIns="6985" bIns="6985" numCol="1" spcCol="1270" anchor="ctr" anchorCtr="0">
-          <a:noAutofit/>
-        </a:bodyPr>
-        <a:lstStyle/>
-        <a:p>
-          <a:pPr marL="0" lvl="0" indent="0" algn="ctr" defTabSz="488950">
-            <a:lnSpc>
-              <a:spcPct val="90000"/>
-            </a:lnSpc>
-            <a:spcBef>
-              <a:spcPct val="0"/>
-            </a:spcBef>
-            <a:spcAft>
-              <a:spcPct val="35000"/>
-            </a:spcAft>
-            <a:buFont typeface="+mj-lt"/>
-            <a:buNone/>
-          </a:pPr>
-          <a:r>
-            <a:rPr lang="en-US" sz="1100" b="1" kern="1200" dirty="0"/>
-            <a:t>6. Spatial Resolution </a:t>
-          </a:r>
-        </a:p>
-      </dsp:txBody>
-      <dsp:txXfrm>
-        <a:off x="3443439" y="4558901"/>
-        <a:ext cx="836016" cy="836016"/>
-      </dsp:txXfrm>
-    </dsp:sp>
-    <dsp:sp modelId="{77D3530B-84AC-4AF5-9D4D-0D2117A63E3D}">
-      <dsp:nvSpPr>
-        <dsp:cNvPr id="0" name=""/>
-        <dsp:cNvSpPr/>
-      </dsp:nvSpPr>
-      <dsp:spPr>
-        <a:xfrm rot="9000000">
-          <a:off x="3123221" y="3414025"/>
-          <a:ext cx="1067095" cy="22978"/>
-        </a:xfrm>
-        <a:custGeom>
-          <a:avLst/>
-          <a:gdLst/>
-          <a:ahLst/>
-          <a:cxnLst/>
-          <a:rect l="0" t="0" r="0" b="0"/>
-          <a:pathLst>
-            <a:path>
-              <a:moveTo>
-                <a:pt x="0" y="11489"/>
-              </a:moveTo>
-              <a:lnTo>
-                <a:pt x="1067095" y="11489"/>
-              </a:lnTo>
-            </a:path>
-          </a:pathLst>
-        </a:custGeom>
-        <a:noFill/>
-        <a:ln w="19050" cap="flat" cmpd="sng" algn="ctr">
-          <a:solidFill>
-            <a:schemeClr val="accent5">
-              <a:hueOff val="0"/>
-              <a:satOff val="0"/>
-              <a:lumOff val="0"/>
-              <a:alphaOff val="0"/>
-            </a:schemeClr>
-          </a:solidFill>
-          <a:prstDash val="solid"/>
-          <a:miter lim="800000"/>
-        </a:ln>
-        <a:effectLst/>
-      </dsp:spPr>
-      <dsp:style>
-        <a:lnRef idx="2">
-          <a:scrgbClr r="0" g="0" b="0"/>
-        </a:lnRef>
-        <a:fillRef idx="0">
-          <a:scrgbClr r="0" g="0" b="0"/>
-        </a:fillRef>
-        <a:effectRef idx="0">
-          <a:scrgbClr r="0" g="0" b="0"/>
-        </a:effectRef>
-        <a:fontRef idx="minor"/>
-      </dsp:style>
-      <dsp:txBody>
-        <a:bodyPr spcFirstLastPara="0" vert="horz" wrap="square" lIns="12700" tIns="0" rIns="12700" bIns="0" numCol="1" spcCol="1270" anchor="ctr" anchorCtr="0">
-          <a:noAutofit/>
-        </a:bodyPr>
-        <a:lstStyle/>
-        <a:p>
-          <a:pPr marL="0" lvl="0" indent="0" algn="ctr" defTabSz="466725">
-            <a:lnSpc>
-              <a:spcPct val="90000"/>
-            </a:lnSpc>
-            <a:spcBef>
-              <a:spcPct val="0"/>
-            </a:spcBef>
-            <a:spcAft>
-              <a:spcPct val="35000"/>
-            </a:spcAft>
-            <a:buNone/>
-          </a:pPr>
-          <a:endParaRPr lang="en-US" sz="1050" b="1" kern="1200"/>
-        </a:p>
-      </dsp:txBody>
-      <dsp:txXfrm rot="10800000">
-        <a:off x="3630091" y="3398837"/>
-        <a:ext cx="53354" cy="53354"/>
-      </dsp:txXfrm>
-    </dsp:sp>
-    <dsp:sp modelId="{601EE436-9078-4764-A58D-03556FC85C0E}">
-      <dsp:nvSpPr>
-        <dsp:cNvPr id="0" name=""/>
-        <dsp:cNvSpPr/>
-      </dsp:nvSpPr>
-      <dsp:spPr>
-        <a:xfrm>
-          <a:off x="2091597" y="3396712"/>
-          <a:ext cx="1182304" cy="1182304"/>
-        </a:xfrm>
-        <a:prstGeom prst="ellipse">
-          <a:avLst/>
-        </a:prstGeom>
-        <a:solidFill>
-          <a:schemeClr val="bg2">
-            <a:lumMod val="75000"/>
-          </a:schemeClr>
-        </a:solidFill>
-        <a:ln w="19050" cap="flat" cmpd="sng" algn="ctr">
-          <a:solidFill>
-            <a:schemeClr val="lt1">
-              <a:hueOff val="0"/>
-              <a:satOff val="0"/>
-              <a:lumOff val="0"/>
-              <a:alphaOff val="0"/>
-            </a:schemeClr>
-          </a:solidFill>
-          <a:prstDash val="solid"/>
-          <a:miter lim="800000"/>
-        </a:ln>
-        <a:effectLst/>
-      </dsp:spPr>
-      <dsp:style>
-        <a:lnRef idx="2">
-          <a:scrgbClr r="0" g="0" b="0"/>
-        </a:lnRef>
-        <a:fillRef idx="1">
-          <a:scrgbClr r="0" g="0" b="0"/>
-        </a:fillRef>
-        <a:effectRef idx="0">
-          <a:scrgbClr r="0" g="0" b="0"/>
-        </a:effectRef>
-        <a:fontRef idx="minor">
-          <a:schemeClr val="lt1"/>
-        </a:fontRef>
-      </dsp:style>
-      <dsp:txBody>
-        <a:bodyPr spcFirstLastPara="0" vert="horz" wrap="square" lIns="6985" tIns="6985" rIns="6985" bIns="6985" numCol="1" spcCol="1270" anchor="ctr" anchorCtr="0">
-          <a:noAutofit/>
-        </a:bodyPr>
-        <a:lstStyle/>
-        <a:p>
-          <a:pPr marL="0" lvl="0" indent="0" algn="ctr" defTabSz="488950">
-            <a:lnSpc>
-              <a:spcPct val="90000"/>
-            </a:lnSpc>
-            <a:spcBef>
-              <a:spcPct val="0"/>
-            </a:spcBef>
-            <a:spcAft>
-              <a:spcPct val="35000"/>
-            </a:spcAft>
-            <a:buFont typeface="+mj-lt"/>
-            <a:buNone/>
-          </a:pPr>
-          <a:r>
-            <a:rPr lang="en-US" sz="1100" b="1" kern="1200" dirty="0"/>
-            <a:t>7. Cross Talk </a:t>
-          </a:r>
-        </a:p>
-      </dsp:txBody>
-      <dsp:txXfrm>
-        <a:off x="2264741" y="3569856"/>
-        <a:ext cx="836016" cy="836016"/>
-      </dsp:txXfrm>
-    </dsp:sp>
-    <dsp:sp modelId="{A65C0F46-E587-4092-997F-FB96F0CDF18F}">
-      <dsp:nvSpPr>
-        <dsp:cNvPr id="0" name=""/>
-        <dsp:cNvSpPr/>
-      </dsp:nvSpPr>
-      <dsp:spPr>
-        <a:xfrm rot="11400000">
-          <a:off x="2989626" y="2656373"/>
-          <a:ext cx="1067095" cy="22978"/>
-        </a:xfrm>
-        <a:custGeom>
-          <a:avLst/>
-          <a:gdLst/>
-          <a:ahLst/>
-          <a:cxnLst/>
-          <a:rect l="0" t="0" r="0" b="0"/>
-          <a:pathLst>
-            <a:path>
-              <a:moveTo>
-                <a:pt x="0" y="11489"/>
-              </a:moveTo>
-              <a:lnTo>
-                <a:pt x="1067095" y="11489"/>
-              </a:lnTo>
-            </a:path>
-          </a:pathLst>
-        </a:custGeom>
-        <a:noFill/>
-        <a:ln w="19050" cap="flat" cmpd="sng" algn="ctr">
-          <a:solidFill>
-            <a:schemeClr val="accent5">
-              <a:hueOff val="0"/>
-              <a:satOff val="0"/>
-              <a:lumOff val="0"/>
-              <a:alphaOff val="0"/>
-            </a:schemeClr>
-          </a:solidFill>
-          <a:prstDash val="solid"/>
-          <a:miter lim="800000"/>
-        </a:ln>
-        <a:effectLst/>
-      </dsp:spPr>
-      <dsp:style>
-        <a:lnRef idx="2">
-          <a:scrgbClr r="0" g="0" b="0"/>
-        </a:lnRef>
-        <a:fillRef idx="0">
-          <a:scrgbClr r="0" g="0" b="0"/>
-        </a:fillRef>
-        <a:effectRef idx="0">
-          <a:scrgbClr r="0" g="0" b="0"/>
-        </a:effectRef>
-        <a:fontRef idx="minor"/>
-      </dsp:style>
-      <dsp:txBody>
-        <a:bodyPr spcFirstLastPara="0" vert="horz" wrap="square" lIns="12700" tIns="0" rIns="12700" bIns="0" numCol="1" spcCol="1270" anchor="ctr" anchorCtr="0">
-          <a:noAutofit/>
-        </a:bodyPr>
-        <a:lstStyle/>
-        <a:p>
-          <a:pPr marL="0" lvl="0" indent="0" algn="ctr" defTabSz="466725">
-            <a:lnSpc>
-              <a:spcPct val="90000"/>
-            </a:lnSpc>
-            <a:spcBef>
-              <a:spcPct val="0"/>
-            </a:spcBef>
-            <a:spcAft>
-              <a:spcPct val="35000"/>
-            </a:spcAft>
-            <a:buNone/>
-          </a:pPr>
-          <a:endParaRPr lang="en-US" sz="1050" b="1" kern="1200"/>
-        </a:p>
-      </dsp:txBody>
-      <dsp:txXfrm rot="10800000">
-        <a:off x="3496497" y="2641185"/>
-        <a:ext cx="53354" cy="53354"/>
-      </dsp:txXfrm>
-    </dsp:sp>
-    <dsp:sp modelId="{1198E2ED-5E7F-476B-8AA1-8FAE860229B8}">
-      <dsp:nvSpPr>
-        <dsp:cNvPr id="0" name=""/>
-        <dsp:cNvSpPr/>
-      </dsp:nvSpPr>
-      <dsp:spPr>
-        <a:xfrm>
-          <a:off x="1824408" y="1881408"/>
-          <a:ext cx="1182304" cy="1182304"/>
-        </a:xfrm>
-        <a:prstGeom prst="ellipse">
-          <a:avLst/>
-        </a:prstGeom>
-        <a:solidFill>
-          <a:schemeClr val="bg2">
-            <a:lumMod val="75000"/>
-          </a:schemeClr>
-        </a:solidFill>
-        <a:ln w="19050" cap="flat" cmpd="sng" algn="ctr">
-          <a:solidFill>
-            <a:schemeClr val="lt1">
-              <a:hueOff val="0"/>
-              <a:satOff val="0"/>
-              <a:lumOff val="0"/>
-              <a:alphaOff val="0"/>
-            </a:schemeClr>
-          </a:solidFill>
-          <a:prstDash val="solid"/>
-          <a:miter lim="800000"/>
-        </a:ln>
-        <a:effectLst/>
-      </dsp:spPr>
-      <dsp:style>
-        <a:lnRef idx="2">
-          <a:scrgbClr r="0" g="0" b="0"/>
-        </a:lnRef>
-        <a:fillRef idx="1">
-          <a:scrgbClr r="0" g="0" b="0"/>
-        </a:fillRef>
-        <a:effectRef idx="0">
-          <a:scrgbClr r="0" g="0" b="0"/>
-        </a:effectRef>
-        <a:fontRef idx="minor">
-          <a:schemeClr val="lt1"/>
-        </a:fontRef>
-      </dsp:style>
-      <dsp:txBody>
-        <a:bodyPr spcFirstLastPara="0" vert="horz" wrap="square" lIns="6985" tIns="6985" rIns="6985" bIns="6985" numCol="1" spcCol="1270" anchor="ctr" anchorCtr="0">
-          <a:noAutofit/>
-        </a:bodyPr>
-        <a:lstStyle/>
-        <a:p>
-          <a:pPr marL="0" lvl="0" indent="0" algn="ctr" defTabSz="488950">
-            <a:lnSpc>
-              <a:spcPct val="90000"/>
-            </a:lnSpc>
-            <a:spcBef>
-              <a:spcPct val="0"/>
-            </a:spcBef>
-            <a:spcAft>
-              <a:spcPct val="35000"/>
-            </a:spcAft>
-            <a:buFont typeface="+mj-lt"/>
-            <a:buNone/>
-          </a:pPr>
-          <a:r>
-            <a:rPr lang="en-US" sz="1100" b="1" kern="1200" dirty="0"/>
-            <a:t>8. LF DAS</a:t>
-          </a:r>
-        </a:p>
-      </dsp:txBody>
-      <dsp:txXfrm>
-        <a:off x="1997552" y="2054552"/>
-        <a:ext cx="836016" cy="836016"/>
-      </dsp:txXfrm>
-    </dsp:sp>
-    <dsp:sp modelId="{DA526968-C5FA-41DD-A5CF-2F61D26924D2}">
-      <dsp:nvSpPr>
-        <dsp:cNvPr id="0" name=""/>
-        <dsp:cNvSpPr/>
-      </dsp:nvSpPr>
-      <dsp:spPr>
-        <a:xfrm rot="13800000">
-          <a:off x="3374296" y="1990105"/>
-          <a:ext cx="1067095" cy="22978"/>
-        </a:xfrm>
-        <a:custGeom>
-          <a:avLst/>
-          <a:gdLst/>
-          <a:ahLst/>
-          <a:cxnLst/>
-          <a:rect l="0" t="0" r="0" b="0"/>
-          <a:pathLst>
-            <a:path>
-              <a:moveTo>
-                <a:pt x="0" y="11489"/>
-              </a:moveTo>
-              <a:lnTo>
-                <a:pt x="1067095" y="11489"/>
-              </a:lnTo>
-            </a:path>
-          </a:pathLst>
-        </a:custGeom>
-        <a:noFill/>
-        <a:ln w="19050" cap="flat" cmpd="sng" algn="ctr">
-          <a:solidFill>
-            <a:schemeClr val="accent5">
-              <a:hueOff val="0"/>
-              <a:satOff val="0"/>
-              <a:lumOff val="0"/>
-              <a:alphaOff val="0"/>
-            </a:schemeClr>
-          </a:solidFill>
-          <a:prstDash val="solid"/>
-          <a:miter lim="800000"/>
-        </a:ln>
-        <a:effectLst/>
-      </dsp:spPr>
-      <dsp:style>
-        <a:lnRef idx="2">
-          <a:scrgbClr r="0" g="0" b="0"/>
-        </a:lnRef>
-        <a:fillRef idx="0">
-          <a:scrgbClr r="0" g="0" b="0"/>
-        </a:fillRef>
-        <a:effectRef idx="0">
-          <a:scrgbClr r="0" g="0" b="0"/>
-        </a:effectRef>
-        <a:fontRef idx="minor"/>
-      </dsp:style>
-      <dsp:txBody>
-        <a:bodyPr spcFirstLastPara="0" vert="horz" wrap="square" lIns="12700" tIns="0" rIns="12700" bIns="0" numCol="1" spcCol="1270" anchor="ctr" anchorCtr="0">
-          <a:noAutofit/>
-        </a:bodyPr>
-        <a:lstStyle/>
-        <a:p>
-          <a:pPr marL="0" lvl="0" indent="0" algn="ctr" defTabSz="400050">
-            <a:lnSpc>
-              <a:spcPct val="90000"/>
-            </a:lnSpc>
-            <a:spcBef>
-              <a:spcPct val="0"/>
-            </a:spcBef>
-            <a:spcAft>
-              <a:spcPct val="35000"/>
-            </a:spcAft>
-            <a:buNone/>
-          </a:pPr>
-          <a:endParaRPr lang="en-US" sz="900" b="1" kern="1200"/>
-        </a:p>
-      </dsp:txBody>
-      <dsp:txXfrm rot="10800000">
-        <a:off x="3881167" y="1974916"/>
-        <a:ext cx="53354" cy="53354"/>
-      </dsp:txXfrm>
-    </dsp:sp>
-    <dsp:sp modelId="{6D54B3D7-B1BB-468C-B139-A330C534B0A9}">
-      <dsp:nvSpPr>
-        <dsp:cNvPr id="0" name=""/>
-        <dsp:cNvSpPr/>
-      </dsp:nvSpPr>
-      <dsp:spPr>
-        <a:xfrm>
-          <a:off x="2593749" y="548871"/>
-          <a:ext cx="1182304" cy="1182304"/>
-        </a:xfrm>
-        <a:prstGeom prst="ellipse">
-          <a:avLst/>
-        </a:prstGeom>
-        <a:solidFill>
-          <a:schemeClr val="bg2">
-            <a:lumMod val="75000"/>
-          </a:schemeClr>
-        </a:solidFill>
-        <a:ln w="19050" cap="flat" cmpd="sng" algn="ctr">
-          <a:solidFill>
-            <a:schemeClr val="lt1">
-              <a:hueOff val="0"/>
-              <a:satOff val="0"/>
-              <a:lumOff val="0"/>
-              <a:alphaOff val="0"/>
-            </a:schemeClr>
-          </a:solidFill>
-          <a:prstDash val="solid"/>
-          <a:miter lim="800000"/>
-        </a:ln>
-        <a:effectLst/>
-      </dsp:spPr>
-      <dsp:style>
-        <a:lnRef idx="2">
-          <a:scrgbClr r="0" g="0" b="0"/>
-        </a:lnRef>
-        <a:fillRef idx="1">
-          <a:scrgbClr r="0" g="0" b="0"/>
-        </a:fillRef>
-        <a:effectRef idx="0">
-          <a:scrgbClr r="0" g="0" b="0"/>
-        </a:effectRef>
-        <a:fontRef idx="minor">
-          <a:schemeClr val="lt1"/>
-        </a:fontRef>
-      </dsp:style>
-      <dsp:txBody>
-        <a:bodyPr spcFirstLastPara="0" vert="horz" wrap="square" lIns="6985" tIns="6985" rIns="6985" bIns="6985" numCol="1" spcCol="1270" anchor="ctr" anchorCtr="0">
-          <a:noAutofit/>
-        </a:bodyPr>
-        <a:lstStyle/>
-        <a:p>
-          <a:pPr marL="0" lvl="0" indent="0" algn="ctr" defTabSz="488950">
-            <a:lnSpc>
-              <a:spcPct val="90000"/>
-            </a:lnSpc>
-            <a:spcBef>
-              <a:spcPct val="0"/>
-            </a:spcBef>
-            <a:spcAft>
-              <a:spcPct val="35000"/>
-            </a:spcAft>
-            <a:buNone/>
-          </a:pPr>
-          <a:r>
-            <a:rPr lang="en-US" sz="1100" b="1" kern="1200" dirty="0"/>
-            <a:t>…</a:t>
-          </a:r>
-        </a:p>
-      </dsp:txBody>
-      <dsp:txXfrm>
-        <a:off x="2766893" y="722015"/>
-        <a:ext cx="836016" cy="836016"/>
+        <a:off x="2431423" y="1045312"/>
+        <a:ext cx="1018448" cy="1018448"/>
       </dsp:txXfrm>
     </dsp:sp>
   </dsp:spTree>
@@ -20521,7 +20098,7 @@
           <a:p>
             <a:fld id="{64AF2E3A-0E65-479D-A5E3-03C6FE5A6CB0}" type="datetimeFigureOut">
               <a:rPr lang="en-US" smtClean="0"/>
-              <a:t>11/19/2025</a:t>
+              <a:t>1/11/2026</a:t>
             </a:fld>
             <a:endParaRPr lang="en-US"/>
           </a:p>
@@ -20719,7 +20296,7 @@
           <a:p>
             <a:fld id="{64AF2E3A-0E65-479D-A5E3-03C6FE5A6CB0}" type="datetimeFigureOut">
               <a:rPr lang="en-US" smtClean="0"/>
-              <a:t>11/19/2025</a:t>
+              <a:t>1/11/2026</a:t>
             </a:fld>
             <a:endParaRPr lang="en-US"/>
           </a:p>
@@ -20927,7 +20504,7 @@
           <a:p>
             <a:fld id="{64AF2E3A-0E65-479D-A5E3-03C6FE5A6CB0}" type="datetimeFigureOut">
               <a:rPr lang="en-US" smtClean="0"/>
-              <a:t>11/19/2025</a:t>
+              <a:t>1/11/2026</a:t>
             </a:fld>
             <a:endParaRPr lang="en-US"/>
           </a:p>
@@ -21125,7 +20702,7 @@
           <a:p>
             <a:fld id="{64AF2E3A-0E65-479D-A5E3-03C6FE5A6CB0}" type="datetimeFigureOut">
               <a:rPr lang="en-US" smtClean="0"/>
-              <a:t>11/19/2025</a:t>
+              <a:t>1/11/2026</a:t>
             </a:fld>
             <a:endParaRPr lang="en-US"/>
           </a:p>
@@ -21447,7 +21024,7 @@
           <a:p>
             <a:fld id="{64AF2E3A-0E65-479D-A5E3-03C6FE5A6CB0}" type="datetimeFigureOut">
               <a:rPr lang="en-US" smtClean="0"/>
-              <a:t>11/19/2025</a:t>
+              <a:t>1/11/2026</a:t>
             </a:fld>
             <a:endParaRPr lang="en-US"/>
           </a:p>
@@ -21712,7 +21289,7 @@
           <a:p>
             <a:fld id="{64AF2E3A-0E65-479D-A5E3-03C6FE5A6CB0}" type="datetimeFigureOut">
               <a:rPr lang="en-US" smtClean="0"/>
-              <a:t>11/19/2025</a:t>
+              <a:t>1/11/2026</a:t>
             </a:fld>
             <a:endParaRPr lang="en-US"/>
           </a:p>
@@ -22124,7 +21701,7 @@
           <a:p>
             <a:fld id="{64AF2E3A-0E65-479D-A5E3-03C6FE5A6CB0}" type="datetimeFigureOut">
               <a:rPr lang="en-US" smtClean="0"/>
-              <a:t>11/19/2025</a:t>
+              <a:t>1/11/2026</a:t>
             </a:fld>
             <a:endParaRPr lang="en-US"/>
           </a:p>
@@ -22265,7 +21842,7 @@
           <a:p>
             <a:fld id="{64AF2E3A-0E65-479D-A5E3-03C6FE5A6CB0}" type="datetimeFigureOut">
               <a:rPr lang="en-US" smtClean="0"/>
-              <a:t>11/19/2025</a:t>
+              <a:t>1/11/2026</a:t>
             </a:fld>
             <a:endParaRPr lang="en-US"/>
           </a:p>
@@ -22378,7 +21955,7 @@
           <a:p>
             <a:fld id="{64AF2E3A-0E65-479D-A5E3-03C6FE5A6CB0}" type="datetimeFigureOut">
               <a:rPr lang="en-US" smtClean="0"/>
-              <a:t>11/19/2025</a:t>
+              <a:t>1/11/2026</a:t>
             </a:fld>
             <a:endParaRPr lang="en-US"/>
           </a:p>
@@ -22689,7 +22266,7 @@
           <a:p>
             <a:fld id="{64AF2E3A-0E65-479D-A5E3-03C6FE5A6CB0}" type="datetimeFigureOut">
               <a:rPr lang="en-US" smtClean="0"/>
-              <a:t>11/19/2025</a:t>
+              <a:t>1/11/2026</a:t>
             </a:fld>
             <a:endParaRPr lang="en-US"/>
           </a:p>
@@ -22977,7 +22554,7 @@
           <a:p>
             <a:fld id="{64AF2E3A-0E65-479D-A5E3-03C6FE5A6CB0}" type="datetimeFigureOut">
               <a:rPr lang="en-US" smtClean="0"/>
-              <a:t>11/19/2025</a:t>
+              <a:t>1/11/2026</a:t>
             </a:fld>
             <a:endParaRPr lang="en-US"/>
           </a:p>
@@ -23218,7 +22795,7 @@
           <a:p>
             <a:fld id="{64AF2E3A-0E65-479D-A5E3-03C6FE5A6CB0}" type="datetimeFigureOut">
               <a:rPr lang="en-US" smtClean="0"/>
-              <a:t>11/19/2025</a:t>
+              <a:t>1/11/2026</a:t>
             </a:fld>
             <a:endParaRPr lang="en-US"/>
           </a:p>
@@ -25810,7 +25387,7 @@
           <p:nvPr>
             <p:extLst>
               <p:ext uri="{D42A27DB-BD31-4B8C-83A1-F6EECF244321}">
-                <p14:modId xmlns:p14="http://schemas.microsoft.com/office/powerpoint/2010/main" val="1892772076"/>
+                <p14:modId xmlns:p14="http://schemas.microsoft.com/office/powerpoint/2010/main" val="1587030261"/>
               </p:ext>
             </p:extLst>
           </p:nvPr>
@@ -25991,8 +25568,8 @@
           </a:stretch>
         </p:blipFill>
         <p:spPr bwMode="auto">
-          <a:xfrm rot="588672" flipH="1">
-            <a:off x="2247614" y="2929621"/>
+          <a:xfrm rot="18752489" flipH="1">
+            <a:off x="2131309" y="2961709"/>
             <a:ext cx="1322780" cy="1322780"/>
           </a:xfrm>
           <a:prstGeom prst="rect">
@@ -26008,6 +25585,36 @@
               </a14:hiddenFill>
             </a:ext>
           </a:extLst>
+        </p:spPr>
+      </p:pic>
+      <p:pic>
+        <p:nvPicPr>
+          <p:cNvPr id="5" name="Picture 4">
+            <a:extLst>
+              <a:ext uri="{FF2B5EF4-FFF2-40B4-BE49-F238E27FC236}">
+                <a16:creationId xmlns:a16="http://schemas.microsoft.com/office/drawing/2014/main" id="{4F541BD6-DD7D-990B-BC10-2FFD4339654B}"/>
+              </a:ext>
+            </a:extLst>
+          </p:cNvPr>
+          <p:cNvPicPr>
+            <a:picLocks noChangeAspect="1"/>
+          </p:cNvPicPr>
+          <p:nvPr/>
+        </p:nvPicPr>
+        <p:blipFill>
+          <a:blip r:embed="rId13"/>
+          <a:stretch>
+            <a:fillRect/>
+          </a:stretch>
+        </p:blipFill>
+        <p:spPr>
+          <a:xfrm>
+            <a:off x="5879433" y="5078430"/>
+            <a:ext cx="2438525" cy="914447"/>
+          </a:xfrm>
+          <a:prstGeom prst="rect">
+            <a:avLst/>
+          </a:prstGeom>
         </p:spPr>
       </p:pic>
     </p:spTree>
